--- a/2015备课/课件/复习.pptx
+++ b/2015备课/课件/复习.pptx
@@ -5,7 +5,7 @@
     <p:sldMasterId id="2147483715" r:id="rId1"/>
   </p:sldMasterIdLst>
   <p:notesMasterIdLst>
-    <p:notesMasterId r:id="rId32"/>
+    <p:notesMasterId r:id="rId24"/>
   </p:notesMasterIdLst>
   <p:sldIdLst>
     <p:sldId id="583" r:id="rId2"/>
@@ -24,20 +24,12 @@
     <p:sldId id="546" r:id="rId15"/>
     <p:sldId id="551" r:id="rId16"/>
     <p:sldId id="557" r:id="rId17"/>
-    <p:sldId id="569" r:id="rId18"/>
-    <p:sldId id="571" r:id="rId19"/>
-    <p:sldId id="578" r:id="rId20"/>
-    <p:sldId id="579" r:id="rId21"/>
-    <p:sldId id="573" r:id="rId22"/>
-    <p:sldId id="580" r:id="rId23"/>
-    <p:sldId id="575" r:id="rId24"/>
-    <p:sldId id="574" r:id="rId25"/>
-    <p:sldId id="576" r:id="rId26"/>
-    <p:sldId id="585" r:id="rId27"/>
-    <p:sldId id="560" r:id="rId28"/>
-    <p:sldId id="561" r:id="rId29"/>
-    <p:sldId id="563" r:id="rId30"/>
-    <p:sldId id="584" r:id="rId31"/>
+    <p:sldId id="571" r:id="rId18"/>
+    <p:sldId id="579" r:id="rId19"/>
+    <p:sldId id="573" r:id="rId20"/>
+    <p:sldId id="575" r:id="rId21"/>
+    <p:sldId id="585" r:id="rId22"/>
+    <p:sldId id="563" r:id="rId23"/>
   </p:sldIdLst>
   <p:sldSz cx="9144000" cy="6858000" type="screen4x3"/>
   <p:notesSz cx="6858000" cy="9144000"/>
@@ -1045,196 +1037,6 @@
             <a:endParaRPr lang="en-US">
               <a:ea typeface="楷体_GB2312" pitchFamily="1" charset="-122"/>
             </a:endParaRPr>
-          </a:p>
-        </p:txBody>
-      </p:sp>
-    </p:spTree>
-  </p:cSld>
-  <p:clrMapOvr>
-    <a:overrideClrMapping bg1="lt1" tx1="dk1" bg2="lt2" tx2="dk2" accent1="accent1" accent2="accent2" accent3="accent3" accent4="accent4" accent5="accent5" accent6="accent6" hlink="hlink" folHlink="folHlink"/>
-  </p:clrMapOvr>
-</p:notes>
-</file>
-
-<file path=ppt/notesSlides/notesSlide2.xml><?xml version="1.0" encoding="utf-8"?>
-<p:notes xmlns:a="http://schemas.openxmlformats.org/drawingml/2006/main" xmlns:r="http://schemas.openxmlformats.org/officeDocument/2006/relationships" xmlns:p="http://schemas.openxmlformats.org/presentationml/2006/main" showMasterSp="0">
-  <p:cSld>
-    <p:bg bwMode="auto">
-      <p:bgPr>
-        <a:solidFill>
-          <a:srgbClr val="FFFFFF"/>
-        </a:solidFill>
-        <a:effectLst/>
-      </p:bgPr>
-    </p:bg>
-    <p:spTree>
-      <p:nvGrpSpPr>
-        <p:cNvPr id="1" name=""/>
-        <p:cNvGrpSpPr/>
-        <p:nvPr/>
-      </p:nvGrpSpPr>
-      <p:grpSpPr>
-        <a:xfrm>
-          <a:off x="0" y="0"/>
-          <a:ext cx="0" cy="0"/>
-          <a:chOff x="0" y="0"/>
-          <a:chExt cx="0" cy="0"/>
-        </a:xfrm>
-      </p:grpSpPr>
-      <p:sp>
-        <p:nvSpPr>
-          <p:cNvPr id="21506" name="幻灯片图像占位符 1"/>
-          <p:cNvSpPr>
-            <a:spLocks noGrp="1" noRot="1" noChangeAspect="1" noChangeArrowheads="1" noTextEdit="1"/>
-          </p:cNvSpPr>
-          <p:nvPr>
-            <p:ph type="sldImg" idx="4294967295"/>
-          </p:nvPr>
-        </p:nvSpPr>
-        <p:spPr>
-          <a:xfrm>
-            <a:off x="1588" y="0"/>
-            <a:ext cx="0" cy="0"/>
-          </a:xfrm>
-          <a:ln/>
-        </p:spPr>
-      </p:sp>
-      <p:sp>
-        <p:nvSpPr>
-          <p:cNvPr id="21507" name="备注占位符 2"/>
-          <p:cNvSpPr>
-            <a:spLocks noGrp="1" noRot="1" noChangeAspect="1" noChangeArrowheads="1" noTextEdit="1"/>
-          </p:cNvSpPr>
-          <p:nvPr>
-            <p:ph type="body" idx="1"/>
-          </p:nvPr>
-        </p:nvSpPr>
-        <p:spPr bwMode="auto">
-          <a:xfrm>
-            <a:off x="685800" y="1981200"/>
-            <a:ext cx="7772400" cy="4114800"/>
-          </a:xfrm>
-          <a:prstGeom prst="rect">
-            <a:avLst/>
-          </a:prstGeom>
-          <a:noFill/>
-          <a:ln/>
-          <a:extLst>
-            <a:ext uri="{909E8E84-426E-40DD-AFC4-6F175D3DCCD1}">
-              <a14:hiddenFill xmlns:a14="http://schemas.microsoft.com/office/drawing/2010/main">
-                <a:solidFill>
-                  <a:srgbClr val="FFFFFF"/>
-                </a:solidFill>
-              </a14:hiddenFill>
-            </a:ext>
-            <a:ext uri="{91240B29-F687-4F45-9708-019B960494DF}">
-              <a14:hiddenLine xmlns:a14="http://schemas.microsoft.com/office/drawing/2010/main" w="9525">
-                <a:solidFill>
-                  <a:srgbClr val="000000"/>
-                </a:solidFill>
-                <a:miter lim="800000"/>
-                <a:headEnd/>
-                <a:tailEnd/>
-              </a14:hiddenLine>
-            </a:ext>
-          </a:extLst>
-        </p:spPr>
-        <p:txBody>
-          <a:bodyPr/>
-          <a:lstStyle/>
-          <a:p>
-            <a:r>
-              <a:rPr lang="zh-CN" altLang="en-US" dirty="0"/>
-              <a:t>成员运算符</a:t>
-            </a:r>
-          </a:p>
-          <a:p>
-            <a:r>
-              <a:rPr lang="zh-CN" altLang="en-US" dirty="0"/>
-              <a:t>优先级</a:t>
-            </a:r>
-            <a:r>
-              <a:rPr lang="en-US" dirty="0"/>
-              <a:t>: 1</a:t>
-            </a:r>
-            <a:endParaRPr lang="zh-CN" altLang="en-US" dirty="0"/>
-          </a:p>
-          <a:p>
-            <a:r>
-              <a:rPr lang="zh-CN" altLang="en-US" dirty="0"/>
-              <a:t>结合方向：自左向右</a:t>
-            </a:r>
-            <a:endParaRPr lang="en-US" dirty="0"/>
-          </a:p>
-          <a:p>
-            <a:endParaRPr lang="zh-CN" altLang="en-US" dirty="0"/>
-          </a:p>
-          <a:p>
-            <a:r>
-              <a:rPr lang="zh-CN" altLang="en-US" dirty="0"/>
-              <a:t>指向运算符（指针运算符，有地址求内容，间接访问）</a:t>
-            </a:r>
-          </a:p>
-          <a:p>
-            <a:r>
-              <a:rPr lang="zh-CN" altLang="en-US" dirty="0"/>
-              <a:t>优先级</a:t>
-            </a:r>
-            <a:r>
-              <a:rPr lang="en-US" dirty="0"/>
-              <a:t>: 1</a:t>
-            </a:r>
-            <a:endParaRPr lang="zh-CN" altLang="en-US" dirty="0"/>
-          </a:p>
-          <a:p>
-            <a:r>
-              <a:rPr lang="zh-CN" altLang="en-US" dirty="0"/>
-              <a:t>结合方向：自左向右</a:t>
-            </a:r>
-          </a:p>
-          <a:p>
-            <a:endParaRPr lang="zh-CN" altLang="en-US" dirty="0"/>
-          </a:p>
-          <a:p>
-            <a:r>
-              <a:rPr lang="zh-CN" altLang="en-US" dirty="0"/>
-              <a:t>因此，括号不能省，(*结构体指针名). 成员名</a:t>
-            </a:r>
-          </a:p>
-          <a:p>
-            <a:endParaRPr lang="zh-CN" altLang="en-US" dirty="0"/>
-          </a:p>
-          <a:p>
-            <a:endParaRPr lang="zh-CN" altLang="en-US" dirty="0"/>
-          </a:p>
-          <a:p>
-            <a:r>
-              <a:rPr lang="zh-CN" altLang="en-US" dirty="0"/>
-              <a:t>指针运算符</a:t>
-            </a:r>
-          </a:p>
-          <a:p>
-            <a:r>
-              <a:rPr lang="zh-CN" altLang="en-US" dirty="0"/>
-              <a:t>优先级</a:t>
-            </a:r>
-            <a:r>
-              <a:rPr lang="en-US" dirty="0"/>
-              <a:t>: 2</a:t>
-            </a:r>
-            <a:endParaRPr lang="zh-CN" altLang="en-US" dirty="0"/>
-          </a:p>
-          <a:p>
-            <a:r>
-              <a:rPr lang="zh-CN" altLang="en-US" dirty="0"/>
-              <a:t>结合方向：自右向左</a:t>
-            </a:r>
-          </a:p>
-          <a:p>
-            <a:endParaRPr lang="zh-CN" altLang="en-US" dirty="0"/>
-          </a:p>
-          <a:p>
-            <a:endParaRPr lang="zh-CN" altLang="en-US" dirty="0"/>
           </a:p>
         </p:txBody>
       </p:sp>
@@ -6277,19 +6079,8 @@
                 <a:latin typeface="华文行楷" pitchFamily="2" charset="-122"/>
                 <a:ea typeface="华文行楷" pitchFamily="2" charset="-122"/>
               </a:rPr>
-              <a:t>       </a:t>
-            </a:r>
-            <a:r>
-              <a:rPr lang="zh-CN" altLang="en-US" dirty="0" smtClean="0">
-                <a:latin typeface="华文行楷" pitchFamily="2" charset="-122"/>
-                <a:ea typeface="华文行楷" pitchFamily="2" charset="-122"/>
-              </a:rPr>
-              <a:t>段江涛</a:t>
-            </a:r>
-            <a:endParaRPr lang="zh-CN" altLang="en-US" dirty="0" smtClean="0">
-              <a:latin typeface="华文行楷" pitchFamily="2" charset="-122"/>
-              <a:ea typeface="华文行楷" pitchFamily="2" charset="-122"/>
-            </a:endParaRPr>
+              <a:t>       段江涛</a:t>
+            </a:r>
           </a:p>
           <a:p>
             <a:pPr eaLnBrk="1" hangingPunct="1">
@@ -6303,21 +6094,7 @@
                 <a:latin typeface="Times New Roman" pitchFamily="18" charset="0"/>
                 <a:ea typeface="华文行楷" pitchFamily="2" charset="-122"/>
               </a:rPr>
-              <a:t>                  </a:t>
-            </a:r>
-            <a:r>
-              <a:rPr lang="en-US" altLang="zh-CN" sz="2400" dirty="0" smtClean="0">
-                <a:latin typeface="Times New Roman" pitchFamily="18" charset="0"/>
-                <a:ea typeface="华文行楷" pitchFamily="2" charset="-122"/>
-              </a:rPr>
-              <a:t>E-mail</a:t>
-            </a:r>
-            <a:r>
-              <a:rPr lang="en-US" altLang="zh-CN" sz="2400" dirty="0" smtClean="0">
-                <a:latin typeface="Times New Roman" pitchFamily="18" charset="0"/>
-                <a:ea typeface="华文行楷" pitchFamily="2" charset="-122"/>
-              </a:rPr>
-              <a:t>:  jtduan@mail.xidian.edu.cn</a:t>
+              <a:t>                  E-mail:  jtduan@mail.xidian.edu.cn</a:t>
             </a:r>
           </a:p>
           <a:p>
@@ -6669,7 +6446,15 @@
             </a:r>
             <a:r>
               <a:rPr lang="en-US" sz="2000" dirty="0"/>
-              <a:t>&gt;  gets(char *s) </a:t>
+              <a:t>&gt;  </a:t>
+            </a:r>
+            <a:r>
+              <a:rPr lang="en-US" sz="2000" dirty="0">
+                <a:solidFill>
+                  <a:srgbClr val="FF0000"/>
+                </a:solidFill>
+              </a:rPr>
+              <a:t>gets(char *s) </a:t>
             </a:r>
             <a:r>
               <a:rPr lang="zh-CN" altLang="en-US" sz="2000" dirty="0"/>
@@ -6772,7 +6557,7 @@
             <a:r>
               <a:rPr lang="en-US" sz="2000" dirty="0" err="1">
                 <a:solidFill>
-                  <a:srgbClr val="0000FF"/>
+                  <a:srgbClr val="FF0000"/>
                 </a:solidFill>
                 <a:ea typeface="楷体_GB2312" pitchFamily="1" charset="-122"/>
               </a:rPr>
@@ -6781,7 +6566,7 @@
             <a:r>
               <a:rPr lang="en-US" sz="2000" dirty="0">
                 <a:solidFill>
-                  <a:srgbClr val="0000FF"/>
+                  <a:srgbClr val="FF0000"/>
                 </a:solidFill>
                 <a:ea typeface="楷体_GB2312" pitchFamily="1" charset="-122"/>
               </a:rPr>
@@ -6790,7 +6575,7 @@
             <a:r>
               <a:rPr lang="en-US" sz="2000" dirty="0" err="1">
                 <a:solidFill>
-                  <a:srgbClr val="0000FF"/>
+                  <a:srgbClr val="FF0000"/>
                 </a:solidFill>
                 <a:ea typeface="楷体_GB2312" pitchFamily="1" charset="-122"/>
               </a:rPr>
@@ -6799,7 +6584,7 @@
             <a:r>
               <a:rPr lang="en-US" sz="2000" dirty="0">
                 <a:solidFill>
-                  <a:srgbClr val="0000FF"/>
+                  <a:srgbClr val="FF0000"/>
                 </a:solidFill>
                 <a:ea typeface="楷体_GB2312" pitchFamily="1" charset="-122"/>
               </a:rPr>
@@ -7108,8 +6893,12 @@
           <a:lstStyle/>
           <a:p>
             <a:r>
+              <a:rPr lang="en-US" dirty="0"/>
+              <a:t>s</a:t>
+            </a:r>
+            <a:r>
               <a:rPr lang="en-US" dirty="0" smtClean="0"/>
-              <a:t>Switch</a:t>
+              <a:t>witch</a:t>
             </a:r>
             <a:r>
               <a:rPr lang="zh-CN" altLang="en-US" dirty="0" smtClean="0"/>
@@ -9642,7 +9431,7 @@
         </p:blipFill>
         <p:spPr bwMode="auto">
           <a:xfrm>
-            <a:off x="4238625" y="1125538"/>
+            <a:off x="755735" y="4077045"/>
             <a:ext cx="4573588" cy="2519362"/>
           </a:xfrm>
           <a:prstGeom prst="rect">
@@ -9685,116 +9474,6 @@
           </a:extLst>
         </p:spPr>
       </p:pic>
-      <p:sp>
-        <p:nvSpPr>
-          <p:cNvPr id="53254" name="矩形 4"/>
-          <p:cNvSpPr>
-            <a:spLocks noChangeArrowheads="1"/>
-          </p:cNvSpPr>
-          <p:nvPr/>
-        </p:nvSpPr>
-        <p:spPr bwMode="auto">
-          <a:xfrm>
-            <a:off x="971550" y="4373563"/>
-            <a:ext cx="6553200" cy="1792287"/>
-          </a:xfrm>
-          <a:prstGeom prst="rect">
-            <a:avLst/>
-          </a:prstGeom>
-          <a:noFill/>
-          <a:ln w="9525" cmpd="sng">
-            <a:solidFill>
-              <a:schemeClr val="tx1"/>
-            </a:solidFill>
-            <a:miter lim="800000"/>
-            <a:headEnd/>
-            <a:tailEnd/>
-          </a:ln>
-          <a:extLst>
-            <a:ext uri="{909E8E84-426E-40DD-AFC4-6F175D3DCCD1}">
-              <a14:hiddenFill xmlns:a14="http://schemas.microsoft.com/office/drawing/2010/main">
-                <a:solidFill>
-                  <a:srgbClr val="FFFFFF"/>
-                </a:solidFill>
-              </a14:hiddenFill>
-            </a:ext>
-          </a:extLst>
-        </p:spPr>
-        <p:txBody>
-          <a:bodyPr>
-            <a:spAutoFit/>
-          </a:bodyPr>
-          <a:lstStyle/>
-          <a:p>
-            <a:r>
-              <a:rPr lang="zh-CN" altLang="en-US"/>
-              <a:t>例  对于以下字符串，</a:t>
-            </a:r>
-            <a:r>
-              <a:rPr lang="en-US"/>
-              <a:t>strlen(s)</a:t>
-            </a:r>
-            <a:r>
-              <a:rPr lang="zh-CN" altLang="en-US"/>
-              <a:t>的值为：</a:t>
-            </a:r>
-          </a:p>
-          <a:p>
-            <a:r>
-              <a:rPr lang="zh-CN" altLang="en-US"/>
-              <a:t>（</a:t>
-            </a:r>
-            <a:r>
-              <a:rPr lang="en-US"/>
-              <a:t>1</a:t>
-            </a:r>
-            <a:r>
-              <a:rPr lang="zh-CN" altLang="en-US"/>
-              <a:t>）</a:t>
-            </a:r>
-            <a:r>
-              <a:rPr lang="en-US"/>
-              <a:t>char  s[10]={‘A’,‘\0’,‘B’,‘C’,‘\0’,‘D’};  // 1</a:t>
-            </a:r>
-          </a:p>
-          <a:p>
-            <a:r>
-              <a:rPr lang="zh-CN" altLang="en-US"/>
-              <a:t>（</a:t>
-            </a:r>
-            <a:r>
-              <a:rPr lang="en-US"/>
-              <a:t>2</a:t>
-            </a:r>
-            <a:r>
-              <a:rPr lang="zh-CN" altLang="en-US"/>
-              <a:t>）</a:t>
-            </a:r>
-            <a:r>
-              <a:rPr lang="en-US"/>
-              <a:t>char  s[ ]=“\t\v\\\0will\n”;   // 3</a:t>
-            </a:r>
-          </a:p>
-          <a:p>
-            <a:r>
-              <a:rPr lang="zh-CN" altLang="en-US"/>
-              <a:t>（</a:t>
-            </a:r>
-            <a:r>
-              <a:rPr lang="en-US"/>
-              <a:t>3</a:t>
-            </a:r>
-            <a:r>
-              <a:rPr lang="zh-CN" altLang="en-US"/>
-              <a:t>）</a:t>
-            </a:r>
-            <a:r>
-              <a:rPr lang="en-US"/>
-              <a:t>char  s[ ]=“\x69\082\n”;      // 1</a:t>
-            </a:r>
-          </a:p>
-        </p:txBody>
-      </p:sp>
     </p:spTree>
   </p:cSld>
   <p:clrMapOvr>
@@ -11900,545 +11579,6 @@
       </p:grpSpPr>
       <p:sp>
         <p:nvSpPr>
-          <p:cNvPr id="64514" name="标题 1"/>
-          <p:cNvSpPr>
-            <a:spLocks noGrp="1"/>
-          </p:cNvSpPr>
-          <p:nvPr>
-            <p:ph type="title" idx="4294967295"/>
-          </p:nvPr>
-        </p:nvSpPr>
-        <p:spPr/>
-        <p:txBody>
-          <a:bodyPr/>
-          <a:lstStyle/>
-          <a:p>
-            <a:r>
-              <a:rPr lang="en-US"/>
-              <a:t>&amp;</a:t>
-            </a:r>
-            <a:r>
-              <a:rPr lang="zh-CN" altLang="en-US"/>
-              <a:t>与*运算符</a:t>
-            </a:r>
-          </a:p>
-        </p:txBody>
-      </p:sp>
-      <p:sp>
-        <p:nvSpPr>
-          <p:cNvPr id="64515" name="内容占位符 2"/>
-          <p:cNvSpPr>
-            <a:spLocks noGrp="1"/>
-          </p:cNvSpPr>
-          <p:nvPr>
-            <p:ph idx="4294967295"/>
-          </p:nvPr>
-        </p:nvSpPr>
-        <p:spPr>
-          <a:xfrm>
-            <a:off x="762000" y="838200"/>
-            <a:ext cx="7842250" cy="1582738"/>
-          </a:xfrm>
-        </p:spPr>
-        <p:txBody>
-          <a:bodyPr/>
-          <a:lstStyle/>
-          <a:p>
-            <a:pPr marL="0" indent="0">
-              <a:buFont typeface="Wingdings" pitchFamily="2" charset="2"/>
-              <a:buNone/>
-            </a:pPr>
-            <a:r>
-              <a:rPr lang="en-US" sz="2000"/>
-              <a:t>&amp;   </a:t>
-            </a:r>
-            <a:r>
-              <a:rPr lang="zh-CN" altLang="en-US" sz="2000"/>
-              <a:t>取变量的地址</a:t>
-            </a:r>
-          </a:p>
-          <a:p>
-            <a:pPr marL="0" indent="0">
-              <a:buFont typeface="Wingdings" pitchFamily="2" charset="2"/>
-              <a:buNone/>
-            </a:pPr>
-            <a:r>
-              <a:rPr lang="zh-CN" altLang="en-US" sz="2000"/>
-              <a:t>*    取指针所指向变量的内容（间接访问）</a:t>
-            </a:r>
-          </a:p>
-          <a:p>
-            <a:pPr marL="0" indent="0">
-              <a:buFont typeface="Wingdings" pitchFamily="2" charset="2"/>
-              <a:buNone/>
-            </a:pPr>
-            <a:r>
-              <a:rPr lang="zh-CN" altLang="en-US" sz="2000"/>
-              <a:t>二者为单目运算符 ，优先级</a:t>
-            </a:r>
-            <a:r>
-              <a:rPr lang="en-US" sz="2000"/>
-              <a:t>: 2 </a:t>
-            </a:r>
-            <a:r>
-              <a:rPr lang="zh-CN" altLang="en-US" sz="2000"/>
-              <a:t>，结合性</a:t>
-            </a:r>
-            <a:r>
-              <a:rPr lang="en-US" sz="2000"/>
-              <a:t>:</a:t>
-            </a:r>
-            <a:r>
-              <a:rPr lang="zh-CN" altLang="en-US" sz="2000"/>
-              <a:t>自右向左</a:t>
-            </a:r>
-          </a:p>
-        </p:txBody>
-      </p:sp>
-      <p:sp>
-        <p:nvSpPr>
-          <p:cNvPr id="64516" name="灯片编号占位符 3"/>
-          <p:cNvSpPr txBox="1">
-            <a:spLocks noGrp="1" noChangeArrowheads="1"/>
-          </p:cNvSpPr>
-          <p:nvPr/>
-        </p:nvSpPr>
-        <p:spPr bwMode="auto">
-          <a:xfrm>
-            <a:off x="8556625" y="0"/>
-            <a:ext cx="587375" cy="396875"/>
-          </a:xfrm>
-          <a:prstGeom prst="rect">
-            <a:avLst/>
-          </a:prstGeom>
-          <a:noFill/>
-          <a:ln>
-            <a:noFill/>
-          </a:ln>
-          <a:extLst>
-            <a:ext uri="{909E8E84-426E-40DD-AFC4-6F175D3DCCD1}">
-              <a14:hiddenFill xmlns:a14="http://schemas.microsoft.com/office/drawing/2010/main">
-                <a:solidFill>
-                  <a:srgbClr val="FFFFFF"/>
-                </a:solidFill>
-              </a14:hiddenFill>
-            </a:ext>
-            <a:ext uri="{91240B29-F687-4F45-9708-019B960494DF}">
-              <a14:hiddenLine xmlns:a14="http://schemas.microsoft.com/office/drawing/2010/main" w="9525">
-                <a:solidFill>
-                  <a:srgbClr val="000000"/>
-                </a:solidFill>
-                <a:miter lim="800000"/>
-                <a:headEnd/>
-                <a:tailEnd/>
-              </a14:hiddenLine>
-            </a:ext>
-          </a:extLst>
-        </p:spPr>
-        <p:txBody>
-          <a:bodyPr anchor="b" anchorCtr="1">
-            <a:spAutoFit/>
-          </a:bodyPr>
-          <a:lstStyle>
-            <a:lvl1pPr>
-              <a:defRPr sz="2400" b="1">
-                <a:solidFill>
-                  <a:srgbClr val="000000"/>
-                </a:solidFill>
-                <a:latin typeface="Times New Roman" pitchFamily="18" charset="0"/>
-                <a:ea typeface="宋体" pitchFamily="2" charset="-122"/>
-              </a:defRPr>
-            </a:lvl1pPr>
-            <a:lvl2pPr marL="742950" indent="-285750">
-              <a:defRPr sz="2400" b="1">
-                <a:solidFill>
-                  <a:srgbClr val="000000"/>
-                </a:solidFill>
-                <a:latin typeface="Times New Roman" pitchFamily="18" charset="0"/>
-                <a:ea typeface="宋体" pitchFamily="2" charset="-122"/>
-              </a:defRPr>
-            </a:lvl2pPr>
-            <a:lvl3pPr marL="1143000" indent="-228600">
-              <a:defRPr sz="2400" b="1">
-                <a:solidFill>
-                  <a:srgbClr val="000000"/>
-                </a:solidFill>
-                <a:latin typeface="Times New Roman" pitchFamily="18" charset="0"/>
-                <a:ea typeface="宋体" pitchFamily="2" charset="-122"/>
-              </a:defRPr>
-            </a:lvl3pPr>
-            <a:lvl4pPr marL="1600200" indent="-228600">
-              <a:defRPr sz="2400" b="1">
-                <a:solidFill>
-                  <a:srgbClr val="000000"/>
-                </a:solidFill>
-                <a:latin typeface="Times New Roman" pitchFamily="18" charset="0"/>
-                <a:ea typeface="宋体" pitchFamily="2" charset="-122"/>
-              </a:defRPr>
-            </a:lvl4pPr>
-            <a:lvl5pPr marL="2057400" indent="-228600">
-              <a:defRPr sz="2400" b="1">
-                <a:solidFill>
-                  <a:srgbClr val="000000"/>
-                </a:solidFill>
-                <a:latin typeface="Times New Roman" pitchFamily="18" charset="0"/>
-                <a:ea typeface="宋体" pitchFamily="2" charset="-122"/>
-              </a:defRPr>
-            </a:lvl5pPr>
-            <a:lvl6pPr marL="2514600" indent="-228600" eaLnBrk="0" fontAlgn="base" hangingPunct="0">
-              <a:spcBef>
-                <a:spcPct val="20000"/>
-              </a:spcBef>
-              <a:spcAft>
-                <a:spcPct val="0"/>
-              </a:spcAft>
-              <a:buClr>
-                <a:schemeClr val="tx1"/>
-              </a:buClr>
-              <a:buSzPct val="75000"/>
-              <a:buFont typeface="Wingdings" pitchFamily="2" charset="2"/>
-              <a:defRPr sz="2400" b="1">
-                <a:solidFill>
-                  <a:srgbClr val="000000"/>
-                </a:solidFill>
-                <a:latin typeface="Times New Roman" pitchFamily="18" charset="0"/>
-                <a:ea typeface="宋体" pitchFamily="2" charset="-122"/>
-              </a:defRPr>
-            </a:lvl6pPr>
-            <a:lvl7pPr marL="2971800" indent="-228600" eaLnBrk="0" fontAlgn="base" hangingPunct="0">
-              <a:spcBef>
-                <a:spcPct val="20000"/>
-              </a:spcBef>
-              <a:spcAft>
-                <a:spcPct val="0"/>
-              </a:spcAft>
-              <a:buClr>
-                <a:schemeClr val="tx1"/>
-              </a:buClr>
-              <a:buSzPct val="75000"/>
-              <a:buFont typeface="Wingdings" pitchFamily="2" charset="2"/>
-              <a:defRPr sz="2400" b="1">
-                <a:solidFill>
-                  <a:srgbClr val="000000"/>
-                </a:solidFill>
-                <a:latin typeface="Times New Roman" pitchFamily="18" charset="0"/>
-                <a:ea typeface="宋体" pitchFamily="2" charset="-122"/>
-              </a:defRPr>
-            </a:lvl7pPr>
-            <a:lvl8pPr marL="3429000" indent="-228600" eaLnBrk="0" fontAlgn="base" hangingPunct="0">
-              <a:spcBef>
-                <a:spcPct val="20000"/>
-              </a:spcBef>
-              <a:spcAft>
-                <a:spcPct val="0"/>
-              </a:spcAft>
-              <a:buClr>
-                <a:schemeClr val="tx1"/>
-              </a:buClr>
-              <a:buSzPct val="75000"/>
-              <a:buFont typeface="Wingdings" pitchFamily="2" charset="2"/>
-              <a:defRPr sz="2400" b="1">
-                <a:solidFill>
-                  <a:srgbClr val="000000"/>
-                </a:solidFill>
-                <a:latin typeface="Times New Roman" pitchFamily="18" charset="0"/>
-                <a:ea typeface="宋体" pitchFamily="2" charset="-122"/>
-              </a:defRPr>
-            </a:lvl8pPr>
-            <a:lvl9pPr marL="3886200" indent="-228600" eaLnBrk="0" fontAlgn="base" hangingPunct="0">
-              <a:spcBef>
-                <a:spcPct val="20000"/>
-              </a:spcBef>
-              <a:spcAft>
-                <a:spcPct val="0"/>
-              </a:spcAft>
-              <a:buClr>
-                <a:schemeClr val="tx1"/>
-              </a:buClr>
-              <a:buSzPct val="75000"/>
-              <a:buFont typeface="Wingdings" pitchFamily="2" charset="2"/>
-              <a:defRPr sz="2400" b="1">
-                <a:solidFill>
-                  <a:srgbClr val="000000"/>
-                </a:solidFill>
-                <a:latin typeface="Times New Roman" pitchFamily="18" charset="0"/>
-                <a:ea typeface="宋体" pitchFamily="2" charset="-122"/>
-              </a:defRPr>
-            </a:lvl9pPr>
-          </a:lstStyle>
-          <a:p>
-            <a:pPr>
-              <a:spcBef>
-                <a:spcPct val="0"/>
-              </a:spcBef>
-            </a:pPr>
-            <a:fld id="{A7A27501-7BF0-4BF6-89FA-316FA995C4DB}" type="slidenum">
-              <a:rPr lang="zh-CN" altLang="en-US" sz="2000">
-                <a:solidFill>
-                  <a:schemeClr val="tx2"/>
-                </a:solidFill>
-                <a:latin typeface="Arial" pitchFamily="34" charset="0"/>
-                <a:sym typeface="Arial" pitchFamily="34" charset="0"/>
-              </a:rPr>
-              <a:pPr>
-                <a:spcBef>
-                  <a:spcPct val="0"/>
-                </a:spcBef>
-              </a:pPr>
-              <a:t>17</a:t>
-            </a:fld>
-            <a:endParaRPr lang="en-US" sz="1800">
-              <a:ea typeface="楷体_GB2312" pitchFamily="1" charset="-122"/>
-              <a:sym typeface="Arial" pitchFamily="34" charset="0"/>
-            </a:endParaRPr>
-          </a:p>
-        </p:txBody>
-      </p:sp>
-      <p:sp>
-        <p:nvSpPr>
-          <p:cNvPr id="64517" name="矩形 4"/>
-          <p:cNvSpPr>
-            <a:spLocks noChangeArrowheads="1"/>
-          </p:cNvSpPr>
-          <p:nvPr/>
-        </p:nvSpPr>
-        <p:spPr bwMode="auto">
-          <a:xfrm>
-            <a:off x="193675" y="4972050"/>
-            <a:ext cx="4098925" cy="1508125"/>
-          </a:xfrm>
-          <a:prstGeom prst="rect">
-            <a:avLst/>
-          </a:prstGeom>
-          <a:noFill/>
-          <a:ln w="9525" cmpd="sng">
-            <a:solidFill>
-              <a:schemeClr val="accent1"/>
-            </a:solidFill>
-            <a:miter lim="800000"/>
-            <a:headEnd/>
-            <a:tailEnd/>
-          </a:ln>
-          <a:extLst>
-            <a:ext uri="{909E8E84-426E-40DD-AFC4-6F175D3DCCD1}">
-              <a14:hiddenFill xmlns:a14="http://schemas.microsoft.com/office/drawing/2010/main">
-                <a:solidFill>
-                  <a:srgbClr val="FFFFFF"/>
-                </a:solidFill>
-              </a14:hiddenFill>
-            </a:ext>
-          </a:extLst>
-        </p:spPr>
-        <p:txBody>
-          <a:bodyPr>
-            <a:spAutoFit/>
-          </a:bodyPr>
-          <a:lstStyle/>
-          <a:p>
-            <a:r>
-              <a:rPr lang="zh-CN" altLang="en-US" sz="2000">
-                <a:solidFill>
-                  <a:srgbClr val="C00000"/>
-                </a:solidFill>
-              </a:rPr>
-              <a:t>两者关系：互为逆运算</a:t>
-            </a:r>
-            <a:endParaRPr lang="en-US" sz="2000">
-              <a:solidFill>
-                <a:srgbClr val="C00000"/>
-              </a:solidFill>
-            </a:endParaRPr>
-          </a:p>
-          <a:p>
-            <a:r>
-              <a:rPr lang="en-US" sz="2000"/>
-              <a:t>int i, *i_pointer;</a:t>
-            </a:r>
-          </a:p>
-          <a:p>
-            <a:r>
-              <a:rPr lang="en-US" sz="2000"/>
-              <a:t>i_pointer  =  &amp;i  =  &amp;(*i_pointer)</a:t>
-            </a:r>
-          </a:p>
-          <a:p>
-            <a:r>
-              <a:rPr lang="en-US" sz="2000"/>
-              <a:t>i  =    *i_pointer  =    *(&amp;i)</a:t>
-            </a:r>
-          </a:p>
-        </p:txBody>
-      </p:sp>
-      <p:pic>
-        <p:nvPicPr>
-          <p:cNvPr id="64518" name="Picture 2"/>
-          <p:cNvPicPr>
-            <a:picLocks noChangeAspect="1" noChangeArrowheads="1"/>
-          </p:cNvPicPr>
-          <p:nvPr/>
-        </p:nvPicPr>
-        <p:blipFill>
-          <a:blip r:embed="rId2">
-            <a:extLst>
-              <a:ext uri="{28A0092B-C50C-407E-A947-70E740481C1C}">
-                <a14:useLocalDpi xmlns:a14="http://schemas.microsoft.com/office/drawing/2010/main" val="0"/>
-              </a:ext>
-            </a:extLst>
-          </a:blip>
-          <a:srcRect/>
-          <a:stretch>
-            <a:fillRect/>
-          </a:stretch>
-        </p:blipFill>
-        <p:spPr bwMode="auto">
-          <a:xfrm>
-            <a:off x="4284663" y="1916113"/>
-            <a:ext cx="4754562" cy="4202112"/>
-          </a:xfrm>
-          <a:prstGeom prst="rect">
-            <a:avLst/>
-          </a:prstGeom>
-          <a:noFill/>
-          <a:ln>
-            <a:noFill/>
-          </a:ln>
-          <a:effectLst/>
-          <a:extLst>
-            <a:ext uri="{909E8E84-426E-40DD-AFC4-6F175D3DCCD1}">
-              <a14:hiddenFill xmlns:a14="http://schemas.microsoft.com/office/drawing/2010/main">
-                <a:solidFill>
-                  <a:schemeClr val="accent1"/>
-                </a:solidFill>
-              </a14:hiddenFill>
-            </a:ext>
-            <a:ext uri="{91240B29-F687-4F45-9708-019B960494DF}">
-              <a14:hiddenLine xmlns:a14="http://schemas.microsoft.com/office/drawing/2010/main" w="9525">
-                <a:solidFill>
-                  <a:srgbClr val="000000"/>
-                </a:solidFill>
-                <a:miter lim="800000"/>
-                <a:headEnd/>
-                <a:tailEnd/>
-              </a14:hiddenLine>
-            </a:ext>
-            <a:ext uri="{AF507438-7753-43E0-B8FC-AC1667EBCBE1}">
-              <a14:hiddenEffects xmlns:a14="http://schemas.microsoft.com/office/drawing/2010/main">
-                <a:effectLst>
-                  <a:outerShdw dist="53882" dir="13500000" algn="ctr" rotWithShape="0">
-                    <a:srgbClr val="5C7A5C">
-                      <a:alpha val="50000"/>
-                    </a:srgbClr>
-                  </a:outerShdw>
-                </a:effectLst>
-              </a14:hiddenEffects>
-            </a:ext>
-          </a:extLst>
-        </p:spPr>
-      </p:pic>
-      <p:sp>
-        <p:nvSpPr>
-          <p:cNvPr id="64519" name="矩形 7"/>
-          <p:cNvSpPr>
-            <a:spLocks noChangeArrowheads="1"/>
-          </p:cNvSpPr>
-          <p:nvPr/>
-        </p:nvSpPr>
-        <p:spPr bwMode="auto">
-          <a:xfrm>
-            <a:off x="611188" y="2276475"/>
-            <a:ext cx="3240087" cy="1139825"/>
-          </a:xfrm>
-          <a:prstGeom prst="rect">
-            <a:avLst/>
-          </a:prstGeom>
-          <a:noFill/>
-          <a:ln w="9525" cmpd="sng">
-            <a:solidFill>
-              <a:schemeClr val="tx1"/>
-            </a:solidFill>
-            <a:miter lim="800000"/>
-            <a:headEnd/>
-            <a:tailEnd/>
-          </a:ln>
-          <a:extLst>
-            <a:ext uri="{909E8E84-426E-40DD-AFC4-6F175D3DCCD1}">
-              <a14:hiddenFill xmlns:a14="http://schemas.microsoft.com/office/drawing/2010/main">
-                <a:solidFill>
-                  <a:srgbClr val="FFFFFF"/>
-                </a:solidFill>
-              </a14:hiddenFill>
-            </a:ext>
-          </a:extLst>
-        </p:spPr>
-        <p:txBody>
-          <a:bodyPr>
-            <a:spAutoFit/>
-          </a:bodyPr>
-          <a:lstStyle/>
-          <a:p>
-            <a:r>
-              <a:rPr lang="en-US" sz="2000"/>
-              <a:t>int i, *i_pointer=&amp;i;</a:t>
-            </a:r>
-          </a:p>
-          <a:p>
-            <a:r>
-              <a:rPr lang="en-US" sz="2000"/>
-              <a:t>i=10;                  // </a:t>
-            </a:r>
-            <a:r>
-              <a:rPr lang="zh-CN" altLang="en-US" sz="2000"/>
-              <a:t>直接访问</a:t>
-            </a:r>
-            <a:endParaRPr lang="en-US" sz="2000"/>
-          </a:p>
-          <a:p>
-            <a:r>
-              <a:rPr lang="en-US" sz="2000"/>
-              <a:t>*i_pointer=10; //</a:t>
-            </a:r>
-            <a:r>
-              <a:rPr lang="zh-CN" altLang="en-US" sz="2000"/>
-              <a:t>间接访问</a:t>
-            </a:r>
-            <a:endParaRPr lang="en-US" sz="2000"/>
-          </a:p>
-        </p:txBody>
-      </p:sp>
-    </p:spTree>
-  </p:cSld>
-  <p:clrMapOvr>
-    <a:masterClrMapping/>
-  </p:clrMapOvr>
-  <p:timing>
-    <p:tnLst>
-      <p:par>
-        <p:cTn id="1" dur="indefinite" restart="never" nodeType="tmRoot"/>
-      </p:par>
-    </p:tnLst>
-  </p:timing>
-</p:sld>
-</file>
-
-<file path=ppt/slides/slide18.xml><?xml version="1.0" encoding="utf-8"?>
-<p:sld xmlns:a="http://schemas.openxmlformats.org/drawingml/2006/main" xmlns:r="http://schemas.openxmlformats.org/officeDocument/2006/relationships" xmlns:p="http://schemas.openxmlformats.org/presentationml/2006/main">
-  <p:cSld>
-    <p:spTree>
-      <p:nvGrpSpPr>
-        <p:cNvPr id="1" name=""/>
-        <p:cNvGrpSpPr/>
-        <p:nvPr/>
-      </p:nvGrpSpPr>
-      <p:grpSpPr>
-        <a:xfrm>
-          <a:off x="0" y="0"/>
-          <a:ext cx="0" cy="0"/>
-          <a:chOff x="0" y="0"/>
-          <a:chExt cx="0" cy="0"/>
-        </a:xfrm>
-      </p:grpSpPr>
-      <p:sp>
-        <p:nvSpPr>
           <p:cNvPr id="66562" name="标题 1"/>
           <p:cNvSpPr>
             <a:spLocks noGrp="1"/>
@@ -12649,7 +11789,7 @@
                   <a:spcPct val="0"/>
                 </a:spcBef>
               </a:pPr>
-              <a:t>18</a:t>
+              <a:t>17</a:t>
             </a:fld>
             <a:endParaRPr lang="en-US" sz="1800">
               <a:ea typeface="楷体_GB2312" pitchFamily="1" charset="-122"/>
@@ -12992,1069 +12132,7 @@
 </p:sld>
 </file>
 
-<file path=ppt/slides/slide19.xml><?xml version="1.0" encoding="utf-8"?>
-<p:sld xmlns:a="http://schemas.openxmlformats.org/drawingml/2006/main" xmlns:r="http://schemas.openxmlformats.org/officeDocument/2006/relationships" xmlns:p="http://schemas.openxmlformats.org/presentationml/2006/main">
-  <p:cSld>
-    <p:spTree>
-      <p:nvGrpSpPr>
-        <p:cNvPr id="1" name=""/>
-        <p:cNvGrpSpPr/>
-        <p:nvPr/>
-      </p:nvGrpSpPr>
-      <p:grpSpPr>
-        <a:xfrm>
-          <a:off x="0" y="0"/>
-          <a:ext cx="0" cy="0"/>
-          <a:chOff x="0" y="0"/>
-          <a:chExt cx="0" cy="0"/>
-        </a:xfrm>
-      </p:grpSpPr>
-      <p:sp>
-        <p:nvSpPr>
-          <p:cNvPr id="68610" name="标题 1"/>
-          <p:cNvSpPr>
-            <a:spLocks noGrp="1"/>
-          </p:cNvSpPr>
-          <p:nvPr>
-            <p:ph type="title" idx="4294967295"/>
-          </p:nvPr>
-        </p:nvSpPr>
-        <p:spPr/>
-        <p:txBody>
-          <a:bodyPr/>
-          <a:lstStyle/>
-          <a:p>
-            <a:r>
-              <a:rPr lang="zh-CN" altLang="en-US"/>
-              <a:t>数组名作函数参数</a:t>
-            </a:r>
-          </a:p>
-        </p:txBody>
-      </p:sp>
-      <p:sp>
-        <p:nvSpPr>
-          <p:cNvPr id="68611" name="内容占位符 2"/>
-          <p:cNvSpPr>
-            <a:spLocks noGrp="1"/>
-          </p:cNvSpPr>
-          <p:nvPr>
-            <p:ph idx="4294967295"/>
-          </p:nvPr>
-        </p:nvSpPr>
-        <p:spPr>
-          <a:xfrm>
-            <a:off x="762000" y="838200"/>
-            <a:ext cx="7265988" cy="1222375"/>
-          </a:xfrm>
-        </p:spPr>
-        <p:txBody>
-          <a:bodyPr/>
-          <a:lstStyle/>
-          <a:p>
-            <a:r>
-              <a:rPr lang="zh-CN" altLang="en-US" sz="2000" dirty="0"/>
-              <a:t>地址传递，双向传递</a:t>
-            </a:r>
-            <a:endParaRPr lang="en-US" sz="2000" dirty="0"/>
-          </a:p>
-          <a:p>
-            <a:r>
-              <a:rPr lang="zh-CN" altLang="en-US" sz="2000" dirty="0" smtClean="0"/>
-              <a:t>形参</a:t>
-            </a:r>
-            <a:r>
-              <a:rPr lang="zh-CN" altLang="en-US" sz="2000" dirty="0"/>
-              <a:t>数组名是地址常量</a:t>
-            </a:r>
-          </a:p>
-        </p:txBody>
-      </p:sp>
-      <p:sp>
-        <p:nvSpPr>
-          <p:cNvPr id="68612" name="灯片编号占位符 3"/>
-          <p:cNvSpPr txBox="1">
-            <a:spLocks noGrp="1" noChangeArrowheads="1"/>
-          </p:cNvSpPr>
-          <p:nvPr/>
-        </p:nvSpPr>
-        <p:spPr bwMode="auto">
-          <a:xfrm>
-            <a:off x="8556625" y="0"/>
-            <a:ext cx="587375" cy="396875"/>
-          </a:xfrm>
-          <a:prstGeom prst="rect">
-            <a:avLst/>
-          </a:prstGeom>
-          <a:noFill/>
-          <a:ln>
-            <a:noFill/>
-          </a:ln>
-          <a:extLst>
-            <a:ext uri="{909E8E84-426E-40DD-AFC4-6F175D3DCCD1}">
-              <a14:hiddenFill xmlns:a14="http://schemas.microsoft.com/office/drawing/2010/main">
-                <a:solidFill>
-                  <a:srgbClr val="FFFFFF"/>
-                </a:solidFill>
-              </a14:hiddenFill>
-            </a:ext>
-            <a:ext uri="{91240B29-F687-4F45-9708-019B960494DF}">
-              <a14:hiddenLine xmlns:a14="http://schemas.microsoft.com/office/drawing/2010/main" w="9525">
-                <a:solidFill>
-                  <a:srgbClr val="000000"/>
-                </a:solidFill>
-                <a:miter lim="800000"/>
-                <a:headEnd/>
-                <a:tailEnd/>
-              </a14:hiddenLine>
-            </a:ext>
-          </a:extLst>
-        </p:spPr>
-        <p:txBody>
-          <a:bodyPr anchor="b" anchorCtr="1">
-            <a:spAutoFit/>
-          </a:bodyPr>
-          <a:lstStyle>
-            <a:lvl1pPr>
-              <a:defRPr sz="2400" b="1">
-                <a:solidFill>
-                  <a:srgbClr val="000000"/>
-                </a:solidFill>
-                <a:latin typeface="Times New Roman" pitchFamily="18" charset="0"/>
-                <a:ea typeface="宋体" pitchFamily="2" charset="-122"/>
-              </a:defRPr>
-            </a:lvl1pPr>
-            <a:lvl2pPr marL="742950" indent="-285750">
-              <a:defRPr sz="2400" b="1">
-                <a:solidFill>
-                  <a:srgbClr val="000000"/>
-                </a:solidFill>
-                <a:latin typeface="Times New Roman" pitchFamily="18" charset="0"/>
-                <a:ea typeface="宋体" pitchFamily="2" charset="-122"/>
-              </a:defRPr>
-            </a:lvl2pPr>
-            <a:lvl3pPr marL="1143000" indent="-228600">
-              <a:defRPr sz="2400" b="1">
-                <a:solidFill>
-                  <a:srgbClr val="000000"/>
-                </a:solidFill>
-                <a:latin typeface="Times New Roman" pitchFamily="18" charset="0"/>
-                <a:ea typeface="宋体" pitchFamily="2" charset="-122"/>
-              </a:defRPr>
-            </a:lvl3pPr>
-            <a:lvl4pPr marL="1600200" indent="-228600">
-              <a:defRPr sz="2400" b="1">
-                <a:solidFill>
-                  <a:srgbClr val="000000"/>
-                </a:solidFill>
-                <a:latin typeface="Times New Roman" pitchFamily="18" charset="0"/>
-                <a:ea typeface="宋体" pitchFamily="2" charset="-122"/>
-              </a:defRPr>
-            </a:lvl4pPr>
-            <a:lvl5pPr marL="2057400" indent="-228600">
-              <a:defRPr sz="2400" b="1">
-                <a:solidFill>
-                  <a:srgbClr val="000000"/>
-                </a:solidFill>
-                <a:latin typeface="Times New Roman" pitchFamily="18" charset="0"/>
-                <a:ea typeface="宋体" pitchFamily="2" charset="-122"/>
-              </a:defRPr>
-            </a:lvl5pPr>
-            <a:lvl6pPr marL="2514600" indent="-228600" eaLnBrk="0" fontAlgn="base" hangingPunct="0">
-              <a:spcBef>
-                <a:spcPct val="20000"/>
-              </a:spcBef>
-              <a:spcAft>
-                <a:spcPct val="0"/>
-              </a:spcAft>
-              <a:buClr>
-                <a:schemeClr val="tx1"/>
-              </a:buClr>
-              <a:buSzPct val="75000"/>
-              <a:buFont typeface="Wingdings" pitchFamily="2" charset="2"/>
-              <a:defRPr sz="2400" b="1">
-                <a:solidFill>
-                  <a:srgbClr val="000000"/>
-                </a:solidFill>
-                <a:latin typeface="Times New Roman" pitchFamily="18" charset="0"/>
-                <a:ea typeface="宋体" pitchFamily="2" charset="-122"/>
-              </a:defRPr>
-            </a:lvl6pPr>
-            <a:lvl7pPr marL="2971800" indent="-228600" eaLnBrk="0" fontAlgn="base" hangingPunct="0">
-              <a:spcBef>
-                <a:spcPct val="20000"/>
-              </a:spcBef>
-              <a:spcAft>
-                <a:spcPct val="0"/>
-              </a:spcAft>
-              <a:buClr>
-                <a:schemeClr val="tx1"/>
-              </a:buClr>
-              <a:buSzPct val="75000"/>
-              <a:buFont typeface="Wingdings" pitchFamily="2" charset="2"/>
-              <a:defRPr sz="2400" b="1">
-                <a:solidFill>
-                  <a:srgbClr val="000000"/>
-                </a:solidFill>
-                <a:latin typeface="Times New Roman" pitchFamily="18" charset="0"/>
-                <a:ea typeface="宋体" pitchFamily="2" charset="-122"/>
-              </a:defRPr>
-            </a:lvl7pPr>
-            <a:lvl8pPr marL="3429000" indent="-228600" eaLnBrk="0" fontAlgn="base" hangingPunct="0">
-              <a:spcBef>
-                <a:spcPct val="20000"/>
-              </a:spcBef>
-              <a:spcAft>
-                <a:spcPct val="0"/>
-              </a:spcAft>
-              <a:buClr>
-                <a:schemeClr val="tx1"/>
-              </a:buClr>
-              <a:buSzPct val="75000"/>
-              <a:buFont typeface="Wingdings" pitchFamily="2" charset="2"/>
-              <a:defRPr sz="2400" b="1">
-                <a:solidFill>
-                  <a:srgbClr val="000000"/>
-                </a:solidFill>
-                <a:latin typeface="Times New Roman" pitchFamily="18" charset="0"/>
-                <a:ea typeface="宋体" pitchFamily="2" charset="-122"/>
-              </a:defRPr>
-            </a:lvl8pPr>
-            <a:lvl9pPr marL="3886200" indent="-228600" eaLnBrk="0" fontAlgn="base" hangingPunct="0">
-              <a:spcBef>
-                <a:spcPct val="20000"/>
-              </a:spcBef>
-              <a:spcAft>
-                <a:spcPct val="0"/>
-              </a:spcAft>
-              <a:buClr>
-                <a:schemeClr val="tx1"/>
-              </a:buClr>
-              <a:buSzPct val="75000"/>
-              <a:buFont typeface="Wingdings" pitchFamily="2" charset="2"/>
-              <a:defRPr sz="2400" b="1">
-                <a:solidFill>
-                  <a:srgbClr val="000000"/>
-                </a:solidFill>
-                <a:latin typeface="Times New Roman" pitchFamily="18" charset="0"/>
-                <a:ea typeface="宋体" pitchFamily="2" charset="-122"/>
-              </a:defRPr>
-            </a:lvl9pPr>
-          </a:lstStyle>
-          <a:p>
-            <a:pPr>
-              <a:spcBef>
-                <a:spcPct val="0"/>
-              </a:spcBef>
-            </a:pPr>
-            <a:fld id="{2457D915-CACA-4BE2-95DB-530CB02D76DA}" type="slidenum">
-              <a:rPr lang="zh-CN" altLang="en-US" sz="2000">
-                <a:solidFill>
-                  <a:schemeClr val="tx2"/>
-                </a:solidFill>
-                <a:latin typeface="Arial" pitchFamily="34" charset="0"/>
-                <a:sym typeface="Arial" pitchFamily="34" charset="0"/>
-              </a:rPr>
-              <a:pPr>
-                <a:spcBef>
-                  <a:spcPct val="0"/>
-                </a:spcBef>
-              </a:pPr>
-              <a:t>19</a:t>
-            </a:fld>
-            <a:endParaRPr lang="en-US" sz="1800">
-              <a:ea typeface="楷体_GB2312" pitchFamily="1" charset="-122"/>
-              <a:sym typeface="Arial" pitchFamily="34" charset="0"/>
-            </a:endParaRPr>
-          </a:p>
-        </p:txBody>
-      </p:sp>
-      <p:sp>
-        <p:nvSpPr>
-          <p:cNvPr id="68613" name="矩形 4"/>
-          <p:cNvSpPr>
-            <a:spLocks noChangeArrowheads="1"/>
-          </p:cNvSpPr>
-          <p:nvPr/>
-        </p:nvSpPr>
-        <p:spPr bwMode="auto">
-          <a:xfrm>
-            <a:off x="611188" y="2349500"/>
-            <a:ext cx="3744912" cy="3354388"/>
-          </a:xfrm>
-          <a:prstGeom prst="rect">
-            <a:avLst/>
-          </a:prstGeom>
-          <a:noFill/>
-          <a:ln w="9525" cmpd="sng">
-            <a:solidFill>
-              <a:schemeClr val="tx1"/>
-            </a:solidFill>
-            <a:miter lim="800000"/>
-            <a:headEnd/>
-            <a:tailEnd/>
-          </a:ln>
-          <a:extLst>
-            <a:ext uri="{909E8E84-426E-40DD-AFC4-6F175D3DCCD1}">
-              <a14:hiddenFill xmlns:a14="http://schemas.microsoft.com/office/drawing/2010/main">
-                <a:solidFill>
-                  <a:srgbClr val="FFFFFF"/>
-                </a:solidFill>
-              </a14:hiddenFill>
-            </a:ext>
-          </a:extLst>
-        </p:spPr>
-        <p:txBody>
-          <a:bodyPr>
-            <a:spAutoFit/>
-          </a:bodyPr>
-          <a:lstStyle/>
-          <a:p>
-            <a:r>
-              <a:rPr lang="en-US" sz="2000">
-                <a:solidFill>
-                  <a:srgbClr val="FF0000"/>
-                </a:solidFill>
-              </a:rPr>
-              <a:t>// float   average(int stu[ ], int n)</a:t>
-            </a:r>
-          </a:p>
-          <a:p>
-            <a:r>
-              <a:rPr lang="en-US" sz="2000"/>
-              <a:t>float   average(int stu[10], int n)</a:t>
-            </a:r>
-          </a:p>
-          <a:p>
-            <a:r>
-              <a:rPr lang="en-US" sz="2000"/>
-              <a:t> { int i;</a:t>
-            </a:r>
-          </a:p>
-          <a:p>
-            <a:r>
-              <a:rPr lang="en-US" sz="2000"/>
-              <a:t>    float av,total=0;</a:t>
-            </a:r>
-          </a:p>
-          <a:p>
-            <a:r>
-              <a:rPr lang="en-US" sz="2000"/>
-              <a:t>    for( i=0; i&lt;n; i++ )</a:t>
-            </a:r>
-          </a:p>
-          <a:p>
-            <a:r>
-              <a:rPr lang="en-US" sz="2000"/>
-              <a:t>        total += stu[i];</a:t>
-            </a:r>
-          </a:p>
-          <a:p>
-            <a:r>
-              <a:rPr lang="en-US" sz="2000"/>
-              <a:t>    av = total/n;</a:t>
-            </a:r>
-          </a:p>
-          <a:p>
-            <a:r>
-              <a:rPr lang="en-US" sz="2000"/>
-              <a:t>    return av;</a:t>
-            </a:r>
-          </a:p>
-          <a:p>
-            <a:r>
-              <a:rPr lang="en-US" sz="2000"/>
-              <a:t> }</a:t>
-            </a:r>
-            <a:endParaRPr lang="zh-CN" altLang="en-US" sz="2000"/>
-          </a:p>
-        </p:txBody>
-      </p:sp>
-      <p:pic>
-        <p:nvPicPr>
-          <p:cNvPr id="68614" name="Picture 4"/>
-          <p:cNvPicPr>
-            <a:picLocks noChangeAspect="1" noChangeArrowheads="1"/>
-          </p:cNvPicPr>
-          <p:nvPr/>
-        </p:nvPicPr>
-        <p:blipFill>
-          <a:blip r:embed="rId2">
-            <a:extLst>
-              <a:ext uri="{28A0092B-C50C-407E-A947-70E740481C1C}">
-                <a14:useLocalDpi xmlns:a14="http://schemas.microsoft.com/office/drawing/2010/main" val="0"/>
-              </a:ext>
-            </a:extLst>
-          </a:blip>
-          <a:srcRect/>
-          <a:stretch>
-            <a:fillRect/>
-          </a:stretch>
-        </p:blipFill>
-        <p:spPr bwMode="auto">
-          <a:xfrm>
-            <a:off x="5076825" y="3716338"/>
-            <a:ext cx="3109913" cy="2659062"/>
-          </a:xfrm>
-          <a:prstGeom prst="rect">
-            <a:avLst/>
-          </a:prstGeom>
-          <a:noFill/>
-          <a:ln>
-            <a:noFill/>
-          </a:ln>
-          <a:effectLst/>
-          <a:extLst>
-            <a:ext uri="{909E8E84-426E-40DD-AFC4-6F175D3DCCD1}">
-              <a14:hiddenFill xmlns:a14="http://schemas.microsoft.com/office/drawing/2010/main">
-                <a:solidFill>
-                  <a:schemeClr val="accent1"/>
-                </a:solidFill>
-              </a14:hiddenFill>
-            </a:ext>
-            <a:ext uri="{91240B29-F687-4F45-9708-019B960494DF}">
-              <a14:hiddenLine xmlns:a14="http://schemas.microsoft.com/office/drawing/2010/main" w="9525">
-                <a:solidFill>
-                  <a:srgbClr val="000000"/>
-                </a:solidFill>
-                <a:miter lim="800000"/>
-                <a:headEnd/>
-                <a:tailEnd/>
-              </a14:hiddenLine>
-            </a:ext>
-            <a:ext uri="{AF507438-7753-43E0-B8FC-AC1667EBCBE1}">
-              <a14:hiddenEffects xmlns:a14="http://schemas.microsoft.com/office/drawing/2010/main">
-                <a:effectLst>
-                  <a:outerShdw dist="53882" dir="13500000" algn="ctr" rotWithShape="0">
-                    <a:srgbClr val="5C7A5C">
-                      <a:alpha val="50000"/>
-                    </a:srgbClr>
-                  </a:outerShdw>
-                </a:effectLst>
-              </a14:hiddenEffects>
-            </a:ext>
-          </a:extLst>
-        </p:spPr>
-      </p:pic>
-      <p:sp>
-        <p:nvSpPr>
-          <p:cNvPr id="68615" name="TextBox 5"/>
-          <p:cNvSpPr txBox="1">
-            <a:spLocks noChangeArrowheads="1"/>
-          </p:cNvSpPr>
-          <p:nvPr/>
-        </p:nvSpPr>
-        <p:spPr bwMode="auto">
-          <a:xfrm>
-            <a:off x="4859338" y="2136775"/>
-            <a:ext cx="4032250" cy="1508125"/>
-          </a:xfrm>
-          <a:prstGeom prst="rect">
-            <a:avLst/>
-          </a:prstGeom>
-          <a:noFill/>
-          <a:ln w="9525" cmpd="sng">
-            <a:solidFill>
-              <a:schemeClr val="tx1"/>
-            </a:solidFill>
-            <a:miter lim="800000"/>
-            <a:headEnd/>
-            <a:tailEnd/>
-          </a:ln>
-          <a:extLst>
-            <a:ext uri="{909E8E84-426E-40DD-AFC4-6F175D3DCCD1}">
-              <a14:hiddenFill xmlns:a14="http://schemas.microsoft.com/office/drawing/2010/main">
-                <a:solidFill>
-                  <a:srgbClr val="FFFFFF"/>
-                </a:solidFill>
-              </a14:hiddenFill>
-            </a:ext>
-          </a:extLst>
-        </p:spPr>
-        <p:txBody>
-          <a:bodyPr>
-            <a:spAutoFit/>
-          </a:bodyPr>
-          <a:lstStyle>
-            <a:lvl1pPr>
-              <a:defRPr sz="2400" b="1">
-                <a:solidFill>
-                  <a:srgbClr val="000000"/>
-                </a:solidFill>
-                <a:latin typeface="Times New Roman" pitchFamily="18" charset="0"/>
-                <a:ea typeface="宋体" pitchFamily="2" charset="-122"/>
-              </a:defRPr>
-            </a:lvl1pPr>
-            <a:lvl2pPr marL="742950" indent="-285750">
-              <a:defRPr sz="2400" b="1">
-                <a:solidFill>
-                  <a:srgbClr val="000000"/>
-                </a:solidFill>
-                <a:latin typeface="Times New Roman" pitchFamily="18" charset="0"/>
-                <a:ea typeface="宋体" pitchFamily="2" charset="-122"/>
-              </a:defRPr>
-            </a:lvl2pPr>
-            <a:lvl3pPr marL="1143000" indent="-228600">
-              <a:defRPr sz="2400" b="1">
-                <a:solidFill>
-                  <a:srgbClr val="000000"/>
-                </a:solidFill>
-                <a:latin typeface="Times New Roman" pitchFamily="18" charset="0"/>
-                <a:ea typeface="宋体" pitchFamily="2" charset="-122"/>
-              </a:defRPr>
-            </a:lvl3pPr>
-            <a:lvl4pPr marL="1600200" indent="-228600">
-              <a:defRPr sz="2400" b="1">
-                <a:solidFill>
-                  <a:srgbClr val="000000"/>
-                </a:solidFill>
-                <a:latin typeface="Times New Roman" pitchFamily="18" charset="0"/>
-                <a:ea typeface="宋体" pitchFamily="2" charset="-122"/>
-              </a:defRPr>
-            </a:lvl4pPr>
-            <a:lvl5pPr marL="2057400" indent="-228600">
-              <a:defRPr sz="2400" b="1">
-                <a:solidFill>
-                  <a:srgbClr val="000000"/>
-                </a:solidFill>
-                <a:latin typeface="Times New Roman" pitchFamily="18" charset="0"/>
-                <a:ea typeface="宋体" pitchFamily="2" charset="-122"/>
-              </a:defRPr>
-            </a:lvl5pPr>
-            <a:lvl6pPr marL="2514600" indent="-228600" eaLnBrk="0" fontAlgn="base" hangingPunct="0">
-              <a:spcBef>
-                <a:spcPct val="20000"/>
-              </a:spcBef>
-              <a:spcAft>
-                <a:spcPct val="0"/>
-              </a:spcAft>
-              <a:buClr>
-                <a:schemeClr val="tx1"/>
-              </a:buClr>
-              <a:buSzPct val="75000"/>
-              <a:buFont typeface="Wingdings" pitchFamily="2" charset="2"/>
-              <a:defRPr sz="2400" b="1">
-                <a:solidFill>
-                  <a:srgbClr val="000000"/>
-                </a:solidFill>
-                <a:latin typeface="Times New Roman" pitchFamily="18" charset="0"/>
-                <a:ea typeface="宋体" pitchFamily="2" charset="-122"/>
-              </a:defRPr>
-            </a:lvl6pPr>
-            <a:lvl7pPr marL="2971800" indent="-228600" eaLnBrk="0" fontAlgn="base" hangingPunct="0">
-              <a:spcBef>
-                <a:spcPct val="20000"/>
-              </a:spcBef>
-              <a:spcAft>
-                <a:spcPct val="0"/>
-              </a:spcAft>
-              <a:buClr>
-                <a:schemeClr val="tx1"/>
-              </a:buClr>
-              <a:buSzPct val="75000"/>
-              <a:buFont typeface="Wingdings" pitchFamily="2" charset="2"/>
-              <a:defRPr sz="2400" b="1">
-                <a:solidFill>
-                  <a:srgbClr val="000000"/>
-                </a:solidFill>
-                <a:latin typeface="Times New Roman" pitchFamily="18" charset="0"/>
-                <a:ea typeface="宋体" pitchFamily="2" charset="-122"/>
-              </a:defRPr>
-            </a:lvl7pPr>
-            <a:lvl8pPr marL="3429000" indent="-228600" eaLnBrk="0" fontAlgn="base" hangingPunct="0">
-              <a:spcBef>
-                <a:spcPct val="20000"/>
-              </a:spcBef>
-              <a:spcAft>
-                <a:spcPct val="0"/>
-              </a:spcAft>
-              <a:buClr>
-                <a:schemeClr val="tx1"/>
-              </a:buClr>
-              <a:buSzPct val="75000"/>
-              <a:buFont typeface="Wingdings" pitchFamily="2" charset="2"/>
-              <a:defRPr sz="2400" b="1">
-                <a:solidFill>
-                  <a:srgbClr val="000000"/>
-                </a:solidFill>
-                <a:latin typeface="Times New Roman" pitchFamily="18" charset="0"/>
-                <a:ea typeface="宋体" pitchFamily="2" charset="-122"/>
-              </a:defRPr>
-            </a:lvl8pPr>
-            <a:lvl9pPr marL="3886200" indent="-228600" eaLnBrk="0" fontAlgn="base" hangingPunct="0">
-              <a:spcBef>
-                <a:spcPct val="20000"/>
-              </a:spcBef>
-              <a:spcAft>
-                <a:spcPct val="0"/>
-              </a:spcAft>
-              <a:buClr>
-                <a:schemeClr val="tx1"/>
-              </a:buClr>
-              <a:buSzPct val="75000"/>
-              <a:buFont typeface="Wingdings" pitchFamily="2" charset="2"/>
-              <a:defRPr sz="2400" b="1">
-                <a:solidFill>
-                  <a:srgbClr val="000000"/>
-                </a:solidFill>
-                <a:latin typeface="Times New Roman" pitchFamily="18" charset="0"/>
-                <a:ea typeface="宋体" pitchFamily="2" charset="-122"/>
-              </a:defRPr>
-            </a:lvl9pPr>
-          </a:lstStyle>
-          <a:p>
-            <a:r>
-              <a:rPr lang="en-US" sz="2000"/>
-              <a:t>int score[10];</a:t>
-            </a:r>
-          </a:p>
-          <a:p>
-            <a:r>
-              <a:rPr lang="en-US" sz="2000"/>
-              <a:t>for( i=0; i&lt;10; i++ )</a:t>
-            </a:r>
-          </a:p>
-          <a:p>
-            <a:r>
-              <a:rPr lang="en-US" sz="2000"/>
-              <a:t>        scanf("%d", &amp;score[i]);</a:t>
-            </a:r>
-          </a:p>
-          <a:p>
-            <a:r>
-              <a:rPr lang="nb-NO" altLang="en-US" sz="2000"/>
-              <a:t>printf("%.2f", average(score,10));</a:t>
-            </a:r>
-            <a:endParaRPr lang="zh-CN" altLang="en-US" sz="2000"/>
-          </a:p>
-        </p:txBody>
-      </p:sp>
-    </p:spTree>
-  </p:cSld>
-  <p:clrMapOvr>
-    <a:masterClrMapping/>
-  </p:clrMapOvr>
-  <p:timing>
-    <p:tnLst>
-      <p:par>
-        <p:cTn id="1" dur="indefinite" restart="never" nodeType="tmRoot"/>
-      </p:par>
-    </p:tnLst>
-  </p:timing>
-</p:sld>
-</file>
-
-<file path=ppt/slides/slide2.xml><?xml version="1.0" encoding="utf-8"?>
-<p:sld xmlns:a="http://schemas.openxmlformats.org/drawingml/2006/main" xmlns:r="http://schemas.openxmlformats.org/officeDocument/2006/relationships" xmlns:p="http://schemas.openxmlformats.org/presentationml/2006/main">
-  <p:cSld>
-    <p:spTree>
-      <p:nvGrpSpPr>
-        <p:cNvPr id="1" name=""/>
-        <p:cNvGrpSpPr/>
-        <p:nvPr/>
-      </p:nvGrpSpPr>
-      <p:grpSpPr>
-        <a:xfrm>
-          <a:off x="0" y="0"/>
-          <a:ext cx="0" cy="0"/>
-          <a:chOff x="0" y="0"/>
-          <a:chExt cx="0" cy="0"/>
-        </a:xfrm>
-      </p:grpSpPr>
-      <p:sp>
-        <p:nvSpPr>
-          <p:cNvPr id="2" name="TextBox 1"/>
-          <p:cNvSpPr txBox="1"/>
-          <p:nvPr/>
-        </p:nvSpPr>
-        <p:spPr>
-          <a:xfrm>
-            <a:off x="1043754" y="1628875"/>
-            <a:ext cx="7560525" cy="4081117"/>
-          </a:xfrm>
-          <a:prstGeom prst="rect">
-            <a:avLst/>
-          </a:prstGeom>
-          <a:noFill/>
-        </p:spPr>
-        <p:txBody>
-          <a:bodyPr wrap="square" rtlCol="0">
-            <a:spAutoFit/>
-          </a:bodyPr>
-          <a:lstStyle/>
-          <a:p>
-            <a:pPr>
-              <a:lnSpc>
-                <a:spcPct val="200000"/>
-              </a:lnSpc>
-            </a:pPr>
-            <a:r>
-              <a:rPr lang="zh-CN" altLang="zh-CN" dirty="0">
-                <a:latin typeface="仿宋" pitchFamily="49" charset="-122"/>
-                <a:ea typeface="仿宋" pitchFamily="49" charset="-122"/>
-              </a:rPr>
-              <a:t>一</a:t>
-            </a:r>
-            <a:r>
-              <a:rPr lang="zh-CN" altLang="zh-CN" dirty="0" smtClean="0">
-                <a:latin typeface="仿宋" pitchFamily="49" charset="-122"/>
-                <a:ea typeface="仿宋" pitchFamily="49" charset="-122"/>
-              </a:rPr>
-              <a:t>、选择题</a:t>
-            </a:r>
-            <a:r>
-              <a:rPr lang="zh-CN" altLang="zh-CN" dirty="0">
-                <a:latin typeface="仿宋" pitchFamily="49" charset="-122"/>
-                <a:ea typeface="仿宋" pitchFamily="49" charset="-122"/>
-              </a:rPr>
-              <a:t>（</a:t>
-            </a:r>
-            <a:r>
-              <a:rPr lang="en-US" altLang="zh-CN" dirty="0">
-                <a:latin typeface="仿宋" pitchFamily="49" charset="-122"/>
-                <a:ea typeface="仿宋" pitchFamily="49" charset="-122"/>
-              </a:rPr>
-              <a:t>15</a:t>
-            </a:r>
-            <a:r>
-              <a:rPr lang="zh-CN" altLang="zh-CN" dirty="0">
-                <a:latin typeface="仿宋" pitchFamily="49" charset="-122"/>
-                <a:ea typeface="仿宋" pitchFamily="49" charset="-122"/>
-              </a:rPr>
-              <a:t>题</a:t>
-            </a:r>
-            <a:r>
-              <a:rPr lang="en-US" altLang="zh-CN" dirty="0">
-                <a:latin typeface="仿宋" pitchFamily="49" charset="-122"/>
-                <a:ea typeface="仿宋" pitchFamily="49" charset="-122"/>
-              </a:rPr>
-              <a:t>*2</a:t>
-            </a:r>
-            <a:r>
-              <a:rPr lang="zh-CN" altLang="zh-CN" dirty="0" smtClean="0">
-                <a:latin typeface="仿宋" pitchFamily="49" charset="-122"/>
-                <a:ea typeface="仿宋" pitchFamily="49" charset="-122"/>
-              </a:rPr>
-              <a:t>分</a:t>
-            </a:r>
-            <a:r>
-              <a:rPr lang="en-US" altLang="zh-CN" dirty="0">
-                <a:latin typeface="仿宋" pitchFamily="49" charset="-122"/>
-                <a:ea typeface="仿宋" pitchFamily="49" charset="-122"/>
-              </a:rPr>
-              <a:t>=</a:t>
-            </a:r>
-            <a:r>
-              <a:rPr lang="en-US" altLang="zh-CN" dirty="0" smtClean="0">
-                <a:latin typeface="仿宋" pitchFamily="49" charset="-122"/>
-                <a:ea typeface="仿宋" pitchFamily="49" charset="-122"/>
-              </a:rPr>
-              <a:t>30</a:t>
-            </a:r>
-            <a:r>
-              <a:rPr lang="zh-CN" altLang="zh-CN" dirty="0">
-                <a:latin typeface="仿宋" pitchFamily="49" charset="-122"/>
-                <a:ea typeface="仿宋" pitchFamily="49" charset="-122"/>
-              </a:rPr>
-              <a:t>分）</a:t>
-            </a:r>
-          </a:p>
-          <a:p>
-            <a:pPr>
-              <a:lnSpc>
-                <a:spcPct val="200000"/>
-              </a:lnSpc>
-            </a:pPr>
-            <a:r>
-              <a:rPr lang="zh-CN" altLang="zh-CN" dirty="0">
-                <a:latin typeface="仿宋" pitchFamily="49" charset="-122"/>
-                <a:ea typeface="仿宋" pitchFamily="49" charset="-122"/>
-              </a:rPr>
-              <a:t>二、程序分析题，写出输出结果（</a:t>
-            </a:r>
-            <a:r>
-              <a:rPr lang="en-US" altLang="zh-CN" dirty="0">
-                <a:latin typeface="仿宋" pitchFamily="49" charset="-122"/>
-                <a:ea typeface="仿宋" pitchFamily="49" charset="-122"/>
-              </a:rPr>
-              <a:t>5</a:t>
-            </a:r>
-            <a:r>
-              <a:rPr lang="zh-CN" altLang="zh-CN" dirty="0">
-                <a:latin typeface="仿宋" pitchFamily="49" charset="-122"/>
-                <a:ea typeface="仿宋" pitchFamily="49" charset="-122"/>
-              </a:rPr>
-              <a:t>题</a:t>
-            </a:r>
-            <a:r>
-              <a:rPr lang="en-US" altLang="zh-CN" dirty="0">
-                <a:latin typeface="仿宋" pitchFamily="49" charset="-122"/>
-                <a:ea typeface="仿宋" pitchFamily="49" charset="-122"/>
-              </a:rPr>
-              <a:t>*3</a:t>
-            </a:r>
-            <a:r>
-              <a:rPr lang="zh-CN" altLang="zh-CN" dirty="0">
-                <a:latin typeface="仿宋" pitchFamily="49" charset="-122"/>
-                <a:ea typeface="仿宋" pitchFamily="49" charset="-122"/>
-              </a:rPr>
-              <a:t>分</a:t>
-            </a:r>
-            <a:r>
-              <a:rPr lang="en-US" altLang="zh-CN" dirty="0">
-                <a:latin typeface="仿宋" pitchFamily="49" charset="-122"/>
-                <a:ea typeface="仿宋" pitchFamily="49" charset="-122"/>
-              </a:rPr>
-              <a:t>=15</a:t>
-            </a:r>
-            <a:r>
-              <a:rPr lang="zh-CN" altLang="zh-CN" dirty="0">
-                <a:latin typeface="仿宋" pitchFamily="49" charset="-122"/>
-                <a:ea typeface="仿宋" pitchFamily="49" charset="-122"/>
-              </a:rPr>
-              <a:t>分）</a:t>
-            </a:r>
-          </a:p>
-          <a:p>
-            <a:pPr>
-              <a:lnSpc>
-                <a:spcPct val="200000"/>
-              </a:lnSpc>
-            </a:pPr>
-            <a:r>
-              <a:rPr lang="zh-CN" altLang="zh-CN" dirty="0">
-                <a:latin typeface="仿宋" pitchFamily="49" charset="-122"/>
-                <a:ea typeface="仿宋" pitchFamily="49" charset="-122"/>
-              </a:rPr>
-              <a:t>三、程序填空题（</a:t>
-            </a:r>
-            <a:r>
-              <a:rPr lang="en-US" altLang="zh-CN" dirty="0">
-                <a:latin typeface="仿宋" pitchFamily="49" charset="-122"/>
-                <a:ea typeface="仿宋" pitchFamily="49" charset="-122"/>
-              </a:rPr>
-              <a:t>10</a:t>
-            </a:r>
-            <a:r>
-              <a:rPr lang="zh-CN" altLang="zh-CN" dirty="0">
-                <a:latin typeface="仿宋" pitchFamily="49" charset="-122"/>
-                <a:ea typeface="仿宋" pitchFamily="49" charset="-122"/>
-              </a:rPr>
-              <a:t>个空</a:t>
-            </a:r>
-            <a:r>
-              <a:rPr lang="en-US" altLang="zh-CN" dirty="0">
-                <a:latin typeface="仿宋" pitchFamily="49" charset="-122"/>
-                <a:ea typeface="仿宋" pitchFamily="49" charset="-122"/>
-              </a:rPr>
-              <a:t>,</a:t>
-            </a:r>
-            <a:r>
-              <a:rPr lang="zh-CN" altLang="zh-CN" dirty="0">
-                <a:latin typeface="仿宋" pitchFamily="49" charset="-122"/>
-                <a:ea typeface="仿宋" pitchFamily="49" charset="-122"/>
-              </a:rPr>
-              <a:t>每空</a:t>
-            </a:r>
-            <a:r>
-              <a:rPr lang="en-US" altLang="zh-CN" dirty="0">
-                <a:latin typeface="仿宋" pitchFamily="49" charset="-122"/>
-                <a:ea typeface="仿宋" pitchFamily="49" charset="-122"/>
-              </a:rPr>
-              <a:t>2</a:t>
-            </a:r>
-            <a:r>
-              <a:rPr lang="zh-CN" altLang="zh-CN" dirty="0">
-                <a:latin typeface="仿宋" pitchFamily="49" charset="-122"/>
-                <a:ea typeface="仿宋" pitchFamily="49" charset="-122"/>
-              </a:rPr>
-              <a:t>分</a:t>
-            </a:r>
-            <a:r>
-              <a:rPr lang="en-US" altLang="zh-CN" dirty="0">
-                <a:latin typeface="仿宋" pitchFamily="49" charset="-122"/>
-                <a:ea typeface="仿宋" pitchFamily="49" charset="-122"/>
-              </a:rPr>
-              <a:t>,</a:t>
-            </a:r>
-            <a:r>
-              <a:rPr lang="zh-CN" altLang="zh-CN" dirty="0">
-                <a:latin typeface="仿宋" pitchFamily="49" charset="-122"/>
-                <a:ea typeface="仿宋" pitchFamily="49" charset="-122"/>
-              </a:rPr>
-              <a:t>共</a:t>
-            </a:r>
-            <a:r>
-              <a:rPr lang="en-US" altLang="zh-CN" dirty="0">
-                <a:latin typeface="仿宋" pitchFamily="49" charset="-122"/>
-                <a:ea typeface="仿宋" pitchFamily="49" charset="-122"/>
-              </a:rPr>
-              <a:t>20</a:t>
-            </a:r>
-            <a:r>
-              <a:rPr lang="zh-CN" altLang="zh-CN" dirty="0">
-                <a:latin typeface="仿宋" pitchFamily="49" charset="-122"/>
-                <a:ea typeface="仿宋" pitchFamily="49" charset="-122"/>
-              </a:rPr>
-              <a:t>分）</a:t>
-            </a:r>
-          </a:p>
-          <a:p>
-            <a:pPr>
-              <a:lnSpc>
-                <a:spcPct val="200000"/>
-              </a:lnSpc>
-            </a:pPr>
-            <a:r>
-              <a:rPr lang="zh-CN" altLang="zh-CN" dirty="0">
-                <a:latin typeface="仿宋" pitchFamily="49" charset="-122"/>
-                <a:ea typeface="仿宋" pitchFamily="49" charset="-122"/>
-              </a:rPr>
-              <a:t>五、编程题（</a:t>
-            </a:r>
-            <a:r>
-              <a:rPr lang="en-US" altLang="zh-CN" dirty="0">
-                <a:latin typeface="仿宋" pitchFamily="49" charset="-122"/>
-                <a:ea typeface="仿宋" pitchFamily="49" charset="-122"/>
-              </a:rPr>
-              <a:t>4</a:t>
-            </a:r>
-            <a:r>
-              <a:rPr lang="zh-CN" altLang="zh-CN" dirty="0">
-                <a:latin typeface="仿宋" pitchFamily="49" charset="-122"/>
-                <a:ea typeface="仿宋" pitchFamily="49" charset="-122"/>
-              </a:rPr>
-              <a:t>题</a:t>
-            </a:r>
-            <a:r>
-              <a:rPr lang="en-US" altLang="zh-CN" dirty="0">
-                <a:latin typeface="仿宋" pitchFamily="49" charset="-122"/>
-                <a:ea typeface="仿宋" pitchFamily="49" charset="-122"/>
-              </a:rPr>
-              <a:t>,  35</a:t>
-            </a:r>
-            <a:r>
-              <a:rPr lang="zh-CN" altLang="zh-CN" dirty="0">
-                <a:latin typeface="仿宋" pitchFamily="49" charset="-122"/>
-                <a:ea typeface="仿宋" pitchFamily="49" charset="-122"/>
-              </a:rPr>
-              <a:t>分</a:t>
-            </a:r>
-            <a:r>
-              <a:rPr lang="zh-CN" altLang="zh-CN" dirty="0" smtClean="0">
-                <a:latin typeface="仿宋" pitchFamily="49" charset="-122"/>
-                <a:ea typeface="仿宋" pitchFamily="49" charset="-122"/>
-              </a:rPr>
-              <a:t>）</a:t>
-            </a:r>
-            <a:endParaRPr lang="en-US" altLang="zh-CN" dirty="0" smtClean="0">
-              <a:latin typeface="仿宋" pitchFamily="49" charset="-122"/>
-              <a:ea typeface="仿宋" pitchFamily="49" charset="-122"/>
-            </a:endParaRPr>
-          </a:p>
-          <a:p>
-            <a:pPr>
-              <a:lnSpc>
-                <a:spcPct val="200000"/>
-              </a:lnSpc>
-            </a:pPr>
-            <a:endParaRPr lang="zh-CN" altLang="en-US" dirty="0">
-              <a:latin typeface="仿宋" pitchFamily="49" charset="-122"/>
-              <a:ea typeface="仿宋" pitchFamily="49" charset="-122"/>
-            </a:endParaRPr>
-          </a:p>
-        </p:txBody>
-      </p:sp>
-      <p:sp>
-        <p:nvSpPr>
-          <p:cNvPr id="3" name="TextBox 2"/>
-          <p:cNvSpPr txBox="1"/>
-          <p:nvPr/>
-        </p:nvSpPr>
-        <p:spPr>
-          <a:xfrm>
-            <a:off x="1187765" y="1052835"/>
-            <a:ext cx="2880200" cy="461665"/>
-          </a:xfrm>
-          <a:prstGeom prst="rect">
-            <a:avLst/>
-          </a:prstGeom>
-          <a:noFill/>
-        </p:spPr>
-        <p:txBody>
-          <a:bodyPr wrap="square" rtlCol="0">
-            <a:spAutoFit/>
-          </a:bodyPr>
-          <a:lstStyle/>
-          <a:p>
-            <a:r>
-              <a:rPr lang="zh-CN" altLang="en-US" dirty="0" smtClean="0">
-                <a:latin typeface="仿宋" pitchFamily="49" charset="-122"/>
-                <a:ea typeface="仿宋" pitchFamily="49" charset="-122"/>
-              </a:rPr>
-              <a:t>题目类型</a:t>
-            </a:r>
-            <a:endParaRPr lang="zh-CN" altLang="en-US" dirty="0">
-              <a:latin typeface="仿宋" pitchFamily="49" charset="-122"/>
-              <a:ea typeface="仿宋" pitchFamily="49" charset="-122"/>
-            </a:endParaRPr>
-          </a:p>
-        </p:txBody>
-      </p:sp>
-      <p:sp>
-        <p:nvSpPr>
-          <p:cNvPr id="4" name="TextBox 3"/>
-          <p:cNvSpPr txBox="1"/>
-          <p:nvPr/>
-        </p:nvSpPr>
-        <p:spPr>
-          <a:xfrm>
-            <a:off x="1547790" y="5301130"/>
-            <a:ext cx="4824335" cy="461665"/>
-          </a:xfrm>
-          <a:prstGeom prst="rect">
-            <a:avLst/>
-          </a:prstGeom>
-          <a:noFill/>
-        </p:spPr>
-        <p:txBody>
-          <a:bodyPr wrap="square" rtlCol="0">
-            <a:spAutoFit/>
-          </a:bodyPr>
-          <a:lstStyle/>
-          <a:p>
-            <a:r>
-              <a:rPr lang="zh-CN" altLang="en-US" dirty="0"/>
-              <a:t>不</a:t>
-            </a:r>
-            <a:r>
-              <a:rPr lang="zh-CN" altLang="en-US" dirty="0" smtClean="0"/>
-              <a:t>考：二维数组，文件</a:t>
-            </a:r>
-            <a:endParaRPr lang="zh-CN" altLang="en-US" dirty="0"/>
-          </a:p>
-        </p:txBody>
-      </p:sp>
-    </p:spTree>
-    <p:extLst>
-      <p:ext uri="{BB962C8B-B14F-4D97-AF65-F5344CB8AC3E}">
-        <p14:creationId xmlns:p14="http://schemas.microsoft.com/office/powerpoint/2010/main" val="624354561"/>
-      </p:ext>
-    </p:extLst>
-  </p:cSld>
-  <p:clrMapOvr>
-    <a:masterClrMapping/>
-  </p:clrMapOvr>
-  <p:timing>
-    <p:tnLst>
-      <p:par>
-        <p:cTn id="1" dur="indefinite" restart="never" nodeType="tmRoot"/>
-      </p:par>
-    </p:tnLst>
-  </p:timing>
-</p:sld>
-</file>
-
-<file path=ppt/slides/slide20.xml><?xml version="1.0" encoding="utf-8"?>
+<file path=ppt/slides/slide18.xml><?xml version="1.0" encoding="utf-8"?>
 <p:sld xmlns:a="http://schemas.openxmlformats.org/drawingml/2006/main" xmlns:r="http://schemas.openxmlformats.org/officeDocument/2006/relationships" xmlns:p="http://schemas.openxmlformats.org/presentationml/2006/main">
   <p:cSld>
     <p:spTree>
@@ -14106,7 +12184,7 @@
         <p:spPr>
           <a:xfrm>
             <a:off x="684213" y="909638"/>
-            <a:ext cx="5975350" cy="3743325"/>
+            <a:ext cx="5111872" cy="3743325"/>
           </a:xfrm>
           <a:ln>
             <a:solidFill>
@@ -14126,8 +12204,16 @@
               <a:buNone/>
             </a:pPr>
             <a:r>
-              <a:rPr lang="en-US" sz="2000"/>
-              <a:t>#include &lt;stdio.h&gt;</a:t>
+              <a:rPr lang="en-US" sz="2000" dirty="0"/>
+              <a:t>#include &lt;</a:t>
+            </a:r>
+            <a:r>
+              <a:rPr lang="en-US" sz="2000" dirty="0" err="1"/>
+              <a:t>stdio.h</a:t>
+            </a:r>
+            <a:r>
+              <a:rPr lang="en-US" sz="2000" dirty="0"/>
+              <a:t>&gt;</a:t>
             </a:r>
           </a:p>
           <a:p>
@@ -14136,8 +12222,24 @@
               <a:buNone/>
             </a:pPr>
             <a:r>
-              <a:rPr lang="en-US" sz="2000"/>
-              <a:t>void swap2(int x[ ])</a:t>
+              <a:rPr lang="en-US" sz="2000" dirty="0"/>
+              <a:t>void </a:t>
+            </a:r>
+            <a:r>
+              <a:rPr lang="en-US" sz="2000" dirty="0" smtClean="0"/>
+              <a:t>swap(</a:t>
+            </a:r>
+            <a:r>
+              <a:rPr lang="en-US" sz="2000" dirty="0" err="1" smtClean="0"/>
+              <a:t>int</a:t>
+            </a:r>
+            <a:r>
+              <a:rPr lang="en-US" sz="2000" dirty="0" smtClean="0"/>
+              <a:t> </a:t>
+            </a:r>
+            <a:r>
+              <a:rPr lang="en-US" sz="2000" dirty="0"/>
+              <a:t>x[ ])</a:t>
             </a:r>
           </a:p>
           <a:p>
@@ -14146,8 +12248,16 @@
               <a:buNone/>
             </a:pPr>
             <a:r>
-              <a:rPr lang="en-US" sz="2000"/>
-              <a:t>{   int z;</a:t>
+              <a:rPr lang="en-US" sz="2000" dirty="0"/>
+              <a:t>{   </a:t>
+            </a:r>
+            <a:r>
+              <a:rPr lang="en-US" sz="2000" dirty="0" err="1"/>
+              <a:t>int</a:t>
+            </a:r>
+            <a:r>
+              <a:rPr lang="en-US" sz="2000" dirty="0"/>
+              <a:t> z;</a:t>
             </a:r>
           </a:p>
           <a:p>
@@ -14156,7 +12266,7 @@
               <a:buNone/>
             </a:pPr>
             <a:r>
-              <a:rPr lang="en-US" sz="2000"/>
+              <a:rPr lang="en-US" sz="2000" dirty="0"/>
               <a:t>    z=x[0];     x[0]=x[1];     x[1]=z;</a:t>
             </a:r>
           </a:p>
@@ -14166,7 +12276,7 @@
               <a:buNone/>
             </a:pPr>
             <a:r>
-              <a:rPr lang="en-US" sz="2000"/>
+              <a:rPr lang="en-US" sz="2000" dirty="0"/>
               <a:t>}</a:t>
             </a:r>
           </a:p>
@@ -14176,7 +12286,7 @@
               <a:buNone/>
             </a:pPr>
             <a:r>
-              <a:rPr lang="en-US" sz="2000"/>
+              <a:rPr lang="en-US" sz="2000" dirty="0"/>
               <a:t>void main()</a:t>
             </a:r>
           </a:p>
@@ -14186,8 +12296,16 @@
               <a:buNone/>
             </a:pPr>
             <a:r>
-              <a:rPr lang="en-US" sz="2000"/>
-              <a:t>{   int a[2]={1,2};</a:t>
+              <a:rPr lang="en-US" sz="2000" dirty="0"/>
+              <a:t>{   </a:t>
+            </a:r>
+            <a:r>
+              <a:rPr lang="en-US" sz="2000" dirty="0" err="1"/>
+              <a:t>int</a:t>
+            </a:r>
+            <a:r>
+              <a:rPr lang="en-US" sz="2000" dirty="0"/>
+              <a:t> a[2]={1,2};</a:t>
             </a:r>
           </a:p>
           <a:p>
@@ -14196,8 +12314,16 @@
               <a:buNone/>
             </a:pPr>
             <a:r>
-              <a:rPr lang="en-US" sz="2000"/>
-              <a:t>    swap2(a);</a:t>
+              <a:rPr lang="en-US" sz="2000" dirty="0"/>
+              <a:t>    </a:t>
+            </a:r>
+            <a:r>
+              <a:rPr lang="en-US" sz="2000" dirty="0" smtClean="0"/>
+              <a:t>swap(a</a:t>
+            </a:r>
+            <a:r>
+              <a:rPr lang="en-US" sz="2000" dirty="0"/>
+              <a:t>);</a:t>
             </a:r>
           </a:p>
           <a:p>
@@ -14206,8 +12332,32 @@
               <a:buNone/>
             </a:pPr>
             <a:r>
-              <a:rPr lang="en-US" sz="2000"/>
-              <a:t>    printf("a[0]=%d\na[1]=%d\n",a[0],a[1]);</a:t>
+              <a:rPr lang="en-US" sz="2000" dirty="0"/>
+              <a:t>    </a:t>
+            </a:r>
+            <a:r>
+              <a:rPr lang="en-US" sz="2000" dirty="0" err="1"/>
+              <a:t>printf</a:t>
+            </a:r>
+            <a:r>
+              <a:rPr lang="en-US" sz="2000" dirty="0"/>
+              <a:t>("a[0]=%d\</a:t>
+            </a:r>
+            <a:r>
+              <a:rPr lang="en-US" sz="2000" dirty="0" err="1"/>
+              <a:t>na</a:t>
+            </a:r>
+            <a:r>
+              <a:rPr lang="en-US" sz="2000" dirty="0"/>
+              <a:t>[1]=%d\</a:t>
+            </a:r>
+            <a:r>
+              <a:rPr lang="en-US" sz="2000" dirty="0" err="1"/>
+              <a:t>n",a</a:t>
+            </a:r>
+            <a:r>
+              <a:rPr lang="en-US" sz="2000" dirty="0"/>
+              <a:t>[0],a[1]);</a:t>
             </a:r>
           </a:p>
           <a:p>
@@ -14216,10 +12366,10 @@
               <a:buNone/>
             </a:pPr>
             <a:r>
-              <a:rPr lang="en-US" sz="2000"/>
+              <a:rPr lang="en-US" sz="2000" dirty="0"/>
               <a:t>}</a:t>
             </a:r>
-            <a:endParaRPr lang="zh-CN" altLang="en-US" sz="2000"/>
+            <a:endParaRPr lang="zh-CN" altLang="en-US" sz="2000" dirty="0"/>
           </a:p>
         </p:txBody>
       </p:sp>
@@ -14413,7 +12563,7 @@
                   <a:spcPct val="0"/>
                 </a:spcBef>
               </a:pPr>
-              <a:t>20</a:t>
+              <a:t>18</a:t>
             </a:fld>
             <a:endParaRPr lang="en-US" sz="1800">
               <a:ea typeface="楷体_GB2312" pitchFamily="1" charset="-122"/>
@@ -14686,6 +12836,269 @@
           </a:extLst>
         </p:spPr>
       </p:pic>
+      <p:sp>
+        <p:nvSpPr>
+          <p:cNvPr id="9" name="内容占位符 2"/>
+          <p:cNvSpPr txBox="1">
+            <a:spLocks/>
+          </p:cNvSpPr>
+          <p:nvPr/>
+        </p:nvSpPr>
+        <p:spPr bwMode="auto">
+          <a:xfrm>
+            <a:off x="5868090" y="1198225"/>
+            <a:ext cx="3096215" cy="718670"/>
+          </a:xfrm>
+          <a:prstGeom prst="rect">
+            <a:avLst/>
+          </a:prstGeom>
+          <a:noFill/>
+          <a:ln>
+            <a:noFill/>
+          </a:ln>
+          <a:extLst>
+            <a:ext uri="{909E8E84-426E-40DD-AFC4-6F175D3DCCD1}">
+              <a14:hiddenFill xmlns:a14="http://schemas.microsoft.com/office/drawing/2010/main">
+                <a:solidFill>
+                  <a:srgbClr val="FFFFFF"/>
+                </a:solidFill>
+              </a14:hiddenFill>
+            </a:ext>
+            <a:ext uri="{91240B29-F687-4F45-9708-019B960494DF}">
+              <a14:hiddenLine xmlns:a14="http://schemas.microsoft.com/office/drawing/2010/main" w="9525">
+                <a:solidFill>
+                  <a:srgbClr val="000000"/>
+                </a:solidFill>
+                <a:miter lim="800000"/>
+                <a:headEnd/>
+                <a:tailEnd/>
+              </a14:hiddenLine>
+            </a:ext>
+          </a:extLst>
+        </p:spPr>
+        <p:txBody>
+          <a:bodyPr vert="horz" wrap="square" lIns="91440" tIns="45720" rIns="91440" bIns="45720" numCol="1" anchor="t" anchorCtr="0" compatLnSpc="1">
+            <a:prstTxWarp prst="textNoShape">
+              <a:avLst/>
+            </a:prstTxWarp>
+          </a:bodyPr>
+          <a:lstStyle>
+            <a:lvl1pPr marL="342900" indent="-342900" algn="l" defTabSz="0" rtl="0" eaLnBrk="0" fontAlgn="base" hangingPunct="0">
+              <a:spcBef>
+                <a:spcPct val="20000"/>
+              </a:spcBef>
+              <a:spcAft>
+                <a:spcPct val="0"/>
+              </a:spcAft>
+              <a:buClr>
+                <a:schemeClr val="tx1"/>
+              </a:buClr>
+              <a:buSzPct val="75000"/>
+              <a:buFont typeface="Wingdings" pitchFamily="2" charset="2"/>
+              <a:buChar char="l"/>
+              <a:defRPr sz="3200" b="1">
+                <a:solidFill>
+                  <a:srgbClr val="0000FF"/>
+                </a:solidFill>
+                <a:latin typeface="+mn-lt"/>
+                <a:ea typeface="+mn-ea"/>
+                <a:cs typeface="+mn-cs"/>
+                <a:sym typeface="Arial" pitchFamily="34" charset="0"/>
+              </a:defRPr>
+            </a:lvl1pPr>
+            <a:lvl2pPr marL="742950" indent="-285750" algn="l" defTabSz="0" rtl="0" eaLnBrk="0" fontAlgn="base" hangingPunct="0">
+              <a:spcBef>
+                <a:spcPct val="20000"/>
+              </a:spcBef>
+              <a:spcAft>
+                <a:spcPct val="0"/>
+              </a:spcAft>
+              <a:buClr>
+                <a:schemeClr val="tx1"/>
+              </a:buClr>
+              <a:buSzPct val="75000"/>
+              <a:buFont typeface="Wingdings" pitchFamily="2" charset="2"/>
+              <a:buChar char="–"/>
+              <a:defRPr sz="3200" b="1">
+                <a:solidFill>
+                  <a:srgbClr val="000000"/>
+                </a:solidFill>
+                <a:latin typeface="+mn-lt"/>
+                <a:ea typeface="宋体" pitchFamily="2" charset="-122"/>
+                <a:sym typeface="Arial" pitchFamily="34" charset="0"/>
+              </a:defRPr>
+            </a:lvl2pPr>
+            <a:lvl3pPr marL="1143000" indent="-228600" algn="l" defTabSz="0" rtl="0" eaLnBrk="0" fontAlgn="base" hangingPunct="0">
+              <a:spcBef>
+                <a:spcPct val="20000"/>
+              </a:spcBef>
+              <a:spcAft>
+                <a:spcPct val="0"/>
+              </a:spcAft>
+              <a:buClr>
+                <a:schemeClr val="tx1"/>
+              </a:buClr>
+              <a:buSzPct val="75000"/>
+              <a:buFont typeface="Wingdings" pitchFamily="2" charset="2"/>
+              <a:buChar char="l"/>
+              <a:defRPr sz="2800" b="1">
+                <a:solidFill>
+                  <a:srgbClr val="FF0000"/>
+                </a:solidFill>
+                <a:latin typeface="+mn-lt"/>
+                <a:ea typeface="宋体" pitchFamily="2" charset="-122"/>
+                <a:sym typeface="Arial" pitchFamily="34" charset="0"/>
+              </a:defRPr>
+            </a:lvl3pPr>
+            <a:lvl4pPr marL="1600200" indent="-228600" algn="l" defTabSz="0" rtl="0" eaLnBrk="0" fontAlgn="base" hangingPunct="0">
+              <a:spcBef>
+                <a:spcPct val="20000"/>
+              </a:spcBef>
+              <a:spcAft>
+                <a:spcPct val="0"/>
+              </a:spcAft>
+              <a:buClr>
+                <a:schemeClr val="tx1"/>
+              </a:buClr>
+              <a:buSzPct val="80000"/>
+              <a:buFont typeface="Wingdings" pitchFamily="2" charset="2"/>
+              <a:buChar char="–"/>
+              <a:defRPr sz="2800" b="1">
+                <a:solidFill>
+                  <a:srgbClr val="000000"/>
+                </a:solidFill>
+                <a:latin typeface="+mn-lt"/>
+                <a:ea typeface="宋体" pitchFamily="2" charset="-122"/>
+                <a:sym typeface="Arial" pitchFamily="34" charset="0"/>
+              </a:defRPr>
+            </a:lvl4pPr>
+            <a:lvl5pPr marL="2057400" indent="-228600" algn="l" defTabSz="0" rtl="0" eaLnBrk="0" fontAlgn="base" hangingPunct="0">
+              <a:spcBef>
+                <a:spcPct val="20000"/>
+              </a:spcBef>
+              <a:spcAft>
+                <a:spcPct val="0"/>
+              </a:spcAft>
+              <a:buClr>
+                <a:schemeClr val="tx1"/>
+              </a:buClr>
+              <a:buSzPct val="65000"/>
+              <a:buFont typeface="Wingdings" pitchFamily="2" charset="2"/>
+              <a:buChar char="l"/>
+              <a:defRPr sz="2800" b="1">
+                <a:solidFill>
+                  <a:srgbClr val="000000"/>
+                </a:solidFill>
+                <a:latin typeface="+mn-lt"/>
+                <a:ea typeface="宋体" pitchFamily="2" charset="-122"/>
+                <a:sym typeface="Arial" pitchFamily="34" charset="0"/>
+              </a:defRPr>
+            </a:lvl5pPr>
+            <a:lvl6pPr marL="2514600" indent="-228600" algn="l" defTabSz="0" rtl="0" eaLnBrk="0" fontAlgn="base" hangingPunct="0">
+              <a:spcBef>
+                <a:spcPct val="20000"/>
+              </a:spcBef>
+              <a:spcAft>
+                <a:spcPct val="0"/>
+              </a:spcAft>
+              <a:buClr>
+                <a:schemeClr val="tx1"/>
+              </a:buClr>
+              <a:buSzPct val="65000"/>
+              <a:buFont typeface="Wingdings" pitchFamily="2" charset="2"/>
+              <a:buChar char="l"/>
+              <a:defRPr sz="2800" b="1">
+                <a:solidFill>
+                  <a:srgbClr val="000000"/>
+                </a:solidFill>
+                <a:latin typeface="+mn-lt"/>
+                <a:ea typeface="宋体" pitchFamily="2" charset="-122"/>
+                <a:sym typeface="Arial" pitchFamily="34" charset="0"/>
+              </a:defRPr>
+            </a:lvl6pPr>
+            <a:lvl7pPr marL="2971800" indent="-228600" algn="l" defTabSz="0" rtl="0" eaLnBrk="0" fontAlgn="base" hangingPunct="0">
+              <a:spcBef>
+                <a:spcPct val="20000"/>
+              </a:spcBef>
+              <a:spcAft>
+                <a:spcPct val="0"/>
+              </a:spcAft>
+              <a:buClr>
+                <a:schemeClr val="tx1"/>
+              </a:buClr>
+              <a:buSzPct val="65000"/>
+              <a:buFont typeface="Wingdings" pitchFamily="2" charset="2"/>
+              <a:buChar char="l"/>
+              <a:defRPr sz="2800" b="1">
+                <a:solidFill>
+                  <a:srgbClr val="000000"/>
+                </a:solidFill>
+                <a:latin typeface="+mn-lt"/>
+                <a:ea typeface="宋体" pitchFamily="2" charset="-122"/>
+                <a:sym typeface="Arial" pitchFamily="34" charset="0"/>
+              </a:defRPr>
+            </a:lvl7pPr>
+            <a:lvl8pPr marL="3429000" indent="-228600" algn="l" defTabSz="0" rtl="0" eaLnBrk="0" fontAlgn="base" hangingPunct="0">
+              <a:spcBef>
+                <a:spcPct val="20000"/>
+              </a:spcBef>
+              <a:spcAft>
+                <a:spcPct val="0"/>
+              </a:spcAft>
+              <a:buClr>
+                <a:schemeClr val="tx1"/>
+              </a:buClr>
+              <a:buSzPct val="65000"/>
+              <a:buFont typeface="Wingdings" pitchFamily="2" charset="2"/>
+              <a:buChar char="l"/>
+              <a:defRPr sz="2800" b="1">
+                <a:solidFill>
+                  <a:srgbClr val="000000"/>
+                </a:solidFill>
+                <a:latin typeface="+mn-lt"/>
+                <a:ea typeface="宋体" pitchFamily="2" charset="-122"/>
+                <a:sym typeface="Arial" pitchFamily="34" charset="0"/>
+              </a:defRPr>
+            </a:lvl8pPr>
+            <a:lvl9pPr marL="3886200" indent="-228600" algn="l" defTabSz="0" rtl="0" eaLnBrk="0" fontAlgn="base" hangingPunct="0">
+              <a:spcBef>
+                <a:spcPct val="20000"/>
+              </a:spcBef>
+              <a:spcAft>
+                <a:spcPct val="0"/>
+              </a:spcAft>
+              <a:buClr>
+                <a:schemeClr val="tx1"/>
+              </a:buClr>
+              <a:buSzPct val="65000"/>
+              <a:buFont typeface="Wingdings" pitchFamily="2" charset="2"/>
+              <a:buChar char="l"/>
+              <a:defRPr sz="2800" b="1">
+                <a:solidFill>
+                  <a:srgbClr val="000000"/>
+                </a:solidFill>
+                <a:latin typeface="+mn-lt"/>
+                <a:ea typeface="宋体" pitchFamily="2" charset="-122"/>
+                <a:sym typeface="Arial" pitchFamily="34" charset="0"/>
+              </a:defRPr>
+            </a:lvl9pPr>
+          </a:lstStyle>
+          <a:p>
+            <a:r>
+              <a:rPr lang="zh-CN" altLang="en-US" sz="2000" kern="0" dirty="0" smtClean="0"/>
+              <a:t>地址传递，双向传递</a:t>
+            </a:r>
+            <a:endParaRPr lang="en-US" sz="2000" kern="0" dirty="0" smtClean="0"/>
+          </a:p>
+          <a:p>
+            <a:r>
+              <a:rPr lang="zh-CN" altLang="en-US" sz="2000" kern="0" dirty="0" smtClean="0"/>
+              <a:t>形参数组名是地址常量</a:t>
+            </a:r>
+            <a:endParaRPr lang="zh-CN" altLang="en-US" sz="2000" kern="0" dirty="0"/>
+          </a:p>
+        </p:txBody>
+      </p:sp>
     </p:spTree>
   </p:cSld>
   <p:clrMapOvr>
@@ -14701,7 +13114,7 @@
 </p:sld>
 </file>
 
-<file path=ppt/slides/slide21.xml><?xml version="1.0" encoding="utf-8"?>
+<file path=ppt/slides/slide19.xml><?xml version="1.0" encoding="utf-8"?>
 <p:sld xmlns:a="http://schemas.openxmlformats.org/drawingml/2006/main" xmlns:r="http://schemas.openxmlformats.org/officeDocument/2006/relationships" xmlns:p="http://schemas.openxmlformats.org/presentationml/2006/main">
   <p:cSld>
     <p:spTree>
@@ -14972,7 +13385,7 @@
                   <a:spcPct val="0"/>
                 </a:spcBef>
               </a:pPr>
-              <a:t>21</a:t>
+              <a:t>19</a:t>
             </a:fld>
             <a:endParaRPr lang="en-US" sz="1800">
               <a:ea typeface="楷体_GB2312" pitchFamily="1" charset="-122"/>
@@ -15537,2212 +13950,9 @@
           </a:p>
         </p:txBody>
       </p:sp>
-    </p:spTree>
-  </p:cSld>
-  <p:clrMapOvr>
-    <a:masterClrMapping/>
-  </p:clrMapOvr>
-  <p:timing>
-    <p:tnLst>
-      <p:par>
-        <p:cTn id="1" dur="indefinite" restart="never" nodeType="tmRoot"/>
-      </p:par>
-    </p:tnLst>
-  </p:timing>
-</p:sld>
-</file>
-
-<file path=ppt/slides/slide22.xml><?xml version="1.0" encoding="utf-8"?>
-<p:sld xmlns:a="http://schemas.openxmlformats.org/drawingml/2006/main" xmlns:r="http://schemas.openxmlformats.org/officeDocument/2006/relationships" xmlns:p="http://schemas.openxmlformats.org/presentationml/2006/main">
-  <p:cSld>
-    <p:spTree>
-      <p:nvGrpSpPr>
-        <p:cNvPr id="1" name=""/>
-        <p:cNvGrpSpPr/>
-        <p:nvPr/>
-      </p:nvGrpSpPr>
-      <p:grpSpPr>
-        <a:xfrm>
-          <a:off x="0" y="0"/>
-          <a:ext cx="0" cy="0"/>
-          <a:chOff x="0" y="0"/>
-          <a:chExt cx="0" cy="0"/>
-        </a:xfrm>
-      </p:grpSpPr>
-      <p:sp>
-        <p:nvSpPr>
-          <p:cNvPr id="71682" name="标题 1"/>
-          <p:cNvSpPr>
-            <a:spLocks noGrp="1"/>
-          </p:cNvSpPr>
-          <p:nvPr>
-            <p:ph type="title" idx="4294967295"/>
-          </p:nvPr>
-        </p:nvSpPr>
-        <p:spPr/>
-        <p:txBody>
-          <a:bodyPr/>
-          <a:lstStyle/>
-          <a:p>
-            <a:r>
-              <a:rPr lang="zh-CN" altLang="en-US"/>
-              <a:t>指针与数组</a:t>
-            </a:r>
-          </a:p>
-        </p:txBody>
-      </p:sp>
-      <p:sp>
-        <p:nvSpPr>
-          <p:cNvPr id="71683" name="灯片编号占位符 3"/>
-          <p:cNvSpPr txBox="1">
-            <a:spLocks noGrp="1" noChangeArrowheads="1"/>
-          </p:cNvSpPr>
-          <p:nvPr/>
-        </p:nvSpPr>
-        <p:spPr bwMode="auto">
-          <a:xfrm>
-            <a:off x="8556625" y="0"/>
-            <a:ext cx="587375" cy="396875"/>
-          </a:xfrm>
-          <a:prstGeom prst="rect">
-            <a:avLst/>
-          </a:prstGeom>
-          <a:noFill/>
-          <a:ln>
-            <a:noFill/>
-          </a:ln>
-          <a:extLst>
-            <a:ext uri="{909E8E84-426E-40DD-AFC4-6F175D3DCCD1}">
-              <a14:hiddenFill xmlns:a14="http://schemas.microsoft.com/office/drawing/2010/main">
-                <a:solidFill>
-                  <a:srgbClr val="FFFFFF"/>
-                </a:solidFill>
-              </a14:hiddenFill>
-            </a:ext>
-            <a:ext uri="{91240B29-F687-4F45-9708-019B960494DF}">
-              <a14:hiddenLine xmlns:a14="http://schemas.microsoft.com/office/drawing/2010/main" w="9525">
-                <a:solidFill>
-                  <a:srgbClr val="000000"/>
-                </a:solidFill>
-                <a:miter lim="800000"/>
-                <a:headEnd/>
-                <a:tailEnd/>
-              </a14:hiddenLine>
-            </a:ext>
-          </a:extLst>
-        </p:spPr>
-        <p:txBody>
-          <a:bodyPr anchor="b" anchorCtr="1">
-            <a:spAutoFit/>
-          </a:bodyPr>
-          <a:lstStyle>
-            <a:lvl1pPr>
-              <a:defRPr sz="2400" b="1">
-                <a:solidFill>
-                  <a:srgbClr val="000000"/>
-                </a:solidFill>
-                <a:latin typeface="Times New Roman" pitchFamily="18" charset="0"/>
-                <a:ea typeface="宋体" pitchFamily="2" charset="-122"/>
-              </a:defRPr>
-            </a:lvl1pPr>
-            <a:lvl2pPr marL="742950" indent="-285750">
-              <a:defRPr sz="2400" b="1">
-                <a:solidFill>
-                  <a:srgbClr val="000000"/>
-                </a:solidFill>
-                <a:latin typeface="Times New Roman" pitchFamily="18" charset="0"/>
-                <a:ea typeface="宋体" pitchFamily="2" charset="-122"/>
-              </a:defRPr>
-            </a:lvl2pPr>
-            <a:lvl3pPr marL="1143000" indent="-228600">
-              <a:defRPr sz="2400" b="1">
-                <a:solidFill>
-                  <a:srgbClr val="000000"/>
-                </a:solidFill>
-                <a:latin typeface="Times New Roman" pitchFamily="18" charset="0"/>
-                <a:ea typeface="宋体" pitchFamily="2" charset="-122"/>
-              </a:defRPr>
-            </a:lvl3pPr>
-            <a:lvl4pPr marL="1600200" indent="-228600">
-              <a:defRPr sz="2400" b="1">
-                <a:solidFill>
-                  <a:srgbClr val="000000"/>
-                </a:solidFill>
-                <a:latin typeface="Times New Roman" pitchFamily="18" charset="0"/>
-                <a:ea typeface="宋体" pitchFamily="2" charset="-122"/>
-              </a:defRPr>
-            </a:lvl4pPr>
-            <a:lvl5pPr marL="2057400" indent="-228600">
-              <a:defRPr sz="2400" b="1">
-                <a:solidFill>
-                  <a:srgbClr val="000000"/>
-                </a:solidFill>
-                <a:latin typeface="Times New Roman" pitchFamily="18" charset="0"/>
-                <a:ea typeface="宋体" pitchFamily="2" charset="-122"/>
-              </a:defRPr>
-            </a:lvl5pPr>
-            <a:lvl6pPr marL="2514600" indent="-228600" eaLnBrk="0" fontAlgn="base" hangingPunct="0">
-              <a:spcBef>
-                <a:spcPct val="20000"/>
-              </a:spcBef>
-              <a:spcAft>
-                <a:spcPct val="0"/>
-              </a:spcAft>
-              <a:buClr>
-                <a:schemeClr val="tx1"/>
-              </a:buClr>
-              <a:buSzPct val="75000"/>
-              <a:buFont typeface="Wingdings" pitchFamily="2" charset="2"/>
-              <a:defRPr sz="2400" b="1">
-                <a:solidFill>
-                  <a:srgbClr val="000000"/>
-                </a:solidFill>
-                <a:latin typeface="Times New Roman" pitchFamily="18" charset="0"/>
-                <a:ea typeface="宋体" pitchFamily="2" charset="-122"/>
-              </a:defRPr>
-            </a:lvl6pPr>
-            <a:lvl7pPr marL="2971800" indent="-228600" eaLnBrk="0" fontAlgn="base" hangingPunct="0">
-              <a:spcBef>
-                <a:spcPct val="20000"/>
-              </a:spcBef>
-              <a:spcAft>
-                <a:spcPct val="0"/>
-              </a:spcAft>
-              <a:buClr>
-                <a:schemeClr val="tx1"/>
-              </a:buClr>
-              <a:buSzPct val="75000"/>
-              <a:buFont typeface="Wingdings" pitchFamily="2" charset="2"/>
-              <a:defRPr sz="2400" b="1">
-                <a:solidFill>
-                  <a:srgbClr val="000000"/>
-                </a:solidFill>
-                <a:latin typeface="Times New Roman" pitchFamily="18" charset="0"/>
-                <a:ea typeface="宋体" pitchFamily="2" charset="-122"/>
-              </a:defRPr>
-            </a:lvl7pPr>
-            <a:lvl8pPr marL="3429000" indent="-228600" eaLnBrk="0" fontAlgn="base" hangingPunct="0">
-              <a:spcBef>
-                <a:spcPct val="20000"/>
-              </a:spcBef>
-              <a:spcAft>
-                <a:spcPct val="0"/>
-              </a:spcAft>
-              <a:buClr>
-                <a:schemeClr val="tx1"/>
-              </a:buClr>
-              <a:buSzPct val="75000"/>
-              <a:buFont typeface="Wingdings" pitchFamily="2" charset="2"/>
-              <a:defRPr sz="2400" b="1">
-                <a:solidFill>
-                  <a:srgbClr val="000000"/>
-                </a:solidFill>
-                <a:latin typeface="Times New Roman" pitchFamily="18" charset="0"/>
-                <a:ea typeface="宋体" pitchFamily="2" charset="-122"/>
-              </a:defRPr>
-            </a:lvl8pPr>
-            <a:lvl9pPr marL="3886200" indent="-228600" eaLnBrk="0" fontAlgn="base" hangingPunct="0">
-              <a:spcBef>
-                <a:spcPct val="20000"/>
-              </a:spcBef>
-              <a:spcAft>
-                <a:spcPct val="0"/>
-              </a:spcAft>
-              <a:buClr>
-                <a:schemeClr val="tx1"/>
-              </a:buClr>
-              <a:buSzPct val="75000"/>
-              <a:buFont typeface="Wingdings" pitchFamily="2" charset="2"/>
-              <a:defRPr sz="2400" b="1">
-                <a:solidFill>
-                  <a:srgbClr val="000000"/>
-                </a:solidFill>
-                <a:latin typeface="Times New Roman" pitchFamily="18" charset="0"/>
-                <a:ea typeface="宋体" pitchFamily="2" charset="-122"/>
-              </a:defRPr>
-            </a:lvl9pPr>
-          </a:lstStyle>
-          <a:p>
-            <a:pPr>
-              <a:spcBef>
-                <a:spcPct val="0"/>
-              </a:spcBef>
-            </a:pPr>
-            <a:fld id="{4B547D66-E488-4B39-8C3F-B5465EEA29A5}" type="slidenum">
-              <a:rPr lang="zh-CN" altLang="en-US" sz="2000">
-                <a:solidFill>
-                  <a:schemeClr val="tx2"/>
-                </a:solidFill>
-                <a:latin typeface="Arial" pitchFamily="34" charset="0"/>
-                <a:sym typeface="Arial" pitchFamily="34" charset="0"/>
-              </a:rPr>
-              <a:pPr>
-                <a:spcBef>
-                  <a:spcPct val="0"/>
-                </a:spcBef>
-              </a:pPr>
-              <a:t>22</a:t>
-            </a:fld>
-            <a:endParaRPr lang="en-US" sz="1800">
-              <a:ea typeface="楷体_GB2312" pitchFamily="1" charset="-122"/>
-              <a:sym typeface="Arial" pitchFamily="34" charset="0"/>
-            </a:endParaRPr>
-          </a:p>
-        </p:txBody>
-      </p:sp>
       <p:pic>
         <p:nvPicPr>
-          <p:cNvPr id="71684" name="Picture 3"/>
-          <p:cNvPicPr>
-            <a:picLocks noGrp="1" noChangeAspect="1" noChangeArrowheads="1"/>
-          </p:cNvPicPr>
-          <p:nvPr>
-            <p:ph idx="4294967295"/>
-          </p:nvPr>
-        </p:nvPicPr>
-        <p:blipFill>
-          <a:blip r:embed="rId2">
-            <a:extLst>
-              <a:ext uri="{28A0092B-C50C-407E-A947-70E740481C1C}">
-                <a14:useLocalDpi xmlns:a14="http://schemas.microsoft.com/office/drawing/2010/main" val="0"/>
-              </a:ext>
-            </a:extLst>
-          </a:blip>
-          <a:srcRect/>
-          <a:stretch>
-            <a:fillRect/>
-          </a:stretch>
-        </p:blipFill>
-        <p:spPr>
-          <a:xfrm>
-            <a:off x="6049963" y="1268413"/>
-            <a:ext cx="3094037" cy="3825875"/>
-          </a:xfrm>
-          <a:noFill/>
-          <a:ln/>
-          <a:extLst>
-            <a:ext uri="{909E8E84-426E-40DD-AFC4-6F175D3DCCD1}">
-              <a14:hiddenFill xmlns:a14="http://schemas.microsoft.com/office/drawing/2010/main">
-                <a:solidFill>
-                  <a:schemeClr val="accent1"/>
-                </a:solidFill>
-              </a14:hiddenFill>
-            </a:ext>
-            <a:ext uri="{AF507438-7753-43E0-B8FC-AC1667EBCBE1}">
-              <a14:hiddenEffects xmlns:a14="http://schemas.microsoft.com/office/drawing/2010/main">
-                <a:effectLst>
-                  <a:outerShdw dist="53882" dir="13500000" algn="ctr" rotWithShape="0">
-                    <a:srgbClr val="5C7A5C">
-                      <a:alpha val="50000"/>
-                    </a:srgbClr>
-                  </a:outerShdw>
-                </a:effectLst>
-              </a14:hiddenEffects>
-            </a:ext>
-          </a:extLst>
-        </p:spPr>
-      </p:pic>
-      <p:sp>
-        <p:nvSpPr>
-          <p:cNvPr id="71685" name="TextBox 5"/>
-          <p:cNvSpPr txBox="1">
-            <a:spLocks noChangeArrowheads="1"/>
-          </p:cNvSpPr>
-          <p:nvPr/>
-        </p:nvSpPr>
-        <p:spPr bwMode="auto">
-          <a:xfrm>
-            <a:off x="900113" y="981075"/>
-            <a:ext cx="5327650" cy="5200650"/>
-          </a:xfrm>
-          <a:prstGeom prst="rect">
-            <a:avLst/>
-          </a:prstGeom>
-          <a:noFill/>
-          <a:ln w="9525" cmpd="sng">
-            <a:solidFill>
-              <a:schemeClr val="tx1"/>
-            </a:solidFill>
-            <a:miter lim="800000"/>
-            <a:headEnd/>
-            <a:tailEnd/>
-          </a:ln>
-          <a:extLst>
-            <a:ext uri="{909E8E84-426E-40DD-AFC4-6F175D3DCCD1}">
-              <a14:hiddenFill xmlns:a14="http://schemas.microsoft.com/office/drawing/2010/main">
-                <a:solidFill>
-                  <a:srgbClr val="FFFFFF"/>
-                </a:solidFill>
-              </a14:hiddenFill>
-            </a:ext>
-          </a:extLst>
-        </p:spPr>
-        <p:txBody>
-          <a:bodyPr>
-            <a:spAutoFit/>
-          </a:bodyPr>
-          <a:lstStyle>
-            <a:lvl1pPr>
-              <a:defRPr sz="2400" b="1">
-                <a:solidFill>
-                  <a:srgbClr val="000000"/>
-                </a:solidFill>
-                <a:latin typeface="Times New Roman" pitchFamily="18" charset="0"/>
-                <a:ea typeface="宋体" pitchFamily="2" charset="-122"/>
-              </a:defRPr>
-            </a:lvl1pPr>
-            <a:lvl2pPr marL="742950" indent="-285750">
-              <a:defRPr sz="2400" b="1">
-                <a:solidFill>
-                  <a:srgbClr val="000000"/>
-                </a:solidFill>
-                <a:latin typeface="Times New Roman" pitchFamily="18" charset="0"/>
-                <a:ea typeface="宋体" pitchFamily="2" charset="-122"/>
-              </a:defRPr>
-            </a:lvl2pPr>
-            <a:lvl3pPr marL="1143000" indent="-228600">
-              <a:defRPr sz="2400" b="1">
-                <a:solidFill>
-                  <a:srgbClr val="000000"/>
-                </a:solidFill>
-                <a:latin typeface="Times New Roman" pitchFamily="18" charset="0"/>
-                <a:ea typeface="宋体" pitchFamily="2" charset="-122"/>
-              </a:defRPr>
-            </a:lvl3pPr>
-            <a:lvl4pPr marL="1600200" indent="-228600">
-              <a:defRPr sz="2400" b="1">
-                <a:solidFill>
-                  <a:srgbClr val="000000"/>
-                </a:solidFill>
-                <a:latin typeface="Times New Roman" pitchFamily="18" charset="0"/>
-                <a:ea typeface="宋体" pitchFamily="2" charset="-122"/>
-              </a:defRPr>
-            </a:lvl4pPr>
-            <a:lvl5pPr marL="2057400" indent="-228600">
-              <a:defRPr sz="2400" b="1">
-                <a:solidFill>
-                  <a:srgbClr val="000000"/>
-                </a:solidFill>
-                <a:latin typeface="Times New Roman" pitchFamily="18" charset="0"/>
-                <a:ea typeface="宋体" pitchFamily="2" charset="-122"/>
-              </a:defRPr>
-            </a:lvl5pPr>
-            <a:lvl6pPr marL="2514600" indent="-228600" eaLnBrk="0" fontAlgn="base" hangingPunct="0">
-              <a:spcBef>
-                <a:spcPct val="20000"/>
-              </a:spcBef>
-              <a:spcAft>
-                <a:spcPct val="0"/>
-              </a:spcAft>
-              <a:buClr>
-                <a:schemeClr val="tx1"/>
-              </a:buClr>
-              <a:buSzPct val="75000"/>
-              <a:buFont typeface="Wingdings" pitchFamily="2" charset="2"/>
-              <a:defRPr sz="2400" b="1">
-                <a:solidFill>
-                  <a:srgbClr val="000000"/>
-                </a:solidFill>
-                <a:latin typeface="Times New Roman" pitchFamily="18" charset="0"/>
-                <a:ea typeface="宋体" pitchFamily="2" charset="-122"/>
-              </a:defRPr>
-            </a:lvl6pPr>
-            <a:lvl7pPr marL="2971800" indent="-228600" eaLnBrk="0" fontAlgn="base" hangingPunct="0">
-              <a:spcBef>
-                <a:spcPct val="20000"/>
-              </a:spcBef>
-              <a:spcAft>
-                <a:spcPct val="0"/>
-              </a:spcAft>
-              <a:buClr>
-                <a:schemeClr val="tx1"/>
-              </a:buClr>
-              <a:buSzPct val="75000"/>
-              <a:buFont typeface="Wingdings" pitchFamily="2" charset="2"/>
-              <a:defRPr sz="2400" b="1">
-                <a:solidFill>
-                  <a:srgbClr val="000000"/>
-                </a:solidFill>
-                <a:latin typeface="Times New Roman" pitchFamily="18" charset="0"/>
-                <a:ea typeface="宋体" pitchFamily="2" charset="-122"/>
-              </a:defRPr>
-            </a:lvl7pPr>
-            <a:lvl8pPr marL="3429000" indent="-228600" eaLnBrk="0" fontAlgn="base" hangingPunct="0">
-              <a:spcBef>
-                <a:spcPct val="20000"/>
-              </a:spcBef>
-              <a:spcAft>
-                <a:spcPct val="0"/>
-              </a:spcAft>
-              <a:buClr>
-                <a:schemeClr val="tx1"/>
-              </a:buClr>
-              <a:buSzPct val="75000"/>
-              <a:buFont typeface="Wingdings" pitchFamily="2" charset="2"/>
-              <a:defRPr sz="2400" b="1">
-                <a:solidFill>
-                  <a:srgbClr val="000000"/>
-                </a:solidFill>
-                <a:latin typeface="Times New Roman" pitchFamily="18" charset="0"/>
-                <a:ea typeface="宋体" pitchFamily="2" charset="-122"/>
-              </a:defRPr>
-            </a:lvl8pPr>
-            <a:lvl9pPr marL="3886200" indent="-228600" eaLnBrk="0" fontAlgn="base" hangingPunct="0">
-              <a:spcBef>
-                <a:spcPct val="20000"/>
-              </a:spcBef>
-              <a:spcAft>
-                <a:spcPct val="0"/>
-              </a:spcAft>
-              <a:buClr>
-                <a:schemeClr val="tx1"/>
-              </a:buClr>
-              <a:buSzPct val="75000"/>
-              <a:buFont typeface="Wingdings" pitchFamily="2" charset="2"/>
-              <a:defRPr sz="2400" b="1">
-                <a:solidFill>
-                  <a:srgbClr val="000000"/>
-                </a:solidFill>
-                <a:latin typeface="Times New Roman" pitchFamily="18" charset="0"/>
-                <a:ea typeface="宋体" pitchFamily="2" charset="-122"/>
-              </a:defRPr>
-            </a:lvl9pPr>
-          </a:lstStyle>
-          <a:p>
-            <a:r>
-              <a:rPr lang="en-US" sz="2000" dirty="0"/>
-              <a:t>void main()</a:t>
-            </a:r>
-          </a:p>
-          <a:p>
-            <a:r>
-              <a:rPr lang="en-US" sz="2000" dirty="0"/>
-              <a:t>{     </a:t>
-            </a:r>
-            <a:r>
-              <a:rPr lang="en-US" sz="2000" dirty="0" err="1">
-                <a:solidFill>
-                  <a:schemeClr val="tx1"/>
-                </a:solidFill>
-              </a:rPr>
-              <a:t>int</a:t>
-            </a:r>
-            <a:r>
-              <a:rPr lang="en-US" sz="2000" dirty="0">
-                <a:solidFill>
-                  <a:schemeClr val="tx1"/>
-                </a:solidFill>
-              </a:rPr>
-              <a:t> a[5],*</a:t>
-            </a:r>
-            <a:r>
-              <a:rPr lang="en-US" sz="2000" dirty="0" err="1">
-                <a:solidFill>
-                  <a:schemeClr val="tx1"/>
-                </a:solidFill>
-              </a:rPr>
-              <a:t>p,i</a:t>
-            </a:r>
-            <a:r>
-              <a:rPr lang="en-US" sz="2000" dirty="0">
-                <a:solidFill>
-                  <a:schemeClr val="tx1"/>
-                </a:solidFill>
-              </a:rPr>
-              <a:t>;</a:t>
-            </a:r>
-          </a:p>
-          <a:p>
-            <a:r>
-              <a:rPr lang="en-US" sz="2000" dirty="0"/>
-              <a:t>      for(i=0;i&lt;5;i++)</a:t>
-            </a:r>
-          </a:p>
-          <a:p>
-            <a:r>
-              <a:rPr lang="en-US" sz="2000" dirty="0"/>
-              <a:t>	 a[i]=i+1;</a:t>
-            </a:r>
-          </a:p>
-          <a:p>
-            <a:r>
-              <a:rPr lang="en-US" sz="2000" dirty="0"/>
-              <a:t>      </a:t>
-            </a:r>
-            <a:r>
-              <a:rPr lang="en-US" sz="2000" dirty="0">
-                <a:solidFill>
-                  <a:srgbClr val="002060"/>
-                </a:solidFill>
-              </a:rPr>
-              <a:t>p=a; // </a:t>
-            </a:r>
-            <a:r>
-              <a:rPr lang="zh-CN" altLang="en-US" sz="2000" dirty="0">
-                <a:solidFill>
-                  <a:srgbClr val="002060"/>
-                </a:solidFill>
-              </a:rPr>
-              <a:t>或</a:t>
-            </a:r>
-            <a:r>
-              <a:rPr lang="en-US" sz="2000" dirty="0">
-                <a:solidFill>
-                  <a:srgbClr val="002060"/>
-                </a:solidFill>
-              </a:rPr>
-              <a:t>p=&amp;a[0];</a:t>
-            </a:r>
-          </a:p>
-          <a:p>
-            <a:r>
-              <a:rPr lang="en-US" sz="2000" dirty="0"/>
-              <a:t>      for(i=0;i&lt;5;i++)</a:t>
-            </a:r>
-          </a:p>
-          <a:p>
-            <a:r>
-              <a:rPr lang="en-US" sz="2000" dirty="0"/>
-              <a:t>	 </a:t>
-            </a:r>
-            <a:r>
-              <a:rPr lang="en-US" sz="2000" dirty="0" err="1"/>
-              <a:t>printf</a:t>
-            </a:r>
-            <a:r>
-              <a:rPr lang="en-US" sz="2000" dirty="0"/>
-              <a:t>("*(p+%d):%d\</a:t>
-            </a:r>
-            <a:r>
-              <a:rPr lang="en-US" sz="2000" dirty="0" err="1"/>
-              <a:t>n",i</a:t>
-            </a:r>
-            <a:r>
-              <a:rPr lang="en-US" sz="2000" dirty="0"/>
-              <a:t>,*(</a:t>
-            </a:r>
-            <a:r>
-              <a:rPr lang="en-US" sz="2000" dirty="0" err="1"/>
-              <a:t>p+i</a:t>
-            </a:r>
-            <a:r>
-              <a:rPr lang="en-US" sz="2000" dirty="0"/>
-              <a:t>));</a:t>
-            </a:r>
-          </a:p>
-          <a:p>
-            <a:r>
-              <a:rPr lang="en-US" sz="2000" dirty="0"/>
-              <a:t>      for(i=0;i&lt;5;i++)</a:t>
-            </a:r>
-          </a:p>
-          <a:p>
-            <a:r>
-              <a:rPr lang="en-US" sz="2000" dirty="0"/>
-              <a:t>	 </a:t>
-            </a:r>
-            <a:r>
-              <a:rPr lang="en-US" sz="2000" dirty="0" err="1"/>
-              <a:t>printf</a:t>
-            </a:r>
-            <a:r>
-              <a:rPr lang="en-US" sz="2000" dirty="0"/>
-              <a:t>("*(a+%d):%d\</a:t>
-            </a:r>
-            <a:r>
-              <a:rPr lang="en-US" sz="2000" dirty="0" err="1"/>
-              <a:t>n",i</a:t>
-            </a:r>
-            <a:r>
-              <a:rPr lang="en-US" sz="2000" dirty="0"/>
-              <a:t>,*(</a:t>
-            </a:r>
-            <a:r>
-              <a:rPr lang="en-US" sz="2000" dirty="0" err="1"/>
-              <a:t>a+i</a:t>
-            </a:r>
-            <a:r>
-              <a:rPr lang="en-US" sz="2000" dirty="0"/>
-              <a:t>));</a:t>
-            </a:r>
-          </a:p>
-          <a:p>
-            <a:r>
-              <a:rPr lang="en-US" sz="2000" dirty="0"/>
-              <a:t>      for(i=0;i&lt;5;i++)</a:t>
-            </a:r>
-          </a:p>
-          <a:p>
-            <a:r>
-              <a:rPr lang="en-US" sz="2000" dirty="0"/>
-              <a:t>	 </a:t>
-            </a:r>
-            <a:r>
-              <a:rPr lang="en-US" sz="2000" dirty="0" err="1"/>
-              <a:t>printf</a:t>
-            </a:r>
-            <a:r>
-              <a:rPr lang="en-US" sz="2000" dirty="0"/>
-              <a:t>("p[%d]:%d\n",</a:t>
-            </a:r>
-            <a:r>
-              <a:rPr lang="en-US" sz="2000" dirty="0" err="1"/>
-              <a:t>i,p</a:t>
-            </a:r>
-            <a:r>
-              <a:rPr lang="en-US" sz="2000" dirty="0"/>
-              <a:t>[i]);</a:t>
-            </a:r>
-          </a:p>
-          <a:p>
-            <a:r>
-              <a:rPr lang="en-US" sz="2000" dirty="0"/>
-              <a:t>      for(i=0;i&lt;5;i++)</a:t>
-            </a:r>
-          </a:p>
-          <a:p>
-            <a:r>
-              <a:rPr lang="en-US" sz="2000" dirty="0"/>
-              <a:t>	 </a:t>
-            </a:r>
-            <a:r>
-              <a:rPr lang="en-US" sz="2000" dirty="0" err="1"/>
-              <a:t>printf</a:t>
-            </a:r>
-            <a:r>
-              <a:rPr lang="en-US" sz="2000" dirty="0"/>
-              <a:t>("a[%d]:%d\n",</a:t>
-            </a:r>
-            <a:r>
-              <a:rPr lang="en-US" sz="2000" dirty="0" err="1"/>
-              <a:t>i,a</a:t>
-            </a:r>
-            <a:r>
-              <a:rPr lang="en-US" sz="2000" dirty="0"/>
-              <a:t>[i]);</a:t>
-            </a:r>
-          </a:p>
-          <a:p>
-            <a:r>
-              <a:rPr lang="en-US" sz="2000" dirty="0"/>
-              <a:t>}</a:t>
-            </a:r>
-            <a:endParaRPr lang="zh-CN" altLang="en-US" sz="2000" dirty="0"/>
-          </a:p>
-        </p:txBody>
-      </p:sp>
-      <p:pic>
-        <p:nvPicPr>
-          <p:cNvPr id="71686" name="Picture 2"/>
-          <p:cNvPicPr>
-            <a:picLocks noChangeAspect="1" noChangeArrowheads="1"/>
-          </p:cNvPicPr>
-          <p:nvPr/>
-        </p:nvPicPr>
-        <p:blipFill>
-          <a:blip r:embed="rId3">
-            <a:extLst>
-              <a:ext uri="{28A0092B-C50C-407E-A947-70E740481C1C}">
-                <a14:useLocalDpi xmlns:a14="http://schemas.microsoft.com/office/drawing/2010/main" val="0"/>
-              </a:ext>
-            </a:extLst>
-          </a:blip>
-          <a:srcRect/>
-          <a:stretch>
-            <a:fillRect/>
-          </a:stretch>
-        </p:blipFill>
-        <p:spPr bwMode="auto">
-          <a:xfrm>
-            <a:off x="2916238" y="692150"/>
-            <a:ext cx="3978275" cy="549275"/>
-          </a:xfrm>
-          <a:prstGeom prst="rect">
-            <a:avLst/>
-          </a:prstGeom>
-          <a:noFill/>
-          <a:ln>
-            <a:noFill/>
-          </a:ln>
-          <a:effectLst/>
-          <a:extLst>
-            <a:ext uri="{909E8E84-426E-40DD-AFC4-6F175D3DCCD1}">
-              <a14:hiddenFill xmlns:a14="http://schemas.microsoft.com/office/drawing/2010/main">
-                <a:solidFill>
-                  <a:schemeClr val="accent1"/>
-                </a:solidFill>
-              </a14:hiddenFill>
-            </a:ext>
-            <a:ext uri="{91240B29-F687-4F45-9708-019B960494DF}">
-              <a14:hiddenLine xmlns:a14="http://schemas.microsoft.com/office/drawing/2010/main" w="9525">
-                <a:solidFill>
-                  <a:srgbClr val="000000"/>
-                </a:solidFill>
-                <a:miter lim="800000"/>
-                <a:headEnd/>
-                <a:tailEnd/>
-              </a14:hiddenLine>
-            </a:ext>
-            <a:ext uri="{AF507438-7753-43E0-B8FC-AC1667EBCBE1}">
-              <a14:hiddenEffects xmlns:a14="http://schemas.microsoft.com/office/drawing/2010/main">
-                <a:effectLst>
-                  <a:outerShdw dist="53882" dir="13500000" algn="ctr" rotWithShape="0">
-                    <a:srgbClr val="5C7A5C">
-                      <a:alpha val="50000"/>
-                    </a:srgbClr>
-                  </a:outerShdw>
-                </a:effectLst>
-              </a14:hiddenEffects>
-            </a:ext>
-          </a:extLst>
-        </p:spPr>
-      </p:pic>
-      <p:sp>
-        <p:nvSpPr>
-          <p:cNvPr id="71687" name="TextBox 6"/>
-          <p:cNvSpPr txBox="1">
-            <a:spLocks noChangeArrowheads="1"/>
-          </p:cNvSpPr>
-          <p:nvPr/>
-        </p:nvSpPr>
-        <p:spPr bwMode="auto">
-          <a:xfrm>
-            <a:off x="900113" y="6280150"/>
-            <a:ext cx="7559675" cy="400050"/>
-          </a:xfrm>
-          <a:prstGeom prst="rect">
-            <a:avLst/>
-          </a:prstGeom>
-          <a:noFill/>
-          <a:ln>
-            <a:noFill/>
-          </a:ln>
-          <a:extLst>
-            <a:ext uri="{909E8E84-426E-40DD-AFC4-6F175D3DCCD1}">
-              <a14:hiddenFill xmlns:a14="http://schemas.microsoft.com/office/drawing/2010/main">
-                <a:solidFill>
-                  <a:srgbClr val="FFFFFF"/>
-                </a:solidFill>
-              </a14:hiddenFill>
-            </a:ext>
-            <a:ext uri="{91240B29-F687-4F45-9708-019B960494DF}">
-              <a14:hiddenLine xmlns:a14="http://schemas.microsoft.com/office/drawing/2010/main" w="9525">
-                <a:solidFill>
-                  <a:srgbClr val="000000"/>
-                </a:solidFill>
-                <a:miter lim="800000"/>
-                <a:headEnd/>
-                <a:tailEnd/>
-              </a14:hiddenLine>
-            </a:ext>
-          </a:extLst>
-        </p:spPr>
-        <p:txBody>
-          <a:bodyPr>
-            <a:spAutoFit/>
-          </a:bodyPr>
-          <a:lstStyle>
-            <a:lvl1pPr>
-              <a:defRPr sz="2400" b="1">
-                <a:solidFill>
-                  <a:srgbClr val="000000"/>
-                </a:solidFill>
-                <a:latin typeface="Times New Roman" pitchFamily="18" charset="0"/>
-                <a:ea typeface="宋体" pitchFamily="2" charset="-122"/>
-              </a:defRPr>
-            </a:lvl1pPr>
-            <a:lvl2pPr marL="742950" indent="-285750">
-              <a:defRPr sz="2400" b="1">
-                <a:solidFill>
-                  <a:srgbClr val="000000"/>
-                </a:solidFill>
-                <a:latin typeface="Times New Roman" pitchFamily="18" charset="0"/>
-                <a:ea typeface="宋体" pitchFamily="2" charset="-122"/>
-              </a:defRPr>
-            </a:lvl2pPr>
-            <a:lvl3pPr marL="1143000" indent="-228600">
-              <a:defRPr sz="2400" b="1">
-                <a:solidFill>
-                  <a:srgbClr val="000000"/>
-                </a:solidFill>
-                <a:latin typeface="Times New Roman" pitchFamily="18" charset="0"/>
-                <a:ea typeface="宋体" pitchFamily="2" charset="-122"/>
-              </a:defRPr>
-            </a:lvl3pPr>
-            <a:lvl4pPr marL="1600200" indent="-228600">
-              <a:defRPr sz="2400" b="1">
-                <a:solidFill>
-                  <a:srgbClr val="000000"/>
-                </a:solidFill>
-                <a:latin typeface="Times New Roman" pitchFamily="18" charset="0"/>
-                <a:ea typeface="宋体" pitchFamily="2" charset="-122"/>
-              </a:defRPr>
-            </a:lvl4pPr>
-            <a:lvl5pPr marL="2057400" indent="-228600">
-              <a:defRPr sz="2400" b="1">
-                <a:solidFill>
-                  <a:srgbClr val="000000"/>
-                </a:solidFill>
-                <a:latin typeface="Times New Roman" pitchFamily="18" charset="0"/>
-                <a:ea typeface="宋体" pitchFamily="2" charset="-122"/>
-              </a:defRPr>
-            </a:lvl5pPr>
-            <a:lvl6pPr marL="2514600" indent="-228600" eaLnBrk="0" fontAlgn="base" hangingPunct="0">
-              <a:spcBef>
-                <a:spcPct val="20000"/>
-              </a:spcBef>
-              <a:spcAft>
-                <a:spcPct val="0"/>
-              </a:spcAft>
-              <a:buClr>
-                <a:schemeClr val="tx1"/>
-              </a:buClr>
-              <a:buSzPct val="75000"/>
-              <a:buFont typeface="Wingdings" pitchFamily="2" charset="2"/>
-              <a:defRPr sz="2400" b="1">
-                <a:solidFill>
-                  <a:srgbClr val="000000"/>
-                </a:solidFill>
-                <a:latin typeface="Times New Roman" pitchFamily="18" charset="0"/>
-                <a:ea typeface="宋体" pitchFamily="2" charset="-122"/>
-              </a:defRPr>
-            </a:lvl6pPr>
-            <a:lvl7pPr marL="2971800" indent="-228600" eaLnBrk="0" fontAlgn="base" hangingPunct="0">
-              <a:spcBef>
-                <a:spcPct val="20000"/>
-              </a:spcBef>
-              <a:spcAft>
-                <a:spcPct val="0"/>
-              </a:spcAft>
-              <a:buClr>
-                <a:schemeClr val="tx1"/>
-              </a:buClr>
-              <a:buSzPct val="75000"/>
-              <a:buFont typeface="Wingdings" pitchFamily="2" charset="2"/>
-              <a:defRPr sz="2400" b="1">
-                <a:solidFill>
-                  <a:srgbClr val="000000"/>
-                </a:solidFill>
-                <a:latin typeface="Times New Roman" pitchFamily="18" charset="0"/>
-                <a:ea typeface="宋体" pitchFamily="2" charset="-122"/>
-              </a:defRPr>
-            </a:lvl7pPr>
-            <a:lvl8pPr marL="3429000" indent="-228600" eaLnBrk="0" fontAlgn="base" hangingPunct="0">
-              <a:spcBef>
-                <a:spcPct val="20000"/>
-              </a:spcBef>
-              <a:spcAft>
-                <a:spcPct val="0"/>
-              </a:spcAft>
-              <a:buClr>
-                <a:schemeClr val="tx1"/>
-              </a:buClr>
-              <a:buSzPct val="75000"/>
-              <a:buFont typeface="Wingdings" pitchFamily="2" charset="2"/>
-              <a:defRPr sz="2400" b="1">
-                <a:solidFill>
-                  <a:srgbClr val="000000"/>
-                </a:solidFill>
-                <a:latin typeface="Times New Roman" pitchFamily="18" charset="0"/>
-                <a:ea typeface="宋体" pitchFamily="2" charset="-122"/>
-              </a:defRPr>
-            </a:lvl8pPr>
-            <a:lvl9pPr marL="3886200" indent="-228600" eaLnBrk="0" fontAlgn="base" hangingPunct="0">
-              <a:spcBef>
-                <a:spcPct val="20000"/>
-              </a:spcBef>
-              <a:spcAft>
-                <a:spcPct val="0"/>
-              </a:spcAft>
-              <a:buClr>
-                <a:schemeClr val="tx1"/>
-              </a:buClr>
-              <a:buSzPct val="75000"/>
-              <a:buFont typeface="Wingdings" pitchFamily="2" charset="2"/>
-              <a:defRPr sz="2400" b="1">
-                <a:solidFill>
-                  <a:srgbClr val="000000"/>
-                </a:solidFill>
-                <a:latin typeface="Times New Roman" pitchFamily="18" charset="0"/>
-                <a:ea typeface="宋体" pitchFamily="2" charset="-122"/>
-              </a:defRPr>
-            </a:lvl9pPr>
-          </a:lstStyle>
-          <a:p>
-            <a:r>
-              <a:rPr lang="zh-CN" altLang="en-US" sz="2000"/>
-              <a:t>例：</a:t>
-            </a:r>
-            <a:r>
-              <a:rPr lang="en-US" sz="2000"/>
-              <a:t>int a[5],*p;  p=&amp;a[1];  *(p-1) </a:t>
-            </a:r>
-            <a:r>
-              <a:rPr lang="zh-CN" altLang="en-US" sz="2000"/>
-              <a:t>等效于</a:t>
-            </a:r>
-            <a:r>
-              <a:rPr lang="en-US" sz="2000"/>
-              <a:t>a[0],  *(p+1) </a:t>
-            </a:r>
-            <a:r>
-              <a:rPr lang="zh-CN" altLang="en-US" sz="2000"/>
-              <a:t>等效于</a:t>
-            </a:r>
-            <a:r>
-              <a:rPr lang="en-US" sz="2000"/>
-              <a:t>a[2] </a:t>
-            </a:r>
-            <a:endParaRPr lang="zh-CN" altLang="en-US" sz="2000"/>
-          </a:p>
-        </p:txBody>
-      </p:sp>
-    </p:spTree>
-  </p:cSld>
-  <p:clrMapOvr>
-    <a:masterClrMapping/>
-  </p:clrMapOvr>
-  <p:timing>
-    <p:tnLst>
-      <p:par>
-        <p:cTn id="1" dur="indefinite" restart="never" nodeType="tmRoot"/>
-      </p:par>
-    </p:tnLst>
-  </p:timing>
-</p:sld>
-</file>
-
-<file path=ppt/slides/slide23.xml><?xml version="1.0" encoding="utf-8"?>
-<p:sld xmlns:a="http://schemas.openxmlformats.org/drawingml/2006/main" xmlns:r="http://schemas.openxmlformats.org/officeDocument/2006/relationships" xmlns:p="http://schemas.openxmlformats.org/presentationml/2006/main">
-  <p:cSld>
-    <p:spTree>
-      <p:nvGrpSpPr>
-        <p:cNvPr id="1" name=""/>
-        <p:cNvGrpSpPr/>
-        <p:nvPr/>
-      </p:nvGrpSpPr>
-      <p:grpSpPr>
-        <a:xfrm>
-          <a:off x="0" y="0"/>
-          <a:ext cx="0" cy="0"/>
-          <a:chOff x="0" y="0"/>
-          <a:chExt cx="0" cy="0"/>
-        </a:xfrm>
-      </p:grpSpPr>
-      <p:sp>
-        <p:nvSpPr>
-          <p:cNvPr id="72706" name="标题 1"/>
-          <p:cNvSpPr>
-            <a:spLocks noGrp="1"/>
-          </p:cNvSpPr>
-          <p:nvPr>
-            <p:ph type="title" idx="4294967295"/>
-          </p:nvPr>
-        </p:nvSpPr>
-        <p:spPr/>
-        <p:txBody>
-          <a:bodyPr/>
-          <a:lstStyle/>
-          <a:p>
-            <a:r>
-              <a:rPr lang="zh-CN" altLang="en-US"/>
-              <a:t>指针自增、自减运算</a:t>
-            </a:r>
-          </a:p>
-        </p:txBody>
-      </p:sp>
-      <p:sp>
-        <p:nvSpPr>
-          <p:cNvPr id="72707" name="灯片编号占位符 3"/>
-          <p:cNvSpPr txBox="1">
-            <a:spLocks noGrp="1" noChangeArrowheads="1"/>
-          </p:cNvSpPr>
-          <p:nvPr/>
-        </p:nvSpPr>
-        <p:spPr bwMode="auto">
-          <a:xfrm>
-            <a:off x="8556625" y="0"/>
-            <a:ext cx="587375" cy="396875"/>
-          </a:xfrm>
-          <a:prstGeom prst="rect">
-            <a:avLst/>
-          </a:prstGeom>
-          <a:noFill/>
-          <a:ln>
-            <a:noFill/>
-          </a:ln>
-          <a:extLst>
-            <a:ext uri="{909E8E84-426E-40DD-AFC4-6F175D3DCCD1}">
-              <a14:hiddenFill xmlns:a14="http://schemas.microsoft.com/office/drawing/2010/main">
-                <a:solidFill>
-                  <a:srgbClr val="FFFFFF"/>
-                </a:solidFill>
-              </a14:hiddenFill>
-            </a:ext>
-            <a:ext uri="{91240B29-F687-4F45-9708-019B960494DF}">
-              <a14:hiddenLine xmlns:a14="http://schemas.microsoft.com/office/drawing/2010/main" w="9525">
-                <a:solidFill>
-                  <a:srgbClr val="000000"/>
-                </a:solidFill>
-                <a:miter lim="800000"/>
-                <a:headEnd/>
-                <a:tailEnd/>
-              </a14:hiddenLine>
-            </a:ext>
-          </a:extLst>
-        </p:spPr>
-        <p:txBody>
-          <a:bodyPr anchor="b" anchorCtr="1">
-            <a:spAutoFit/>
-          </a:bodyPr>
-          <a:lstStyle>
-            <a:lvl1pPr>
-              <a:defRPr sz="2400" b="1">
-                <a:solidFill>
-                  <a:srgbClr val="000000"/>
-                </a:solidFill>
-                <a:latin typeface="Times New Roman" pitchFamily="18" charset="0"/>
-                <a:ea typeface="宋体" pitchFamily="2" charset="-122"/>
-              </a:defRPr>
-            </a:lvl1pPr>
-            <a:lvl2pPr marL="742950" indent="-285750">
-              <a:defRPr sz="2400" b="1">
-                <a:solidFill>
-                  <a:srgbClr val="000000"/>
-                </a:solidFill>
-                <a:latin typeface="Times New Roman" pitchFamily="18" charset="0"/>
-                <a:ea typeface="宋体" pitchFamily="2" charset="-122"/>
-              </a:defRPr>
-            </a:lvl2pPr>
-            <a:lvl3pPr marL="1143000" indent="-228600">
-              <a:defRPr sz="2400" b="1">
-                <a:solidFill>
-                  <a:srgbClr val="000000"/>
-                </a:solidFill>
-                <a:latin typeface="Times New Roman" pitchFamily="18" charset="0"/>
-                <a:ea typeface="宋体" pitchFamily="2" charset="-122"/>
-              </a:defRPr>
-            </a:lvl3pPr>
-            <a:lvl4pPr marL="1600200" indent="-228600">
-              <a:defRPr sz="2400" b="1">
-                <a:solidFill>
-                  <a:srgbClr val="000000"/>
-                </a:solidFill>
-                <a:latin typeface="Times New Roman" pitchFamily="18" charset="0"/>
-                <a:ea typeface="宋体" pitchFamily="2" charset="-122"/>
-              </a:defRPr>
-            </a:lvl4pPr>
-            <a:lvl5pPr marL="2057400" indent="-228600">
-              <a:defRPr sz="2400" b="1">
-                <a:solidFill>
-                  <a:srgbClr val="000000"/>
-                </a:solidFill>
-                <a:latin typeface="Times New Roman" pitchFamily="18" charset="0"/>
-                <a:ea typeface="宋体" pitchFamily="2" charset="-122"/>
-              </a:defRPr>
-            </a:lvl5pPr>
-            <a:lvl6pPr marL="2514600" indent="-228600" eaLnBrk="0" fontAlgn="base" hangingPunct="0">
-              <a:spcBef>
-                <a:spcPct val="20000"/>
-              </a:spcBef>
-              <a:spcAft>
-                <a:spcPct val="0"/>
-              </a:spcAft>
-              <a:buClr>
-                <a:schemeClr val="tx1"/>
-              </a:buClr>
-              <a:buSzPct val="75000"/>
-              <a:buFont typeface="Wingdings" pitchFamily="2" charset="2"/>
-              <a:defRPr sz="2400" b="1">
-                <a:solidFill>
-                  <a:srgbClr val="000000"/>
-                </a:solidFill>
-                <a:latin typeface="Times New Roman" pitchFamily="18" charset="0"/>
-                <a:ea typeface="宋体" pitchFamily="2" charset="-122"/>
-              </a:defRPr>
-            </a:lvl6pPr>
-            <a:lvl7pPr marL="2971800" indent="-228600" eaLnBrk="0" fontAlgn="base" hangingPunct="0">
-              <a:spcBef>
-                <a:spcPct val="20000"/>
-              </a:spcBef>
-              <a:spcAft>
-                <a:spcPct val="0"/>
-              </a:spcAft>
-              <a:buClr>
-                <a:schemeClr val="tx1"/>
-              </a:buClr>
-              <a:buSzPct val="75000"/>
-              <a:buFont typeface="Wingdings" pitchFamily="2" charset="2"/>
-              <a:defRPr sz="2400" b="1">
-                <a:solidFill>
-                  <a:srgbClr val="000000"/>
-                </a:solidFill>
-                <a:latin typeface="Times New Roman" pitchFamily="18" charset="0"/>
-                <a:ea typeface="宋体" pitchFamily="2" charset="-122"/>
-              </a:defRPr>
-            </a:lvl7pPr>
-            <a:lvl8pPr marL="3429000" indent="-228600" eaLnBrk="0" fontAlgn="base" hangingPunct="0">
-              <a:spcBef>
-                <a:spcPct val="20000"/>
-              </a:spcBef>
-              <a:spcAft>
-                <a:spcPct val="0"/>
-              </a:spcAft>
-              <a:buClr>
-                <a:schemeClr val="tx1"/>
-              </a:buClr>
-              <a:buSzPct val="75000"/>
-              <a:buFont typeface="Wingdings" pitchFamily="2" charset="2"/>
-              <a:defRPr sz="2400" b="1">
-                <a:solidFill>
-                  <a:srgbClr val="000000"/>
-                </a:solidFill>
-                <a:latin typeface="Times New Roman" pitchFamily="18" charset="0"/>
-                <a:ea typeface="宋体" pitchFamily="2" charset="-122"/>
-              </a:defRPr>
-            </a:lvl8pPr>
-            <a:lvl9pPr marL="3886200" indent="-228600" eaLnBrk="0" fontAlgn="base" hangingPunct="0">
-              <a:spcBef>
-                <a:spcPct val="20000"/>
-              </a:spcBef>
-              <a:spcAft>
-                <a:spcPct val="0"/>
-              </a:spcAft>
-              <a:buClr>
-                <a:schemeClr val="tx1"/>
-              </a:buClr>
-              <a:buSzPct val="75000"/>
-              <a:buFont typeface="Wingdings" pitchFamily="2" charset="2"/>
-              <a:defRPr sz="2400" b="1">
-                <a:solidFill>
-                  <a:srgbClr val="000000"/>
-                </a:solidFill>
-                <a:latin typeface="Times New Roman" pitchFamily="18" charset="0"/>
-                <a:ea typeface="宋体" pitchFamily="2" charset="-122"/>
-              </a:defRPr>
-            </a:lvl9pPr>
-          </a:lstStyle>
-          <a:p>
-            <a:pPr>
-              <a:spcBef>
-                <a:spcPct val="0"/>
-              </a:spcBef>
-            </a:pPr>
-            <a:fld id="{DC003F5B-C64A-4CC6-A9B3-8E06B7B8D764}" type="slidenum">
-              <a:rPr lang="zh-CN" altLang="en-US" sz="2000">
-                <a:solidFill>
-                  <a:schemeClr val="tx2"/>
-                </a:solidFill>
-                <a:latin typeface="Arial" pitchFamily="34" charset="0"/>
-                <a:sym typeface="Arial" pitchFamily="34" charset="0"/>
-              </a:rPr>
-              <a:pPr>
-                <a:spcBef>
-                  <a:spcPct val="0"/>
-                </a:spcBef>
-              </a:pPr>
-              <a:t>23</a:t>
-            </a:fld>
-            <a:endParaRPr lang="en-US" sz="1800">
-              <a:ea typeface="楷体_GB2312" pitchFamily="1" charset="-122"/>
-              <a:sym typeface="Arial" pitchFamily="34" charset="0"/>
-            </a:endParaRPr>
-          </a:p>
-        </p:txBody>
-      </p:sp>
-      <p:sp>
-        <p:nvSpPr>
-          <p:cNvPr id="72708" name="矩形 4"/>
-          <p:cNvSpPr>
-            <a:spLocks noChangeArrowheads="1"/>
-          </p:cNvSpPr>
-          <p:nvPr/>
-        </p:nvSpPr>
-        <p:spPr bwMode="auto">
-          <a:xfrm>
-            <a:off x="827088" y="836613"/>
-            <a:ext cx="7561262" cy="4678362"/>
-          </a:xfrm>
-          <a:prstGeom prst="rect">
-            <a:avLst/>
-          </a:prstGeom>
-          <a:noFill/>
-          <a:ln w="9525" cmpd="sng">
-            <a:solidFill>
-              <a:schemeClr val="tx1"/>
-            </a:solidFill>
-            <a:miter lim="800000"/>
-            <a:headEnd/>
-            <a:tailEnd/>
-          </a:ln>
-          <a:extLst>
-            <a:ext uri="{909E8E84-426E-40DD-AFC4-6F175D3DCCD1}">
-              <a14:hiddenFill xmlns:a14="http://schemas.microsoft.com/office/drawing/2010/main">
-                <a:solidFill>
-                  <a:srgbClr val="FFFFFF"/>
-                </a:solidFill>
-              </a14:hiddenFill>
-            </a:ext>
-          </a:extLst>
-        </p:spPr>
-        <p:txBody>
-          <a:bodyPr>
-            <a:spAutoFit/>
-          </a:bodyPr>
-          <a:lstStyle/>
-          <a:p>
-            <a:pPr marL="342900" indent="-342900">
-              <a:lnSpc>
-                <a:spcPct val="150000"/>
-              </a:lnSpc>
-              <a:buFont typeface="Wingdings" pitchFamily="2" charset="2"/>
-              <a:buChar char="Ø"/>
-            </a:pPr>
-            <a:r>
-              <a:rPr lang="en-US" sz="2000"/>
-              <a:t>int  a[7], *p=a;</a:t>
-            </a:r>
-          </a:p>
-          <a:p>
-            <a:pPr marL="342900" indent="-342900">
-              <a:lnSpc>
-                <a:spcPct val="150000"/>
-              </a:lnSpc>
-              <a:buFont typeface="Wingdings" pitchFamily="2" charset="2"/>
-              <a:buChar char="Ø"/>
-            </a:pPr>
-            <a:r>
-              <a:rPr lang="en-US" sz="2000"/>
-              <a:t>*p++</a:t>
-            </a:r>
-            <a:r>
-              <a:rPr lang="zh-CN" altLang="en-US" sz="2000"/>
-              <a:t>，等价于*</a:t>
-            </a:r>
-            <a:r>
-              <a:rPr lang="en-US" sz="2000"/>
-              <a:t>(p++)</a:t>
-            </a:r>
-            <a:r>
-              <a:rPr lang="zh-CN" altLang="en-US" sz="2000"/>
-              <a:t>，即*</a:t>
-            </a:r>
-            <a:r>
-              <a:rPr lang="en-US" sz="2000"/>
-              <a:t>p</a:t>
-            </a:r>
-            <a:r>
-              <a:rPr lang="zh-CN" altLang="en-US" sz="2000"/>
-              <a:t>作为表达式的值，然后</a:t>
-            </a:r>
-            <a:r>
-              <a:rPr lang="en-US" sz="2000"/>
-              <a:t>p = p + 1</a:t>
-            </a:r>
-          </a:p>
-          <a:p>
-            <a:pPr marL="342900" indent="-342900">
-              <a:lnSpc>
-                <a:spcPct val="150000"/>
-              </a:lnSpc>
-              <a:buFont typeface="Wingdings" pitchFamily="2" charset="2"/>
-              <a:buChar char="Ø"/>
-            </a:pPr>
-            <a:r>
-              <a:rPr lang="en-US" sz="2000"/>
-              <a:t>*(p++)</a:t>
-            </a:r>
-            <a:r>
-              <a:rPr lang="zh-CN" altLang="en-US" sz="2000"/>
-              <a:t>与*</a:t>
-            </a:r>
-            <a:r>
-              <a:rPr lang="en-US" sz="2000"/>
-              <a:t>(++p)</a:t>
-            </a:r>
-            <a:r>
-              <a:rPr lang="zh-CN" altLang="en-US" sz="2000"/>
-              <a:t>作用不同。若</a:t>
-            </a:r>
-            <a:r>
-              <a:rPr lang="en-US" sz="2000"/>
-              <a:t>p </a:t>
-            </a:r>
-            <a:r>
-              <a:rPr lang="zh-CN" altLang="en-US" sz="2000"/>
-              <a:t>的初值为</a:t>
-            </a:r>
-            <a:r>
-              <a:rPr lang="en-US" sz="2000"/>
-              <a:t>a</a:t>
-            </a:r>
-            <a:r>
-              <a:rPr lang="zh-CN" altLang="en-US" sz="2000"/>
-              <a:t>，则*</a:t>
-            </a:r>
-            <a:r>
-              <a:rPr lang="en-US" sz="2000"/>
-              <a:t>(p++)</a:t>
-            </a:r>
-            <a:r>
-              <a:rPr lang="zh-CN" altLang="en-US" sz="2000"/>
-              <a:t>等价</a:t>
-            </a:r>
-            <a:r>
-              <a:rPr lang="en-US" sz="2000"/>
-              <a:t>a[0]; </a:t>
-            </a:r>
-            <a:r>
-              <a:rPr lang="zh-CN" altLang="en-US" sz="2000"/>
-              <a:t>然后</a:t>
-            </a:r>
-            <a:r>
-              <a:rPr lang="en-US" sz="2000"/>
-              <a:t>p++; </a:t>
-            </a:r>
-            <a:r>
-              <a:rPr lang="zh-CN" altLang="en-US" sz="2000"/>
-              <a:t>而*</a:t>
-            </a:r>
-            <a:r>
-              <a:rPr lang="en-US" sz="2000"/>
-              <a:t>(++p)</a:t>
-            </a:r>
-            <a:r>
-              <a:rPr lang="zh-CN" altLang="en-US" sz="2000"/>
-              <a:t>等价*</a:t>
-            </a:r>
-            <a:r>
-              <a:rPr lang="en-US" sz="2000"/>
-              <a:t>(p+1); a[1];</a:t>
-            </a:r>
-          </a:p>
-          <a:p>
-            <a:pPr marL="342900" indent="-342900">
-              <a:lnSpc>
-                <a:spcPct val="150000"/>
-              </a:lnSpc>
-              <a:buFont typeface="Wingdings" pitchFamily="2" charset="2"/>
-              <a:buChar char="Ø"/>
-            </a:pPr>
-            <a:r>
-              <a:rPr lang="en-US" sz="2000"/>
-              <a:t> (*p)++</a:t>
-            </a:r>
-            <a:r>
-              <a:rPr lang="zh-CN" altLang="en-US" sz="2000"/>
-              <a:t>表示</a:t>
-            </a:r>
-            <a:r>
-              <a:rPr lang="en-US" sz="2000"/>
-              <a:t>p </a:t>
-            </a:r>
-            <a:r>
-              <a:rPr lang="zh-CN" altLang="en-US" sz="2000"/>
-              <a:t>所指向的元素值加</a:t>
-            </a:r>
-            <a:r>
-              <a:rPr lang="en-US" sz="2000"/>
-              <a:t>1</a:t>
-            </a:r>
-            <a:r>
-              <a:rPr lang="zh-CN" altLang="en-US" sz="2000"/>
-              <a:t>。</a:t>
-            </a:r>
-          </a:p>
-          <a:p>
-            <a:pPr marL="342900" indent="-342900">
-              <a:lnSpc>
-                <a:spcPct val="150000"/>
-              </a:lnSpc>
-              <a:buFont typeface="Wingdings" pitchFamily="2" charset="2"/>
-              <a:buChar char="Ø"/>
-            </a:pPr>
-            <a:r>
-              <a:rPr lang="zh-CN" altLang="en-US" sz="2000"/>
-              <a:t>如果</a:t>
-            </a:r>
-            <a:r>
-              <a:rPr lang="en-US" sz="2000"/>
-              <a:t>p </a:t>
-            </a:r>
-            <a:r>
-              <a:rPr lang="zh-CN" altLang="en-US" sz="2000"/>
-              <a:t>当前指向</a:t>
-            </a:r>
-            <a:r>
-              <a:rPr lang="en-US" sz="2000"/>
-              <a:t>a </a:t>
-            </a:r>
-            <a:r>
-              <a:rPr lang="zh-CN" altLang="en-US" sz="2000"/>
-              <a:t>数组中的第</a:t>
-            </a:r>
-            <a:r>
-              <a:rPr lang="en-US" sz="2000"/>
-              <a:t>i </a:t>
-            </a:r>
-            <a:r>
-              <a:rPr lang="zh-CN" altLang="en-US" sz="2000"/>
-              <a:t>个元素，即</a:t>
-            </a:r>
-            <a:r>
-              <a:rPr lang="en-US" sz="2000"/>
-              <a:t>p = &amp;a[i]; </a:t>
-            </a:r>
-            <a:r>
-              <a:rPr lang="zh-CN" altLang="en-US" sz="2000"/>
-              <a:t>则</a:t>
-            </a:r>
-          </a:p>
-          <a:p>
-            <a:pPr marL="342900" indent="-342900">
-              <a:lnSpc>
-                <a:spcPct val="150000"/>
-              </a:lnSpc>
-            </a:pPr>
-            <a:r>
-              <a:rPr lang="zh-CN" altLang="en-US" sz="2000"/>
-              <a:t>     </a:t>
-            </a:r>
-            <a:r>
-              <a:rPr lang="zh-CN" altLang="en-US" sz="2000">
-                <a:solidFill>
-                  <a:srgbClr val="C00000"/>
-                </a:solidFill>
-              </a:rPr>
-              <a:t>*</a:t>
-            </a:r>
-            <a:r>
-              <a:rPr lang="en-US" sz="2000">
-                <a:solidFill>
-                  <a:srgbClr val="C00000"/>
-                </a:solidFill>
-              </a:rPr>
-              <a:t>(p- -)</a:t>
-            </a:r>
-            <a:r>
-              <a:rPr lang="zh-CN" altLang="en-US" sz="2000">
-                <a:solidFill>
-                  <a:srgbClr val="C00000"/>
-                </a:solidFill>
-              </a:rPr>
-              <a:t>相当于</a:t>
-            </a:r>
-            <a:r>
-              <a:rPr lang="en-US" sz="2000">
-                <a:solidFill>
-                  <a:srgbClr val="C00000"/>
-                </a:solidFill>
-              </a:rPr>
-              <a:t>a[i- -]</a:t>
-            </a:r>
-            <a:r>
-              <a:rPr lang="zh-CN" altLang="en-US" sz="2000">
-                <a:solidFill>
-                  <a:srgbClr val="C00000"/>
-                </a:solidFill>
-              </a:rPr>
-              <a:t>；</a:t>
-            </a:r>
-          </a:p>
-          <a:p>
-            <a:pPr marL="342900" indent="-342900">
-              <a:lnSpc>
-                <a:spcPct val="150000"/>
-              </a:lnSpc>
-            </a:pPr>
-            <a:r>
-              <a:rPr lang="zh-CN" altLang="en-US" sz="2000">
-                <a:solidFill>
-                  <a:srgbClr val="C00000"/>
-                </a:solidFill>
-              </a:rPr>
-              <a:t>     *</a:t>
-            </a:r>
-            <a:r>
-              <a:rPr lang="en-US" sz="2000">
-                <a:solidFill>
-                  <a:srgbClr val="C00000"/>
-                </a:solidFill>
-              </a:rPr>
-              <a:t>(++p)</a:t>
-            </a:r>
-            <a:r>
-              <a:rPr lang="zh-CN" altLang="en-US" sz="2000">
-                <a:solidFill>
-                  <a:srgbClr val="C00000"/>
-                </a:solidFill>
-              </a:rPr>
-              <a:t>相当于</a:t>
-            </a:r>
-            <a:r>
-              <a:rPr lang="en-US" sz="2000">
-                <a:solidFill>
-                  <a:srgbClr val="C00000"/>
-                </a:solidFill>
-              </a:rPr>
-              <a:t>a[++i]</a:t>
-            </a:r>
-            <a:r>
-              <a:rPr lang="zh-CN" altLang="en-US" sz="2000">
-                <a:solidFill>
-                  <a:srgbClr val="C00000"/>
-                </a:solidFill>
-              </a:rPr>
-              <a:t>；</a:t>
-            </a:r>
-          </a:p>
-          <a:p>
-            <a:pPr marL="342900" indent="-342900">
-              <a:lnSpc>
-                <a:spcPct val="150000"/>
-              </a:lnSpc>
-            </a:pPr>
-            <a:r>
-              <a:rPr lang="zh-CN" altLang="en-US" sz="2000">
-                <a:solidFill>
-                  <a:srgbClr val="C00000"/>
-                </a:solidFill>
-              </a:rPr>
-              <a:t>     *</a:t>
-            </a:r>
-            <a:r>
-              <a:rPr lang="en-US" sz="2000">
-                <a:solidFill>
-                  <a:srgbClr val="C00000"/>
-                </a:solidFill>
-              </a:rPr>
-              <a:t>(- -p)</a:t>
-            </a:r>
-            <a:r>
-              <a:rPr lang="zh-CN" altLang="en-US" sz="2000">
-                <a:solidFill>
-                  <a:srgbClr val="C00000"/>
-                </a:solidFill>
-              </a:rPr>
-              <a:t>相当于</a:t>
-            </a:r>
-            <a:r>
-              <a:rPr lang="en-US" sz="2000">
-                <a:solidFill>
-                  <a:srgbClr val="C00000"/>
-                </a:solidFill>
-              </a:rPr>
-              <a:t>a[- -i]</a:t>
-            </a:r>
-            <a:r>
-              <a:rPr lang="zh-CN" altLang="en-US" sz="2000">
-                <a:solidFill>
-                  <a:srgbClr val="C00000"/>
-                </a:solidFill>
-              </a:rPr>
-              <a:t>。</a:t>
-            </a:r>
-          </a:p>
-        </p:txBody>
-      </p:sp>
-      <p:sp>
-        <p:nvSpPr>
-          <p:cNvPr id="72709" name="矩形 2"/>
-          <p:cNvSpPr>
-            <a:spLocks noChangeArrowheads="1"/>
-          </p:cNvSpPr>
-          <p:nvPr/>
-        </p:nvSpPr>
-        <p:spPr bwMode="auto">
-          <a:xfrm>
-            <a:off x="850900" y="5673725"/>
-            <a:ext cx="7537450" cy="1139825"/>
-          </a:xfrm>
-          <a:prstGeom prst="rect">
-            <a:avLst/>
-          </a:prstGeom>
-          <a:solidFill>
-            <a:srgbClr val="FFC000"/>
-          </a:solidFill>
-          <a:ln>
-            <a:noFill/>
-          </a:ln>
-          <a:extLst>
-            <a:ext uri="{91240B29-F687-4F45-9708-019B960494DF}">
-              <a14:hiddenLine xmlns:a14="http://schemas.microsoft.com/office/drawing/2010/main" w="9525">
-                <a:solidFill>
-                  <a:srgbClr val="000000"/>
-                </a:solidFill>
-                <a:miter lim="800000"/>
-                <a:headEnd/>
-                <a:tailEnd/>
-              </a14:hiddenLine>
-            </a:ext>
-          </a:extLst>
-        </p:spPr>
-        <p:txBody>
-          <a:bodyPr>
-            <a:spAutoFit/>
-          </a:bodyPr>
-          <a:lstStyle/>
-          <a:p>
-            <a:r>
-              <a:rPr lang="en-US" sz="2000"/>
-              <a:t>P48, *,++,--,</a:t>
-            </a:r>
-            <a:r>
-              <a:rPr lang="zh-CN" altLang="en-US" sz="2000"/>
-              <a:t>优先级：</a:t>
-            </a:r>
-            <a:r>
-              <a:rPr lang="en-US" sz="2000"/>
-              <a:t>2</a:t>
-            </a:r>
-            <a:r>
-              <a:rPr lang="zh-CN" altLang="en-US" sz="2000"/>
-              <a:t>，结合方向：自右向左</a:t>
-            </a:r>
-          </a:p>
-          <a:p>
-            <a:r>
-              <a:rPr lang="en-US" sz="2000"/>
-              <a:t>++p</a:t>
-            </a:r>
-            <a:r>
-              <a:rPr lang="zh-CN" altLang="en-US" sz="2000"/>
-              <a:t>：先自增，再使用</a:t>
-            </a:r>
-            <a:r>
-              <a:rPr lang="en-US" sz="2000"/>
-              <a:t>(</a:t>
-            </a:r>
-            <a:r>
-              <a:rPr lang="zh-CN" altLang="en-US" sz="2000"/>
-              <a:t>作为表达式的值</a:t>
-            </a:r>
-            <a:r>
-              <a:rPr lang="en-US" sz="2000"/>
-              <a:t>)</a:t>
-            </a:r>
-          </a:p>
-          <a:p>
-            <a:r>
-              <a:rPr lang="en-US" sz="2000"/>
-              <a:t>p++</a:t>
-            </a:r>
-            <a:r>
-              <a:rPr lang="zh-CN" altLang="en-US" sz="2000"/>
-              <a:t>：先使用</a:t>
-            </a:r>
-            <a:r>
-              <a:rPr lang="en-US" sz="2000"/>
-              <a:t>(</a:t>
-            </a:r>
-            <a:r>
-              <a:rPr lang="zh-CN" altLang="en-US" sz="2000"/>
-              <a:t>作为表达式的值</a:t>
-            </a:r>
-            <a:r>
-              <a:rPr lang="en-US" sz="2000"/>
-              <a:t>)</a:t>
-            </a:r>
-            <a:r>
-              <a:rPr lang="zh-CN" altLang="en-US" sz="2000"/>
-              <a:t>，后自增</a:t>
-            </a:r>
-          </a:p>
-        </p:txBody>
-      </p:sp>
-    </p:spTree>
-  </p:cSld>
-  <p:clrMapOvr>
-    <a:masterClrMapping/>
-  </p:clrMapOvr>
-  <p:timing>
-    <p:tnLst>
-      <p:par>
-        <p:cTn id="1" dur="indefinite" restart="never" nodeType="tmRoot"/>
-      </p:par>
-    </p:tnLst>
-  </p:timing>
-</p:sld>
-</file>
-
-<file path=ppt/slides/slide24.xml><?xml version="1.0" encoding="utf-8"?>
-<p:sld xmlns:a="http://schemas.openxmlformats.org/drawingml/2006/main" xmlns:r="http://schemas.openxmlformats.org/officeDocument/2006/relationships" xmlns:p="http://schemas.openxmlformats.org/presentationml/2006/main">
-  <p:cSld>
-    <p:spTree>
-      <p:nvGrpSpPr>
-        <p:cNvPr id="1" name=""/>
-        <p:cNvGrpSpPr/>
-        <p:nvPr/>
-      </p:nvGrpSpPr>
-      <p:grpSpPr>
-        <a:xfrm>
-          <a:off x="0" y="0"/>
-          <a:ext cx="0" cy="0"/>
-          <a:chOff x="0" y="0"/>
-          <a:chExt cx="0" cy="0"/>
-        </a:xfrm>
-      </p:grpSpPr>
-      <p:sp>
-        <p:nvSpPr>
-          <p:cNvPr id="73730" name="标题 1"/>
-          <p:cNvSpPr>
-            <a:spLocks noGrp="1"/>
-          </p:cNvSpPr>
-          <p:nvPr>
-            <p:ph type="title" idx="4294967295"/>
-          </p:nvPr>
-        </p:nvSpPr>
-        <p:spPr/>
-        <p:txBody>
-          <a:bodyPr/>
-          <a:lstStyle/>
-          <a:p>
-            <a:r>
-              <a:rPr lang="zh-CN" altLang="en-US"/>
-              <a:t>指针自增、自减运算</a:t>
-            </a:r>
-          </a:p>
-        </p:txBody>
-      </p:sp>
-      <p:sp>
-        <p:nvSpPr>
-          <p:cNvPr id="73731" name="灯片编号占位符 3"/>
-          <p:cNvSpPr txBox="1">
-            <a:spLocks noGrp="1" noChangeArrowheads="1"/>
-          </p:cNvSpPr>
-          <p:nvPr/>
-        </p:nvSpPr>
-        <p:spPr bwMode="auto">
-          <a:xfrm>
-            <a:off x="8556625" y="0"/>
-            <a:ext cx="587375" cy="396875"/>
-          </a:xfrm>
-          <a:prstGeom prst="rect">
-            <a:avLst/>
-          </a:prstGeom>
-          <a:noFill/>
-          <a:ln>
-            <a:noFill/>
-          </a:ln>
-          <a:extLst>
-            <a:ext uri="{909E8E84-426E-40DD-AFC4-6F175D3DCCD1}">
-              <a14:hiddenFill xmlns:a14="http://schemas.microsoft.com/office/drawing/2010/main">
-                <a:solidFill>
-                  <a:srgbClr val="FFFFFF"/>
-                </a:solidFill>
-              </a14:hiddenFill>
-            </a:ext>
-            <a:ext uri="{91240B29-F687-4F45-9708-019B960494DF}">
-              <a14:hiddenLine xmlns:a14="http://schemas.microsoft.com/office/drawing/2010/main" w="9525">
-                <a:solidFill>
-                  <a:srgbClr val="000000"/>
-                </a:solidFill>
-                <a:miter lim="800000"/>
-                <a:headEnd/>
-                <a:tailEnd/>
-              </a14:hiddenLine>
-            </a:ext>
-          </a:extLst>
-        </p:spPr>
-        <p:txBody>
-          <a:bodyPr anchor="b" anchorCtr="1">
-            <a:spAutoFit/>
-          </a:bodyPr>
-          <a:lstStyle>
-            <a:lvl1pPr>
-              <a:defRPr sz="2400" b="1">
-                <a:solidFill>
-                  <a:srgbClr val="000000"/>
-                </a:solidFill>
-                <a:latin typeface="Times New Roman" pitchFamily="18" charset="0"/>
-                <a:ea typeface="宋体" pitchFamily="2" charset="-122"/>
-              </a:defRPr>
-            </a:lvl1pPr>
-            <a:lvl2pPr marL="742950" indent="-285750">
-              <a:defRPr sz="2400" b="1">
-                <a:solidFill>
-                  <a:srgbClr val="000000"/>
-                </a:solidFill>
-                <a:latin typeface="Times New Roman" pitchFamily="18" charset="0"/>
-                <a:ea typeface="宋体" pitchFamily="2" charset="-122"/>
-              </a:defRPr>
-            </a:lvl2pPr>
-            <a:lvl3pPr marL="1143000" indent="-228600">
-              <a:defRPr sz="2400" b="1">
-                <a:solidFill>
-                  <a:srgbClr val="000000"/>
-                </a:solidFill>
-                <a:latin typeface="Times New Roman" pitchFamily="18" charset="0"/>
-                <a:ea typeface="宋体" pitchFamily="2" charset="-122"/>
-              </a:defRPr>
-            </a:lvl3pPr>
-            <a:lvl4pPr marL="1600200" indent="-228600">
-              <a:defRPr sz="2400" b="1">
-                <a:solidFill>
-                  <a:srgbClr val="000000"/>
-                </a:solidFill>
-                <a:latin typeface="Times New Roman" pitchFamily="18" charset="0"/>
-                <a:ea typeface="宋体" pitchFamily="2" charset="-122"/>
-              </a:defRPr>
-            </a:lvl4pPr>
-            <a:lvl5pPr marL="2057400" indent="-228600">
-              <a:defRPr sz="2400" b="1">
-                <a:solidFill>
-                  <a:srgbClr val="000000"/>
-                </a:solidFill>
-                <a:latin typeface="Times New Roman" pitchFamily="18" charset="0"/>
-                <a:ea typeface="宋体" pitchFamily="2" charset="-122"/>
-              </a:defRPr>
-            </a:lvl5pPr>
-            <a:lvl6pPr marL="2514600" indent="-228600" eaLnBrk="0" fontAlgn="base" hangingPunct="0">
-              <a:spcBef>
-                <a:spcPct val="20000"/>
-              </a:spcBef>
-              <a:spcAft>
-                <a:spcPct val="0"/>
-              </a:spcAft>
-              <a:buClr>
-                <a:schemeClr val="tx1"/>
-              </a:buClr>
-              <a:buSzPct val="75000"/>
-              <a:buFont typeface="Wingdings" pitchFamily="2" charset="2"/>
-              <a:defRPr sz="2400" b="1">
-                <a:solidFill>
-                  <a:srgbClr val="000000"/>
-                </a:solidFill>
-                <a:latin typeface="Times New Roman" pitchFamily="18" charset="0"/>
-                <a:ea typeface="宋体" pitchFamily="2" charset="-122"/>
-              </a:defRPr>
-            </a:lvl6pPr>
-            <a:lvl7pPr marL="2971800" indent="-228600" eaLnBrk="0" fontAlgn="base" hangingPunct="0">
-              <a:spcBef>
-                <a:spcPct val="20000"/>
-              </a:spcBef>
-              <a:spcAft>
-                <a:spcPct val="0"/>
-              </a:spcAft>
-              <a:buClr>
-                <a:schemeClr val="tx1"/>
-              </a:buClr>
-              <a:buSzPct val="75000"/>
-              <a:buFont typeface="Wingdings" pitchFamily="2" charset="2"/>
-              <a:defRPr sz="2400" b="1">
-                <a:solidFill>
-                  <a:srgbClr val="000000"/>
-                </a:solidFill>
-                <a:latin typeface="Times New Roman" pitchFamily="18" charset="0"/>
-                <a:ea typeface="宋体" pitchFamily="2" charset="-122"/>
-              </a:defRPr>
-            </a:lvl7pPr>
-            <a:lvl8pPr marL="3429000" indent="-228600" eaLnBrk="0" fontAlgn="base" hangingPunct="0">
-              <a:spcBef>
-                <a:spcPct val="20000"/>
-              </a:spcBef>
-              <a:spcAft>
-                <a:spcPct val="0"/>
-              </a:spcAft>
-              <a:buClr>
-                <a:schemeClr val="tx1"/>
-              </a:buClr>
-              <a:buSzPct val="75000"/>
-              <a:buFont typeface="Wingdings" pitchFamily="2" charset="2"/>
-              <a:defRPr sz="2400" b="1">
-                <a:solidFill>
-                  <a:srgbClr val="000000"/>
-                </a:solidFill>
-                <a:latin typeface="Times New Roman" pitchFamily="18" charset="0"/>
-                <a:ea typeface="宋体" pitchFamily="2" charset="-122"/>
-              </a:defRPr>
-            </a:lvl8pPr>
-            <a:lvl9pPr marL="3886200" indent="-228600" eaLnBrk="0" fontAlgn="base" hangingPunct="0">
-              <a:spcBef>
-                <a:spcPct val="20000"/>
-              </a:spcBef>
-              <a:spcAft>
-                <a:spcPct val="0"/>
-              </a:spcAft>
-              <a:buClr>
-                <a:schemeClr val="tx1"/>
-              </a:buClr>
-              <a:buSzPct val="75000"/>
-              <a:buFont typeface="Wingdings" pitchFamily="2" charset="2"/>
-              <a:defRPr sz="2400" b="1">
-                <a:solidFill>
-                  <a:srgbClr val="000000"/>
-                </a:solidFill>
-                <a:latin typeface="Times New Roman" pitchFamily="18" charset="0"/>
-                <a:ea typeface="宋体" pitchFamily="2" charset="-122"/>
-              </a:defRPr>
-            </a:lvl9pPr>
-          </a:lstStyle>
-          <a:p>
-            <a:pPr>
-              <a:spcBef>
-                <a:spcPct val="0"/>
-              </a:spcBef>
-            </a:pPr>
-            <a:fld id="{617F5887-AE0E-4F8A-A7F7-27602D2028E3}" type="slidenum">
-              <a:rPr lang="zh-CN" altLang="en-US" sz="2000">
-                <a:solidFill>
-                  <a:schemeClr val="tx2"/>
-                </a:solidFill>
-                <a:latin typeface="Arial" pitchFamily="34" charset="0"/>
-                <a:sym typeface="Arial" pitchFamily="34" charset="0"/>
-              </a:rPr>
-              <a:pPr>
-                <a:spcBef>
-                  <a:spcPct val="0"/>
-                </a:spcBef>
-              </a:pPr>
-              <a:t>24</a:t>
-            </a:fld>
-            <a:endParaRPr lang="en-US" sz="1800">
-              <a:ea typeface="楷体_GB2312" pitchFamily="1" charset="-122"/>
-              <a:sym typeface="Arial" pitchFamily="34" charset="0"/>
-            </a:endParaRPr>
-          </a:p>
-        </p:txBody>
-      </p:sp>
-      <p:sp>
-        <p:nvSpPr>
-          <p:cNvPr id="73732" name="矩形 4"/>
-          <p:cNvSpPr>
-            <a:spLocks noChangeArrowheads="1"/>
-          </p:cNvSpPr>
-          <p:nvPr/>
-        </p:nvSpPr>
-        <p:spPr bwMode="auto">
-          <a:xfrm>
-            <a:off x="827088" y="1052513"/>
-            <a:ext cx="6697662" cy="3354387"/>
-          </a:xfrm>
-          <a:prstGeom prst="rect">
-            <a:avLst/>
-          </a:prstGeom>
-          <a:noFill/>
-          <a:ln w="9525" cmpd="sng">
-            <a:solidFill>
-              <a:schemeClr val="tx1"/>
-            </a:solidFill>
-            <a:miter lim="800000"/>
-            <a:headEnd/>
-            <a:tailEnd/>
-          </a:ln>
-          <a:extLst>
-            <a:ext uri="{909E8E84-426E-40DD-AFC4-6F175D3DCCD1}">
-              <a14:hiddenFill xmlns:a14="http://schemas.microsoft.com/office/drawing/2010/main">
-                <a:solidFill>
-                  <a:srgbClr val="FFFFFF"/>
-                </a:solidFill>
-              </a14:hiddenFill>
-            </a:ext>
-          </a:extLst>
-        </p:spPr>
-        <p:txBody>
-          <a:bodyPr>
-            <a:spAutoFit/>
-          </a:bodyPr>
-          <a:lstStyle/>
-          <a:p>
-            <a:r>
-              <a:rPr lang="en-US" sz="2000"/>
-              <a:t>void main()</a:t>
-            </a:r>
-          </a:p>
-          <a:p>
-            <a:r>
-              <a:rPr lang="en-US" sz="2000"/>
-              <a:t>{   int i,*p,a[7];</a:t>
-            </a:r>
-          </a:p>
-          <a:p>
-            <a:r>
-              <a:rPr lang="en-US" sz="2000"/>
-              <a:t>    p=a;</a:t>
-            </a:r>
-          </a:p>
-          <a:p>
-            <a:r>
-              <a:rPr lang="en-US" sz="2000"/>
-              <a:t>    for(i=0;i&lt;7;i++)</a:t>
-            </a:r>
-          </a:p>
-          <a:p>
-            <a:r>
-              <a:rPr lang="en-US" sz="2000"/>
-              <a:t>       *p++ = i;  </a:t>
-            </a:r>
-            <a:r>
-              <a:rPr lang="nn-NO" altLang="en-US" sz="2000">
-                <a:solidFill>
-                  <a:srgbClr val="C00000"/>
-                </a:solidFill>
-              </a:rPr>
-              <a:t>// </a:t>
-            </a:r>
-            <a:r>
-              <a:rPr lang="en-US" sz="2000">
-                <a:solidFill>
-                  <a:srgbClr val="C00000"/>
-                </a:solidFill>
-              </a:rPr>
-              <a:t>【</a:t>
-            </a:r>
-            <a:r>
-              <a:rPr lang="nn-NO" altLang="en-US" sz="2000">
-                <a:solidFill>
-                  <a:srgbClr val="C00000"/>
-                </a:solidFill>
-              </a:rPr>
-              <a:t>*p++ = *(p++)</a:t>
-            </a:r>
-            <a:r>
-              <a:rPr lang="en-US" sz="2000">
-                <a:solidFill>
-                  <a:srgbClr val="C00000"/>
-                </a:solidFill>
-              </a:rPr>
-              <a:t>】</a:t>
-            </a:r>
-            <a:r>
-              <a:rPr lang="nn-NO" altLang="en-US" sz="2000">
-                <a:solidFill>
-                  <a:srgbClr val="C00000"/>
-                </a:solidFill>
-              </a:rPr>
-              <a:t> = i; *p = i; p = p + 1;</a:t>
-            </a:r>
-            <a:endParaRPr lang="en-US" sz="2000">
-              <a:solidFill>
-                <a:srgbClr val="C00000"/>
-              </a:solidFill>
-            </a:endParaRPr>
-          </a:p>
-          <a:p>
-            <a:r>
-              <a:rPr lang="en-US" sz="2000"/>
-              <a:t>    p=a;</a:t>
-            </a:r>
-          </a:p>
-          <a:p>
-            <a:r>
-              <a:rPr lang="en-US" sz="2000"/>
-              <a:t>    for(i=0;i&lt;7;i++)</a:t>
-            </a:r>
-          </a:p>
-          <a:p>
-            <a:r>
-              <a:rPr lang="en-US" sz="2000"/>
-              <a:t>       printf("%d ",*p++); </a:t>
-            </a:r>
-            <a:r>
-              <a:rPr lang="en-US" sz="2000">
-                <a:solidFill>
-                  <a:srgbClr val="C00000"/>
-                </a:solidFill>
-              </a:rPr>
-              <a:t>// 0 1 2 3 4 5 6</a:t>
-            </a:r>
-          </a:p>
-          <a:p>
-            <a:r>
-              <a:rPr lang="en-US" sz="2000"/>
-              <a:t>}</a:t>
-            </a:r>
-            <a:endParaRPr lang="zh-CN" altLang="en-US" sz="2000"/>
-          </a:p>
-        </p:txBody>
-      </p:sp>
-      <p:sp>
-        <p:nvSpPr>
-          <p:cNvPr id="73733" name="矩形 5"/>
-          <p:cNvSpPr>
-            <a:spLocks noChangeArrowheads="1"/>
-          </p:cNvSpPr>
-          <p:nvPr/>
-        </p:nvSpPr>
-        <p:spPr bwMode="auto">
-          <a:xfrm>
-            <a:off x="847725" y="4508500"/>
-            <a:ext cx="6172200" cy="2247900"/>
-          </a:xfrm>
-          <a:prstGeom prst="rect">
-            <a:avLst/>
-          </a:prstGeom>
-          <a:noFill/>
-          <a:ln w="9525" cmpd="sng">
-            <a:solidFill>
-              <a:schemeClr val="tx1"/>
-            </a:solidFill>
-            <a:miter lim="800000"/>
-            <a:headEnd/>
-            <a:tailEnd/>
-          </a:ln>
-          <a:extLst>
-            <a:ext uri="{909E8E84-426E-40DD-AFC4-6F175D3DCCD1}">
-              <a14:hiddenFill xmlns:a14="http://schemas.microsoft.com/office/drawing/2010/main">
-                <a:solidFill>
-                  <a:srgbClr val="FFFFFF"/>
-                </a:solidFill>
-              </a14:hiddenFill>
-            </a:ext>
-          </a:extLst>
-        </p:spPr>
-        <p:txBody>
-          <a:bodyPr>
-            <a:spAutoFit/>
-          </a:bodyPr>
-          <a:lstStyle/>
-          <a:p>
-            <a:r>
-              <a:rPr lang="en-US" sz="2000"/>
-              <a:t>void  main()</a:t>
-            </a:r>
-          </a:p>
-          <a:p>
-            <a:r>
-              <a:rPr lang="en-US" sz="2000"/>
-              <a:t>{    int   a []={5,8,7,6,2,7,3};</a:t>
-            </a:r>
-          </a:p>
-          <a:p>
-            <a:r>
-              <a:rPr lang="en-US" sz="2000"/>
-              <a:t>       int y,*p=&amp;a[1];</a:t>
-            </a:r>
-          </a:p>
-          <a:p>
-            <a:r>
-              <a:rPr lang="en-US" sz="2000"/>
-              <a:t>       y=(*--p)++;</a:t>
-            </a:r>
-          </a:p>
-          <a:p>
-            <a:r>
-              <a:rPr lang="en-US" sz="2000"/>
-              <a:t>       printf(“%d  %d  %d\n”,y, a[0],*p); </a:t>
-            </a:r>
-            <a:r>
-              <a:rPr lang="en-US" sz="2000">
-                <a:solidFill>
-                  <a:srgbClr val="C00000"/>
-                </a:solidFill>
-              </a:rPr>
-              <a:t>// 5 6 6</a:t>
-            </a:r>
-          </a:p>
-          <a:p>
-            <a:r>
-              <a:rPr lang="en-US" sz="2000"/>
-              <a:t>} </a:t>
-            </a:r>
-            <a:endParaRPr lang="zh-CN" altLang="en-US" sz="2000"/>
-          </a:p>
-        </p:txBody>
-      </p:sp>
-      <p:pic>
-        <p:nvPicPr>
-          <p:cNvPr id="73734" name="Picture 2"/>
+          <p:cNvPr id="7" name="Picture 2"/>
           <p:cNvPicPr>
             <a:picLocks noChangeAspect="1" noChangeArrowheads="1"/>
           </p:cNvPicPr>
@@ -17763,8 +13973,8 @@
         </p:blipFill>
         <p:spPr bwMode="auto">
           <a:xfrm>
-            <a:off x="3954463" y="5157788"/>
-            <a:ext cx="5067300" cy="715962"/>
+            <a:off x="3707940" y="3573010"/>
+            <a:ext cx="3978275" cy="549275"/>
           </a:xfrm>
           <a:prstGeom prst="rect">
             <a:avLst/>
@@ -17821,7 +14031,7 @@
 </p:sld>
 </file>
 
-<file path=ppt/slides/slide25.xml><?xml version="1.0" encoding="utf-8"?>
+<file path=ppt/slides/slide2.xml><?xml version="1.0" encoding="utf-8"?>
 <p:sld xmlns:a="http://schemas.openxmlformats.org/drawingml/2006/main" xmlns:r="http://schemas.openxmlformats.org/officeDocument/2006/relationships" xmlns:p="http://schemas.openxmlformats.org/presentationml/2006/main">
   <p:cSld>
     <p:spTree>
@@ -17840,7 +14050,427 @@
       </p:grpSpPr>
       <p:sp>
         <p:nvSpPr>
-          <p:cNvPr id="74754" name="标题 1"/>
+          <p:cNvPr id="2" name="TextBox 1"/>
+          <p:cNvSpPr txBox="1"/>
+          <p:nvPr/>
+        </p:nvSpPr>
+        <p:spPr>
+          <a:xfrm>
+            <a:off x="1043754" y="1628875"/>
+            <a:ext cx="7560525" cy="4081117"/>
+          </a:xfrm>
+          <a:prstGeom prst="rect">
+            <a:avLst/>
+          </a:prstGeom>
+          <a:noFill/>
+        </p:spPr>
+        <p:txBody>
+          <a:bodyPr wrap="square" rtlCol="0">
+            <a:spAutoFit/>
+          </a:bodyPr>
+          <a:lstStyle/>
+          <a:p>
+            <a:pPr>
+              <a:lnSpc>
+                <a:spcPct val="200000"/>
+              </a:lnSpc>
+            </a:pPr>
+            <a:r>
+              <a:rPr lang="zh-CN" altLang="zh-CN" dirty="0">
+                <a:latin typeface="仿宋" pitchFamily="49" charset="-122"/>
+                <a:ea typeface="仿宋" pitchFamily="49" charset="-122"/>
+              </a:rPr>
+              <a:t>一</a:t>
+            </a:r>
+            <a:r>
+              <a:rPr lang="zh-CN" altLang="zh-CN" dirty="0" smtClean="0">
+                <a:latin typeface="仿宋" pitchFamily="49" charset="-122"/>
+                <a:ea typeface="仿宋" pitchFamily="49" charset="-122"/>
+              </a:rPr>
+              <a:t>、选择题</a:t>
+            </a:r>
+            <a:r>
+              <a:rPr lang="zh-CN" altLang="zh-CN" dirty="0">
+                <a:latin typeface="仿宋" pitchFamily="49" charset="-122"/>
+                <a:ea typeface="仿宋" pitchFamily="49" charset="-122"/>
+              </a:rPr>
+              <a:t>（</a:t>
+            </a:r>
+            <a:r>
+              <a:rPr lang="en-US" altLang="zh-CN" dirty="0">
+                <a:latin typeface="仿宋" pitchFamily="49" charset="-122"/>
+                <a:ea typeface="仿宋" pitchFamily="49" charset="-122"/>
+              </a:rPr>
+              <a:t>15</a:t>
+            </a:r>
+            <a:r>
+              <a:rPr lang="zh-CN" altLang="zh-CN" dirty="0">
+                <a:latin typeface="仿宋" pitchFamily="49" charset="-122"/>
+                <a:ea typeface="仿宋" pitchFamily="49" charset="-122"/>
+              </a:rPr>
+              <a:t>题</a:t>
+            </a:r>
+            <a:r>
+              <a:rPr lang="en-US" altLang="zh-CN" dirty="0">
+                <a:latin typeface="仿宋" pitchFamily="49" charset="-122"/>
+                <a:ea typeface="仿宋" pitchFamily="49" charset="-122"/>
+              </a:rPr>
+              <a:t>*2</a:t>
+            </a:r>
+            <a:r>
+              <a:rPr lang="zh-CN" altLang="zh-CN" dirty="0" smtClean="0">
+                <a:latin typeface="仿宋" pitchFamily="49" charset="-122"/>
+                <a:ea typeface="仿宋" pitchFamily="49" charset="-122"/>
+              </a:rPr>
+              <a:t>分</a:t>
+            </a:r>
+            <a:r>
+              <a:rPr lang="en-US" altLang="zh-CN" dirty="0">
+                <a:latin typeface="仿宋" pitchFamily="49" charset="-122"/>
+                <a:ea typeface="仿宋" pitchFamily="49" charset="-122"/>
+              </a:rPr>
+              <a:t>=</a:t>
+            </a:r>
+            <a:r>
+              <a:rPr lang="en-US" altLang="zh-CN" dirty="0" smtClean="0">
+                <a:latin typeface="仿宋" pitchFamily="49" charset="-122"/>
+                <a:ea typeface="仿宋" pitchFamily="49" charset="-122"/>
+              </a:rPr>
+              <a:t>30</a:t>
+            </a:r>
+            <a:r>
+              <a:rPr lang="zh-CN" altLang="zh-CN" dirty="0">
+                <a:latin typeface="仿宋" pitchFamily="49" charset="-122"/>
+                <a:ea typeface="仿宋" pitchFamily="49" charset="-122"/>
+              </a:rPr>
+              <a:t>分）</a:t>
+            </a:r>
+          </a:p>
+          <a:p>
+            <a:pPr>
+              <a:lnSpc>
+                <a:spcPct val="200000"/>
+              </a:lnSpc>
+            </a:pPr>
+            <a:r>
+              <a:rPr lang="zh-CN" altLang="zh-CN" dirty="0">
+                <a:latin typeface="仿宋" pitchFamily="49" charset="-122"/>
+                <a:ea typeface="仿宋" pitchFamily="49" charset="-122"/>
+              </a:rPr>
+              <a:t>二、程序分析题，写出输出结果（</a:t>
+            </a:r>
+            <a:r>
+              <a:rPr lang="en-US" altLang="zh-CN" dirty="0">
+                <a:latin typeface="仿宋" pitchFamily="49" charset="-122"/>
+                <a:ea typeface="仿宋" pitchFamily="49" charset="-122"/>
+              </a:rPr>
+              <a:t>5</a:t>
+            </a:r>
+            <a:r>
+              <a:rPr lang="zh-CN" altLang="zh-CN" dirty="0">
+                <a:latin typeface="仿宋" pitchFamily="49" charset="-122"/>
+                <a:ea typeface="仿宋" pitchFamily="49" charset="-122"/>
+              </a:rPr>
+              <a:t>题</a:t>
+            </a:r>
+            <a:r>
+              <a:rPr lang="en-US" altLang="zh-CN" dirty="0">
+                <a:latin typeface="仿宋" pitchFamily="49" charset="-122"/>
+                <a:ea typeface="仿宋" pitchFamily="49" charset="-122"/>
+              </a:rPr>
+              <a:t>*3</a:t>
+            </a:r>
+            <a:r>
+              <a:rPr lang="zh-CN" altLang="zh-CN" dirty="0">
+                <a:latin typeface="仿宋" pitchFamily="49" charset="-122"/>
+                <a:ea typeface="仿宋" pitchFamily="49" charset="-122"/>
+              </a:rPr>
+              <a:t>分</a:t>
+            </a:r>
+            <a:r>
+              <a:rPr lang="en-US" altLang="zh-CN" dirty="0">
+                <a:latin typeface="仿宋" pitchFamily="49" charset="-122"/>
+                <a:ea typeface="仿宋" pitchFamily="49" charset="-122"/>
+              </a:rPr>
+              <a:t>=15</a:t>
+            </a:r>
+            <a:r>
+              <a:rPr lang="zh-CN" altLang="zh-CN" dirty="0">
+                <a:latin typeface="仿宋" pitchFamily="49" charset="-122"/>
+                <a:ea typeface="仿宋" pitchFamily="49" charset="-122"/>
+              </a:rPr>
+              <a:t>分）</a:t>
+            </a:r>
+          </a:p>
+          <a:p>
+            <a:pPr>
+              <a:lnSpc>
+                <a:spcPct val="200000"/>
+              </a:lnSpc>
+            </a:pPr>
+            <a:r>
+              <a:rPr lang="zh-CN" altLang="zh-CN" dirty="0">
+                <a:latin typeface="仿宋" pitchFamily="49" charset="-122"/>
+                <a:ea typeface="仿宋" pitchFamily="49" charset="-122"/>
+              </a:rPr>
+              <a:t>三、程序填空题（</a:t>
+            </a:r>
+            <a:r>
+              <a:rPr lang="en-US" altLang="zh-CN" dirty="0">
+                <a:latin typeface="仿宋" pitchFamily="49" charset="-122"/>
+                <a:ea typeface="仿宋" pitchFamily="49" charset="-122"/>
+              </a:rPr>
+              <a:t>10</a:t>
+            </a:r>
+            <a:r>
+              <a:rPr lang="zh-CN" altLang="zh-CN" dirty="0">
+                <a:latin typeface="仿宋" pitchFamily="49" charset="-122"/>
+                <a:ea typeface="仿宋" pitchFamily="49" charset="-122"/>
+              </a:rPr>
+              <a:t>个空</a:t>
+            </a:r>
+            <a:r>
+              <a:rPr lang="en-US" altLang="zh-CN" dirty="0">
+                <a:latin typeface="仿宋" pitchFamily="49" charset="-122"/>
+                <a:ea typeface="仿宋" pitchFamily="49" charset="-122"/>
+              </a:rPr>
+              <a:t>,</a:t>
+            </a:r>
+            <a:r>
+              <a:rPr lang="zh-CN" altLang="zh-CN" dirty="0">
+                <a:latin typeface="仿宋" pitchFamily="49" charset="-122"/>
+                <a:ea typeface="仿宋" pitchFamily="49" charset="-122"/>
+              </a:rPr>
+              <a:t>每空</a:t>
+            </a:r>
+            <a:r>
+              <a:rPr lang="en-US" altLang="zh-CN" dirty="0">
+                <a:latin typeface="仿宋" pitchFamily="49" charset="-122"/>
+                <a:ea typeface="仿宋" pitchFamily="49" charset="-122"/>
+              </a:rPr>
+              <a:t>2</a:t>
+            </a:r>
+            <a:r>
+              <a:rPr lang="zh-CN" altLang="zh-CN" dirty="0">
+                <a:latin typeface="仿宋" pitchFamily="49" charset="-122"/>
+                <a:ea typeface="仿宋" pitchFamily="49" charset="-122"/>
+              </a:rPr>
+              <a:t>分</a:t>
+            </a:r>
+            <a:r>
+              <a:rPr lang="en-US" altLang="zh-CN" dirty="0">
+                <a:latin typeface="仿宋" pitchFamily="49" charset="-122"/>
+                <a:ea typeface="仿宋" pitchFamily="49" charset="-122"/>
+              </a:rPr>
+              <a:t>,</a:t>
+            </a:r>
+            <a:r>
+              <a:rPr lang="zh-CN" altLang="zh-CN" dirty="0">
+                <a:latin typeface="仿宋" pitchFamily="49" charset="-122"/>
+                <a:ea typeface="仿宋" pitchFamily="49" charset="-122"/>
+              </a:rPr>
+              <a:t>共</a:t>
+            </a:r>
+            <a:r>
+              <a:rPr lang="en-US" altLang="zh-CN" dirty="0">
+                <a:latin typeface="仿宋" pitchFamily="49" charset="-122"/>
+                <a:ea typeface="仿宋" pitchFamily="49" charset="-122"/>
+              </a:rPr>
+              <a:t>20</a:t>
+            </a:r>
+            <a:r>
+              <a:rPr lang="zh-CN" altLang="zh-CN" dirty="0">
+                <a:latin typeface="仿宋" pitchFamily="49" charset="-122"/>
+                <a:ea typeface="仿宋" pitchFamily="49" charset="-122"/>
+              </a:rPr>
+              <a:t>分）</a:t>
+            </a:r>
+          </a:p>
+          <a:p>
+            <a:pPr>
+              <a:lnSpc>
+                <a:spcPct val="200000"/>
+              </a:lnSpc>
+            </a:pPr>
+            <a:r>
+              <a:rPr lang="zh-CN" altLang="zh-CN" dirty="0">
+                <a:latin typeface="仿宋" pitchFamily="49" charset="-122"/>
+                <a:ea typeface="仿宋" pitchFamily="49" charset="-122"/>
+              </a:rPr>
+              <a:t>五、编程题（</a:t>
+            </a:r>
+            <a:r>
+              <a:rPr lang="en-US" altLang="zh-CN" dirty="0">
+                <a:latin typeface="仿宋" pitchFamily="49" charset="-122"/>
+                <a:ea typeface="仿宋" pitchFamily="49" charset="-122"/>
+              </a:rPr>
+              <a:t>4</a:t>
+            </a:r>
+            <a:r>
+              <a:rPr lang="zh-CN" altLang="zh-CN" dirty="0">
+                <a:latin typeface="仿宋" pitchFamily="49" charset="-122"/>
+                <a:ea typeface="仿宋" pitchFamily="49" charset="-122"/>
+              </a:rPr>
+              <a:t>题</a:t>
+            </a:r>
+            <a:r>
+              <a:rPr lang="en-US" altLang="zh-CN" dirty="0">
+                <a:latin typeface="仿宋" pitchFamily="49" charset="-122"/>
+                <a:ea typeface="仿宋" pitchFamily="49" charset="-122"/>
+              </a:rPr>
+              <a:t>,  35</a:t>
+            </a:r>
+            <a:r>
+              <a:rPr lang="zh-CN" altLang="zh-CN" dirty="0">
+                <a:latin typeface="仿宋" pitchFamily="49" charset="-122"/>
+                <a:ea typeface="仿宋" pitchFamily="49" charset="-122"/>
+              </a:rPr>
+              <a:t>分</a:t>
+            </a:r>
+            <a:r>
+              <a:rPr lang="zh-CN" altLang="zh-CN" dirty="0" smtClean="0">
+                <a:latin typeface="仿宋" pitchFamily="49" charset="-122"/>
+                <a:ea typeface="仿宋" pitchFamily="49" charset="-122"/>
+              </a:rPr>
+              <a:t>）</a:t>
+            </a:r>
+            <a:endParaRPr lang="en-US" altLang="zh-CN" dirty="0" smtClean="0">
+              <a:latin typeface="仿宋" pitchFamily="49" charset="-122"/>
+              <a:ea typeface="仿宋" pitchFamily="49" charset="-122"/>
+            </a:endParaRPr>
+          </a:p>
+          <a:p>
+            <a:pPr>
+              <a:lnSpc>
+                <a:spcPct val="200000"/>
+              </a:lnSpc>
+            </a:pPr>
+            <a:endParaRPr lang="zh-CN" altLang="en-US" dirty="0">
+              <a:latin typeface="仿宋" pitchFamily="49" charset="-122"/>
+              <a:ea typeface="仿宋" pitchFamily="49" charset="-122"/>
+            </a:endParaRPr>
+          </a:p>
+        </p:txBody>
+      </p:sp>
+      <p:sp>
+        <p:nvSpPr>
+          <p:cNvPr id="3" name="TextBox 2"/>
+          <p:cNvSpPr txBox="1"/>
+          <p:nvPr/>
+        </p:nvSpPr>
+        <p:spPr>
+          <a:xfrm>
+            <a:off x="1187765" y="1052835"/>
+            <a:ext cx="2880200" cy="461665"/>
+          </a:xfrm>
+          <a:prstGeom prst="rect">
+            <a:avLst/>
+          </a:prstGeom>
+          <a:noFill/>
+        </p:spPr>
+        <p:txBody>
+          <a:bodyPr wrap="square" rtlCol="0">
+            <a:spAutoFit/>
+          </a:bodyPr>
+          <a:lstStyle/>
+          <a:p>
+            <a:r>
+              <a:rPr lang="zh-CN" altLang="en-US" dirty="0" smtClean="0">
+                <a:latin typeface="仿宋" pitchFamily="49" charset="-122"/>
+                <a:ea typeface="仿宋" pitchFamily="49" charset="-122"/>
+              </a:rPr>
+              <a:t>题目类型</a:t>
+            </a:r>
+            <a:endParaRPr lang="zh-CN" altLang="en-US" dirty="0">
+              <a:latin typeface="仿宋" pitchFamily="49" charset="-122"/>
+              <a:ea typeface="仿宋" pitchFamily="49" charset="-122"/>
+            </a:endParaRPr>
+          </a:p>
+        </p:txBody>
+      </p:sp>
+      <p:sp>
+        <p:nvSpPr>
+          <p:cNvPr id="4" name="TextBox 3"/>
+          <p:cNvSpPr txBox="1"/>
+          <p:nvPr/>
+        </p:nvSpPr>
+        <p:spPr>
+          <a:xfrm>
+            <a:off x="1547790" y="5301130"/>
+            <a:ext cx="4824335" cy="461665"/>
+          </a:xfrm>
+          <a:prstGeom prst="rect">
+            <a:avLst/>
+          </a:prstGeom>
+          <a:noFill/>
+        </p:spPr>
+        <p:txBody>
+          <a:bodyPr wrap="square" rtlCol="0">
+            <a:spAutoFit/>
+          </a:bodyPr>
+          <a:lstStyle/>
+          <a:p>
+            <a:r>
+              <a:rPr lang="zh-CN" altLang="en-US" dirty="0">
+                <a:latin typeface="仿宋" panose="02010609060101010101" pitchFamily="49" charset="-122"/>
+                <a:ea typeface="仿宋" panose="02010609060101010101" pitchFamily="49" charset="-122"/>
+              </a:rPr>
+              <a:t>不</a:t>
+            </a:r>
+            <a:r>
+              <a:rPr lang="zh-CN" altLang="en-US" dirty="0" smtClean="0">
+                <a:latin typeface="仿宋" panose="02010609060101010101" pitchFamily="49" charset="-122"/>
+                <a:ea typeface="仿宋" panose="02010609060101010101" pitchFamily="49" charset="-122"/>
+              </a:rPr>
+              <a:t>考：二维数组，文件</a:t>
+            </a:r>
+            <a:endParaRPr lang="zh-CN" altLang="en-US" dirty="0">
+              <a:latin typeface="仿宋" panose="02010609060101010101" pitchFamily="49" charset="-122"/>
+              <a:ea typeface="仿宋" panose="02010609060101010101" pitchFamily="49" charset="-122"/>
+            </a:endParaRPr>
+          </a:p>
+        </p:txBody>
+      </p:sp>
+    </p:spTree>
+    <p:extLst>
+      <p:ext uri="{BB962C8B-B14F-4D97-AF65-F5344CB8AC3E}">
+        <p14:creationId xmlns:p14="http://schemas.microsoft.com/office/powerpoint/2010/main" val="624354561"/>
+      </p:ext>
+    </p:extLst>
+  </p:cSld>
+  <p:clrMapOvr>
+    <a:masterClrMapping/>
+  </p:clrMapOvr>
+  <p:timing>
+    <p:tnLst>
+      <p:par>
+        <p:cTn id="1" dur="indefinite" restart="never" nodeType="tmRoot"/>
+      </p:par>
+    </p:tnLst>
+  </p:timing>
+</p:sld>
+</file>
+
+<file path=ppt/slides/slide20.xml><?xml version="1.0" encoding="utf-8"?>
+<p:sld xmlns:a="http://schemas.openxmlformats.org/drawingml/2006/main" xmlns:r="http://schemas.openxmlformats.org/officeDocument/2006/relationships" xmlns:p="http://schemas.openxmlformats.org/presentationml/2006/main">
+  <p:cSld>
+    <p:spTree>
+      <p:nvGrpSpPr>
+        <p:cNvPr id="1" name=""/>
+        <p:cNvGrpSpPr/>
+        <p:nvPr/>
+      </p:nvGrpSpPr>
+      <p:grpSpPr>
+        <a:xfrm>
+          <a:off x="0" y="0"/>
+          <a:ext cx="0" cy="0"/>
+          <a:chOff x="0" y="0"/>
+          <a:chExt cx="0" cy="0"/>
+        </a:xfrm>
+      </p:grpSpPr>
+      <p:sp>
+        <p:nvSpPr>
+          <p:cNvPr id="72706" name="标题 1"/>
           <p:cNvSpPr>
             <a:spLocks noGrp="1"/>
           </p:cNvSpPr>
@@ -17854,15 +14484,19 @@
           <a:lstStyle/>
           <a:p>
             <a:r>
-              <a:rPr lang="zh-CN" altLang="en-US"/>
-              <a:t>指针与字符串</a:t>
+              <a:rPr lang="zh-CN" altLang="en-US" dirty="0" smtClean="0"/>
+              <a:t>指针与自</a:t>
+            </a:r>
+            <a:r>
+              <a:rPr lang="zh-CN" altLang="en-US" dirty="0"/>
+              <a:t>增、自减运算</a:t>
             </a:r>
           </a:p>
         </p:txBody>
       </p:sp>
       <p:sp>
         <p:nvSpPr>
-          <p:cNvPr id="74755" name="灯片编号占位符 3"/>
+          <p:cNvPr id="72707" name="灯片编号占位符 3"/>
           <p:cNvSpPr txBox="1">
             <a:spLocks noGrp="1" noChangeArrowheads="1"/>
           </p:cNvSpPr>
@@ -18037,7 +14671,7 @@
                 <a:spcPct val="0"/>
               </a:spcBef>
             </a:pPr>
-            <a:fld id="{A460AAFD-7EF7-4576-BFED-242D1797AF48}" type="slidenum">
+            <a:fld id="{DC003F5B-C64A-4CC6-A9B3-8E06B7B8D764}" type="slidenum">
               <a:rPr lang="zh-CN" altLang="en-US" sz="2000">
                 <a:solidFill>
                   <a:schemeClr val="tx2"/>
@@ -18050,7 +14684,7 @@
                   <a:spcPct val="0"/>
                 </a:spcBef>
               </a:pPr>
-              <a:t>25</a:t>
+              <a:t>20</a:t>
             </a:fld>
             <a:endParaRPr lang="en-US" sz="1800">
               <a:ea typeface="楷体_GB2312" pitchFamily="1" charset="-122"/>
@@ -18061,7 +14695,7 @@
       </p:sp>
       <p:sp>
         <p:nvSpPr>
-          <p:cNvPr id="74756" name="矩形 4"/>
+          <p:cNvPr id="72708" name="矩形 4"/>
           <p:cNvSpPr>
             <a:spLocks noChangeArrowheads="1"/>
           </p:cNvSpPr>
@@ -18069,8 +14703,8 @@
         </p:nvSpPr>
         <p:spPr bwMode="auto">
           <a:xfrm>
-            <a:off x="755650" y="836613"/>
-            <a:ext cx="8208963" cy="3354387"/>
+            <a:off x="827088" y="836613"/>
+            <a:ext cx="7561262" cy="4678362"/>
           </a:xfrm>
           <a:prstGeom prst="rect">
             <a:avLst/>
@@ -18100,45 +14734,274 @@
           </a:bodyPr>
           <a:lstStyle/>
           <a:p>
+            <a:pPr marL="342900" indent="-342900">
+              <a:lnSpc>
+                <a:spcPct val="150000"/>
+              </a:lnSpc>
+              <a:buFont typeface="Wingdings" pitchFamily="2" charset="2"/>
+              <a:buChar char="Ø"/>
+            </a:pPr>
             <a:r>
               <a:rPr lang="en-US" sz="2000"/>
-              <a:t>void main( )</a:t>
-            </a:r>
-          </a:p>
-          <a:p>
+              <a:t>int  a[7], *p=a;</a:t>
+            </a:r>
+          </a:p>
+          <a:p>
+            <a:pPr marL="342900" indent="-342900">
+              <a:lnSpc>
+                <a:spcPct val="150000"/>
+              </a:lnSpc>
+              <a:buFont typeface="Wingdings" pitchFamily="2" charset="2"/>
+              <a:buChar char="Ø"/>
+            </a:pPr>
             <a:r>
               <a:rPr lang="en-US" sz="2000"/>
-              <a:t>{   char  *string=“I love China!”;</a:t>
-            </a:r>
-          </a:p>
-          <a:p>
+              <a:t>*p++</a:t>
+            </a:r>
+            <a:r>
+              <a:rPr lang="zh-CN" altLang="en-US" sz="2000"/>
+              <a:t>，等价于*</a:t>
+            </a:r>
             <a:r>
               <a:rPr lang="en-US" sz="2000"/>
-              <a:t>     printf(“%s\n”,string);</a:t>
-            </a:r>
-          </a:p>
-          <a:p>
+              <a:t>(p++)</a:t>
+            </a:r>
+            <a:r>
+              <a:rPr lang="zh-CN" altLang="en-US" sz="2000"/>
+              <a:t>，即*</a:t>
+            </a:r>
             <a:r>
               <a:rPr lang="en-US" sz="2000"/>
+              <a:t>p</a:t>
+            </a:r>
+            <a:r>
+              <a:rPr lang="zh-CN" altLang="en-US" sz="2000"/>
+              <a:t>作为表达式的值，然后</a:t>
+            </a:r>
+            <a:r>
+              <a:rPr lang="en-US" sz="2000"/>
+              <a:t>p = p + 1</a:t>
+            </a:r>
+          </a:p>
+          <a:p>
+            <a:pPr marL="342900" indent="-342900">
+              <a:lnSpc>
+                <a:spcPct val="150000"/>
+              </a:lnSpc>
+              <a:buFont typeface="Wingdings" pitchFamily="2" charset="2"/>
+              <a:buChar char="Ø"/>
+            </a:pPr>
+            <a:r>
+              <a:rPr lang="en-US" sz="2000"/>
+              <a:t>*(p++)</a:t>
+            </a:r>
+            <a:r>
+              <a:rPr lang="zh-CN" altLang="en-US" sz="2000"/>
+              <a:t>与*</a:t>
+            </a:r>
+            <a:r>
+              <a:rPr lang="en-US" sz="2000"/>
+              <a:t>(++p)</a:t>
+            </a:r>
+            <a:r>
+              <a:rPr lang="zh-CN" altLang="en-US" sz="2000"/>
+              <a:t>作用不同。若</a:t>
+            </a:r>
+            <a:r>
+              <a:rPr lang="en-US" sz="2000"/>
+              <a:t>p </a:t>
+            </a:r>
+            <a:r>
+              <a:rPr lang="zh-CN" altLang="en-US" sz="2000"/>
+              <a:t>的初值为</a:t>
+            </a:r>
+            <a:r>
+              <a:rPr lang="en-US" sz="2000"/>
+              <a:t>a</a:t>
+            </a:r>
+            <a:r>
+              <a:rPr lang="zh-CN" altLang="en-US" sz="2000"/>
+              <a:t>，则*</a:t>
+            </a:r>
+            <a:r>
+              <a:rPr lang="en-US" sz="2000"/>
+              <a:t>(p++)</a:t>
+            </a:r>
+            <a:r>
+              <a:rPr lang="zh-CN" altLang="en-US" sz="2000"/>
+              <a:t>等价</a:t>
+            </a:r>
+            <a:r>
+              <a:rPr lang="en-US" sz="2000"/>
+              <a:t>a[0]; </a:t>
+            </a:r>
+            <a:r>
+              <a:rPr lang="zh-CN" altLang="en-US" sz="2000"/>
+              <a:t>然后</a:t>
+            </a:r>
+            <a:r>
+              <a:rPr lang="en-US" sz="2000"/>
+              <a:t>p++; </a:t>
+            </a:r>
+            <a:r>
+              <a:rPr lang="zh-CN" altLang="en-US" sz="2000"/>
+              <a:t>而*</a:t>
+            </a:r>
+            <a:r>
+              <a:rPr lang="en-US" sz="2000"/>
+              <a:t>(++p)</a:t>
+            </a:r>
+            <a:r>
+              <a:rPr lang="zh-CN" altLang="en-US" sz="2000"/>
+              <a:t>等价*</a:t>
+            </a:r>
+            <a:r>
+              <a:rPr lang="en-US" sz="2000"/>
+              <a:t>(p+1); a[1];</a:t>
+            </a:r>
+          </a:p>
+          <a:p>
+            <a:pPr marL="342900" indent="-342900">
+              <a:lnSpc>
+                <a:spcPct val="150000"/>
+              </a:lnSpc>
+              <a:buFont typeface="Wingdings" pitchFamily="2" charset="2"/>
+              <a:buChar char="Ø"/>
+            </a:pPr>
+            <a:r>
+              <a:rPr lang="en-US" sz="2000"/>
+              <a:t> (*p)++</a:t>
+            </a:r>
+            <a:r>
+              <a:rPr lang="zh-CN" altLang="en-US" sz="2000"/>
+              <a:t>表示</a:t>
+            </a:r>
+            <a:r>
+              <a:rPr lang="en-US" sz="2000"/>
+              <a:t>p </a:t>
+            </a:r>
+            <a:r>
+              <a:rPr lang="zh-CN" altLang="en-US" sz="2000"/>
+              <a:t>所指向的元素值加</a:t>
+            </a:r>
+            <a:r>
+              <a:rPr lang="en-US" sz="2000"/>
+              <a:t>1</a:t>
+            </a:r>
+            <a:r>
+              <a:rPr lang="zh-CN" altLang="en-US" sz="2000"/>
+              <a:t>。</a:t>
+            </a:r>
+          </a:p>
+          <a:p>
+            <a:pPr marL="342900" indent="-342900">
+              <a:lnSpc>
+                <a:spcPct val="150000"/>
+              </a:lnSpc>
+              <a:buFont typeface="Wingdings" pitchFamily="2" charset="2"/>
+              <a:buChar char="Ø"/>
+            </a:pPr>
+            <a:r>
+              <a:rPr lang="zh-CN" altLang="en-US" sz="2000"/>
+              <a:t>如果</a:t>
+            </a:r>
+            <a:r>
+              <a:rPr lang="en-US" sz="2000"/>
+              <a:t>p </a:t>
+            </a:r>
+            <a:r>
+              <a:rPr lang="zh-CN" altLang="en-US" sz="2000"/>
+              <a:t>当前指向</a:t>
+            </a:r>
+            <a:r>
+              <a:rPr lang="en-US" sz="2000"/>
+              <a:t>a </a:t>
+            </a:r>
+            <a:r>
+              <a:rPr lang="zh-CN" altLang="en-US" sz="2000"/>
+              <a:t>数组中的第</a:t>
+            </a:r>
+            <a:r>
+              <a:rPr lang="en-US" sz="2000"/>
+              <a:t>i </a:t>
+            </a:r>
+            <a:r>
+              <a:rPr lang="zh-CN" altLang="en-US" sz="2000"/>
+              <a:t>个元素，即</a:t>
+            </a:r>
+            <a:r>
+              <a:rPr lang="en-US" sz="2000"/>
+              <a:t>p = &amp;a[i]; </a:t>
+            </a:r>
+            <a:r>
+              <a:rPr lang="zh-CN" altLang="en-US" sz="2000"/>
+              <a:t>则</a:t>
+            </a:r>
+          </a:p>
+          <a:p>
+            <a:pPr marL="342900" indent="-342900">
+              <a:lnSpc>
+                <a:spcPct val="150000"/>
+              </a:lnSpc>
+            </a:pPr>
+            <a:r>
+              <a:rPr lang="zh-CN" altLang="en-US" sz="2000"/>
               <a:t>     </a:t>
             </a:r>
             <a:r>
+              <a:rPr lang="zh-CN" altLang="en-US" sz="2000">
+                <a:solidFill>
+                  <a:srgbClr val="C00000"/>
+                </a:solidFill>
+              </a:rPr>
+              <a:t>*</a:t>
+            </a:r>
+            <a:r>
               <a:rPr lang="en-US" sz="2000">
                 <a:solidFill>
-                  <a:srgbClr val="FF0000"/>
-                </a:solidFill>
-              </a:rPr>
-              <a:t>string+=7;</a:t>
-            </a:r>
-          </a:p>
-          <a:p>
+                  <a:srgbClr val="C00000"/>
+                </a:solidFill>
+              </a:rPr>
+              <a:t>(p- -)</a:t>
+            </a:r>
+            <a:r>
+              <a:rPr lang="zh-CN" altLang="en-US" sz="2000">
+                <a:solidFill>
+                  <a:srgbClr val="C00000"/>
+                </a:solidFill>
+              </a:rPr>
+              <a:t>相当于</a:t>
+            </a:r>
             <a:r>
               <a:rPr lang="en-US" sz="2000">
                 <a:solidFill>
-                  <a:srgbClr val="0A85FF"/>
-                </a:solidFill>
-              </a:rPr>
-              <a:t>      while(*string)   </a:t>
+                  <a:srgbClr val="C00000"/>
+                </a:solidFill>
+              </a:rPr>
+              <a:t>a[i- -]</a:t>
+            </a:r>
+            <a:r>
+              <a:rPr lang="zh-CN" altLang="en-US" sz="2000">
+                <a:solidFill>
+                  <a:srgbClr val="C00000"/>
+                </a:solidFill>
+              </a:rPr>
+              <a:t>；</a:t>
+            </a:r>
+          </a:p>
+          <a:p>
+            <a:pPr marL="342900" indent="-342900">
+              <a:lnSpc>
+                <a:spcPct val="150000"/>
+              </a:lnSpc>
+            </a:pPr>
+            <a:r>
+              <a:rPr lang="zh-CN" altLang="en-US" sz="2000">
+                <a:solidFill>
+                  <a:srgbClr val="C00000"/>
+                </a:solidFill>
+              </a:rPr>
+              <a:t>     *</a:t>
             </a:r>
             <a:r>
               <a:rPr lang="en-US" sz="2000">
@@ -18146,7 +15009,7 @@
                   <a:srgbClr val="C00000"/>
                 </a:solidFill>
               </a:rPr>
-              <a:t>// *string != 0  (‘\0’</a:t>
+              <a:t>(++p)</a:t>
             </a:r>
             <a:r>
               <a:rPr lang="zh-CN" altLang="en-US" sz="2000">
@@ -18154,7 +15017,7 @@
                   <a:srgbClr val="C00000"/>
                 </a:solidFill>
               </a:rPr>
-              <a:t>的</a:t>
+              <a:t>相当于</a:t>
             </a:r>
             <a:r>
               <a:rPr lang="en-US" sz="2000">
@@ -18162,7 +15025,7 @@
                   <a:srgbClr val="C00000"/>
                 </a:solidFill>
               </a:rPr>
-              <a:t>ASCII</a:t>
+              <a:t>a[++i]</a:t>
             </a:r>
             <a:r>
               <a:rPr lang="zh-CN" altLang="en-US" sz="2000">
@@ -18170,7 +15033,22 @@
                   <a:srgbClr val="C00000"/>
                 </a:solidFill>
               </a:rPr>
-              <a:t>码值</a:t>
+              <a:t>；</a:t>
+            </a:r>
+          </a:p>
+          <a:p>
+            <a:pPr marL="342900" indent="-342900">
+              <a:lnSpc>
+                <a:spcPct val="150000"/>
+              </a:lnSpc>
+            </a:pPr>
+            <a:r>
+              <a:rPr lang="zh-CN" altLang="en-US" sz="2000">
+                <a:solidFill>
+                  <a:srgbClr val="C00000"/>
+                </a:solidFill>
+              </a:rPr>
+              <a:t>     *</a:t>
             </a:r>
             <a:r>
               <a:rPr lang="en-US" sz="2000">
@@ -18178,13 +15056,15 @@
                   <a:srgbClr val="C00000"/>
                 </a:solidFill>
               </a:rPr>
-              <a:t>0)</a:t>
-            </a:r>
-          </a:p>
-          <a:p>
-            <a:r>
-              <a:rPr lang="en-US" sz="2000"/>
-              <a:t>      {      putchar(string[0]); </a:t>
+              <a:t>(- -p)</a:t>
+            </a:r>
+            <a:r>
+              <a:rPr lang="zh-CN" altLang="en-US" sz="2000">
+                <a:solidFill>
+                  <a:srgbClr val="C00000"/>
+                </a:solidFill>
+              </a:rPr>
+              <a:t>相当于</a:t>
             </a:r>
             <a:r>
               <a:rPr lang="en-US" sz="2000">
@@ -18192,33 +15072,22 @@
                   <a:srgbClr val="C00000"/>
                 </a:solidFill>
               </a:rPr>
-              <a:t>// *string</a:t>
-            </a:r>
-          </a:p>
-          <a:p>
-            <a:r>
-              <a:rPr lang="en-US" sz="2000"/>
-              <a:t>              string++;</a:t>
-            </a:r>
-          </a:p>
-          <a:p>
-            <a:r>
-              <a:rPr lang="en-US" sz="2000"/>
-              <a:t>       }</a:t>
-            </a:r>
-          </a:p>
-          <a:p>
-            <a:r>
-              <a:rPr lang="en-US" sz="2000"/>
-              <a:t>}</a:t>
-            </a:r>
-            <a:endParaRPr lang="zh-CN" altLang="en-US" sz="2000"/>
+              <a:t>a[- -i]</a:t>
+            </a:r>
+            <a:r>
+              <a:rPr lang="zh-CN" altLang="en-US" sz="2000">
+                <a:solidFill>
+                  <a:srgbClr val="C00000"/>
+                </a:solidFill>
+              </a:rPr>
+              <a:t>。</a:t>
+            </a:r>
           </a:p>
         </p:txBody>
       </p:sp>
       <p:sp>
         <p:nvSpPr>
-          <p:cNvPr id="74757" name="矩形 5"/>
+          <p:cNvPr id="72709" name="矩形 2"/>
           <p:cNvSpPr>
             <a:spLocks noChangeArrowheads="1"/>
           </p:cNvSpPr>
@@ -18226,28 +15095,28 @@
         </p:nvSpPr>
         <p:spPr bwMode="auto">
           <a:xfrm>
-            <a:off x="611188" y="4349750"/>
-            <a:ext cx="3744912" cy="2247900"/>
+            <a:off x="850900" y="5673725"/>
+            <a:ext cx="7537450" cy="1139825"/>
           </a:xfrm>
           <a:prstGeom prst="rect">
             <a:avLst/>
           </a:prstGeom>
-          <a:noFill/>
-          <a:ln w="9525" cmpd="sng">
-            <a:solidFill>
-              <a:schemeClr val="tx1"/>
-            </a:solidFill>
-            <a:miter lim="800000"/>
-            <a:headEnd/>
-            <a:tailEnd/>
+          <a:solidFill>
+            <a:srgbClr val="FFC000"/>
+          </a:solidFill>
+          <a:ln>
+            <a:noFill/>
           </a:ln>
           <a:extLst>
-            <a:ext uri="{909E8E84-426E-40DD-AFC4-6F175D3DCCD1}">
-              <a14:hiddenFill xmlns:a14="http://schemas.microsoft.com/office/drawing/2010/main">
-                <a:solidFill>
-                  <a:srgbClr val="FFFFFF"/>
-                </a:solidFill>
-              </a14:hiddenFill>
+            <a:ext uri="{91240B29-F687-4F45-9708-019B960494DF}">
+              <a14:hiddenLine xmlns:a14="http://schemas.microsoft.com/office/drawing/2010/main" w="9525">
+                <a:solidFill>
+                  <a:srgbClr val="000000"/>
+                </a:solidFill>
+                <a:miter lim="800000"/>
+                <a:headEnd/>
+                <a:tailEnd/>
+              </a14:hiddenLine>
             </a:ext>
           </a:extLst>
         </p:spPr>
@@ -18259,135 +15128,68 @@
           <a:p>
             <a:r>
               <a:rPr lang="en-US" sz="2000"/>
-              <a:t>void main( )</a:t>
-            </a:r>
-          </a:p>
-          <a:p>
+              <a:t>P48, *,++,--,</a:t>
+            </a:r>
+            <a:r>
+              <a:rPr lang="zh-CN" altLang="en-US" sz="2000"/>
+              <a:t>优先级：</a:t>
+            </a:r>
             <a:r>
               <a:rPr lang="en-US" sz="2000"/>
-              <a:t>{   char  *string=“I love China!”;</a:t>
+              <a:t>2</a:t>
+            </a:r>
+            <a:r>
+              <a:rPr lang="zh-CN" altLang="en-US" sz="2000"/>
+              <a:t>，结合方向：自右向左</a:t>
             </a:r>
           </a:p>
           <a:p>
             <a:r>
               <a:rPr lang="en-US" sz="2000"/>
-              <a:t>     printf(“%s\n”,string);</a:t>
-            </a:r>
-          </a:p>
-          <a:p>
-            <a:r>
-              <a:rPr lang="en-US" sz="2000">
-                <a:solidFill>
-                  <a:srgbClr val="FF0000"/>
-                </a:solidFill>
-              </a:rPr>
-              <a:t>     string+=7;</a:t>
-            </a:r>
-          </a:p>
-          <a:p>
+              <a:t>++p</a:t>
+            </a:r>
+            <a:r>
+              <a:rPr lang="zh-CN" altLang="en-US" sz="2000"/>
+              <a:t>：先自增，再使用</a:t>
+            </a:r>
             <a:r>
               <a:rPr lang="en-US" sz="2000"/>
-              <a:t>     printf(“%s”,string);           </a:t>
-            </a:r>
-          </a:p>
-          <a:p>
+              <a:t>(</a:t>
+            </a:r>
+            <a:r>
+              <a:rPr lang="zh-CN" altLang="en-US" sz="2000"/>
+              <a:t>作为表达式的值</a:t>
+            </a:r>
             <a:r>
               <a:rPr lang="en-US" sz="2000"/>
-              <a:t>}</a:t>
-            </a:r>
-            <a:endParaRPr lang="zh-CN" altLang="en-US" sz="2000"/>
-          </a:p>
-        </p:txBody>
-      </p:sp>
-      <p:sp>
-        <p:nvSpPr>
-          <p:cNvPr id="74758" name="矩形 6"/>
-          <p:cNvSpPr>
-            <a:spLocks noChangeArrowheads="1"/>
-          </p:cNvSpPr>
-          <p:nvPr/>
-        </p:nvSpPr>
-        <p:spPr bwMode="auto">
-          <a:xfrm>
-            <a:off x="4500563" y="4365625"/>
-            <a:ext cx="4464050" cy="2246313"/>
-          </a:xfrm>
-          <a:prstGeom prst="rect">
-            <a:avLst/>
-          </a:prstGeom>
-          <a:noFill/>
-          <a:ln w="9525" cmpd="sng">
-            <a:solidFill>
-              <a:schemeClr val="tx1"/>
-            </a:solidFill>
-            <a:miter lim="800000"/>
-            <a:headEnd/>
-            <a:tailEnd/>
-          </a:ln>
-          <a:extLst>
-            <a:ext uri="{909E8E84-426E-40DD-AFC4-6F175D3DCCD1}">
-              <a14:hiddenFill xmlns:a14="http://schemas.microsoft.com/office/drawing/2010/main">
-                <a:solidFill>
-                  <a:srgbClr val="FFFFFF"/>
-                </a:solidFill>
-              </a14:hiddenFill>
-            </a:ext>
-          </a:extLst>
-        </p:spPr>
-        <p:txBody>
-          <a:bodyPr>
-            <a:spAutoFit/>
-          </a:bodyPr>
-          <a:lstStyle/>
+              <a:t>)</a:t>
+            </a:r>
+          </a:p>
           <a:p>
             <a:r>
               <a:rPr lang="en-US" sz="2000"/>
-              <a:t>void main( )</a:t>
-            </a:r>
-          </a:p>
-          <a:p>
+              <a:t>p++</a:t>
+            </a:r>
+            <a:r>
+              <a:rPr lang="zh-CN" altLang="en-US" sz="2000"/>
+              <a:t>：先使用</a:t>
+            </a:r>
             <a:r>
               <a:rPr lang="en-US" sz="2000"/>
-              <a:t>{   char  str[ ]=“I love China!”</a:t>
+              <a:t>(</a:t>
             </a:r>
             <a:r>
               <a:rPr lang="zh-CN" altLang="en-US" sz="2000"/>
-              <a:t>；</a:t>
-            </a:r>
-            <a:endParaRPr lang="en-US" sz="2000"/>
-          </a:p>
-          <a:p>
-            <a:r>
-              <a:rPr lang="en-US" sz="2000">
-                <a:solidFill>
-                  <a:srgbClr val="FF0000"/>
-                </a:solidFill>
-              </a:rPr>
-              <a:t>     char *string=str;</a:t>
-            </a:r>
-          </a:p>
-          <a:p>
+              <a:t>作为表达式的值</a:t>
+            </a:r>
             <a:r>
               <a:rPr lang="en-US" sz="2000"/>
-              <a:t>     printf(“%s\n”,string);</a:t>
-            </a:r>
-          </a:p>
-          <a:p>
-            <a:r>
-              <a:rPr lang="en-US" sz="2000">
-                <a:solidFill>
-                  <a:srgbClr val="FF0000"/>
-                </a:solidFill>
-              </a:rPr>
-              <a:t>     string+=7;</a:t>
-            </a:r>
-          </a:p>
-          <a:p>
-            <a:r>
-              <a:rPr lang="en-US" sz="2000"/>
-              <a:t>     printf(“%s”,string);   }</a:t>
-            </a:r>
-            <a:endParaRPr lang="zh-CN" altLang="en-US" sz="2000"/>
+              <a:t>)</a:t>
+            </a:r>
+            <a:r>
+              <a:rPr lang="zh-CN" altLang="en-US" sz="2000"/>
+              <a:t>，后自增</a:t>
+            </a:r>
           </a:p>
         </p:txBody>
       </p:sp>
@@ -18406,7 +15208,7 @@
 </p:sld>
 </file>
 
-<file path=ppt/slides/slide26.xml><?xml version="1.0" encoding="utf-8"?>
+<file path=ppt/slides/slide21.xml><?xml version="1.0" encoding="utf-8"?>
 <p:sld xmlns:a="http://schemas.openxmlformats.org/drawingml/2006/main" xmlns:r="http://schemas.openxmlformats.org/officeDocument/2006/relationships" xmlns:p="http://schemas.openxmlformats.org/presentationml/2006/main">
   <p:cSld>
     <p:spTree>
@@ -18686,7 +15488,15 @@
                   <a:srgbClr val="FFFF00"/>
                 </a:solidFill>
               </a:rPr>
-              <a:t>增、自减，字符串，指针</a:t>
+              <a:t>增、自减，字符串，</a:t>
+            </a:r>
+            <a:r>
+              <a:rPr lang="zh-CN" altLang="en-US" sz="2800" dirty="0" smtClean="0">
+                <a:solidFill>
+                  <a:srgbClr val="FFFF00"/>
+                </a:solidFill>
+              </a:rPr>
+              <a:t>指针，循环</a:t>
             </a:r>
             <a:endParaRPr lang="zh-CN" altLang="en-US" sz="2800" dirty="0">
               <a:solidFill>
@@ -18716,954 +15526,7 @@
 </p:sld>
 </file>
 
-<file path=ppt/slides/slide27.xml><?xml version="1.0" encoding="utf-8"?>
-<p:sld xmlns:a="http://schemas.openxmlformats.org/drawingml/2006/main" xmlns:r="http://schemas.openxmlformats.org/officeDocument/2006/relationships" xmlns:p="http://schemas.openxmlformats.org/presentationml/2006/main">
-  <p:cSld>
-    <p:spTree>
-      <p:nvGrpSpPr>
-        <p:cNvPr id="1" name=""/>
-        <p:cNvGrpSpPr/>
-        <p:nvPr/>
-      </p:nvGrpSpPr>
-      <p:grpSpPr>
-        <a:xfrm>
-          <a:off x="0" y="0"/>
-          <a:ext cx="0" cy="0"/>
-          <a:chOff x="0" y="0"/>
-          <a:chExt cx="0" cy="0"/>
-        </a:xfrm>
-      </p:grpSpPr>
-      <p:sp>
-        <p:nvSpPr>
-          <p:cNvPr id="78850" name="标题 1"/>
-          <p:cNvSpPr>
-            <a:spLocks noGrp="1"/>
-          </p:cNvSpPr>
-          <p:nvPr>
-            <p:ph type="title" idx="4294967295"/>
-          </p:nvPr>
-        </p:nvSpPr>
-        <p:spPr/>
-        <p:txBody>
-          <a:bodyPr/>
-          <a:lstStyle/>
-          <a:p>
-            <a:r>
-              <a:rPr lang="zh-CN" altLang="en-US" dirty="0" smtClean="0"/>
-              <a:t>结构体</a:t>
-            </a:r>
-            <a:endParaRPr lang="zh-CN" altLang="en-US" dirty="0"/>
-          </a:p>
-        </p:txBody>
-      </p:sp>
-      <p:sp>
-        <p:nvSpPr>
-          <p:cNvPr id="78851" name="灯片编号占位符 3"/>
-          <p:cNvSpPr txBox="1">
-            <a:spLocks noGrp="1" noChangeArrowheads="1"/>
-          </p:cNvSpPr>
-          <p:nvPr/>
-        </p:nvSpPr>
-        <p:spPr bwMode="auto">
-          <a:xfrm>
-            <a:off x="8556625" y="0"/>
-            <a:ext cx="587375" cy="396875"/>
-          </a:xfrm>
-          <a:prstGeom prst="rect">
-            <a:avLst/>
-          </a:prstGeom>
-          <a:noFill/>
-          <a:ln>
-            <a:noFill/>
-          </a:ln>
-          <a:extLst>
-            <a:ext uri="{909E8E84-426E-40DD-AFC4-6F175D3DCCD1}">
-              <a14:hiddenFill xmlns:a14="http://schemas.microsoft.com/office/drawing/2010/main">
-                <a:solidFill>
-                  <a:srgbClr val="FFFFFF"/>
-                </a:solidFill>
-              </a14:hiddenFill>
-            </a:ext>
-            <a:ext uri="{91240B29-F687-4F45-9708-019B960494DF}">
-              <a14:hiddenLine xmlns:a14="http://schemas.microsoft.com/office/drawing/2010/main" w="9525">
-                <a:solidFill>
-                  <a:srgbClr val="000000"/>
-                </a:solidFill>
-                <a:miter lim="800000"/>
-                <a:headEnd/>
-                <a:tailEnd/>
-              </a14:hiddenLine>
-            </a:ext>
-          </a:extLst>
-        </p:spPr>
-        <p:txBody>
-          <a:bodyPr anchor="b" anchorCtr="1">
-            <a:spAutoFit/>
-          </a:bodyPr>
-          <a:lstStyle>
-            <a:lvl1pPr>
-              <a:defRPr sz="2400" b="1">
-                <a:solidFill>
-                  <a:srgbClr val="000000"/>
-                </a:solidFill>
-                <a:latin typeface="Times New Roman" pitchFamily="18" charset="0"/>
-                <a:ea typeface="宋体" pitchFamily="2" charset="-122"/>
-              </a:defRPr>
-            </a:lvl1pPr>
-            <a:lvl2pPr marL="742950" indent="-285750">
-              <a:defRPr sz="2400" b="1">
-                <a:solidFill>
-                  <a:srgbClr val="000000"/>
-                </a:solidFill>
-                <a:latin typeface="Times New Roman" pitchFamily="18" charset="0"/>
-                <a:ea typeface="宋体" pitchFamily="2" charset="-122"/>
-              </a:defRPr>
-            </a:lvl2pPr>
-            <a:lvl3pPr marL="1143000" indent="-228600">
-              <a:defRPr sz="2400" b="1">
-                <a:solidFill>
-                  <a:srgbClr val="000000"/>
-                </a:solidFill>
-                <a:latin typeface="Times New Roman" pitchFamily="18" charset="0"/>
-                <a:ea typeface="宋体" pitchFamily="2" charset="-122"/>
-              </a:defRPr>
-            </a:lvl3pPr>
-            <a:lvl4pPr marL="1600200" indent="-228600">
-              <a:defRPr sz="2400" b="1">
-                <a:solidFill>
-                  <a:srgbClr val="000000"/>
-                </a:solidFill>
-                <a:latin typeface="Times New Roman" pitchFamily="18" charset="0"/>
-                <a:ea typeface="宋体" pitchFamily="2" charset="-122"/>
-              </a:defRPr>
-            </a:lvl4pPr>
-            <a:lvl5pPr marL="2057400" indent="-228600">
-              <a:defRPr sz="2400" b="1">
-                <a:solidFill>
-                  <a:srgbClr val="000000"/>
-                </a:solidFill>
-                <a:latin typeface="Times New Roman" pitchFamily="18" charset="0"/>
-                <a:ea typeface="宋体" pitchFamily="2" charset="-122"/>
-              </a:defRPr>
-            </a:lvl5pPr>
-            <a:lvl6pPr marL="2514600" indent="-228600" eaLnBrk="0" fontAlgn="base" hangingPunct="0">
-              <a:spcBef>
-                <a:spcPct val="20000"/>
-              </a:spcBef>
-              <a:spcAft>
-                <a:spcPct val="0"/>
-              </a:spcAft>
-              <a:buClr>
-                <a:schemeClr val="tx1"/>
-              </a:buClr>
-              <a:buSzPct val="75000"/>
-              <a:buFont typeface="Wingdings" pitchFamily="2" charset="2"/>
-              <a:defRPr sz="2400" b="1">
-                <a:solidFill>
-                  <a:srgbClr val="000000"/>
-                </a:solidFill>
-                <a:latin typeface="Times New Roman" pitchFamily="18" charset="0"/>
-                <a:ea typeface="宋体" pitchFamily="2" charset="-122"/>
-              </a:defRPr>
-            </a:lvl6pPr>
-            <a:lvl7pPr marL="2971800" indent="-228600" eaLnBrk="0" fontAlgn="base" hangingPunct="0">
-              <a:spcBef>
-                <a:spcPct val="20000"/>
-              </a:spcBef>
-              <a:spcAft>
-                <a:spcPct val="0"/>
-              </a:spcAft>
-              <a:buClr>
-                <a:schemeClr val="tx1"/>
-              </a:buClr>
-              <a:buSzPct val="75000"/>
-              <a:buFont typeface="Wingdings" pitchFamily="2" charset="2"/>
-              <a:defRPr sz="2400" b="1">
-                <a:solidFill>
-                  <a:srgbClr val="000000"/>
-                </a:solidFill>
-                <a:latin typeface="Times New Roman" pitchFamily="18" charset="0"/>
-                <a:ea typeface="宋体" pitchFamily="2" charset="-122"/>
-              </a:defRPr>
-            </a:lvl7pPr>
-            <a:lvl8pPr marL="3429000" indent="-228600" eaLnBrk="0" fontAlgn="base" hangingPunct="0">
-              <a:spcBef>
-                <a:spcPct val="20000"/>
-              </a:spcBef>
-              <a:spcAft>
-                <a:spcPct val="0"/>
-              </a:spcAft>
-              <a:buClr>
-                <a:schemeClr val="tx1"/>
-              </a:buClr>
-              <a:buSzPct val="75000"/>
-              <a:buFont typeface="Wingdings" pitchFamily="2" charset="2"/>
-              <a:defRPr sz="2400" b="1">
-                <a:solidFill>
-                  <a:srgbClr val="000000"/>
-                </a:solidFill>
-                <a:latin typeface="Times New Roman" pitchFamily="18" charset="0"/>
-                <a:ea typeface="宋体" pitchFamily="2" charset="-122"/>
-              </a:defRPr>
-            </a:lvl8pPr>
-            <a:lvl9pPr marL="3886200" indent="-228600" eaLnBrk="0" fontAlgn="base" hangingPunct="0">
-              <a:spcBef>
-                <a:spcPct val="20000"/>
-              </a:spcBef>
-              <a:spcAft>
-                <a:spcPct val="0"/>
-              </a:spcAft>
-              <a:buClr>
-                <a:schemeClr val="tx1"/>
-              </a:buClr>
-              <a:buSzPct val="75000"/>
-              <a:buFont typeface="Wingdings" pitchFamily="2" charset="2"/>
-              <a:defRPr sz="2400" b="1">
-                <a:solidFill>
-                  <a:srgbClr val="000000"/>
-                </a:solidFill>
-                <a:latin typeface="Times New Roman" pitchFamily="18" charset="0"/>
-                <a:ea typeface="宋体" pitchFamily="2" charset="-122"/>
-              </a:defRPr>
-            </a:lvl9pPr>
-          </a:lstStyle>
-          <a:p>
-            <a:pPr>
-              <a:spcBef>
-                <a:spcPct val="0"/>
-              </a:spcBef>
-            </a:pPr>
-            <a:fld id="{F07E2F82-7B46-480A-8806-21BCA060AD1D}" type="slidenum">
-              <a:rPr lang="zh-CN" altLang="en-US" sz="2000">
-                <a:solidFill>
-                  <a:schemeClr val="tx2"/>
-                </a:solidFill>
-                <a:latin typeface="Arial" pitchFamily="34" charset="0"/>
-                <a:sym typeface="Arial" pitchFamily="34" charset="0"/>
-              </a:rPr>
-              <a:pPr>
-                <a:spcBef>
-                  <a:spcPct val="0"/>
-                </a:spcBef>
-              </a:pPr>
-              <a:t>27</a:t>
-            </a:fld>
-            <a:endParaRPr lang="en-US" sz="1800">
-              <a:ea typeface="楷体_GB2312" pitchFamily="1" charset="-122"/>
-              <a:sym typeface="Arial" pitchFamily="34" charset="0"/>
-            </a:endParaRPr>
-          </a:p>
-        </p:txBody>
-      </p:sp>
-      <p:pic>
-        <p:nvPicPr>
-          <p:cNvPr id="78852" name="Picture 2"/>
-          <p:cNvPicPr>
-            <a:picLocks noGrp="1" noChangeAspect="1" noChangeArrowheads="1"/>
-          </p:cNvPicPr>
-          <p:nvPr>
-            <p:ph idx="4294967295"/>
-          </p:nvPr>
-        </p:nvPicPr>
-        <p:blipFill>
-          <a:blip r:embed="rId2">
-            <a:extLst>
-              <a:ext uri="{28A0092B-C50C-407E-A947-70E740481C1C}">
-                <a14:useLocalDpi xmlns:a14="http://schemas.microsoft.com/office/drawing/2010/main" val="0"/>
-              </a:ext>
-            </a:extLst>
-          </a:blip>
-          <a:srcRect/>
-          <a:stretch>
-            <a:fillRect/>
-          </a:stretch>
-        </p:blipFill>
-        <p:spPr>
-          <a:xfrm>
-            <a:off x="1042988" y="981075"/>
-            <a:ext cx="5113337" cy="1819275"/>
-          </a:xfrm>
-          <a:prstGeom prst="rect">
-            <a:avLst/>
-          </a:prstGeom>
-          <a:noFill/>
-          <a:ln>
-            <a:noFill/>
-          </a:ln>
-          <a:effectLst/>
-          <a:extLst>
-            <a:ext uri="{909E8E84-426E-40DD-AFC4-6F175D3DCCD1}">
-              <a14:hiddenFill xmlns:a14="http://schemas.microsoft.com/office/drawing/2010/main">
-                <a:solidFill>
-                  <a:schemeClr val="accent1"/>
-                </a:solidFill>
-              </a14:hiddenFill>
-            </a:ext>
-            <a:ext uri="{AF507438-7753-43E0-B8FC-AC1667EBCBE1}">
-              <a14:hiddenEffects xmlns:a14="http://schemas.microsoft.com/office/drawing/2010/main">
-                <a:effectLst>
-                  <a:outerShdw dist="53882" dir="13500000" algn="ctr" rotWithShape="0">
-                    <a:srgbClr val="5C7A5C">
-                      <a:alpha val="50000"/>
-                    </a:srgbClr>
-                  </a:outerShdw>
-                </a:effectLst>
-              </a14:hiddenEffects>
-            </a:ext>
-          </a:extLst>
-        </p:spPr>
-      </p:pic>
-      <p:pic>
-        <p:nvPicPr>
-          <p:cNvPr id="78853" name="Picture 3"/>
-          <p:cNvPicPr>
-            <a:picLocks noChangeAspect="1" noChangeArrowheads="1"/>
-          </p:cNvPicPr>
-          <p:nvPr/>
-        </p:nvPicPr>
-        <p:blipFill>
-          <a:blip r:embed="rId3">
-            <a:extLst>
-              <a:ext uri="{28A0092B-C50C-407E-A947-70E740481C1C}">
-                <a14:useLocalDpi xmlns:a14="http://schemas.microsoft.com/office/drawing/2010/main" val="0"/>
-              </a:ext>
-            </a:extLst>
-          </a:blip>
-          <a:srcRect/>
-          <a:stretch>
-            <a:fillRect/>
-          </a:stretch>
-        </p:blipFill>
-        <p:spPr bwMode="auto">
-          <a:xfrm>
-            <a:off x="1041400" y="2997200"/>
-            <a:ext cx="5043488" cy="1739900"/>
-          </a:xfrm>
-          <a:prstGeom prst="rect">
-            <a:avLst/>
-          </a:prstGeom>
-          <a:noFill/>
-          <a:ln>
-            <a:noFill/>
-          </a:ln>
-          <a:effectLst/>
-          <a:extLst>
-            <a:ext uri="{909E8E84-426E-40DD-AFC4-6F175D3DCCD1}">
-              <a14:hiddenFill xmlns:a14="http://schemas.microsoft.com/office/drawing/2010/main">
-                <a:solidFill>
-                  <a:schemeClr val="accent1"/>
-                </a:solidFill>
-              </a14:hiddenFill>
-            </a:ext>
-            <a:ext uri="{91240B29-F687-4F45-9708-019B960494DF}">
-              <a14:hiddenLine xmlns:a14="http://schemas.microsoft.com/office/drawing/2010/main" w="9525">
-                <a:solidFill>
-                  <a:srgbClr val="000000"/>
-                </a:solidFill>
-                <a:miter lim="800000"/>
-                <a:headEnd/>
-                <a:tailEnd/>
-              </a14:hiddenLine>
-            </a:ext>
-            <a:ext uri="{AF507438-7753-43E0-B8FC-AC1667EBCBE1}">
-              <a14:hiddenEffects xmlns:a14="http://schemas.microsoft.com/office/drawing/2010/main">
-                <a:effectLst>
-                  <a:outerShdw dist="53882" dir="13500000" algn="ctr" rotWithShape="0">
-                    <a:srgbClr val="5C7A5C">
-                      <a:alpha val="50000"/>
-                    </a:srgbClr>
-                  </a:outerShdw>
-                </a:effectLst>
-              </a14:hiddenEffects>
-            </a:ext>
-          </a:extLst>
-        </p:spPr>
-      </p:pic>
-      <p:pic>
-        <p:nvPicPr>
-          <p:cNvPr id="78854" name="Picture 4"/>
-          <p:cNvPicPr>
-            <a:picLocks noChangeAspect="1" noChangeArrowheads="1"/>
-          </p:cNvPicPr>
-          <p:nvPr/>
-        </p:nvPicPr>
-        <p:blipFill>
-          <a:blip r:embed="rId4">
-            <a:extLst>
-              <a:ext uri="{28A0092B-C50C-407E-A947-70E740481C1C}">
-                <a14:useLocalDpi xmlns:a14="http://schemas.microsoft.com/office/drawing/2010/main" val="0"/>
-              </a:ext>
-            </a:extLst>
-          </a:blip>
-          <a:srcRect/>
-          <a:stretch>
-            <a:fillRect/>
-          </a:stretch>
-        </p:blipFill>
-        <p:spPr bwMode="auto">
-          <a:xfrm>
-            <a:off x="1041400" y="4929188"/>
-            <a:ext cx="5043488" cy="1739900"/>
-          </a:xfrm>
-          <a:prstGeom prst="rect">
-            <a:avLst/>
-          </a:prstGeom>
-          <a:noFill/>
-          <a:ln>
-            <a:noFill/>
-          </a:ln>
-          <a:effectLst/>
-          <a:extLst>
-            <a:ext uri="{909E8E84-426E-40DD-AFC4-6F175D3DCCD1}">
-              <a14:hiddenFill xmlns:a14="http://schemas.microsoft.com/office/drawing/2010/main">
-                <a:solidFill>
-                  <a:schemeClr val="accent1"/>
-                </a:solidFill>
-              </a14:hiddenFill>
-            </a:ext>
-            <a:ext uri="{91240B29-F687-4F45-9708-019B960494DF}">
-              <a14:hiddenLine xmlns:a14="http://schemas.microsoft.com/office/drawing/2010/main" w="9525">
-                <a:solidFill>
-                  <a:srgbClr val="000000"/>
-                </a:solidFill>
-                <a:miter lim="800000"/>
-                <a:headEnd/>
-                <a:tailEnd/>
-              </a14:hiddenLine>
-            </a:ext>
-            <a:ext uri="{AF507438-7753-43E0-B8FC-AC1667EBCBE1}">
-              <a14:hiddenEffects xmlns:a14="http://schemas.microsoft.com/office/drawing/2010/main">
-                <a:effectLst>
-                  <a:outerShdw dist="53882" dir="13500000" algn="ctr" rotWithShape="0">
-                    <a:srgbClr val="5C7A5C">
-                      <a:alpha val="50000"/>
-                    </a:srgbClr>
-                  </a:outerShdw>
-                </a:effectLst>
-              </a14:hiddenEffects>
-            </a:ext>
-          </a:extLst>
-        </p:spPr>
-      </p:pic>
-    </p:spTree>
-  </p:cSld>
-  <p:clrMapOvr>
-    <a:masterClrMapping/>
-  </p:clrMapOvr>
-  <p:timing>
-    <p:tnLst>
-      <p:par>
-        <p:cTn id="1" dur="indefinite" restart="never" nodeType="tmRoot"/>
-      </p:par>
-    </p:tnLst>
-  </p:timing>
-</p:sld>
-</file>
-
-<file path=ppt/slides/slide28.xml><?xml version="1.0" encoding="utf-8"?>
-<p:sld xmlns:a="http://schemas.openxmlformats.org/drawingml/2006/main" xmlns:r="http://schemas.openxmlformats.org/officeDocument/2006/relationships" xmlns:p="http://schemas.openxmlformats.org/presentationml/2006/main">
-  <p:cSld>
-    <p:spTree>
-      <p:nvGrpSpPr>
-        <p:cNvPr id="1" name=""/>
-        <p:cNvGrpSpPr/>
-        <p:nvPr/>
-      </p:nvGrpSpPr>
-      <p:grpSpPr>
-        <a:xfrm>
-          <a:off x="0" y="0"/>
-          <a:ext cx="0" cy="0"/>
-          <a:chOff x="0" y="0"/>
-          <a:chExt cx="0" cy="0"/>
-        </a:xfrm>
-      </p:grpSpPr>
-      <p:sp>
-        <p:nvSpPr>
-          <p:cNvPr id="79874" name="标题 1"/>
-          <p:cNvSpPr>
-            <a:spLocks noGrp="1"/>
-          </p:cNvSpPr>
-          <p:nvPr>
-            <p:ph type="title" idx="4294967295"/>
-          </p:nvPr>
-        </p:nvSpPr>
-        <p:spPr/>
-        <p:txBody>
-          <a:bodyPr/>
-          <a:lstStyle/>
-          <a:p>
-            <a:r>
-              <a:rPr lang="zh-CN" altLang="en-US"/>
-              <a:t>结构体数组</a:t>
-            </a:r>
-          </a:p>
-        </p:txBody>
-      </p:sp>
-      <p:sp>
-        <p:nvSpPr>
-          <p:cNvPr id="79875" name="灯片编号占位符 3"/>
-          <p:cNvSpPr txBox="1">
-            <a:spLocks noGrp="1" noChangeArrowheads="1"/>
-          </p:cNvSpPr>
-          <p:nvPr/>
-        </p:nvSpPr>
-        <p:spPr bwMode="auto">
-          <a:xfrm>
-            <a:off x="8556625" y="0"/>
-            <a:ext cx="587375" cy="396875"/>
-          </a:xfrm>
-          <a:prstGeom prst="rect">
-            <a:avLst/>
-          </a:prstGeom>
-          <a:noFill/>
-          <a:ln>
-            <a:noFill/>
-          </a:ln>
-          <a:extLst>
-            <a:ext uri="{909E8E84-426E-40DD-AFC4-6F175D3DCCD1}">
-              <a14:hiddenFill xmlns:a14="http://schemas.microsoft.com/office/drawing/2010/main">
-                <a:solidFill>
-                  <a:srgbClr val="FFFFFF"/>
-                </a:solidFill>
-              </a14:hiddenFill>
-            </a:ext>
-            <a:ext uri="{91240B29-F687-4F45-9708-019B960494DF}">
-              <a14:hiddenLine xmlns:a14="http://schemas.microsoft.com/office/drawing/2010/main" w="9525">
-                <a:solidFill>
-                  <a:srgbClr val="000000"/>
-                </a:solidFill>
-                <a:miter lim="800000"/>
-                <a:headEnd/>
-                <a:tailEnd/>
-              </a14:hiddenLine>
-            </a:ext>
-          </a:extLst>
-        </p:spPr>
-        <p:txBody>
-          <a:bodyPr anchor="b" anchorCtr="1">
-            <a:spAutoFit/>
-          </a:bodyPr>
-          <a:lstStyle>
-            <a:lvl1pPr>
-              <a:defRPr sz="2400" b="1">
-                <a:solidFill>
-                  <a:srgbClr val="000000"/>
-                </a:solidFill>
-                <a:latin typeface="Times New Roman" pitchFamily="18" charset="0"/>
-                <a:ea typeface="宋体" pitchFamily="2" charset="-122"/>
-              </a:defRPr>
-            </a:lvl1pPr>
-            <a:lvl2pPr marL="742950" indent="-285750">
-              <a:defRPr sz="2400" b="1">
-                <a:solidFill>
-                  <a:srgbClr val="000000"/>
-                </a:solidFill>
-                <a:latin typeface="Times New Roman" pitchFamily="18" charset="0"/>
-                <a:ea typeface="宋体" pitchFamily="2" charset="-122"/>
-              </a:defRPr>
-            </a:lvl2pPr>
-            <a:lvl3pPr marL="1143000" indent="-228600">
-              <a:defRPr sz="2400" b="1">
-                <a:solidFill>
-                  <a:srgbClr val="000000"/>
-                </a:solidFill>
-                <a:latin typeface="Times New Roman" pitchFamily="18" charset="0"/>
-                <a:ea typeface="宋体" pitchFamily="2" charset="-122"/>
-              </a:defRPr>
-            </a:lvl3pPr>
-            <a:lvl4pPr marL="1600200" indent="-228600">
-              <a:defRPr sz="2400" b="1">
-                <a:solidFill>
-                  <a:srgbClr val="000000"/>
-                </a:solidFill>
-                <a:latin typeface="Times New Roman" pitchFamily="18" charset="0"/>
-                <a:ea typeface="宋体" pitchFamily="2" charset="-122"/>
-              </a:defRPr>
-            </a:lvl4pPr>
-            <a:lvl5pPr marL="2057400" indent="-228600">
-              <a:defRPr sz="2400" b="1">
-                <a:solidFill>
-                  <a:srgbClr val="000000"/>
-                </a:solidFill>
-                <a:latin typeface="Times New Roman" pitchFamily="18" charset="0"/>
-                <a:ea typeface="宋体" pitchFamily="2" charset="-122"/>
-              </a:defRPr>
-            </a:lvl5pPr>
-            <a:lvl6pPr marL="2514600" indent="-228600" eaLnBrk="0" fontAlgn="base" hangingPunct="0">
-              <a:spcBef>
-                <a:spcPct val="20000"/>
-              </a:spcBef>
-              <a:spcAft>
-                <a:spcPct val="0"/>
-              </a:spcAft>
-              <a:buClr>
-                <a:schemeClr val="tx1"/>
-              </a:buClr>
-              <a:buSzPct val="75000"/>
-              <a:buFont typeface="Wingdings" pitchFamily="2" charset="2"/>
-              <a:defRPr sz="2400" b="1">
-                <a:solidFill>
-                  <a:srgbClr val="000000"/>
-                </a:solidFill>
-                <a:latin typeface="Times New Roman" pitchFamily="18" charset="0"/>
-                <a:ea typeface="宋体" pitchFamily="2" charset="-122"/>
-              </a:defRPr>
-            </a:lvl6pPr>
-            <a:lvl7pPr marL="2971800" indent="-228600" eaLnBrk="0" fontAlgn="base" hangingPunct="0">
-              <a:spcBef>
-                <a:spcPct val="20000"/>
-              </a:spcBef>
-              <a:spcAft>
-                <a:spcPct val="0"/>
-              </a:spcAft>
-              <a:buClr>
-                <a:schemeClr val="tx1"/>
-              </a:buClr>
-              <a:buSzPct val="75000"/>
-              <a:buFont typeface="Wingdings" pitchFamily="2" charset="2"/>
-              <a:defRPr sz="2400" b="1">
-                <a:solidFill>
-                  <a:srgbClr val="000000"/>
-                </a:solidFill>
-                <a:latin typeface="Times New Roman" pitchFamily="18" charset="0"/>
-                <a:ea typeface="宋体" pitchFamily="2" charset="-122"/>
-              </a:defRPr>
-            </a:lvl7pPr>
-            <a:lvl8pPr marL="3429000" indent="-228600" eaLnBrk="0" fontAlgn="base" hangingPunct="0">
-              <a:spcBef>
-                <a:spcPct val="20000"/>
-              </a:spcBef>
-              <a:spcAft>
-                <a:spcPct val="0"/>
-              </a:spcAft>
-              <a:buClr>
-                <a:schemeClr val="tx1"/>
-              </a:buClr>
-              <a:buSzPct val="75000"/>
-              <a:buFont typeface="Wingdings" pitchFamily="2" charset="2"/>
-              <a:defRPr sz="2400" b="1">
-                <a:solidFill>
-                  <a:srgbClr val="000000"/>
-                </a:solidFill>
-                <a:latin typeface="Times New Roman" pitchFamily="18" charset="0"/>
-                <a:ea typeface="宋体" pitchFamily="2" charset="-122"/>
-              </a:defRPr>
-            </a:lvl8pPr>
-            <a:lvl9pPr marL="3886200" indent="-228600" eaLnBrk="0" fontAlgn="base" hangingPunct="0">
-              <a:spcBef>
-                <a:spcPct val="20000"/>
-              </a:spcBef>
-              <a:spcAft>
-                <a:spcPct val="0"/>
-              </a:spcAft>
-              <a:buClr>
-                <a:schemeClr val="tx1"/>
-              </a:buClr>
-              <a:buSzPct val="75000"/>
-              <a:buFont typeface="Wingdings" pitchFamily="2" charset="2"/>
-              <a:defRPr sz="2400" b="1">
-                <a:solidFill>
-                  <a:srgbClr val="000000"/>
-                </a:solidFill>
-                <a:latin typeface="Times New Roman" pitchFamily="18" charset="0"/>
-                <a:ea typeface="宋体" pitchFamily="2" charset="-122"/>
-              </a:defRPr>
-            </a:lvl9pPr>
-          </a:lstStyle>
-          <a:p>
-            <a:pPr>
-              <a:spcBef>
-                <a:spcPct val="0"/>
-              </a:spcBef>
-            </a:pPr>
-            <a:fld id="{840E6E6A-1061-44EA-B5BA-4BDF4457ECE7}" type="slidenum">
-              <a:rPr lang="zh-CN" altLang="en-US" sz="2000">
-                <a:solidFill>
-                  <a:schemeClr val="tx2"/>
-                </a:solidFill>
-                <a:latin typeface="Arial" pitchFamily="34" charset="0"/>
-                <a:sym typeface="Arial" pitchFamily="34" charset="0"/>
-              </a:rPr>
-              <a:pPr>
-                <a:spcBef>
-                  <a:spcPct val="0"/>
-                </a:spcBef>
-              </a:pPr>
-              <a:t>28</a:t>
-            </a:fld>
-            <a:endParaRPr lang="en-US" sz="1800">
-              <a:ea typeface="楷体_GB2312" pitchFamily="1" charset="-122"/>
-              <a:sym typeface="Arial" pitchFamily="34" charset="0"/>
-            </a:endParaRPr>
-          </a:p>
-        </p:txBody>
-      </p:sp>
-      <p:pic>
-        <p:nvPicPr>
-          <p:cNvPr id="79876" name="Picture 2"/>
-          <p:cNvPicPr>
-            <a:picLocks noGrp="1" noChangeAspect="1" noChangeArrowheads="1"/>
-          </p:cNvPicPr>
-          <p:nvPr>
-            <p:ph idx="4294967295"/>
-          </p:nvPr>
-        </p:nvPicPr>
-        <p:blipFill>
-          <a:blip r:embed="rId2">
-            <a:extLst>
-              <a:ext uri="{28A0092B-C50C-407E-A947-70E740481C1C}">
-                <a14:useLocalDpi xmlns:a14="http://schemas.microsoft.com/office/drawing/2010/main" val="0"/>
-              </a:ext>
-            </a:extLst>
-          </a:blip>
-          <a:srcRect/>
-          <a:stretch>
-            <a:fillRect/>
-          </a:stretch>
-        </p:blipFill>
-        <p:spPr>
-          <a:xfrm>
-            <a:off x="395288" y="908050"/>
-            <a:ext cx="2816225" cy="2808288"/>
-          </a:xfrm>
-          <a:noFill/>
-          <a:ln/>
-          <a:extLst>
-            <a:ext uri="{909E8E84-426E-40DD-AFC4-6F175D3DCCD1}">
-              <a14:hiddenFill xmlns:a14="http://schemas.microsoft.com/office/drawing/2010/main">
-                <a:solidFill>
-                  <a:schemeClr val="accent1"/>
-                </a:solidFill>
-              </a14:hiddenFill>
-            </a:ext>
-            <a:ext uri="{AF507438-7753-43E0-B8FC-AC1667EBCBE1}">
-              <a14:hiddenEffects xmlns:a14="http://schemas.microsoft.com/office/drawing/2010/main">
-                <a:effectLst>
-                  <a:outerShdw dist="53882" dir="13500000" algn="ctr" rotWithShape="0">
-                    <a:srgbClr val="5C7A5C">
-                      <a:alpha val="50000"/>
-                    </a:srgbClr>
-                  </a:outerShdw>
-                </a:effectLst>
-              </a14:hiddenEffects>
-            </a:ext>
-          </a:extLst>
-        </p:spPr>
-      </p:pic>
-      <p:pic>
-        <p:nvPicPr>
-          <p:cNvPr id="79877" name="Picture 3"/>
-          <p:cNvPicPr>
-            <a:picLocks noChangeAspect="1" noChangeArrowheads="1"/>
-          </p:cNvPicPr>
-          <p:nvPr/>
-        </p:nvPicPr>
-        <p:blipFill>
-          <a:blip r:embed="rId3">
-            <a:extLst>
-              <a:ext uri="{28A0092B-C50C-407E-A947-70E740481C1C}">
-                <a14:useLocalDpi xmlns:a14="http://schemas.microsoft.com/office/drawing/2010/main" val="0"/>
-              </a:ext>
-            </a:extLst>
-          </a:blip>
-          <a:srcRect/>
-          <a:stretch>
-            <a:fillRect/>
-          </a:stretch>
-        </p:blipFill>
-        <p:spPr bwMode="auto">
-          <a:xfrm>
-            <a:off x="3276600" y="908050"/>
-            <a:ext cx="2867025" cy="2524125"/>
-          </a:xfrm>
-          <a:prstGeom prst="rect">
-            <a:avLst/>
-          </a:prstGeom>
-          <a:noFill/>
-          <a:ln>
-            <a:noFill/>
-          </a:ln>
-          <a:effectLst/>
-          <a:extLst>
-            <a:ext uri="{909E8E84-426E-40DD-AFC4-6F175D3DCCD1}">
-              <a14:hiddenFill xmlns:a14="http://schemas.microsoft.com/office/drawing/2010/main">
-                <a:solidFill>
-                  <a:schemeClr val="accent1"/>
-                </a:solidFill>
-              </a14:hiddenFill>
-            </a:ext>
-            <a:ext uri="{91240B29-F687-4F45-9708-019B960494DF}">
-              <a14:hiddenLine xmlns:a14="http://schemas.microsoft.com/office/drawing/2010/main" w="9525">
-                <a:solidFill>
-                  <a:srgbClr val="000000"/>
-                </a:solidFill>
-                <a:miter lim="800000"/>
-                <a:headEnd/>
-                <a:tailEnd/>
-              </a14:hiddenLine>
-            </a:ext>
-            <a:ext uri="{AF507438-7753-43E0-B8FC-AC1667EBCBE1}">
-              <a14:hiddenEffects xmlns:a14="http://schemas.microsoft.com/office/drawing/2010/main">
-                <a:effectLst>
-                  <a:outerShdw dist="53882" dir="13500000" algn="ctr" rotWithShape="0">
-                    <a:srgbClr val="5C7A5C">
-                      <a:alpha val="50000"/>
-                    </a:srgbClr>
-                  </a:outerShdw>
-                </a:effectLst>
-              </a14:hiddenEffects>
-            </a:ext>
-          </a:extLst>
-        </p:spPr>
-      </p:pic>
-      <p:pic>
-        <p:nvPicPr>
-          <p:cNvPr id="79878" name="Picture 4"/>
-          <p:cNvPicPr>
-            <a:picLocks noChangeAspect="1" noChangeArrowheads="1"/>
-          </p:cNvPicPr>
-          <p:nvPr/>
-        </p:nvPicPr>
-        <p:blipFill>
-          <a:blip r:embed="rId4">
-            <a:extLst>
-              <a:ext uri="{28A0092B-C50C-407E-A947-70E740481C1C}">
-                <a14:useLocalDpi xmlns:a14="http://schemas.microsoft.com/office/drawing/2010/main" val="0"/>
-              </a:ext>
-            </a:extLst>
-          </a:blip>
-          <a:srcRect/>
-          <a:stretch>
-            <a:fillRect/>
-          </a:stretch>
-        </p:blipFill>
-        <p:spPr bwMode="auto">
-          <a:xfrm>
-            <a:off x="3276600" y="3573463"/>
-            <a:ext cx="2663825" cy="2343150"/>
-          </a:xfrm>
-          <a:prstGeom prst="rect">
-            <a:avLst/>
-          </a:prstGeom>
-          <a:noFill/>
-          <a:ln>
-            <a:noFill/>
-          </a:ln>
-          <a:effectLst/>
-          <a:extLst>
-            <a:ext uri="{909E8E84-426E-40DD-AFC4-6F175D3DCCD1}">
-              <a14:hiddenFill xmlns:a14="http://schemas.microsoft.com/office/drawing/2010/main">
-                <a:solidFill>
-                  <a:schemeClr val="accent1"/>
-                </a:solidFill>
-              </a14:hiddenFill>
-            </a:ext>
-            <a:ext uri="{91240B29-F687-4F45-9708-019B960494DF}">
-              <a14:hiddenLine xmlns:a14="http://schemas.microsoft.com/office/drawing/2010/main" w="9525">
-                <a:solidFill>
-                  <a:srgbClr val="000000"/>
-                </a:solidFill>
-                <a:miter lim="800000"/>
-                <a:headEnd/>
-                <a:tailEnd/>
-              </a14:hiddenLine>
-            </a:ext>
-            <a:ext uri="{AF507438-7753-43E0-B8FC-AC1667EBCBE1}">
-              <a14:hiddenEffects xmlns:a14="http://schemas.microsoft.com/office/drawing/2010/main">
-                <a:effectLst>
-                  <a:outerShdw dist="53882" dir="13500000" algn="ctr" rotWithShape="0">
-                    <a:srgbClr val="5C7A5C">
-                      <a:alpha val="50000"/>
-                    </a:srgbClr>
-                  </a:outerShdw>
-                </a:effectLst>
-              </a14:hiddenEffects>
-            </a:ext>
-          </a:extLst>
-        </p:spPr>
-      </p:pic>
-      <p:pic>
-        <p:nvPicPr>
-          <p:cNvPr id="79879" name="Picture 5"/>
-          <p:cNvPicPr>
-            <a:picLocks noChangeAspect="1" noChangeArrowheads="1"/>
-          </p:cNvPicPr>
-          <p:nvPr/>
-        </p:nvPicPr>
-        <p:blipFill>
-          <a:blip r:embed="rId5">
-            <a:extLst>
-              <a:ext uri="{28A0092B-C50C-407E-A947-70E740481C1C}">
-                <a14:useLocalDpi xmlns:a14="http://schemas.microsoft.com/office/drawing/2010/main" val="0"/>
-              </a:ext>
-            </a:extLst>
-          </a:blip>
-          <a:srcRect/>
-          <a:stretch>
-            <a:fillRect/>
-          </a:stretch>
-        </p:blipFill>
-        <p:spPr bwMode="auto">
-          <a:xfrm>
-            <a:off x="6205538" y="1046163"/>
-            <a:ext cx="2614612" cy="4770437"/>
-          </a:xfrm>
-          <a:prstGeom prst="rect">
-            <a:avLst/>
-          </a:prstGeom>
-          <a:noFill/>
-          <a:ln>
-            <a:noFill/>
-          </a:ln>
-          <a:effectLst/>
-          <a:extLst>
-            <a:ext uri="{909E8E84-426E-40DD-AFC4-6F175D3DCCD1}">
-              <a14:hiddenFill xmlns:a14="http://schemas.microsoft.com/office/drawing/2010/main">
-                <a:solidFill>
-                  <a:schemeClr val="accent1"/>
-                </a:solidFill>
-              </a14:hiddenFill>
-            </a:ext>
-            <a:ext uri="{91240B29-F687-4F45-9708-019B960494DF}">
-              <a14:hiddenLine xmlns:a14="http://schemas.microsoft.com/office/drawing/2010/main" w="9525">
-                <a:solidFill>
-                  <a:srgbClr val="000000"/>
-                </a:solidFill>
-                <a:miter lim="800000"/>
-                <a:headEnd/>
-                <a:tailEnd/>
-              </a14:hiddenLine>
-            </a:ext>
-            <a:ext uri="{AF507438-7753-43E0-B8FC-AC1667EBCBE1}">
-              <a14:hiddenEffects xmlns:a14="http://schemas.microsoft.com/office/drawing/2010/main">
-                <a:effectLst>
-                  <a:outerShdw dist="53882" dir="13500000" algn="ctr" rotWithShape="0">
-                    <a:srgbClr val="5C7A5C">
-                      <a:alpha val="50000"/>
-                    </a:srgbClr>
-                  </a:outerShdw>
-                </a:effectLst>
-              </a14:hiddenEffects>
-            </a:ext>
-          </a:extLst>
-        </p:spPr>
-      </p:pic>
-    </p:spTree>
-  </p:cSld>
-  <p:clrMapOvr>
-    <a:masterClrMapping/>
-  </p:clrMapOvr>
-  <p:timing>
-    <p:tnLst>
-      <p:par>
-        <p:cTn id="1" dur="indefinite" restart="never" nodeType="tmRoot"/>
-      </p:par>
-    </p:tnLst>
-  </p:timing>
-</p:sld>
-</file>
-
-<file path=ppt/slides/slide29.xml><?xml version="1.0" encoding="utf-8"?>
+<file path=ppt/slides/slide22.xml><?xml version="1.0" encoding="utf-8"?>
 <p:sld xmlns:a="http://schemas.openxmlformats.org/drawingml/2006/main" xmlns:r="http://schemas.openxmlformats.org/officeDocument/2006/relationships" xmlns:p="http://schemas.openxmlformats.org/presentationml/2006/main">
   <p:cSld>
     <p:spTree>
@@ -19696,69 +15559,21 @@
           <a:lstStyle/>
           <a:p>
             <a:r>
-              <a:rPr lang="zh-CN" altLang="en-US"/>
-              <a:t>结构体和指针</a:t>
-            </a:r>
-          </a:p>
-        </p:txBody>
-      </p:sp>
-      <p:sp>
-        <p:nvSpPr>
-          <p:cNvPr id="81923" name="内容占位符 2"/>
-          <p:cNvSpPr>
-            <a:spLocks noGrp="1"/>
-          </p:cNvSpPr>
-          <p:nvPr>
-            <p:ph idx="4294967295"/>
-          </p:nvPr>
-        </p:nvSpPr>
-        <p:spPr>
-          <a:xfrm>
-            <a:off x="762000" y="838200"/>
-            <a:ext cx="7986713" cy="1295400"/>
-          </a:xfrm>
-        </p:spPr>
-        <p:txBody>
-          <a:bodyPr/>
-          <a:lstStyle/>
-          <a:p>
-            <a:pPr>
-              <a:buFont typeface="Wingdings" pitchFamily="2" charset="2"/>
-              <a:buChar char="Ø"/>
-            </a:pPr>
-            <a:r>
-              <a:rPr lang="zh-CN" altLang="en-US" sz="2400"/>
-              <a:t>指向结构体变量的指针：存放结构体变量在内存的起始地址。</a:t>
-            </a:r>
-          </a:p>
-          <a:p>
-            <a:pPr>
-              <a:buFont typeface="Wingdings" pitchFamily="2" charset="2"/>
-              <a:buChar char="Ø"/>
-            </a:pPr>
-            <a:r>
-              <a:rPr lang="zh-CN" altLang="en-US" sz="2400"/>
-              <a:t>定义形式：</a:t>
-            </a:r>
-            <a:r>
-              <a:rPr lang="en-US" sz="2400"/>
-              <a:t>struct  </a:t>
-            </a:r>
-            <a:r>
-              <a:rPr lang="zh-CN" altLang="en-US" sz="2400"/>
-              <a:t>结构体名   *结构体指针名</a:t>
-            </a:r>
-            <a:r>
-              <a:rPr lang="en-US" sz="2400"/>
-              <a:t>;</a:t>
-            </a:r>
-          </a:p>
-          <a:p>
-            <a:pPr>
-              <a:buFont typeface="Wingdings" pitchFamily="2" charset="2"/>
-              <a:buChar char="Ø"/>
-            </a:pPr>
-            <a:endParaRPr lang="zh-CN" altLang="en-US" sz="2400"/>
+              <a:rPr lang="zh-CN" altLang="en-US" dirty="0" smtClean="0"/>
+              <a:t>结构体、</a:t>
+            </a:r>
+            <a:r>
+              <a:rPr lang="zh-CN" altLang="en-US" dirty="0" smtClean="0"/>
+              <a:t>结构体数组</a:t>
+            </a:r>
+            <a:r>
+              <a:rPr lang="zh-CN" altLang="en-US" dirty="0" smtClean="0"/>
+              <a:t>和</a:t>
+            </a:r>
+            <a:r>
+              <a:rPr lang="zh-CN" altLang="en-US" dirty="0"/>
+              <a:t>指针</a:t>
+            </a:r>
           </a:p>
         </p:txBody>
       </p:sp>
@@ -19952,7 +15767,7 @@
                   <a:spcPct val="0"/>
                 </a:spcBef>
               </a:pPr>
-              <a:t>29</a:t>
+              <a:t>22</a:t>
             </a:fld>
             <a:endParaRPr lang="en-US" sz="1800">
               <a:ea typeface="楷体_GB2312" pitchFamily="1" charset="-122"/>
@@ -19971,8 +15786,8 @@
         </p:nvSpPr>
         <p:spPr bwMode="auto">
           <a:xfrm>
-            <a:off x="827088" y="2565400"/>
-            <a:ext cx="4572000" cy="3724275"/>
+            <a:off x="755735" y="1268850"/>
+            <a:ext cx="4572000" cy="4093428"/>
           </a:xfrm>
           <a:prstGeom prst="rect">
             <a:avLst/>
@@ -20003,72 +15818,152 @@
           <a:lstStyle/>
           <a:p>
             <a:r>
-              <a:rPr lang="en-US" sz="2000"/>
-              <a:t>struct  student</a:t>
-            </a:r>
-          </a:p>
-          <a:p>
-            <a:r>
-              <a:rPr lang="en-US" sz="2000"/>
-              <a:t>      {     int  num;</a:t>
-            </a:r>
-          </a:p>
-          <a:p>
-            <a:r>
-              <a:rPr lang="en-US" sz="2000"/>
+              <a:rPr lang="en-US" sz="2000" dirty="0" err="1"/>
+              <a:t>struct</a:t>
+            </a:r>
+            <a:r>
+              <a:rPr lang="en-US" sz="2000" dirty="0"/>
+              <a:t>  student</a:t>
+            </a:r>
+          </a:p>
+          <a:p>
+            <a:r>
+              <a:rPr lang="en-US" sz="2000" dirty="0"/>
+              <a:t>      {     </a:t>
+            </a:r>
+            <a:r>
+              <a:rPr lang="en-US" sz="2000" dirty="0" err="1"/>
+              <a:t>int</a:t>
+            </a:r>
+            <a:r>
+              <a:rPr lang="en-US" sz="2000" dirty="0"/>
+              <a:t>  </a:t>
+            </a:r>
+            <a:r>
+              <a:rPr lang="en-US" sz="2000" dirty="0" err="1"/>
+              <a:t>num</a:t>
+            </a:r>
+            <a:r>
+              <a:rPr lang="en-US" sz="2000" dirty="0"/>
+              <a:t>;</a:t>
+            </a:r>
+          </a:p>
+          <a:p>
+            <a:r>
+              <a:rPr lang="en-US" sz="2000" dirty="0"/>
               <a:t>             char name[20];</a:t>
             </a:r>
           </a:p>
           <a:p>
             <a:r>
-              <a:rPr lang="en-US" sz="2000"/>
+              <a:rPr lang="en-US" sz="2000" dirty="0"/>
               <a:t>             char sex;</a:t>
             </a:r>
           </a:p>
           <a:p>
             <a:r>
-              <a:rPr lang="en-US" sz="2000"/>
-              <a:t>             int age;</a:t>
-            </a:r>
-          </a:p>
-          <a:p>
-            <a:r>
-              <a:rPr lang="en-US" sz="2000"/>
-              <a:t>      }stu;</a:t>
-            </a:r>
-          </a:p>
-          <a:p>
-            <a:r>
-              <a:rPr lang="en-US" sz="2000"/>
-              <a:t>struct  student   *p=&amp;stu;</a:t>
-            </a:r>
-          </a:p>
-          <a:p>
-            <a:r>
-              <a:rPr lang="pt-BR" altLang="en-US" sz="2000"/>
+              <a:rPr lang="en-US" sz="2000" dirty="0"/>
+              <a:t>             </a:t>
+            </a:r>
+            <a:r>
+              <a:rPr lang="en-US" sz="2000" dirty="0" err="1"/>
+              <a:t>int</a:t>
+            </a:r>
+            <a:r>
+              <a:rPr lang="en-US" sz="2000" dirty="0"/>
+              <a:t> age;</a:t>
+            </a:r>
+          </a:p>
+          <a:p>
+            <a:r>
+              <a:rPr lang="en-US" sz="2000" dirty="0"/>
+              <a:t>      </a:t>
+            </a:r>
+            <a:r>
+              <a:rPr lang="en-US" sz="2000" dirty="0" smtClean="0"/>
+              <a:t>};</a:t>
+            </a:r>
+            <a:endParaRPr lang="en-US" sz="2000" dirty="0"/>
+          </a:p>
+          <a:p>
+            <a:r>
+              <a:rPr lang="en-US" sz="2000" dirty="0" err="1"/>
+              <a:t>struct</a:t>
+            </a:r>
+            <a:r>
+              <a:rPr lang="en-US" sz="2000" dirty="0"/>
+              <a:t>  student   </a:t>
+            </a:r>
+            <a:r>
+              <a:rPr lang="en-US" altLang="zh-CN" sz="2000" dirty="0" err="1" smtClean="0"/>
+              <a:t>stu</a:t>
+            </a:r>
+            <a:r>
+              <a:rPr lang="en-US" altLang="zh-CN" sz="2000" dirty="0" smtClean="0"/>
+              <a:t>, </a:t>
+            </a:r>
+            <a:r>
+              <a:rPr lang="en-US" sz="2000" dirty="0" smtClean="0"/>
+              <a:t>*p</a:t>
+            </a:r>
+            <a:r>
+              <a:rPr lang="en-US" sz="2000" dirty="0"/>
+              <a:t>=&amp;</a:t>
+            </a:r>
+            <a:r>
+              <a:rPr lang="en-US" sz="2000" dirty="0" err="1" smtClean="0"/>
+              <a:t>stu,s</a:t>
+            </a:r>
+            <a:r>
+              <a:rPr lang="en-US" sz="2000" dirty="0" smtClean="0"/>
+              <a:t>[30];</a:t>
+            </a:r>
+            <a:endParaRPr lang="en-US" sz="2000" dirty="0"/>
+          </a:p>
+          <a:p>
+            <a:r>
+              <a:rPr lang="pt-BR" altLang="en-US" sz="2000" dirty="0"/>
               <a:t>stu1.num=101;  </a:t>
             </a:r>
           </a:p>
           <a:p>
             <a:r>
-              <a:rPr lang="pt-BR" altLang="en-US" sz="2000"/>
+              <a:rPr lang="pt-BR" altLang="en-US" sz="2000" dirty="0"/>
               <a:t>(*p).num=101;</a:t>
             </a:r>
           </a:p>
           <a:p>
             <a:r>
-              <a:rPr lang="pt-BR" altLang="en-US" sz="2000"/>
+              <a:rPr lang="pt-BR" altLang="en-US" sz="2000" dirty="0"/>
               <a:t>p</a:t>
             </a:r>
             <a:r>
-              <a:rPr lang="en-US" sz="2000"/>
+              <a:rPr lang="en-US" sz="2000" dirty="0"/>
               <a:t>-&gt;</a:t>
             </a:r>
             <a:r>
-              <a:rPr lang="pt-BR" altLang="en-US" sz="2000"/>
-              <a:t>num=101;</a:t>
-            </a:r>
-            <a:endParaRPr lang="zh-CN" altLang="en-US" sz="2000"/>
+              <a:rPr lang="pt-BR" altLang="en-US" sz="2000" dirty="0"/>
+              <a:t>num=101</a:t>
+            </a:r>
+            <a:r>
+              <a:rPr lang="pt-BR" altLang="en-US" sz="2000" dirty="0" smtClean="0"/>
+              <a:t>;</a:t>
+            </a:r>
+          </a:p>
+          <a:p>
+            <a:r>
+              <a:rPr lang="en-US" altLang="zh-CN" sz="2000" dirty="0" smtClean="0"/>
+              <a:t>s[0].</a:t>
+            </a:r>
+            <a:r>
+              <a:rPr lang="en-US" altLang="zh-CN" sz="2000" dirty="0" err="1" smtClean="0"/>
+              <a:t>num</a:t>
+            </a:r>
+            <a:r>
+              <a:rPr lang="en-US" altLang="zh-CN" sz="2000" dirty="0" smtClean="0"/>
+              <a:t> =101;</a:t>
+            </a:r>
+            <a:endParaRPr lang="zh-CN" altLang="en-US" sz="2000" dirty="0"/>
           </a:p>
         </p:txBody>
       </p:sp>
@@ -20095,7 +15990,7 @@
         </p:blipFill>
         <p:spPr bwMode="auto">
           <a:xfrm>
-            <a:off x="5724525" y="2293938"/>
+            <a:off x="5868090" y="1484865"/>
             <a:ext cx="3154363" cy="3871912"/>
           </a:xfrm>
           <a:prstGeom prst="rect">
@@ -20402,8 +16297,8 @@
         </p:nvSpPr>
         <p:spPr bwMode="auto">
           <a:xfrm>
-            <a:off x="900113" y="1125538"/>
-            <a:ext cx="7920037" cy="4770537"/>
+            <a:off x="611725" y="1125538"/>
+            <a:ext cx="8208425" cy="4770537"/>
           </a:xfrm>
           <a:prstGeom prst="rect">
             <a:avLst/>
@@ -20433,7 +16328,7 @@
           </a:extLst>
         </p:spPr>
         <p:txBody>
-          <a:bodyPr>
+          <a:bodyPr wrap="square">
             <a:spAutoFit/>
           </a:bodyPr>
           <a:lstStyle>
@@ -20803,7 +16698,34 @@
                 </a:solidFill>
                 <a:sym typeface="Wingdings" pitchFamily="2" charset="2"/>
               </a:rPr>
-              <a:t> s = s*(n/(2n-1);   </a:t>
+              <a:t> s = s*(n/(2n-1</a:t>
+            </a:r>
+            <a:r>
+              <a:rPr lang="en-US" altLang="zh-CN" sz="2000" dirty="0" smtClean="0">
+                <a:solidFill>
+                  <a:srgbClr val="C00000"/>
+                </a:solidFill>
+                <a:sym typeface="Wingdings" pitchFamily="2" charset="2"/>
+              </a:rPr>
+              <a:t>)</a:t>
+            </a:r>
+            <a:r>
+              <a:rPr lang="en-US" altLang="zh-CN" sz="2000" dirty="0">
+                <a:solidFill>
+                  <a:srgbClr val="C00000"/>
+                </a:solidFill>
+                <a:sym typeface="Wingdings" pitchFamily="2" charset="2"/>
+              </a:rPr>
+              <a:t>)</a:t>
+            </a:r>
+            <a:r>
+              <a:rPr lang="en-US" altLang="zh-CN" sz="2000" dirty="0" smtClean="0">
+                <a:solidFill>
+                  <a:srgbClr val="C00000"/>
+                </a:solidFill>
+                <a:sym typeface="Wingdings" pitchFamily="2" charset="2"/>
+              </a:rPr>
+              <a:t>;   </a:t>
             </a:r>
             <a:r>
               <a:rPr lang="zh-CN" altLang="en-US" sz="2000" dirty="0" smtClean="0">
@@ -21122,1561 +17044,6 @@
         <p:cTn id="1" dur="indefinite" restart="never" nodeType="tmRoot"/>
       </p:par>
     </p:tnLst>
-  </p:timing>
-</p:sld>
-</file>
-
-<file path=ppt/slides/slide30.xml><?xml version="1.0" encoding="utf-8"?>
-<p:sld xmlns:a="http://schemas.openxmlformats.org/drawingml/2006/main" xmlns:r="http://schemas.openxmlformats.org/officeDocument/2006/relationships" xmlns:p="http://schemas.openxmlformats.org/presentationml/2006/main" showMasterPhAnim="0">
-  <p:cSld>
-    <p:spTree>
-      <p:nvGrpSpPr>
-        <p:cNvPr id="1" name=""/>
-        <p:cNvGrpSpPr/>
-        <p:nvPr/>
-      </p:nvGrpSpPr>
-      <p:grpSpPr>
-        <a:xfrm>
-          <a:off x="0" y="0"/>
-          <a:ext cx="0" cy="0"/>
-          <a:chOff x="0" y="0"/>
-          <a:chExt cx="0" cy="0"/>
-        </a:xfrm>
-      </p:grpSpPr>
-      <p:sp>
-        <p:nvSpPr>
-          <p:cNvPr id="14" name="灯片编号占位符 5"/>
-          <p:cNvSpPr>
-            <a:spLocks noGrp="1"/>
-          </p:cNvSpPr>
-          <p:nvPr>
-            <p:ph type="sldNum" sz="quarter" idx="12"/>
-          </p:nvPr>
-        </p:nvSpPr>
-        <p:spPr/>
-        <p:txBody>
-          <a:bodyPr/>
-          <a:lstStyle/>
-          <a:p>
-            <a:fld id="{385E8224-A033-4141-9DA2-FB9D9F817130}" type="slidenum">
-              <a:rPr lang="zh-CN" altLang="en-US"/>
-              <a:pPr/>
-              <a:t>30</a:t>
-            </a:fld>
-            <a:endParaRPr lang="en-US" sz="1800"/>
-          </a:p>
-        </p:txBody>
-      </p:sp>
-      <p:grpSp>
-        <p:nvGrpSpPr>
-          <p:cNvPr id="20482" name="Group 66"/>
-          <p:cNvGrpSpPr>
-            <a:grpSpLocks/>
-          </p:cNvGrpSpPr>
-          <p:nvPr/>
-        </p:nvGrpSpPr>
-        <p:grpSpPr bwMode="auto">
-          <a:xfrm>
-            <a:off x="-1079500" y="2058988"/>
-            <a:ext cx="10275888" cy="457200"/>
-            <a:chOff x="0" y="0"/>
-            <a:chExt cx="6477" cy="288"/>
-          </a:xfrm>
-        </p:grpSpPr>
-        <p:sp>
-          <p:nvSpPr>
-            <p:cNvPr id="20483" name="AutoShape 4"/>
-            <p:cNvSpPr>
-              <a:spLocks noChangeArrowheads="1"/>
-            </p:cNvSpPr>
-            <p:nvPr/>
-          </p:nvSpPr>
-          <p:spPr bwMode="auto">
-            <a:xfrm>
-              <a:off x="2640" y="67"/>
-              <a:ext cx="295" cy="97"/>
-            </a:xfrm>
-            <a:prstGeom prst="leftRightArrow">
-              <a:avLst>
-                <a:gd name="adj1" fmla="val 50000"/>
-                <a:gd name="adj2" fmla="val 60825"/>
-              </a:avLst>
-            </a:prstGeom>
-            <a:noFill/>
-            <a:ln w="9525" cmpd="sng">
-              <a:solidFill>
-                <a:schemeClr val="tx1"/>
-              </a:solidFill>
-              <a:miter lim="800000"/>
-              <a:headEnd/>
-              <a:tailEnd/>
-            </a:ln>
-            <a:extLst>
-              <a:ext uri="{909E8E84-426E-40DD-AFC4-6F175D3DCCD1}">
-                <a14:hiddenFill xmlns:a14="http://schemas.microsoft.com/office/drawing/2010/main">
-                  <a:solidFill>
-                    <a:srgbClr val="FFFFFF"/>
-                  </a:solidFill>
-                </a14:hiddenFill>
-              </a:ext>
-            </a:extLst>
-          </p:spPr>
-          <p:txBody>
-            <a:bodyPr wrap="none" anchor="ctr"/>
-            <a:lstStyle/>
-            <a:p>
-              <a:pPr algn="l"/>
-              <a:endParaRPr lang="zh-CN" altLang="zh-CN">
-                <a:solidFill>
-                  <a:srgbClr val="545472"/>
-                </a:solidFill>
-                <a:sym typeface="Tahoma" pitchFamily="34" charset="0"/>
-              </a:endParaRPr>
-            </a:p>
-          </p:txBody>
-        </p:sp>
-        <p:sp>
-          <p:nvSpPr>
-            <p:cNvPr id="20484" name="Text Box 5"/>
-            <p:cNvSpPr>
-              <a:spLocks noChangeArrowheads="1"/>
-            </p:cNvSpPr>
-            <p:nvPr/>
-          </p:nvSpPr>
-          <p:spPr bwMode="auto">
-            <a:xfrm>
-              <a:off x="0" y="0"/>
-              <a:ext cx="2711" cy="288"/>
-            </a:xfrm>
-            <a:prstGeom prst="rect">
-              <a:avLst/>
-            </a:prstGeom>
-            <a:noFill/>
-            <a:ln>
-              <a:noFill/>
-            </a:ln>
-            <a:extLst>
-              <a:ext uri="{909E8E84-426E-40DD-AFC4-6F175D3DCCD1}">
-                <a14:hiddenFill xmlns:a14="http://schemas.microsoft.com/office/drawing/2010/main">
-                  <a:solidFill>
-                    <a:srgbClr val="FFFFFF"/>
-                  </a:solidFill>
-                </a14:hiddenFill>
-              </a:ext>
-              <a:ext uri="{91240B29-F687-4F45-9708-019B960494DF}">
-                <a14:hiddenLine xmlns:a14="http://schemas.microsoft.com/office/drawing/2010/main" w="9525">
-                  <a:solidFill>
-                    <a:srgbClr val="000000"/>
-                  </a:solidFill>
-                  <a:miter lim="800000"/>
-                  <a:headEnd/>
-                  <a:tailEnd/>
-                </a14:hiddenLine>
-              </a:ext>
-            </a:extLst>
-          </p:spPr>
-          <p:txBody>
-            <a:bodyPr wrap="none" anchor="ctr">
-              <a:spAutoFit/>
-            </a:bodyPr>
-            <a:lstStyle/>
-            <a:p>
-              <a:pPr lvl="3" algn="l"/>
-              <a:r>
-                <a:rPr lang="en-US" sz="2000" b="1" dirty="0">
-                  <a:solidFill>
-                    <a:schemeClr val="tx2"/>
-                  </a:solidFill>
-                  <a:sym typeface="Tahoma" pitchFamily="34" charset="0"/>
-                </a:rPr>
-                <a:t>(*</a:t>
-              </a:r>
-              <a:r>
-                <a:rPr lang="zh-CN" altLang="en-US" sz="2000" b="1" dirty="0">
-                  <a:solidFill>
-                    <a:schemeClr val="tx2"/>
-                  </a:solidFill>
-                  <a:sym typeface="Tahoma" pitchFamily="34" charset="0"/>
-                </a:rPr>
-                <a:t>结构体指针名</a:t>
-              </a:r>
-              <a:r>
-                <a:rPr lang="en-US" sz="2000" b="1" dirty="0">
-                  <a:solidFill>
-                    <a:schemeClr val="tx2"/>
-                  </a:solidFill>
-                  <a:sym typeface="Tahoma" pitchFamily="34" charset="0"/>
-                </a:rPr>
-                <a:t>)</a:t>
-              </a:r>
-              <a:r>
-                <a:rPr lang="en-US" b="1" dirty="0">
-                  <a:solidFill>
-                    <a:schemeClr val="tx2"/>
-                  </a:solidFill>
-                  <a:sym typeface="Tahoma" pitchFamily="34" charset="0"/>
-                </a:rPr>
-                <a:t>. </a:t>
-              </a:r>
-              <a:r>
-                <a:rPr lang="zh-CN" altLang="en-US" sz="2000" b="1" dirty="0">
-                  <a:solidFill>
-                    <a:schemeClr val="tx2"/>
-                  </a:solidFill>
-                  <a:sym typeface="Tahoma" pitchFamily="34" charset="0"/>
-                </a:rPr>
-                <a:t>成员名</a:t>
-              </a:r>
-              <a:endParaRPr lang="zh-CN" altLang="en-US" sz="4000" b="1" dirty="0">
-                <a:solidFill>
-                  <a:srgbClr val="545472"/>
-                </a:solidFill>
-                <a:sym typeface="Tahoma" pitchFamily="34" charset="0"/>
-              </a:endParaRPr>
-            </a:p>
-          </p:txBody>
-        </p:sp>
-        <p:sp>
-          <p:nvSpPr>
-            <p:cNvPr id="20485" name="Text Box 6"/>
-            <p:cNvSpPr>
-              <a:spLocks noChangeArrowheads="1"/>
-            </p:cNvSpPr>
-            <p:nvPr/>
-          </p:nvSpPr>
-          <p:spPr bwMode="auto">
-            <a:xfrm>
-              <a:off x="2849" y="19"/>
-              <a:ext cx="1762" cy="250"/>
-            </a:xfrm>
-            <a:prstGeom prst="rect">
-              <a:avLst/>
-            </a:prstGeom>
-            <a:noFill/>
-            <a:ln>
-              <a:noFill/>
-            </a:ln>
-            <a:extLst>
-              <a:ext uri="{909E8E84-426E-40DD-AFC4-6F175D3DCCD1}">
-                <a14:hiddenFill xmlns:a14="http://schemas.microsoft.com/office/drawing/2010/main">
-                  <a:solidFill>
-                    <a:srgbClr val="FFFFFF"/>
-                  </a:solidFill>
-                </a14:hiddenFill>
-              </a:ext>
-              <a:ext uri="{91240B29-F687-4F45-9708-019B960494DF}">
-                <a14:hiddenLine xmlns:a14="http://schemas.microsoft.com/office/drawing/2010/main" w="9525">
-                  <a:solidFill>
-                    <a:srgbClr val="000000"/>
-                  </a:solidFill>
-                  <a:miter lim="800000"/>
-                  <a:headEnd/>
-                  <a:tailEnd/>
-                </a14:hiddenLine>
-              </a:ext>
-            </a:extLst>
-          </p:spPr>
-          <p:txBody>
-            <a:bodyPr wrap="none" anchor="ctr">
-              <a:spAutoFit/>
-            </a:bodyPr>
-            <a:lstStyle/>
-            <a:p>
-              <a:pPr algn="l"/>
-              <a:r>
-                <a:rPr lang="zh-CN" altLang="en-US" sz="2000" b="1">
-                  <a:solidFill>
-                    <a:srgbClr val="3333FF"/>
-                  </a:solidFill>
-                  <a:sym typeface="Tahoma" pitchFamily="34" charset="0"/>
-                </a:rPr>
-                <a:t>结构体指针名</a:t>
-              </a:r>
-              <a:r>
-                <a:rPr lang="zh-CN" altLang="en-US" sz="2000" b="1">
-                  <a:solidFill>
-                    <a:srgbClr val="3333FF"/>
-                  </a:solidFill>
-                  <a:sym typeface="Wingdings" pitchFamily="2" charset="2"/>
-                </a:rPr>
-                <a:t></a:t>
-              </a:r>
-              <a:r>
-                <a:rPr lang="zh-CN" altLang="en-US" sz="2000" b="1">
-                  <a:solidFill>
-                    <a:srgbClr val="3333FF"/>
-                  </a:solidFill>
-                  <a:sym typeface="Tahoma" pitchFamily="34" charset="0"/>
-                </a:rPr>
-                <a:t> 成员名</a:t>
-              </a:r>
-              <a:endParaRPr lang="zh-CN" altLang="en-US"/>
-            </a:p>
-          </p:txBody>
-        </p:sp>
-        <p:sp>
-          <p:nvSpPr>
-            <p:cNvPr id="20486" name="AutoShape 64"/>
-            <p:cNvSpPr>
-              <a:spLocks noChangeArrowheads="1"/>
-            </p:cNvSpPr>
-            <p:nvPr/>
-          </p:nvSpPr>
-          <p:spPr bwMode="auto">
-            <a:xfrm>
-              <a:off x="4512" y="67"/>
-              <a:ext cx="336" cy="96"/>
-            </a:xfrm>
-            <a:prstGeom prst="leftRightArrow">
-              <a:avLst>
-                <a:gd name="adj1" fmla="val 50000"/>
-                <a:gd name="adj2" fmla="val 69984"/>
-              </a:avLst>
-            </a:prstGeom>
-            <a:noFill/>
-            <a:ln w="9525" cmpd="sng">
-              <a:solidFill>
-                <a:schemeClr val="tx1"/>
-              </a:solidFill>
-              <a:miter lim="800000"/>
-              <a:headEnd/>
-              <a:tailEnd/>
-            </a:ln>
-            <a:extLst>
-              <a:ext uri="{909E8E84-426E-40DD-AFC4-6F175D3DCCD1}">
-                <a14:hiddenFill xmlns:a14="http://schemas.microsoft.com/office/drawing/2010/main">
-                  <a:solidFill>
-                    <a:srgbClr val="FFFFFF"/>
-                  </a:solidFill>
-                </a14:hiddenFill>
-              </a:ext>
-            </a:extLst>
-          </p:spPr>
-          <p:txBody>
-            <a:bodyPr wrap="none" anchor="ctr"/>
-            <a:lstStyle/>
-            <a:p>
-              <a:pPr algn="l"/>
-              <a:endParaRPr lang="zh-CN" altLang="zh-CN">
-                <a:solidFill>
-                  <a:srgbClr val="545472"/>
-                </a:solidFill>
-                <a:sym typeface="Tahoma" pitchFamily="34" charset="0"/>
-              </a:endParaRPr>
-            </a:p>
-          </p:txBody>
-        </p:sp>
-        <p:sp>
-          <p:nvSpPr>
-            <p:cNvPr id="20487" name="Text Box 65"/>
-            <p:cNvSpPr>
-              <a:spLocks noChangeArrowheads="1"/>
-            </p:cNvSpPr>
-            <p:nvPr/>
-          </p:nvSpPr>
-          <p:spPr bwMode="auto">
-            <a:xfrm>
-              <a:off x="4816" y="0"/>
-              <a:ext cx="1661" cy="288"/>
-            </a:xfrm>
-            <a:prstGeom prst="rect">
-              <a:avLst/>
-            </a:prstGeom>
-            <a:noFill/>
-            <a:ln>
-              <a:noFill/>
-            </a:ln>
-            <a:extLst>
-              <a:ext uri="{909E8E84-426E-40DD-AFC4-6F175D3DCCD1}">
-                <a14:hiddenFill xmlns:a14="http://schemas.microsoft.com/office/drawing/2010/main">
-                  <a:solidFill>
-                    <a:srgbClr val="FFFFFF"/>
-                  </a:solidFill>
-                </a14:hiddenFill>
-              </a:ext>
-              <a:ext uri="{91240B29-F687-4F45-9708-019B960494DF}">
-                <a14:hiddenLine xmlns:a14="http://schemas.microsoft.com/office/drawing/2010/main" w="9525">
-                  <a:solidFill>
-                    <a:srgbClr val="000000"/>
-                  </a:solidFill>
-                  <a:miter lim="800000"/>
-                  <a:headEnd/>
-                  <a:tailEnd/>
-                </a14:hiddenLine>
-              </a:ext>
-            </a:extLst>
-          </p:spPr>
-          <p:txBody>
-            <a:bodyPr wrap="none" anchor="ctr">
-              <a:spAutoFit/>
-            </a:bodyPr>
-            <a:lstStyle/>
-            <a:p>
-              <a:pPr algn="l"/>
-              <a:r>
-                <a:rPr lang="zh-CN" altLang="en-US" sz="2000" b="1">
-                  <a:solidFill>
-                    <a:srgbClr val="009900"/>
-                  </a:solidFill>
-                  <a:sym typeface="Tahoma" pitchFamily="34" charset="0"/>
-                </a:rPr>
-                <a:t>结构体变量名</a:t>
-              </a:r>
-              <a:r>
-                <a:rPr lang="en-US" b="1">
-                  <a:solidFill>
-                    <a:srgbClr val="009900"/>
-                  </a:solidFill>
-                  <a:sym typeface="Tahoma" pitchFamily="34" charset="0"/>
-                </a:rPr>
-                <a:t>. </a:t>
-              </a:r>
-              <a:r>
-                <a:rPr lang="zh-CN" altLang="en-US" sz="2000" b="1">
-                  <a:solidFill>
-                    <a:srgbClr val="009900"/>
-                  </a:solidFill>
-                  <a:sym typeface="Tahoma" pitchFamily="34" charset="0"/>
-                </a:rPr>
-                <a:t>成员名</a:t>
-              </a:r>
-              <a:endParaRPr lang="zh-CN" altLang="en-US" sz="2000" b="1">
-                <a:solidFill>
-                  <a:schemeClr val="tx2"/>
-                </a:solidFill>
-                <a:sym typeface="Tahoma" pitchFamily="34" charset="0"/>
-              </a:endParaRPr>
-            </a:p>
-          </p:txBody>
-        </p:sp>
-      </p:grpSp>
-      <p:sp>
-        <p:nvSpPr>
-          <p:cNvPr id="20488" name="AutoShape 67"/>
-          <p:cNvSpPr>
-            <a:spLocks noChangeArrowheads="1"/>
-          </p:cNvSpPr>
-          <p:nvPr/>
-        </p:nvSpPr>
-        <p:spPr bwMode="auto">
-          <a:xfrm>
-            <a:off x="4595813" y="2657475"/>
-            <a:ext cx="2489200" cy="1017588"/>
-          </a:xfrm>
-          <a:prstGeom prst="wedgeRectCallout">
-            <a:avLst>
-              <a:gd name="adj1" fmla="val -28000"/>
-              <a:gd name="adj2" fmla="val -73968"/>
-            </a:avLst>
-          </a:prstGeom>
-          <a:noFill/>
-          <a:ln w="38100" cmpd="sng">
-            <a:solidFill>
-              <a:srgbClr val="33CCCC"/>
-            </a:solidFill>
-            <a:miter lim="800000"/>
-            <a:headEnd/>
-            <a:tailEnd/>
-          </a:ln>
-          <a:extLst>
-            <a:ext uri="{909E8E84-426E-40DD-AFC4-6F175D3DCCD1}">
-              <a14:hiddenFill xmlns:a14="http://schemas.microsoft.com/office/drawing/2010/main">
-                <a:solidFill>
-                  <a:srgbClr val="FFFFFF"/>
-                </a:solidFill>
-              </a14:hiddenFill>
-            </a:ext>
-          </a:extLst>
-        </p:spPr>
-        <p:txBody>
-          <a:bodyPr wrap="none" lIns="90000" tIns="46800" rIns="90000" bIns="46800" anchor="ctr">
-            <a:spAutoFit/>
-          </a:bodyPr>
-          <a:lstStyle/>
-          <a:p>
-            <a:pPr algn="l"/>
-            <a:r>
-              <a:rPr lang="zh-CN" altLang="en-US" sz="2000">
-                <a:solidFill>
-                  <a:srgbClr val="545472"/>
-                </a:solidFill>
-                <a:latin typeface="隶书" pitchFamily="49" charset="-122"/>
-                <a:ea typeface="隶书" pitchFamily="49" charset="-122"/>
-                <a:sym typeface="隶书" pitchFamily="49" charset="-122"/>
-              </a:rPr>
-              <a:t>指向运算符</a:t>
-            </a:r>
-          </a:p>
-          <a:p>
-            <a:pPr algn="l"/>
-            <a:r>
-              <a:rPr lang="zh-CN" altLang="en-US" sz="2000">
-                <a:solidFill>
-                  <a:srgbClr val="545472"/>
-                </a:solidFill>
-                <a:latin typeface="隶书" pitchFamily="49" charset="-122"/>
-                <a:ea typeface="隶书" pitchFamily="49" charset="-122"/>
-                <a:sym typeface="隶书" pitchFamily="49" charset="-122"/>
-              </a:rPr>
-              <a:t>优先级</a:t>
-            </a:r>
-            <a:r>
-              <a:rPr lang="en-US" sz="2000">
-                <a:solidFill>
-                  <a:srgbClr val="545472"/>
-                </a:solidFill>
-                <a:latin typeface="隶书" pitchFamily="49" charset="-122"/>
-                <a:ea typeface="隶书" pitchFamily="49" charset="-122"/>
-                <a:sym typeface="隶书" pitchFamily="49" charset="-122"/>
-              </a:rPr>
-              <a:t>: 1</a:t>
-            </a:r>
-            <a:endParaRPr lang="zh-CN" altLang="en-US" sz="2000">
-              <a:solidFill>
-                <a:srgbClr val="545472"/>
-              </a:solidFill>
-              <a:latin typeface="隶书" pitchFamily="49" charset="-122"/>
-              <a:ea typeface="隶书" pitchFamily="49" charset="-122"/>
-              <a:sym typeface="隶书" pitchFamily="49" charset="-122"/>
-            </a:endParaRPr>
-          </a:p>
-          <a:p>
-            <a:pPr algn="l"/>
-            <a:r>
-              <a:rPr lang="zh-CN" altLang="en-US" sz="2000">
-                <a:solidFill>
-                  <a:srgbClr val="545472"/>
-                </a:solidFill>
-                <a:latin typeface="隶书" pitchFamily="49" charset="-122"/>
-                <a:ea typeface="隶书" pitchFamily="49" charset="-122"/>
-                <a:sym typeface="隶书" pitchFamily="49" charset="-122"/>
-              </a:rPr>
-              <a:t>结合方向：自左向右</a:t>
-            </a:r>
-            <a:endParaRPr lang="zh-CN" altLang="en-US"/>
-          </a:p>
-        </p:txBody>
-      </p:sp>
-      <p:sp>
-        <p:nvSpPr>
-          <p:cNvPr id="20489" name="Text Box 73"/>
-          <p:cNvSpPr>
-            <a:spLocks noChangeArrowheads="1"/>
-          </p:cNvSpPr>
-          <p:nvPr/>
-        </p:nvSpPr>
-        <p:spPr bwMode="auto">
-          <a:xfrm>
-            <a:off x="393700" y="3865260"/>
-            <a:ext cx="3878972" cy="1941173"/>
-          </a:xfrm>
-          <a:prstGeom prst="rect">
-            <a:avLst/>
-          </a:prstGeom>
-          <a:noFill/>
-          <a:ln w="38100" cmpd="sng">
-            <a:solidFill>
-              <a:srgbClr val="CC6600"/>
-            </a:solidFill>
-            <a:miter lim="800000"/>
-            <a:headEnd/>
-            <a:tailEnd/>
-          </a:ln>
-          <a:extLst>
-            <a:ext uri="{909E8E84-426E-40DD-AFC4-6F175D3DCCD1}">
-              <a14:hiddenFill xmlns:a14="http://schemas.microsoft.com/office/drawing/2010/main">
-                <a:solidFill>
-                  <a:srgbClr val="FFFFFF"/>
-                </a:solidFill>
-              </a14:hiddenFill>
-            </a:ext>
-          </a:extLst>
-        </p:spPr>
-        <p:txBody>
-          <a:bodyPr wrap="square" lIns="90000" tIns="46800" rIns="90000" bIns="46800" anchor="ctr">
-            <a:spAutoFit/>
-          </a:bodyPr>
-          <a:lstStyle/>
-          <a:p>
-            <a:pPr algn="l"/>
-            <a:r>
-              <a:rPr lang="zh-CN" altLang="en-US" sz="2000" dirty="0" smtClean="0">
-                <a:solidFill>
-                  <a:srgbClr val="545472"/>
-                </a:solidFill>
-                <a:sym typeface="Tahoma" pitchFamily="34" charset="0"/>
-              </a:rPr>
-              <a:t>回顾指针：</a:t>
-            </a:r>
-            <a:endParaRPr lang="en-US" altLang="zh-CN" sz="2000" dirty="0" smtClean="0">
-              <a:solidFill>
-                <a:srgbClr val="545472"/>
-              </a:solidFill>
-              <a:sym typeface="Tahoma" pitchFamily="34" charset="0"/>
-            </a:endParaRPr>
-          </a:p>
-          <a:p>
-            <a:pPr algn="l"/>
-            <a:r>
-              <a:rPr lang="zh-CN" altLang="en-US" sz="2000" dirty="0" smtClean="0">
-                <a:solidFill>
-                  <a:srgbClr val="545472"/>
-                </a:solidFill>
-                <a:sym typeface="Tahoma" pitchFamily="34" charset="0"/>
-              </a:rPr>
-              <a:t> </a:t>
-            </a:r>
-            <a:r>
-              <a:rPr lang="en-US" sz="2000" dirty="0" err="1">
-                <a:solidFill>
-                  <a:srgbClr val="545472"/>
-                </a:solidFill>
-                <a:sym typeface="Tahoma" pitchFamily="34" charset="0"/>
-              </a:rPr>
-              <a:t>int</a:t>
-            </a:r>
-            <a:r>
-              <a:rPr lang="en-US" sz="2000" dirty="0">
-                <a:solidFill>
-                  <a:srgbClr val="545472"/>
-                </a:solidFill>
-                <a:sym typeface="Tahoma" pitchFamily="34" charset="0"/>
-              </a:rPr>
-              <a:t>    n;</a:t>
-            </a:r>
-            <a:endParaRPr lang="zh-CN" altLang="en-US" sz="2000" dirty="0">
-              <a:solidFill>
-                <a:srgbClr val="545472"/>
-              </a:solidFill>
-              <a:sym typeface="Tahoma" pitchFamily="34" charset="0"/>
-            </a:endParaRPr>
-          </a:p>
-          <a:p>
-            <a:pPr algn="l"/>
-            <a:r>
-              <a:rPr lang="en-US" sz="2000" dirty="0" smtClean="0">
-                <a:solidFill>
-                  <a:srgbClr val="545472"/>
-                </a:solidFill>
-                <a:sym typeface="Tahoma" pitchFamily="34" charset="0"/>
-              </a:rPr>
-              <a:t> </a:t>
-            </a:r>
-            <a:r>
-              <a:rPr lang="en-US" sz="2000" dirty="0" err="1">
-                <a:solidFill>
-                  <a:srgbClr val="545472"/>
-                </a:solidFill>
-                <a:sym typeface="Tahoma" pitchFamily="34" charset="0"/>
-              </a:rPr>
-              <a:t>int</a:t>
-            </a:r>
-            <a:r>
-              <a:rPr lang="en-US" sz="2000" dirty="0">
-                <a:solidFill>
-                  <a:srgbClr val="545472"/>
-                </a:solidFill>
-                <a:sym typeface="Tahoma" pitchFamily="34" charset="0"/>
-              </a:rPr>
-              <a:t>   *p=&amp;n;</a:t>
-            </a:r>
-            <a:endParaRPr lang="zh-CN" altLang="en-US" sz="2000" dirty="0">
-              <a:solidFill>
-                <a:srgbClr val="545472"/>
-              </a:solidFill>
-              <a:sym typeface="Tahoma" pitchFamily="34" charset="0"/>
-            </a:endParaRPr>
-          </a:p>
-          <a:p>
-            <a:pPr algn="l"/>
-            <a:r>
-              <a:rPr lang="en-US" sz="2000" dirty="0" smtClean="0">
-                <a:solidFill>
-                  <a:srgbClr val="545472"/>
-                </a:solidFill>
-                <a:sym typeface="Tahoma" pitchFamily="34" charset="0"/>
-              </a:rPr>
-              <a:t> n=10;     // </a:t>
-            </a:r>
-            <a:r>
-              <a:rPr lang="zh-CN" altLang="en-US" sz="2000" dirty="0" smtClean="0">
-                <a:solidFill>
-                  <a:srgbClr val="545472"/>
-                </a:solidFill>
-                <a:sym typeface="Tahoma" pitchFamily="34" charset="0"/>
-              </a:rPr>
-              <a:t>直接访问</a:t>
-            </a:r>
-            <a:r>
-              <a:rPr lang="en-US" altLang="zh-CN" sz="2000" dirty="0" smtClean="0">
-                <a:solidFill>
-                  <a:srgbClr val="545472"/>
-                </a:solidFill>
-                <a:sym typeface="Tahoma" pitchFamily="34" charset="0"/>
-              </a:rPr>
-              <a:t>n</a:t>
-            </a:r>
-            <a:r>
-              <a:rPr lang="en-US" sz="2000" dirty="0" smtClean="0">
-                <a:solidFill>
-                  <a:srgbClr val="545472"/>
-                </a:solidFill>
-                <a:sym typeface="Tahoma" pitchFamily="34" charset="0"/>
-              </a:rPr>
-              <a:t> </a:t>
-            </a:r>
-          </a:p>
-          <a:p>
-            <a:pPr algn="l"/>
-            <a:r>
-              <a:rPr lang="en-US" sz="2000" dirty="0" smtClean="0">
-                <a:solidFill>
-                  <a:srgbClr val="FF0000"/>
-                </a:solidFill>
-                <a:sym typeface="Tahoma" pitchFamily="34" charset="0"/>
-              </a:rPr>
-              <a:t>*</a:t>
-            </a:r>
-            <a:r>
-              <a:rPr lang="en-US" sz="2000" dirty="0">
-                <a:solidFill>
-                  <a:srgbClr val="FF0000"/>
-                </a:solidFill>
-                <a:sym typeface="Tahoma" pitchFamily="34" charset="0"/>
-              </a:rPr>
-              <a:t>p</a:t>
-            </a:r>
-            <a:r>
-              <a:rPr lang="en-US" sz="2000" dirty="0">
-                <a:solidFill>
-                  <a:srgbClr val="545472"/>
-                </a:solidFill>
-                <a:sym typeface="Tahoma" pitchFamily="34" charset="0"/>
-              </a:rPr>
-              <a:t>=10;   </a:t>
-            </a:r>
-            <a:r>
-              <a:rPr lang="en-US" sz="2000" dirty="0" smtClean="0">
-                <a:solidFill>
-                  <a:srgbClr val="545472"/>
-                </a:solidFill>
-                <a:sym typeface="Tahoma" pitchFamily="34" charset="0"/>
-              </a:rPr>
-              <a:t>// </a:t>
-            </a:r>
-            <a:r>
-              <a:rPr lang="zh-CN" altLang="en-US" sz="2000" dirty="0" smtClean="0">
-                <a:solidFill>
-                  <a:srgbClr val="545472"/>
-                </a:solidFill>
-                <a:sym typeface="Tahoma" pitchFamily="34" charset="0"/>
-              </a:rPr>
-              <a:t>间接访问</a:t>
-            </a:r>
-            <a:r>
-              <a:rPr lang="en-US" altLang="zh-CN" sz="2000" dirty="0" smtClean="0">
-                <a:solidFill>
-                  <a:srgbClr val="545472"/>
-                </a:solidFill>
-                <a:sym typeface="Tahoma" pitchFamily="34" charset="0"/>
-              </a:rPr>
-              <a:t>n</a:t>
-            </a:r>
-            <a:endParaRPr lang="en-US" sz="2000" dirty="0" smtClean="0">
-              <a:solidFill>
-                <a:srgbClr val="545472"/>
-              </a:solidFill>
-              <a:sym typeface="Tahoma" pitchFamily="34" charset="0"/>
-            </a:endParaRPr>
-          </a:p>
-        </p:txBody>
-      </p:sp>
-      <p:sp>
-        <p:nvSpPr>
-          <p:cNvPr id="20490" name="Text Box 74"/>
-          <p:cNvSpPr>
-            <a:spLocks noChangeArrowheads="1"/>
-          </p:cNvSpPr>
-          <p:nvPr/>
-        </p:nvSpPr>
-        <p:spPr bwMode="auto">
-          <a:xfrm>
-            <a:off x="4691866" y="3916353"/>
-            <a:ext cx="3443869" cy="1879618"/>
-          </a:xfrm>
-          <a:prstGeom prst="rect">
-            <a:avLst/>
-          </a:prstGeom>
-          <a:noFill/>
-          <a:ln w="38100" cmpd="sng">
-            <a:solidFill>
-              <a:srgbClr val="CC6600"/>
-            </a:solidFill>
-            <a:miter lim="800000"/>
-            <a:headEnd/>
-            <a:tailEnd/>
-          </a:ln>
-          <a:extLst>
-            <a:ext uri="{909E8E84-426E-40DD-AFC4-6F175D3DCCD1}">
-              <a14:hiddenFill xmlns:a14="http://schemas.microsoft.com/office/drawing/2010/main">
-                <a:solidFill>
-                  <a:srgbClr val="FFFFFF"/>
-                </a:solidFill>
-              </a14:hiddenFill>
-            </a:ext>
-          </a:extLst>
-        </p:spPr>
-        <p:txBody>
-          <a:bodyPr wrap="none" lIns="90000" tIns="46800" rIns="90000" bIns="46800" anchor="ctr">
-            <a:spAutoFit/>
-          </a:bodyPr>
-          <a:lstStyle/>
-          <a:p>
-            <a:pPr algn="l"/>
-            <a:r>
-              <a:rPr lang="en-US" sz="2000" dirty="0" err="1">
-                <a:solidFill>
-                  <a:srgbClr val="545472"/>
-                </a:solidFill>
-                <a:sym typeface="Tahoma" pitchFamily="34" charset="0"/>
-              </a:rPr>
-              <a:t>struct</a:t>
-            </a:r>
-            <a:r>
-              <a:rPr lang="en-US" sz="2000" dirty="0">
-                <a:solidFill>
-                  <a:srgbClr val="545472"/>
-                </a:solidFill>
-                <a:sym typeface="Tahoma" pitchFamily="34" charset="0"/>
-              </a:rPr>
-              <a:t>    student      stu1;</a:t>
-            </a:r>
-            <a:endParaRPr lang="zh-CN" altLang="en-US" sz="2000" dirty="0">
-              <a:solidFill>
-                <a:srgbClr val="545472"/>
-              </a:solidFill>
-              <a:sym typeface="Tahoma" pitchFamily="34" charset="0"/>
-            </a:endParaRPr>
-          </a:p>
-          <a:p>
-            <a:pPr algn="l"/>
-            <a:r>
-              <a:rPr lang="en-US" sz="2000" dirty="0" err="1">
-                <a:solidFill>
-                  <a:srgbClr val="545472"/>
-                </a:solidFill>
-                <a:sym typeface="Tahoma" pitchFamily="34" charset="0"/>
-              </a:rPr>
-              <a:t>struct</a:t>
-            </a:r>
-            <a:r>
-              <a:rPr lang="en-US" sz="2000" dirty="0">
-                <a:solidFill>
-                  <a:srgbClr val="545472"/>
-                </a:solidFill>
-                <a:sym typeface="Tahoma" pitchFamily="34" charset="0"/>
-              </a:rPr>
-              <a:t>    student      *p=&amp;stu1;</a:t>
-            </a:r>
-          </a:p>
-          <a:p>
-            <a:pPr algn="l"/>
-            <a:r>
-              <a:rPr lang="en-US" sz="2000" dirty="0">
-                <a:solidFill>
-                  <a:srgbClr val="3333FF"/>
-                </a:solidFill>
-                <a:sym typeface="Tahoma" pitchFamily="34" charset="0"/>
-              </a:rPr>
-              <a:t>stu1.num</a:t>
-            </a:r>
-            <a:r>
-              <a:rPr lang="en-US" sz="2000" dirty="0">
-                <a:solidFill>
-                  <a:srgbClr val="545472"/>
-                </a:solidFill>
-                <a:sym typeface="Tahoma" pitchFamily="34" charset="0"/>
-              </a:rPr>
-              <a:t>=101</a:t>
-            </a:r>
-            <a:r>
-              <a:rPr lang="en-US" sz="2000" dirty="0">
-                <a:solidFill>
-                  <a:srgbClr val="3333FF"/>
-                </a:solidFill>
-                <a:sym typeface="Tahoma" pitchFamily="34" charset="0"/>
-              </a:rPr>
-              <a:t>;  </a:t>
-            </a:r>
-          </a:p>
-          <a:p>
-            <a:pPr algn="l"/>
-            <a:r>
-              <a:rPr lang="en-US" sz="2000" dirty="0">
-                <a:solidFill>
-                  <a:srgbClr val="FF0000"/>
-                </a:solidFill>
-                <a:sym typeface="Tahoma" pitchFamily="34" charset="0"/>
-              </a:rPr>
-              <a:t>(*p).</a:t>
-            </a:r>
-            <a:r>
-              <a:rPr lang="en-US" sz="2000" dirty="0" err="1">
-                <a:solidFill>
-                  <a:srgbClr val="FF0000"/>
-                </a:solidFill>
-                <a:sym typeface="Tahoma" pitchFamily="34" charset="0"/>
-              </a:rPr>
-              <a:t>num</a:t>
-            </a:r>
-            <a:r>
-              <a:rPr lang="en-US" sz="2000" dirty="0">
-                <a:solidFill>
-                  <a:srgbClr val="545472"/>
-                </a:solidFill>
-                <a:sym typeface="Tahoma" pitchFamily="34" charset="0"/>
-              </a:rPr>
-              <a:t>=101</a:t>
-            </a:r>
-            <a:r>
-              <a:rPr lang="zh-CN" altLang="en-US" sz="2000" dirty="0">
-                <a:solidFill>
-                  <a:srgbClr val="545472"/>
-                </a:solidFill>
-                <a:sym typeface="Tahoma" pitchFamily="34" charset="0"/>
-              </a:rPr>
-              <a:t>;</a:t>
-            </a:r>
-          </a:p>
-          <a:p>
-            <a:pPr algn="l"/>
-            <a:r>
-              <a:rPr lang="zh-CN" altLang="en-US" sz="2000" dirty="0" smtClean="0"/>
-              <a:t>p</a:t>
-            </a:r>
-            <a:r>
-              <a:rPr lang="en-US" altLang="zh-CN" sz="2000" dirty="0" smtClean="0">
-                <a:sym typeface="Wingdings" panose="05000000000000000000" pitchFamily="2" charset="2"/>
-              </a:rPr>
-              <a:t></a:t>
-            </a:r>
-            <a:r>
-              <a:rPr lang="zh-CN" altLang="en-US" sz="2000" dirty="0" smtClean="0"/>
-              <a:t>num</a:t>
-            </a:r>
-            <a:r>
-              <a:rPr lang="zh-CN" altLang="en-US" sz="2000" dirty="0"/>
-              <a:t>=101</a:t>
-            </a:r>
-            <a:r>
-              <a:rPr lang="zh-CN" altLang="en-US" sz="2000" dirty="0" smtClean="0"/>
-              <a:t>;</a:t>
-            </a:r>
-            <a:endParaRPr lang="en-US" altLang="zh-CN" sz="2000" dirty="0" smtClean="0"/>
-          </a:p>
-        </p:txBody>
-      </p:sp>
-      <p:sp>
-        <p:nvSpPr>
-          <p:cNvPr id="20491" name="Rectangle 77"/>
-          <p:cNvSpPr>
-            <a:spLocks noGrp="1" noChangeArrowheads="1"/>
-          </p:cNvSpPr>
-          <p:nvPr>
-            <p:ph type="title" idx="4294967295"/>
-          </p:nvPr>
-        </p:nvSpPr>
-        <p:spPr>
-          <a:xfrm>
-            <a:off x="517525" y="120650"/>
-            <a:ext cx="7772400" cy="546100"/>
-          </a:xfrm>
-          <a:ln/>
-        </p:spPr>
-        <p:txBody>
-          <a:bodyPr/>
-          <a:lstStyle/>
-          <a:p>
-            <a:pPr marL="342900" indent="-342900" algn="l"/>
-            <a:r>
-              <a:rPr lang="zh-CN" sz="2800"/>
-              <a:t>使用结构体指针变量引用成员形式</a:t>
-            </a:r>
-            <a:endParaRPr lang="zh-CN"/>
-          </a:p>
-        </p:txBody>
-      </p:sp>
-      <p:sp>
-        <p:nvSpPr>
-          <p:cNvPr id="20492" name="AutoShape 67"/>
-          <p:cNvSpPr>
-            <a:spLocks noChangeArrowheads="1"/>
-          </p:cNvSpPr>
-          <p:nvPr/>
-        </p:nvSpPr>
-        <p:spPr bwMode="auto">
-          <a:xfrm>
-            <a:off x="393700" y="2657475"/>
-            <a:ext cx="2489200" cy="1017588"/>
-          </a:xfrm>
-          <a:prstGeom prst="wedgeRectCallout">
-            <a:avLst>
-              <a:gd name="adj1" fmla="val -41528"/>
-              <a:gd name="adj2" fmla="val -71602"/>
-            </a:avLst>
-          </a:prstGeom>
-          <a:noFill/>
-          <a:ln w="38100" cmpd="sng">
-            <a:solidFill>
-              <a:srgbClr val="33CCCC"/>
-            </a:solidFill>
-            <a:miter lim="800000"/>
-            <a:headEnd/>
-            <a:tailEnd/>
-          </a:ln>
-          <a:extLst>
-            <a:ext uri="{909E8E84-426E-40DD-AFC4-6F175D3DCCD1}">
-              <a14:hiddenFill xmlns:a14="http://schemas.microsoft.com/office/drawing/2010/main">
-                <a:solidFill>
-                  <a:srgbClr val="FFFFFF"/>
-                </a:solidFill>
-              </a14:hiddenFill>
-            </a:ext>
-          </a:extLst>
-        </p:spPr>
-        <p:txBody>
-          <a:bodyPr wrap="none" lIns="90000" tIns="46800" rIns="90000" bIns="46800" anchor="ctr">
-            <a:spAutoFit/>
-          </a:bodyPr>
-          <a:lstStyle/>
-          <a:p>
-            <a:pPr algn="l"/>
-            <a:r>
-              <a:rPr lang="zh-CN" altLang="en-US" sz="2000">
-                <a:solidFill>
-                  <a:srgbClr val="545472"/>
-                </a:solidFill>
-                <a:latin typeface="隶书" pitchFamily="49" charset="-122"/>
-                <a:ea typeface="隶书" pitchFamily="49" charset="-122"/>
-                <a:sym typeface="隶书" pitchFamily="49" charset="-122"/>
-              </a:rPr>
-              <a:t>指针运算符</a:t>
-            </a:r>
-          </a:p>
-          <a:p>
-            <a:pPr algn="l"/>
-            <a:r>
-              <a:rPr lang="zh-CN" altLang="en-US" sz="2000">
-                <a:solidFill>
-                  <a:srgbClr val="545472"/>
-                </a:solidFill>
-                <a:latin typeface="隶书" pitchFamily="49" charset="-122"/>
-                <a:ea typeface="隶书" pitchFamily="49" charset="-122"/>
-                <a:sym typeface="隶书" pitchFamily="49" charset="-122"/>
-              </a:rPr>
-              <a:t>优先级</a:t>
-            </a:r>
-            <a:r>
-              <a:rPr lang="en-US" sz="2000">
-                <a:solidFill>
-                  <a:srgbClr val="545472"/>
-                </a:solidFill>
-                <a:latin typeface="隶书" pitchFamily="49" charset="-122"/>
-                <a:ea typeface="隶书" pitchFamily="49" charset="-122"/>
-                <a:sym typeface="隶书" pitchFamily="49" charset="-122"/>
-              </a:rPr>
-              <a:t>: 2</a:t>
-            </a:r>
-          </a:p>
-          <a:p>
-            <a:pPr algn="l"/>
-            <a:r>
-              <a:rPr lang="zh-CN" altLang="en-US" sz="2000">
-                <a:solidFill>
-                  <a:srgbClr val="545472"/>
-                </a:solidFill>
-                <a:latin typeface="隶书" pitchFamily="49" charset="-122"/>
-                <a:ea typeface="隶书" pitchFamily="49" charset="-122"/>
-                <a:sym typeface="隶书" pitchFamily="49" charset="-122"/>
-              </a:rPr>
-              <a:t>结合方向：自右向左</a:t>
-            </a:r>
-          </a:p>
-        </p:txBody>
-      </p:sp>
-      <p:sp>
-        <p:nvSpPr>
-          <p:cNvPr id="20493" name="AutoShape 67"/>
-          <p:cNvSpPr>
-            <a:spLocks noChangeArrowheads="1"/>
-          </p:cNvSpPr>
-          <p:nvPr/>
-        </p:nvSpPr>
-        <p:spPr bwMode="auto">
-          <a:xfrm>
-            <a:off x="2057400" y="950913"/>
-            <a:ext cx="2489200" cy="1017587"/>
-          </a:xfrm>
-          <a:prstGeom prst="wedgeRectCallout">
-            <a:avLst>
-              <a:gd name="adj1" fmla="val -40565"/>
-              <a:gd name="adj2" fmla="val 71421"/>
-            </a:avLst>
-          </a:prstGeom>
-          <a:noFill/>
-          <a:ln w="38100" cmpd="sng">
-            <a:solidFill>
-              <a:srgbClr val="33CCCC"/>
-            </a:solidFill>
-            <a:miter lim="800000"/>
-            <a:headEnd/>
-            <a:tailEnd/>
-          </a:ln>
-          <a:extLst>
-            <a:ext uri="{909E8E84-426E-40DD-AFC4-6F175D3DCCD1}">
-              <a14:hiddenFill xmlns:a14="http://schemas.microsoft.com/office/drawing/2010/main">
-                <a:solidFill>
-                  <a:srgbClr val="FFFFFF"/>
-                </a:solidFill>
-              </a14:hiddenFill>
-            </a:ext>
-          </a:extLst>
-        </p:spPr>
-        <p:txBody>
-          <a:bodyPr wrap="none" lIns="90000" tIns="46800" rIns="90000" bIns="46800" anchor="ctr">
-            <a:spAutoFit/>
-          </a:bodyPr>
-          <a:lstStyle/>
-          <a:p>
-            <a:pPr algn="l"/>
-            <a:r>
-              <a:rPr lang="zh-CN" altLang="en-US" sz="2000">
-                <a:solidFill>
-                  <a:srgbClr val="545472"/>
-                </a:solidFill>
-                <a:latin typeface="隶书" pitchFamily="49" charset="-122"/>
-                <a:ea typeface="隶书" pitchFamily="49" charset="-122"/>
-                <a:sym typeface="隶书" pitchFamily="49" charset="-122"/>
-              </a:rPr>
-              <a:t>成员运算符</a:t>
-            </a:r>
-          </a:p>
-          <a:p>
-            <a:pPr algn="l"/>
-            <a:r>
-              <a:rPr lang="zh-CN" altLang="en-US" sz="2000">
-                <a:solidFill>
-                  <a:srgbClr val="545472"/>
-                </a:solidFill>
-                <a:latin typeface="隶书" pitchFamily="49" charset="-122"/>
-                <a:ea typeface="隶书" pitchFamily="49" charset="-122"/>
-                <a:sym typeface="隶书" pitchFamily="49" charset="-122"/>
-              </a:rPr>
-              <a:t>优先级</a:t>
-            </a:r>
-            <a:r>
-              <a:rPr lang="en-US" sz="2000">
-                <a:solidFill>
-                  <a:srgbClr val="545472"/>
-                </a:solidFill>
-                <a:latin typeface="隶书" pitchFamily="49" charset="-122"/>
-                <a:ea typeface="隶书" pitchFamily="49" charset="-122"/>
-                <a:sym typeface="隶书" pitchFamily="49" charset="-122"/>
-              </a:rPr>
-              <a:t>: 1</a:t>
-            </a:r>
-            <a:endParaRPr lang="zh-CN" altLang="en-US" sz="2000">
-              <a:solidFill>
-                <a:srgbClr val="545472"/>
-              </a:solidFill>
-              <a:latin typeface="隶书" pitchFamily="49" charset="-122"/>
-              <a:ea typeface="隶书" pitchFamily="49" charset="-122"/>
-              <a:sym typeface="隶书" pitchFamily="49" charset="-122"/>
-            </a:endParaRPr>
-          </a:p>
-          <a:p>
-            <a:pPr algn="l"/>
-            <a:r>
-              <a:rPr lang="zh-CN" altLang="en-US" sz="2000">
-                <a:solidFill>
-                  <a:srgbClr val="545472"/>
-                </a:solidFill>
-                <a:latin typeface="隶书" pitchFamily="49" charset="-122"/>
-                <a:ea typeface="隶书" pitchFamily="49" charset="-122"/>
-                <a:sym typeface="隶书" pitchFamily="49" charset="-122"/>
-              </a:rPr>
-              <a:t>结合方向：自左向右</a:t>
-            </a:r>
-          </a:p>
-        </p:txBody>
-      </p:sp>
-    </p:spTree>
-    <p:extLst>
-      <p:ext uri="{BB962C8B-B14F-4D97-AF65-F5344CB8AC3E}">
-        <p14:creationId xmlns:p14="http://schemas.microsoft.com/office/powerpoint/2010/main" val="3604740865"/>
-      </p:ext>
-    </p:extLst>
-  </p:cSld>
-  <p:clrMapOvr>
-    <a:masterClrMapping/>
-  </p:clrMapOvr>
-  <p:transition spd="slow">
-    <p:split orient="vert"/>
-  </p:transition>
-  <p:timing>
-    <p:tnLst>
-      <p:par>
-        <p:cTn id="1" dur="indefinite" restart="never" nodeType="tmRoot">
-          <p:childTnLst>
-            <p:seq concurrent="1" nextAc="seek">
-              <p:cTn id="2" dur="indefinite" nodeType="mainSeq">
-                <p:childTnLst>
-                  <p:par>
-                    <p:cTn id="3" fill="hold" nodeType="clickPar">
-                      <p:stCondLst>
-                        <p:cond delay="indefinite"/>
-                      </p:stCondLst>
-                      <p:childTnLst>
-                        <p:par>
-                          <p:cTn id="4" fill="hold" nodeType="withGroup">
-                            <p:stCondLst>
-                              <p:cond delay="0"/>
-                            </p:stCondLst>
-                            <p:childTnLst>
-                              <p:par>
-                                <p:cTn id="5" presetID="4" presetClass="entr" presetSubtype="32" fill="hold" grpId="0" nodeType="clickEffect">
-                                  <p:stCondLst>
-                                    <p:cond delay="0"/>
-                                  </p:stCondLst>
-                                  <p:childTnLst>
-                                    <p:set>
-                                      <p:cBhvr>
-                                        <p:cTn id="6" dur="1" fill="hold">
-                                          <p:stCondLst>
-                                            <p:cond delay="0"/>
-                                          </p:stCondLst>
-                                        </p:cTn>
-                                        <p:tgtEl>
-                                          <p:spTgt spid="20489"/>
-                                        </p:tgtEl>
-                                        <p:attrNameLst>
-                                          <p:attrName>style.visibility</p:attrName>
-                                        </p:attrNameLst>
-                                      </p:cBhvr>
-                                      <p:to>
-                                        <p:strVal val="visible"/>
-                                      </p:to>
-                                    </p:set>
-                                    <p:animEffect>
-                                      <p:cBhvr>
-                                        <p:cTn id="7" dur="500"/>
-                                        <p:tgtEl>
-                                          <p:spTgt spid="20489"/>
-                                        </p:tgtEl>
-                                      </p:cBhvr>
-                                    </p:animEffect>
-                                  </p:childTnLst>
-                                </p:cTn>
-                              </p:par>
-                            </p:childTnLst>
-                          </p:cTn>
-                        </p:par>
-                      </p:childTnLst>
-                    </p:cTn>
-                  </p:par>
-                  <p:par>
-                    <p:cTn id="8" fill="hold">
-                      <p:stCondLst>
-                        <p:cond delay="indefinite"/>
-                      </p:stCondLst>
-                      <p:childTnLst>
-                        <p:par>
-                          <p:cTn id="9" fill="hold">
-                            <p:stCondLst>
-                              <p:cond delay="0"/>
-                            </p:stCondLst>
-                            <p:childTnLst>
-                              <p:par>
-                                <p:cTn id="10" presetID="4" presetClass="entr" presetSubtype="32" fill="hold" grpId="0" nodeType="clickEffect">
-                                  <p:stCondLst>
-                                    <p:cond delay="0"/>
-                                  </p:stCondLst>
-                                  <p:childTnLst>
-                                    <p:set>
-                                      <p:cBhvr>
-                                        <p:cTn id="11" dur="1" fill="hold">
-                                          <p:stCondLst>
-                                            <p:cond delay="0"/>
-                                          </p:stCondLst>
-                                        </p:cTn>
-                                        <p:tgtEl>
-                                          <p:spTgt spid="20490"/>
-                                        </p:tgtEl>
-                                        <p:attrNameLst>
-                                          <p:attrName>style.visibility</p:attrName>
-                                        </p:attrNameLst>
-                                      </p:cBhvr>
-                                      <p:to>
-                                        <p:strVal val="visible"/>
-                                      </p:to>
-                                    </p:set>
-                                    <p:animEffect>
-                                      <p:cBhvr>
-                                        <p:cTn id="12" dur="500"/>
-                                        <p:tgtEl>
-                                          <p:spTgt spid="20490"/>
-                                        </p:tgtEl>
-                                      </p:cBhvr>
-                                    </p:animEffect>
-                                  </p:childTnLst>
-                                </p:cTn>
-                              </p:par>
-                            </p:childTnLst>
-                          </p:cTn>
-                        </p:par>
-                      </p:childTnLst>
-                    </p:cTn>
-                  </p:par>
-                  <p:par>
-                    <p:cTn id="13" fill="hold">
-                      <p:stCondLst>
-                        <p:cond delay="indefinite"/>
-                      </p:stCondLst>
-                      <p:childTnLst>
-                        <p:par>
-                          <p:cTn id="14" fill="hold">
-                            <p:stCondLst>
-                              <p:cond delay="0"/>
-                            </p:stCondLst>
-                            <p:childTnLst>
-                              <p:par>
-                                <p:cTn id="15" presetID="16" presetClass="entr" presetSubtype="21" fill="hold" nodeType="clickEffect">
-                                  <p:stCondLst>
-                                    <p:cond delay="0"/>
-                                  </p:stCondLst>
-                                  <p:childTnLst>
-                                    <p:set>
-                                      <p:cBhvr>
-                                        <p:cTn id="16" dur="1" fill="hold">
-                                          <p:stCondLst>
-                                            <p:cond delay="0"/>
-                                          </p:stCondLst>
-                                        </p:cTn>
-                                        <p:tgtEl>
-                                          <p:spTgt spid="20482"/>
-                                        </p:tgtEl>
-                                        <p:attrNameLst>
-                                          <p:attrName>style.visibility</p:attrName>
-                                        </p:attrNameLst>
-                                      </p:cBhvr>
-                                      <p:to>
-                                        <p:strVal val="visible"/>
-                                      </p:to>
-                                    </p:set>
-                                    <p:animEffect transition="in" filter="barn(inVertical)">
-                                      <p:cBhvr>
-                                        <p:cTn id="17" dur="500"/>
-                                        <p:tgtEl>
-                                          <p:spTgt spid="20482"/>
-                                        </p:tgtEl>
-                                      </p:cBhvr>
-                                    </p:animEffect>
-                                  </p:childTnLst>
-                                </p:cTn>
-                              </p:par>
-                            </p:childTnLst>
-                          </p:cTn>
-                        </p:par>
-                      </p:childTnLst>
-                    </p:cTn>
-                  </p:par>
-                  <p:par>
-                    <p:cTn id="18" fill="hold">
-                      <p:stCondLst>
-                        <p:cond delay="indefinite"/>
-                      </p:stCondLst>
-                      <p:childTnLst>
-                        <p:par>
-                          <p:cTn id="19" fill="hold">
-                            <p:stCondLst>
-                              <p:cond delay="0"/>
-                            </p:stCondLst>
-                            <p:childTnLst>
-                              <p:par>
-                                <p:cTn id="20" presetID="4" presetClass="entr" presetSubtype="32" fill="hold" grpId="0" nodeType="clickEffect">
-                                  <p:stCondLst>
-                                    <p:cond delay="0"/>
-                                  </p:stCondLst>
-                                  <p:childTnLst>
-                                    <p:set>
-                                      <p:cBhvr>
-                                        <p:cTn id="21" dur="1" fill="hold">
-                                          <p:stCondLst>
-                                            <p:cond delay="0"/>
-                                          </p:stCondLst>
-                                        </p:cTn>
-                                        <p:tgtEl>
-                                          <p:spTgt spid="20492"/>
-                                        </p:tgtEl>
-                                        <p:attrNameLst>
-                                          <p:attrName>style.visibility</p:attrName>
-                                        </p:attrNameLst>
-                                      </p:cBhvr>
-                                      <p:to>
-                                        <p:strVal val="visible"/>
-                                      </p:to>
-                                    </p:set>
-                                    <p:animEffect>
-                                      <p:cBhvr>
-                                        <p:cTn id="22" dur="500"/>
-                                        <p:tgtEl>
-                                          <p:spTgt spid="20492"/>
-                                        </p:tgtEl>
-                                      </p:cBhvr>
-                                    </p:animEffect>
-                                  </p:childTnLst>
-                                </p:cTn>
-                              </p:par>
-                            </p:childTnLst>
-                          </p:cTn>
-                        </p:par>
-                      </p:childTnLst>
-                    </p:cTn>
-                  </p:par>
-                  <p:par>
-                    <p:cTn id="23" fill="hold" nodeType="clickPar">
-                      <p:stCondLst>
-                        <p:cond delay="indefinite"/>
-                      </p:stCondLst>
-                      <p:childTnLst>
-                        <p:par>
-                          <p:cTn id="24" fill="hold" nodeType="withGroup">
-                            <p:stCondLst>
-                              <p:cond delay="0"/>
-                            </p:stCondLst>
-                            <p:childTnLst>
-                              <p:par>
-                                <p:cTn id="25" presetID="4" presetClass="entr" presetSubtype="32" fill="hold" grpId="0" nodeType="clickEffect">
-                                  <p:stCondLst>
-                                    <p:cond delay="0"/>
-                                  </p:stCondLst>
-                                  <p:childTnLst>
-                                    <p:set>
-                                      <p:cBhvr>
-                                        <p:cTn id="26" dur="1" fill="hold">
-                                          <p:stCondLst>
-                                            <p:cond delay="0"/>
-                                          </p:stCondLst>
-                                        </p:cTn>
-                                        <p:tgtEl>
-                                          <p:spTgt spid="20493"/>
-                                        </p:tgtEl>
-                                        <p:attrNameLst>
-                                          <p:attrName>style.visibility</p:attrName>
-                                        </p:attrNameLst>
-                                      </p:cBhvr>
-                                      <p:to>
-                                        <p:strVal val="visible"/>
-                                      </p:to>
-                                    </p:set>
-                                    <p:animEffect>
-                                      <p:cBhvr>
-                                        <p:cTn id="27" dur="500"/>
-                                        <p:tgtEl>
-                                          <p:spTgt spid="20493"/>
-                                        </p:tgtEl>
-                                      </p:cBhvr>
-                                    </p:animEffect>
-                                  </p:childTnLst>
-                                </p:cTn>
-                              </p:par>
-                            </p:childTnLst>
-                          </p:cTn>
-                        </p:par>
-                      </p:childTnLst>
-                    </p:cTn>
-                  </p:par>
-                  <p:par>
-                    <p:cTn id="28" fill="hold" nodeType="clickPar">
-                      <p:stCondLst>
-                        <p:cond delay="indefinite"/>
-                      </p:stCondLst>
-                      <p:childTnLst>
-                        <p:par>
-                          <p:cTn id="29" fill="hold" nodeType="withGroup">
-                            <p:stCondLst>
-                              <p:cond delay="0"/>
-                            </p:stCondLst>
-                            <p:childTnLst>
-                              <p:par>
-                                <p:cTn id="30" presetID="4" presetClass="entr" presetSubtype="32" fill="hold" grpId="0" nodeType="clickEffect">
-                                  <p:stCondLst>
-                                    <p:cond delay="0"/>
-                                  </p:stCondLst>
-                                  <p:childTnLst>
-                                    <p:set>
-                                      <p:cBhvr>
-                                        <p:cTn id="31" dur="1" fill="hold">
-                                          <p:stCondLst>
-                                            <p:cond delay="0"/>
-                                          </p:stCondLst>
-                                        </p:cTn>
-                                        <p:tgtEl>
-                                          <p:spTgt spid="20488"/>
-                                        </p:tgtEl>
-                                        <p:attrNameLst>
-                                          <p:attrName>style.visibility</p:attrName>
-                                        </p:attrNameLst>
-                                      </p:cBhvr>
-                                      <p:to>
-                                        <p:strVal val="visible"/>
-                                      </p:to>
-                                    </p:set>
-                                    <p:animEffect>
-                                      <p:cBhvr>
-                                        <p:cTn id="32" dur="500"/>
-                                        <p:tgtEl>
-                                          <p:spTgt spid="20488"/>
-                                        </p:tgtEl>
-                                      </p:cBhvr>
-                                    </p:animEffect>
-                                  </p:childTnLst>
-                                </p:cTn>
-                              </p:par>
-                            </p:childTnLst>
-                          </p:cTn>
-                        </p:par>
-                      </p:childTnLst>
-                    </p:cTn>
-                  </p:par>
-                </p:childTnLst>
-              </p:cTn>
-              <p:prevCondLst>
-                <p:cond evt="onPrev" delay="0">
-                  <p:tgtEl>
-                    <p:sldTgt/>
-                  </p:tgtEl>
-                </p:cond>
-              </p:prevCondLst>
-              <p:nextCondLst>
-                <p:cond evt="onNext" delay="0">
-                  <p:tgtEl>
-                    <p:sldTgt/>
-                  </p:tgtEl>
-                </p:cond>
-              </p:nextCondLst>
-            </p:seq>
-          </p:childTnLst>
-        </p:cTn>
-      </p:par>
-    </p:tnLst>
-    <p:bldLst>
-      <p:bldP spid="20488" grpId="0" bldLvl="0" animBg="1" autoUpdateAnimBg="0"/>
-      <p:bldP spid="20489" grpId="0" bldLvl="0" animBg="1" autoUpdateAnimBg="0"/>
-      <p:bldP spid="20490" grpId="0" bldLvl="0" animBg="1" autoUpdateAnimBg="0"/>
-      <p:bldP spid="20492" grpId="0" bldLvl="0" animBg="1" autoUpdateAnimBg="0"/>
-      <p:bldP spid="20493" grpId="0" bldLvl="0" animBg="1" autoUpdateAnimBg="0"/>
-    </p:bldLst>
   </p:timing>
 </p:sld>
 </file>
@@ -24424,7 +18791,7 @@
               </a:spcBef>
             </a:pPr>
             <a:r>
-              <a:rPr lang="zh-CN" altLang="en-US">
+              <a:rPr lang="zh-CN" altLang="en-US" dirty="0">
                 <a:solidFill>
                   <a:srgbClr val="FF0000"/>
                 </a:solidFill>
@@ -24437,7 +18804,7 @@
               <a:t>在</a:t>
             </a:r>
             <a:r>
-              <a:rPr lang="en-US">
+              <a:rPr lang="en-US" dirty="0">
                 <a:solidFill>
                   <a:srgbClr val="FF0000"/>
                 </a:solidFill>
@@ -24451,7 +18818,7 @@
               <a:t>"</a:t>
             </a:r>
             <a:r>
-              <a:rPr lang="en-US">
+              <a:rPr lang="en-US" dirty="0">
                 <a:solidFill>
                   <a:srgbClr val="FF0000"/>
                 </a:solidFill>
@@ -24464,7 +18831,7 @@
               <a:t> </a:t>
             </a:r>
             <a:r>
-              <a:rPr lang="zh-CN" altLang="en-US">
+              <a:rPr lang="zh-CN" altLang="en-US" dirty="0">
                 <a:solidFill>
                   <a:srgbClr val="FF0000"/>
                 </a:solidFill>
@@ -24477,7 +18844,7 @@
               <a:t>＝</a:t>
             </a:r>
             <a:r>
-              <a:rPr lang="en-US">
+              <a:rPr lang="en-US" dirty="0">
                 <a:solidFill>
                   <a:srgbClr val="FF0000"/>
                 </a:solidFill>
@@ -24491,7 +18858,7 @@
               <a:t>"</a:t>
             </a:r>
             <a:r>
-              <a:rPr lang="zh-CN" altLang="en-US">
+              <a:rPr lang="zh-CN" altLang="en-US" dirty="0">
                 <a:solidFill>
                   <a:srgbClr val="FF0000"/>
                 </a:solidFill>
@@ -24504,14 +18871,14 @@
               <a:t>号之前加一个其它运算符。</a:t>
             </a:r>
             <a:r>
-              <a:rPr lang="zh-CN" altLang="en-US">
+              <a:rPr lang="zh-CN" altLang="en-US" dirty="0">
                 <a:solidFill>
                   <a:schemeClr val="tx1"/>
                 </a:solidFill>
               </a:rPr>
               <a:t>凡是二目运算符均可构成复合运算符。</a:t>
             </a:r>
-            <a:endParaRPr lang="zh-CN" altLang="en-US">
+            <a:endParaRPr lang="zh-CN" altLang="en-US" dirty="0">
               <a:solidFill>
                 <a:srgbClr val="FF0000"/>
               </a:solidFill>
@@ -25780,9 +20147,89 @@
             </a:r>
             <a:r>
               <a:rPr lang="en-US" sz="2400" dirty="0" smtClean="0"/>
-              <a:t>(‘0’+1); // 1</a:t>
-            </a:r>
-            <a:endParaRPr lang="en-US" sz="2400" dirty="0"/>
+              <a:t>(‘0’+1); // </a:t>
+            </a:r>
+            <a:r>
+              <a:rPr lang="en-US" sz="2400" dirty="0" smtClean="0"/>
+              <a:t>1,</a:t>
+            </a:r>
+            <a:r>
+              <a:rPr lang="zh-CN" altLang="en-US" sz="2400" dirty="0" smtClean="0">
+                <a:solidFill>
+                  <a:srgbClr val="FF0000"/>
+                </a:solidFill>
+              </a:rPr>
+              <a:t>数字</a:t>
+            </a:r>
+            <a:r>
+              <a:rPr lang="en-US" altLang="zh-CN" sz="2400" dirty="0" err="1" smtClean="0">
+                <a:solidFill>
+                  <a:srgbClr val="FF0000"/>
+                </a:solidFill>
+              </a:rPr>
+              <a:t>ascii</a:t>
+            </a:r>
+            <a:r>
+              <a:rPr lang="zh-CN" altLang="en-US" sz="2400" dirty="0" smtClean="0">
+                <a:solidFill>
+                  <a:srgbClr val="FF0000"/>
+                </a:solidFill>
+              </a:rPr>
+              <a:t>码</a:t>
+            </a:r>
+            <a:r>
+              <a:rPr lang="en-US" altLang="zh-CN" sz="2400" dirty="0" smtClean="0">
+                <a:solidFill>
+                  <a:srgbClr val="FF0000"/>
+                </a:solidFill>
+              </a:rPr>
+              <a:t>=</a:t>
+            </a:r>
+            <a:r>
+              <a:rPr lang="zh-CN" altLang="en-US" sz="2400" dirty="0" smtClean="0">
+                <a:solidFill>
+                  <a:srgbClr val="FF0000"/>
+                </a:solidFill>
+              </a:rPr>
+              <a:t>‘</a:t>
+            </a:r>
+            <a:r>
+              <a:rPr lang="en-US" altLang="zh-CN" sz="2400" dirty="0" smtClean="0">
+                <a:solidFill>
+                  <a:srgbClr val="FF0000"/>
+                </a:solidFill>
+              </a:rPr>
+              <a:t>0</a:t>
+            </a:r>
+            <a:r>
+              <a:rPr lang="zh-CN" altLang="en-US" sz="2400" dirty="0" smtClean="0">
+                <a:solidFill>
+                  <a:srgbClr val="FF0000"/>
+                </a:solidFill>
+              </a:rPr>
+              <a:t>’</a:t>
+            </a:r>
+            <a:r>
+              <a:rPr lang="en-US" altLang="zh-CN" sz="2400" dirty="0" smtClean="0">
+                <a:solidFill>
+                  <a:srgbClr val="FF0000"/>
+                </a:solidFill>
+              </a:rPr>
+              <a:t>+ </a:t>
+            </a:r>
+            <a:r>
+              <a:rPr lang="zh-CN" altLang="en-US" sz="2400" dirty="0" smtClean="0">
+                <a:solidFill>
+                  <a:srgbClr val="FF0000"/>
+                </a:solidFill>
+              </a:rPr>
+              <a:t>数字</a:t>
+            </a:r>
+            <a:endParaRPr lang="en-US" sz="2400" dirty="0">
+              <a:solidFill>
+                <a:srgbClr val="FF0000"/>
+              </a:solidFill>
+            </a:endParaRPr>
           </a:p>
           <a:p>
             <a:pPr>
@@ -28387,47 +22834,4 @@
     </a:folHlink>
   </a:clrScheme>
 </a:themeOverride>
-</file>
-
-<file path=ppt/theme/themeOverride2.xml><?xml version="1.0" encoding="utf-8"?>
-<a:themeOverride xmlns:a="http://schemas.openxmlformats.org/drawingml/2006/main">
-  <a:clrScheme name="">
-    <a:dk1>
-      <a:srgbClr val="545472"/>
-    </a:dk1>
-    <a:lt1>
-      <a:srgbClr val="FFFFFF"/>
-    </a:lt1>
-    <a:dk2>
-      <a:srgbClr val="660066"/>
-    </a:dk2>
-    <a:lt2>
-      <a:srgbClr val="9797B7"/>
-    </a:lt2>
-    <a:accent1>
-      <a:srgbClr val="A7CCD9"/>
-    </a:accent1>
-    <a:accent2>
-      <a:srgbClr val="C7C7DF"/>
-    </a:accent2>
-    <a:accent3>
-      <a:srgbClr val="FFFFFF"/>
-    </a:accent3>
-    <a:accent4>
-      <a:srgbClr val="464660"/>
-    </a:accent4>
-    <a:accent5>
-      <a:srgbClr val="D0E2E9"/>
-    </a:accent5>
-    <a:accent6>
-      <a:srgbClr val="B4B4CA"/>
-    </a:accent6>
-    <a:hlink>
-      <a:srgbClr val="F125CA"/>
-    </a:hlink>
-    <a:folHlink>
-      <a:srgbClr val="8888AE"/>
-    </a:folHlink>
-  </a:clrScheme>
-</a:themeOverride>
 </file>
--- a/2015备课/课件/复习.pptx
+++ b/2015备课/课件/复习.pptx
@@ -10,10 +10,10 @@
   <p:sldIdLst>
     <p:sldId id="583" r:id="rId2"/>
     <p:sldId id="582" r:id="rId3"/>
-    <p:sldId id="502" r:id="rId4"/>
-    <p:sldId id="494" r:id="rId5"/>
-    <p:sldId id="506" r:id="rId6"/>
-    <p:sldId id="511" r:id="rId7"/>
+    <p:sldId id="511" r:id="rId4"/>
+    <p:sldId id="502" r:id="rId5"/>
+    <p:sldId id="494" r:id="rId6"/>
+    <p:sldId id="506" r:id="rId7"/>
     <p:sldId id="519" r:id="rId8"/>
     <p:sldId id="518" r:id="rId9"/>
     <p:sldId id="520" r:id="rId10"/>
@@ -1032,7 +1032,7 @@
                   <a:spcPct val="0"/>
                 </a:spcBef>
               </a:pPr>
-              <a:t>6</a:t>
+              <a:t>3</a:t>
             </a:fld>
             <a:endParaRPr lang="en-US">
               <a:ea typeface="楷体_GB2312" pitchFamily="1" charset="-122"/>
@@ -1044,6 +1044,204 @@
   </p:cSld>
   <p:clrMapOvr>
     <a:overrideClrMapping bg1="lt1" tx1="dk1" bg2="lt2" tx2="dk2" accent1="accent1" accent2="accent2" accent3="accent3" accent4="accent4" accent5="accent5" accent6="accent6" hlink="hlink" folHlink="folHlink"/>
+  </p:clrMapOvr>
+</p:notes>
+</file>
+
+<file path=ppt/notesSlides/notesSlide2.xml><?xml version="1.0" encoding="utf-8"?>
+<p:notes xmlns:a="http://schemas.openxmlformats.org/drawingml/2006/main" xmlns:r="http://schemas.openxmlformats.org/officeDocument/2006/relationships" xmlns:p="http://schemas.openxmlformats.org/presentationml/2006/main">
+  <p:cSld>
+    <p:spTree>
+      <p:nvGrpSpPr>
+        <p:cNvPr id="1" name=""/>
+        <p:cNvGrpSpPr/>
+        <p:nvPr/>
+      </p:nvGrpSpPr>
+      <p:grpSpPr>
+        <a:xfrm>
+          <a:off x="0" y="0"/>
+          <a:ext cx="0" cy="0"/>
+          <a:chOff x="0" y="0"/>
+          <a:chExt cx="0" cy="0"/>
+        </a:xfrm>
+      </p:grpSpPr>
+      <p:sp>
+        <p:nvSpPr>
+          <p:cNvPr id="2" name="幻灯片图像占位符 1"/>
+          <p:cNvSpPr>
+            <a:spLocks noGrp="1" noRot="1" noChangeAspect="1"/>
+          </p:cNvSpPr>
+          <p:nvPr>
+            <p:ph type="sldImg"/>
+          </p:nvPr>
+        </p:nvSpPr>
+        <p:spPr/>
+      </p:sp>
+      <p:sp>
+        <p:nvSpPr>
+          <p:cNvPr id="3" name="备注占位符 2"/>
+          <p:cNvSpPr>
+            <a:spLocks noGrp="1"/>
+          </p:cNvSpPr>
+          <p:nvPr>
+            <p:ph type="body" idx="1"/>
+          </p:nvPr>
+        </p:nvSpPr>
+        <p:spPr>
+          <a:xfrm>
+            <a:off x="685800" y="4343400"/>
+            <a:ext cx="5486400" cy="4114800"/>
+          </a:xfrm>
+          <a:prstGeom prst="rect">
+            <a:avLst/>
+          </a:prstGeom>
+        </p:spPr>
+        <p:txBody>
+          <a:bodyPr/>
+          <a:lstStyle/>
+          <a:p>
+            <a:endParaRPr lang="zh-CN" altLang="en-US" dirty="0"/>
+          </a:p>
+        </p:txBody>
+      </p:sp>
+      <p:sp>
+        <p:nvSpPr>
+          <p:cNvPr id="4" name="灯片编号占位符 3"/>
+          <p:cNvSpPr>
+            <a:spLocks noGrp="1"/>
+          </p:cNvSpPr>
+          <p:nvPr>
+            <p:ph type="sldNum" sz="quarter" idx="10"/>
+          </p:nvPr>
+        </p:nvSpPr>
+        <p:spPr/>
+        <p:txBody>
+          <a:bodyPr/>
+          <a:lstStyle/>
+          <a:p>
+            <a:fld id="{40066AA2-E23C-4269-B590-CB184A212733}" type="slidenum">
+              <a:rPr lang="zh-CN" altLang="en-US" smtClean="0"/>
+              <a:pPr/>
+              <a:t>12</a:t>
+            </a:fld>
+            <a:endParaRPr lang="en-US" sz="1200" b="0">
+              <a:solidFill>
+                <a:schemeClr val="tx1"/>
+              </a:solidFill>
+              <a:latin typeface="Arial" pitchFamily="34" charset="0"/>
+              <a:ea typeface="宋体" pitchFamily="2" charset="-122"/>
+            </a:endParaRPr>
+          </a:p>
+        </p:txBody>
+      </p:sp>
+    </p:spTree>
+    <p:extLst>
+      <p:ext uri="{BB962C8B-B14F-4D97-AF65-F5344CB8AC3E}">
+        <p14:creationId xmlns:p14="http://schemas.microsoft.com/office/powerpoint/2010/main" val="90987002"/>
+      </p:ext>
+    </p:extLst>
+  </p:cSld>
+  <p:clrMapOvr>
+    <a:masterClrMapping/>
+  </p:clrMapOvr>
+</p:notes>
+</file>
+
+<file path=ppt/notesSlides/notesSlide3.xml><?xml version="1.0" encoding="utf-8"?>
+<p:notes xmlns:a="http://schemas.openxmlformats.org/drawingml/2006/main" xmlns:r="http://schemas.openxmlformats.org/officeDocument/2006/relationships" xmlns:p="http://schemas.openxmlformats.org/presentationml/2006/main">
+  <p:cSld>
+    <p:spTree>
+      <p:nvGrpSpPr>
+        <p:cNvPr id="1" name=""/>
+        <p:cNvGrpSpPr/>
+        <p:nvPr/>
+      </p:nvGrpSpPr>
+      <p:grpSpPr>
+        <a:xfrm>
+          <a:off x="0" y="0"/>
+          <a:ext cx="0" cy="0"/>
+          <a:chOff x="0" y="0"/>
+          <a:chExt cx="0" cy="0"/>
+        </a:xfrm>
+      </p:grpSpPr>
+      <p:sp>
+        <p:nvSpPr>
+          <p:cNvPr id="2" name="幻灯片图像占位符 1"/>
+          <p:cNvSpPr>
+            <a:spLocks noGrp="1" noRot="1" noChangeAspect="1"/>
+          </p:cNvSpPr>
+          <p:nvPr>
+            <p:ph type="sldImg"/>
+          </p:nvPr>
+        </p:nvSpPr>
+        <p:spPr/>
+      </p:sp>
+      <p:sp>
+        <p:nvSpPr>
+          <p:cNvPr id="3" name="备注占位符 2"/>
+          <p:cNvSpPr>
+            <a:spLocks noGrp="1"/>
+          </p:cNvSpPr>
+          <p:nvPr>
+            <p:ph type="body" idx="1"/>
+          </p:nvPr>
+        </p:nvSpPr>
+        <p:spPr>
+          <a:xfrm>
+            <a:off x="685800" y="4343400"/>
+            <a:ext cx="5486400" cy="4114800"/>
+          </a:xfrm>
+          <a:prstGeom prst="rect">
+            <a:avLst/>
+          </a:prstGeom>
+        </p:spPr>
+        <p:txBody>
+          <a:bodyPr/>
+          <a:lstStyle/>
+          <a:p>
+            <a:endParaRPr lang="zh-CN" altLang="en-US" dirty="0"/>
+          </a:p>
+        </p:txBody>
+      </p:sp>
+      <p:sp>
+        <p:nvSpPr>
+          <p:cNvPr id="4" name="灯片编号占位符 3"/>
+          <p:cNvSpPr>
+            <a:spLocks noGrp="1"/>
+          </p:cNvSpPr>
+          <p:nvPr>
+            <p:ph type="sldNum" sz="quarter" idx="10"/>
+          </p:nvPr>
+        </p:nvSpPr>
+        <p:spPr/>
+        <p:txBody>
+          <a:bodyPr/>
+          <a:lstStyle/>
+          <a:p>
+            <a:fld id="{40066AA2-E23C-4269-B590-CB184A212733}" type="slidenum">
+              <a:rPr lang="zh-CN" altLang="en-US" smtClean="0"/>
+              <a:pPr/>
+              <a:t>13</a:t>
+            </a:fld>
+            <a:endParaRPr lang="en-US" sz="1200" b="0">
+              <a:solidFill>
+                <a:schemeClr val="tx1"/>
+              </a:solidFill>
+              <a:latin typeface="Arial" pitchFamily="34" charset="0"/>
+              <a:ea typeface="宋体" pitchFamily="2" charset="-122"/>
+            </a:endParaRPr>
+          </a:p>
+        </p:txBody>
+      </p:sp>
+    </p:spTree>
+    <p:extLst>
+      <p:ext uri="{BB962C8B-B14F-4D97-AF65-F5344CB8AC3E}">
+        <p14:creationId xmlns:p14="http://schemas.microsoft.com/office/powerpoint/2010/main" val="1305295863"/>
+      </p:ext>
+    </p:extLst>
+  </p:cSld>
+  <p:clrMapOvr>
+    <a:masterClrMapping/>
   </p:clrMapOvr>
 </p:notes>
 </file>
@@ -8253,7 +8451,7 @@
           <p:nvPr/>
         </p:nvPicPr>
         <p:blipFill>
-          <a:blip r:embed="rId2">
+          <a:blip r:embed="rId3">
             <a:extLst>
               <a:ext uri="{28A0092B-C50C-407E-A947-70E740481C1C}">
                 <a14:useLocalDpi xmlns:a14="http://schemas.microsoft.com/office/drawing/2010/main" val="0"/>
@@ -8319,7 +8517,7 @@
           <p:nvPr/>
         </p:nvPicPr>
         <p:blipFill>
-          <a:blip r:embed="rId3">
+          <a:blip r:embed="rId4">
             <a:extLst>
               <a:ext uri="{28A0092B-C50C-407E-A947-70E740481C1C}">
                 <a14:useLocalDpi xmlns:a14="http://schemas.microsoft.com/office/drawing/2010/main" val="0"/>
@@ -8385,7 +8583,7 @@
           <p:nvPr/>
         </p:nvPicPr>
         <p:blipFill>
-          <a:blip r:embed="rId4">
+          <a:blip r:embed="rId5">
             <a:extLst>
               <a:ext uri="{28A0092B-C50C-407E-A947-70E740481C1C}">
                 <a14:useLocalDpi xmlns:a14="http://schemas.microsoft.com/office/drawing/2010/main" val="0"/>
@@ -9417,7 +9615,7 @@
           <p:nvPr/>
         </p:nvPicPr>
         <p:blipFill>
-          <a:blip r:embed="rId2">
+          <a:blip r:embed="rId3">
             <a:extLst>
               <a:ext uri="{28A0092B-C50C-407E-A947-70E740481C1C}">
                 <a14:useLocalDpi xmlns:a14="http://schemas.microsoft.com/office/drawing/2010/main" val="0"/>
@@ -14293,11 +14491,25 @@
               </a:lnSpc>
             </a:pPr>
             <a:r>
+              <a:rPr lang="zh-CN" altLang="en-US" dirty="0">
+                <a:latin typeface="仿宋" pitchFamily="49" charset="-122"/>
+                <a:ea typeface="仿宋" pitchFamily="49" charset="-122"/>
+              </a:rPr>
+              <a:t>四</a:t>
+            </a:r>
+            <a:r>
+              <a:rPr lang="zh-CN" altLang="zh-CN" dirty="0" smtClean="0">
+                <a:latin typeface="仿宋" pitchFamily="49" charset="-122"/>
+                <a:ea typeface="仿宋" pitchFamily="49" charset="-122"/>
+              </a:rPr>
+              <a:t>、</a:t>
+            </a:r>
+            <a:r>
               <a:rPr lang="zh-CN" altLang="zh-CN" dirty="0">
                 <a:latin typeface="仿宋" pitchFamily="49" charset="-122"/>
                 <a:ea typeface="仿宋" pitchFamily="49" charset="-122"/>
               </a:rPr>
-              <a:t>五、编程题（</a:t>
+              <a:t>编程题（</a:t>
             </a:r>
             <a:r>
               <a:rPr lang="en-US" altLang="zh-CN" dirty="0">
@@ -15234,7 +15446,7 @@
         <p:spPr>
           <a:xfrm>
             <a:off x="1187765" y="1052835"/>
-            <a:ext cx="7056490" cy="5336846"/>
+            <a:ext cx="7056490" cy="5780044"/>
           </a:xfrm>
           <a:prstGeom prst="rect">
             <a:avLst/>
@@ -15249,25 +15461,37 @@
           <a:p>
             <a:r>
               <a:rPr lang="en-US" altLang="zh-CN" dirty="0"/>
-              <a:t>char *</a:t>
-            </a:r>
-            <a:r>
-              <a:rPr lang="en-US" altLang="zh-CN" dirty="0" err="1"/>
-              <a:t>s,ss</a:t>
-            </a:r>
-            <a:r>
-              <a:rPr lang="en-US" altLang="zh-CN" dirty="0"/>
-              <a:t>[80</a:t>
+              <a:t>char *s</a:t>
             </a:r>
             <a:r>
               <a:rPr lang="en-US" altLang="zh-CN" dirty="0" smtClean="0"/>
-              <a:t>];   s=</a:t>
+              <a:t>, </a:t>
             </a:r>
             <a:r>
               <a:rPr lang="en-US" altLang="zh-CN" dirty="0" err="1" smtClean="0"/>
               <a:t>ss</a:t>
             </a:r>
             <a:r>
+              <a:rPr lang="en-US" altLang="zh-CN" dirty="0" smtClean="0"/>
+              <a:t>[80]</a:t>
+            </a:r>
+            <a:r>
+              <a:rPr lang="en-US" altLang="zh-CN" dirty="0" smtClean="0"/>
+              <a:t>, c</a:t>
+            </a:r>
+            <a:r>
+              <a:rPr lang="en-US" altLang="zh-CN" dirty="0" smtClean="0"/>
+              <a:t>;   </a:t>
+            </a:r>
+            <a:r>
+              <a:rPr lang="en-US" altLang="zh-CN" dirty="0" smtClean="0"/>
+              <a:t>s=</a:t>
+            </a:r>
+            <a:r>
+              <a:rPr lang="en-US" altLang="zh-CN" dirty="0" err="1" smtClean="0"/>
+              <a:t>ss</a:t>
+            </a:r>
+            <a:r>
               <a:rPr lang="en-US" altLang="zh-CN" dirty="0"/>
               <a:t>;</a:t>
             </a:r>
@@ -15304,16 +15528,28 @@
               <a:t>for((c=*s++) != 0)   // c=*s, s++</a:t>
             </a:r>
             <a:r>
+              <a:rPr lang="zh-CN" altLang="zh-CN" dirty="0" smtClean="0"/>
+              <a:t>，</a:t>
+            </a:r>
+            <a:r>
+              <a:rPr lang="en-US" altLang="zh-CN" dirty="0"/>
+              <a:t> </a:t>
+            </a:r>
+            <a:r>
+              <a:rPr lang="en-US" altLang="zh-CN" dirty="0" smtClean="0"/>
+              <a:t>'\0</a:t>
+            </a:r>
+            <a:r>
+              <a:rPr lang="en-US" altLang="zh-CN" dirty="0"/>
+              <a:t>'</a:t>
+            </a:r>
+            <a:r>
+              <a:rPr lang="zh-CN" altLang="zh-CN" dirty="0" smtClean="0"/>
+              <a:t>与</a:t>
+            </a:r>
+            <a:r>
               <a:rPr lang="zh-CN" altLang="zh-CN" dirty="0"/>
-              <a:t>，’</a:t>
-            </a:r>
-            <a:r>
-              <a:rPr lang="en-US" altLang="zh-CN" dirty="0"/>
-              <a:t>\0</a:t>
-            </a:r>
-            <a:r>
-              <a:rPr lang="zh-CN" altLang="zh-CN" dirty="0"/>
-              <a:t>’与整数</a:t>
+              <a:t>整数</a:t>
             </a:r>
             <a:r>
               <a:rPr lang="en-US" altLang="zh-CN" dirty="0"/>
@@ -15375,24 +15611,46 @@
               <a:t>ss</a:t>
             </a:r>
             <a:r>
-              <a:rPr lang="en-US" altLang="zh-CN" dirty="0"/>
-              <a:t>;  s2=</a:t>
-            </a:r>
-            <a:r>
-              <a:rPr lang="en-US" altLang="zh-CN" dirty="0" err="1"/>
+              <a:rPr lang="en-US" altLang="zh-CN" dirty="0" smtClean="0"/>
+              <a:t>;  // </a:t>
+            </a:r>
+            <a:r>
+              <a:rPr lang="zh-CN" altLang="en-US" dirty="0" smtClean="0"/>
+              <a:t>第一个字符</a:t>
+            </a:r>
+            <a:r>
+              <a:rPr lang="en-US" altLang="zh-CN" dirty="0" smtClean="0"/>
+              <a:t>  </a:t>
+            </a:r>
+          </a:p>
+          <a:p>
+            <a:r>
+              <a:rPr lang="en-US" altLang="zh-CN" dirty="0" smtClean="0"/>
+              <a:t>s2=</a:t>
+            </a:r>
+            <a:r>
+              <a:rPr lang="en-US" altLang="zh-CN" dirty="0" err="1" smtClean="0"/>
               <a:t>ss+strlen</a:t>
             </a:r>
             <a:r>
-              <a:rPr lang="en-US" altLang="zh-CN" dirty="0"/>
+              <a:rPr lang="en-US" altLang="zh-CN" dirty="0" smtClean="0"/>
               <a:t>(</a:t>
             </a:r>
             <a:r>
-              <a:rPr lang="en-US" altLang="zh-CN" dirty="0" err="1"/>
+              <a:rPr lang="en-US" altLang="zh-CN" dirty="0" err="1" smtClean="0"/>
               <a:t>ss</a:t>
             </a:r>
             <a:r>
-              <a:rPr lang="en-US" altLang="zh-CN" dirty="0"/>
-              <a:t>);   </a:t>
+              <a:rPr lang="en-US" altLang="zh-CN" dirty="0" smtClean="0"/>
+              <a:t>)-1;   </a:t>
+            </a:r>
+            <a:r>
+              <a:rPr lang="en-US" altLang="zh-CN" dirty="0" smtClean="0"/>
+              <a:t>// </a:t>
+            </a:r>
+            <a:r>
+              <a:rPr lang="zh-CN" altLang="en-US" dirty="0" smtClean="0"/>
+              <a:t>最后一个字符</a:t>
             </a:r>
             <a:endParaRPr lang="en-US" altLang="zh-CN" dirty="0" smtClean="0"/>
           </a:p>
@@ -15488,15 +15746,7 @@
                   <a:srgbClr val="FFFF00"/>
                 </a:solidFill>
               </a:rPr>
-              <a:t>增、自减，字符串，</a:t>
-            </a:r>
-            <a:r>
-              <a:rPr lang="zh-CN" altLang="en-US" sz="2800" dirty="0" smtClean="0">
-                <a:solidFill>
-                  <a:srgbClr val="FFFF00"/>
-                </a:solidFill>
-              </a:rPr>
-              <a:t>指针，循环</a:t>
+              <a:t>增、自减，字符串，指针，循环</a:t>
             </a:r>
             <a:endParaRPr lang="zh-CN" altLang="en-US" sz="2800" dirty="0">
               <a:solidFill>
@@ -15560,15 +15810,7 @@
           <a:p>
             <a:r>
               <a:rPr lang="zh-CN" altLang="en-US" dirty="0" smtClean="0"/>
-              <a:t>结构体、</a:t>
-            </a:r>
-            <a:r>
-              <a:rPr lang="zh-CN" altLang="en-US" dirty="0" smtClean="0"/>
-              <a:t>结构体数组</a:t>
-            </a:r>
-            <a:r>
-              <a:rPr lang="zh-CN" altLang="en-US" dirty="0" smtClean="0"/>
-              <a:t>和</a:t>
+              <a:t>结构体、结构体数组和</a:t>
             </a:r>
             <a:r>
               <a:rPr lang="zh-CN" altLang="en-US" dirty="0"/>
@@ -15922,8 +16164,12 @@
           </a:p>
           <a:p>
             <a:r>
+              <a:rPr lang="pt-BR" altLang="en-US" sz="2000" dirty="0" smtClean="0"/>
+              <a:t>stu.num=101</a:t>
+            </a:r>
+            <a:r>
               <a:rPr lang="pt-BR" altLang="en-US" sz="2000" dirty="0"/>
-              <a:t>stu1.num=101;  </a:t>
+              <a:t>;  </a:t>
             </a:r>
           </a:p>
           <a:p>
@@ -16049,2544 +16295,6 @@
 </file>
 
 <file path=ppt/slides/slide3.xml><?xml version="1.0" encoding="utf-8"?>
-<p:sld xmlns:a="http://schemas.openxmlformats.org/drawingml/2006/main" xmlns:r="http://schemas.openxmlformats.org/officeDocument/2006/relationships" xmlns:p="http://schemas.openxmlformats.org/presentationml/2006/main">
-  <p:cSld>
-    <p:spTree>
-      <p:nvGrpSpPr>
-        <p:cNvPr id="1" name=""/>
-        <p:cNvGrpSpPr/>
-        <p:nvPr/>
-      </p:nvGrpSpPr>
-      <p:grpSpPr>
-        <a:xfrm>
-          <a:off x="0" y="0"/>
-          <a:ext cx="0" cy="0"/>
-          <a:chOff x="0" y="0"/>
-          <a:chExt cx="0" cy="0"/>
-        </a:xfrm>
-      </p:grpSpPr>
-      <p:sp>
-        <p:nvSpPr>
-          <p:cNvPr id="8194" name="标题 1"/>
-          <p:cNvSpPr>
-            <a:spLocks noGrp="1"/>
-          </p:cNvSpPr>
-          <p:nvPr>
-            <p:ph type="title" idx="4294967295"/>
-          </p:nvPr>
-        </p:nvSpPr>
-        <p:spPr/>
-        <p:txBody>
-          <a:bodyPr/>
-          <a:lstStyle/>
-          <a:p>
-            <a:pPr eaLnBrk="1" hangingPunct="1"/>
-            <a:r>
-              <a:rPr lang="zh-CN" altLang="en-US"/>
-              <a:t>两个整数相除的值</a:t>
-            </a:r>
-          </a:p>
-        </p:txBody>
-      </p:sp>
-      <p:sp>
-        <p:nvSpPr>
-          <p:cNvPr id="8195" name="灯片编号占位符 2"/>
-          <p:cNvSpPr txBox="1">
-            <a:spLocks noGrp="1" noChangeArrowheads="1"/>
-          </p:cNvSpPr>
-          <p:nvPr/>
-        </p:nvSpPr>
-        <p:spPr bwMode="auto">
-          <a:xfrm>
-            <a:off x="8556625" y="0"/>
-            <a:ext cx="587375" cy="396875"/>
-          </a:xfrm>
-          <a:prstGeom prst="rect">
-            <a:avLst/>
-          </a:prstGeom>
-          <a:noFill/>
-          <a:ln>
-            <a:noFill/>
-          </a:ln>
-          <a:extLst>
-            <a:ext uri="{909E8E84-426E-40DD-AFC4-6F175D3DCCD1}">
-              <a14:hiddenFill xmlns:a14="http://schemas.microsoft.com/office/drawing/2010/main">
-                <a:solidFill>
-                  <a:srgbClr val="FFFFFF"/>
-                </a:solidFill>
-              </a14:hiddenFill>
-            </a:ext>
-            <a:ext uri="{91240B29-F687-4F45-9708-019B960494DF}">
-              <a14:hiddenLine xmlns:a14="http://schemas.microsoft.com/office/drawing/2010/main" w="9525">
-                <a:solidFill>
-                  <a:srgbClr val="000000"/>
-                </a:solidFill>
-                <a:miter lim="800000"/>
-                <a:headEnd/>
-                <a:tailEnd/>
-              </a14:hiddenLine>
-            </a:ext>
-          </a:extLst>
-        </p:spPr>
-        <p:txBody>
-          <a:bodyPr anchor="b" anchorCtr="1">
-            <a:spAutoFit/>
-          </a:bodyPr>
-          <a:lstStyle>
-            <a:lvl1pPr>
-              <a:defRPr sz="2400" b="1">
-                <a:solidFill>
-                  <a:srgbClr val="000000"/>
-                </a:solidFill>
-                <a:latin typeface="Times New Roman" pitchFamily="18" charset="0"/>
-                <a:ea typeface="宋体" pitchFamily="2" charset="-122"/>
-              </a:defRPr>
-            </a:lvl1pPr>
-            <a:lvl2pPr marL="742950" indent="-285750">
-              <a:defRPr sz="2400" b="1">
-                <a:solidFill>
-                  <a:srgbClr val="000000"/>
-                </a:solidFill>
-                <a:latin typeface="Times New Roman" pitchFamily="18" charset="0"/>
-                <a:ea typeface="宋体" pitchFamily="2" charset="-122"/>
-              </a:defRPr>
-            </a:lvl2pPr>
-            <a:lvl3pPr marL="1143000" indent="-228600">
-              <a:defRPr sz="2400" b="1">
-                <a:solidFill>
-                  <a:srgbClr val="000000"/>
-                </a:solidFill>
-                <a:latin typeface="Times New Roman" pitchFamily="18" charset="0"/>
-                <a:ea typeface="宋体" pitchFamily="2" charset="-122"/>
-              </a:defRPr>
-            </a:lvl3pPr>
-            <a:lvl4pPr marL="1600200" indent="-228600">
-              <a:defRPr sz="2400" b="1">
-                <a:solidFill>
-                  <a:srgbClr val="000000"/>
-                </a:solidFill>
-                <a:latin typeface="Times New Roman" pitchFamily="18" charset="0"/>
-                <a:ea typeface="宋体" pitchFamily="2" charset="-122"/>
-              </a:defRPr>
-            </a:lvl4pPr>
-            <a:lvl5pPr marL="2057400" indent="-228600">
-              <a:defRPr sz="2400" b="1">
-                <a:solidFill>
-                  <a:srgbClr val="000000"/>
-                </a:solidFill>
-                <a:latin typeface="Times New Roman" pitchFamily="18" charset="0"/>
-                <a:ea typeface="宋体" pitchFamily="2" charset="-122"/>
-              </a:defRPr>
-            </a:lvl5pPr>
-            <a:lvl6pPr marL="2514600" indent="-228600" eaLnBrk="0" fontAlgn="base" hangingPunct="0">
-              <a:spcBef>
-                <a:spcPct val="20000"/>
-              </a:spcBef>
-              <a:spcAft>
-                <a:spcPct val="0"/>
-              </a:spcAft>
-              <a:buClr>
-                <a:schemeClr val="tx1"/>
-              </a:buClr>
-              <a:buSzPct val="75000"/>
-              <a:buFont typeface="Wingdings" pitchFamily="2" charset="2"/>
-              <a:defRPr sz="2400" b="1">
-                <a:solidFill>
-                  <a:srgbClr val="000000"/>
-                </a:solidFill>
-                <a:latin typeface="Times New Roman" pitchFamily="18" charset="0"/>
-                <a:ea typeface="宋体" pitchFamily="2" charset="-122"/>
-              </a:defRPr>
-            </a:lvl6pPr>
-            <a:lvl7pPr marL="2971800" indent="-228600" eaLnBrk="0" fontAlgn="base" hangingPunct="0">
-              <a:spcBef>
-                <a:spcPct val="20000"/>
-              </a:spcBef>
-              <a:spcAft>
-                <a:spcPct val="0"/>
-              </a:spcAft>
-              <a:buClr>
-                <a:schemeClr val="tx1"/>
-              </a:buClr>
-              <a:buSzPct val="75000"/>
-              <a:buFont typeface="Wingdings" pitchFamily="2" charset="2"/>
-              <a:defRPr sz="2400" b="1">
-                <a:solidFill>
-                  <a:srgbClr val="000000"/>
-                </a:solidFill>
-                <a:latin typeface="Times New Roman" pitchFamily="18" charset="0"/>
-                <a:ea typeface="宋体" pitchFamily="2" charset="-122"/>
-              </a:defRPr>
-            </a:lvl7pPr>
-            <a:lvl8pPr marL="3429000" indent="-228600" eaLnBrk="0" fontAlgn="base" hangingPunct="0">
-              <a:spcBef>
-                <a:spcPct val="20000"/>
-              </a:spcBef>
-              <a:spcAft>
-                <a:spcPct val="0"/>
-              </a:spcAft>
-              <a:buClr>
-                <a:schemeClr val="tx1"/>
-              </a:buClr>
-              <a:buSzPct val="75000"/>
-              <a:buFont typeface="Wingdings" pitchFamily="2" charset="2"/>
-              <a:defRPr sz="2400" b="1">
-                <a:solidFill>
-                  <a:srgbClr val="000000"/>
-                </a:solidFill>
-                <a:latin typeface="Times New Roman" pitchFamily="18" charset="0"/>
-                <a:ea typeface="宋体" pitchFamily="2" charset="-122"/>
-              </a:defRPr>
-            </a:lvl8pPr>
-            <a:lvl9pPr marL="3886200" indent="-228600" eaLnBrk="0" fontAlgn="base" hangingPunct="0">
-              <a:spcBef>
-                <a:spcPct val="20000"/>
-              </a:spcBef>
-              <a:spcAft>
-                <a:spcPct val="0"/>
-              </a:spcAft>
-              <a:buClr>
-                <a:schemeClr val="tx1"/>
-              </a:buClr>
-              <a:buSzPct val="75000"/>
-              <a:buFont typeface="Wingdings" pitchFamily="2" charset="2"/>
-              <a:defRPr sz="2400" b="1">
-                <a:solidFill>
-                  <a:srgbClr val="000000"/>
-                </a:solidFill>
-                <a:latin typeface="Times New Roman" pitchFamily="18" charset="0"/>
-                <a:ea typeface="宋体" pitchFamily="2" charset="-122"/>
-              </a:defRPr>
-            </a:lvl9pPr>
-          </a:lstStyle>
-          <a:p>
-            <a:pPr>
-              <a:spcBef>
-                <a:spcPct val="0"/>
-              </a:spcBef>
-            </a:pPr>
-            <a:fld id="{5C74AAA9-3EC4-48B0-970B-278112556D62}" type="slidenum">
-              <a:rPr lang="zh-CN" altLang="en-US" sz="2000">
-                <a:solidFill>
-                  <a:schemeClr val="tx2"/>
-                </a:solidFill>
-                <a:latin typeface="Arial" pitchFamily="34" charset="0"/>
-                <a:sym typeface="Arial" pitchFamily="34" charset="0"/>
-              </a:rPr>
-              <a:pPr>
-                <a:spcBef>
-                  <a:spcPct val="0"/>
-                </a:spcBef>
-              </a:pPr>
-              <a:t>3</a:t>
-            </a:fld>
-            <a:endParaRPr lang="en-US" sz="1800">
-              <a:ea typeface="楷体_GB2312" pitchFamily="1" charset="-122"/>
-              <a:sym typeface="Arial" pitchFamily="34" charset="0"/>
-            </a:endParaRPr>
-          </a:p>
-        </p:txBody>
-      </p:sp>
-      <p:sp>
-        <p:nvSpPr>
-          <p:cNvPr id="8196" name="TextBox 3"/>
-          <p:cNvSpPr txBox="1">
-            <a:spLocks noChangeArrowheads="1"/>
-          </p:cNvSpPr>
-          <p:nvPr/>
-        </p:nvSpPr>
-        <p:spPr bwMode="auto">
-          <a:xfrm>
-            <a:off x="611725" y="1125538"/>
-            <a:ext cx="8208425" cy="4770537"/>
-          </a:xfrm>
-          <a:prstGeom prst="rect">
-            <a:avLst/>
-          </a:prstGeom>
-          <a:noFill/>
-          <a:ln>
-            <a:noFill/>
-          </a:ln>
-          <a:extLst>
-            <a:ext uri="{909E8E84-426E-40DD-AFC4-6F175D3DCCD1}">
-              <a14:hiddenFill xmlns:a14="http://schemas.microsoft.com/office/drawing/2010/main">
-                <a:solidFill>
-                  <a:srgbClr val="FFFFFF"/>
-                </a:solidFill>
-              </a14:hiddenFill>
-            </a:ext>
-            <a:ext uri="{91240B29-F687-4F45-9708-019B960494DF}">
-              <a14:hiddenLine xmlns:a14="http://schemas.microsoft.com/office/drawing/2010/main" w="9525">
-                <a:solidFill>
-                  <a:srgbClr val="000000"/>
-                </a:solidFill>
-                <a:miter lim="800000"/>
-                <a:headEnd/>
-                <a:tailEnd/>
-              </a14:hiddenLine>
-            </a:ext>
-          </a:extLst>
-        </p:spPr>
-        <p:txBody>
-          <a:bodyPr wrap="square">
-            <a:spAutoFit/>
-          </a:bodyPr>
-          <a:lstStyle>
-            <a:lvl1pPr marL="342900" indent="-342900">
-              <a:defRPr sz="2400" b="1">
-                <a:solidFill>
-                  <a:srgbClr val="000000"/>
-                </a:solidFill>
-                <a:latin typeface="Times New Roman" pitchFamily="18" charset="0"/>
-                <a:ea typeface="宋体" pitchFamily="2" charset="-122"/>
-              </a:defRPr>
-            </a:lvl1pPr>
-            <a:lvl2pPr marL="800100" indent="-342900">
-              <a:defRPr sz="2400" b="1">
-                <a:solidFill>
-                  <a:srgbClr val="000000"/>
-                </a:solidFill>
-                <a:latin typeface="Times New Roman" pitchFamily="18" charset="0"/>
-                <a:ea typeface="宋体" pitchFamily="2" charset="-122"/>
-              </a:defRPr>
-            </a:lvl2pPr>
-            <a:lvl3pPr marL="1143000" indent="-228600">
-              <a:defRPr sz="2400" b="1">
-                <a:solidFill>
-                  <a:srgbClr val="000000"/>
-                </a:solidFill>
-                <a:latin typeface="Times New Roman" pitchFamily="18" charset="0"/>
-                <a:ea typeface="宋体" pitchFamily="2" charset="-122"/>
-              </a:defRPr>
-            </a:lvl3pPr>
-            <a:lvl4pPr marL="1600200" indent="-228600">
-              <a:defRPr sz="2400" b="1">
-                <a:solidFill>
-                  <a:srgbClr val="000000"/>
-                </a:solidFill>
-                <a:latin typeface="Times New Roman" pitchFamily="18" charset="0"/>
-                <a:ea typeface="宋体" pitchFamily="2" charset="-122"/>
-              </a:defRPr>
-            </a:lvl4pPr>
-            <a:lvl5pPr marL="2057400" indent="-228600">
-              <a:defRPr sz="2400" b="1">
-                <a:solidFill>
-                  <a:srgbClr val="000000"/>
-                </a:solidFill>
-                <a:latin typeface="Times New Roman" pitchFamily="18" charset="0"/>
-                <a:ea typeface="宋体" pitchFamily="2" charset="-122"/>
-              </a:defRPr>
-            </a:lvl5pPr>
-            <a:lvl6pPr marL="2514600" indent="-228600" eaLnBrk="0" fontAlgn="base" hangingPunct="0">
-              <a:spcBef>
-                <a:spcPct val="20000"/>
-              </a:spcBef>
-              <a:spcAft>
-                <a:spcPct val="0"/>
-              </a:spcAft>
-              <a:buClr>
-                <a:schemeClr val="tx1"/>
-              </a:buClr>
-              <a:buSzPct val="75000"/>
-              <a:buFont typeface="Wingdings" pitchFamily="2" charset="2"/>
-              <a:defRPr sz="2400" b="1">
-                <a:solidFill>
-                  <a:srgbClr val="000000"/>
-                </a:solidFill>
-                <a:latin typeface="Times New Roman" pitchFamily="18" charset="0"/>
-                <a:ea typeface="宋体" pitchFamily="2" charset="-122"/>
-              </a:defRPr>
-            </a:lvl6pPr>
-            <a:lvl7pPr marL="2971800" indent="-228600" eaLnBrk="0" fontAlgn="base" hangingPunct="0">
-              <a:spcBef>
-                <a:spcPct val="20000"/>
-              </a:spcBef>
-              <a:spcAft>
-                <a:spcPct val="0"/>
-              </a:spcAft>
-              <a:buClr>
-                <a:schemeClr val="tx1"/>
-              </a:buClr>
-              <a:buSzPct val="75000"/>
-              <a:buFont typeface="Wingdings" pitchFamily="2" charset="2"/>
-              <a:defRPr sz="2400" b="1">
-                <a:solidFill>
-                  <a:srgbClr val="000000"/>
-                </a:solidFill>
-                <a:latin typeface="Times New Roman" pitchFamily="18" charset="0"/>
-                <a:ea typeface="宋体" pitchFamily="2" charset="-122"/>
-              </a:defRPr>
-            </a:lvl7pPr>
-            <a:lvl8pPr marL="3429000" indent="-228600" eaLnBrk="0" fontAlgn="base" hangingPunct="0">
-              <a:spcBef>
-                <a:spcPct val="20000"/>
-              </a:spcBef>
-              <a:spcAft>
-                <a:spcPct val="0"/>
-              </a:spcAft>
-              <a:buClr>
-                <a:schemeClr val="tx1"/>
-              </a:buClr>
-              <a:buSzPct val="75000"/>
-              <a:buFont typeface="Wingdings" pitchFamily="2" charset="2"/>
-              <a:defRPr sz="2400" b="1">
-                <a:solidFill>
-                  <a:srgbClr val="000000"/>
-                </a:solidFill>
-                <a:latin typeface="Times New Roman" pitchFamily="18" charset="0"/>
-                <a:ea typeface="宋体" pitchFamily="2" charset="-122"/>
-              </a:defRPr>
-            </a:lvl8pPr>
-            <a:lvl9pPr marL="3886200" indent="-228600" eaLnBrk="0" fontAlgn="base" hangingPunct="0">
-              <a:spcBef>
-                <a:spcPct val="20000"/>
-              </a:spcBef>
-              <a:spcAft>
-                <a:spcPct val="0"/>
-              </a:spcAft>
-              <a:buClr>
-                <a:schemeClr val="tx1"/>
-              </a:buClr>
-              <a:buSzPct val="75000"/>
-              <a:buFont typeface="Wingdings" pitchFamily="2" charset="2"/>
-              <a:defRPr sz="2400" b="1">
-                <a:solidFill>
-                  <a:srgbClr val="000000"/>
-                </a:solidFill>
-                <a:latin typeface="Times New Roman" pitchFamily="18" charset="0"/>
-                <a:ea typeface="宋体" pitchFamily="2" charset="-122"/>
-              </a:defRPr>
-            </a:lvl9pPr>
-          </a:lstStyle>
-          <a:p>
-            <a:pPr>
-              <a:buFont typeface="Wingdings" pitchFamily="2" charset="2"/>
-              <a:buChar char="Ø"/>
-            </a:pPr>
-            <a:r>
-              <a:rPr lang="zh-CN" altLang="en-US" sz="2000" dirty="0"/>
-              <a:t>两个整型数据相除 ，结果取整，舍弃小数部分，两个实型数据相除结果为实型。</a:t>
-            </a:r>
-            <a:endParaRPr lang="en-US" sz="2000" dirty="0"/>
-          </a:p>
-          <a:p>
-            <a:pPr lvl="1">
-              <a:buFont typeface="Wingdings" pitchFamily="2" charset="2"/>
-              <a:buChar char="u"/>
-            </a:pPr>
-            <a:r>
-              <a:rPr lang="en-US" sz="2000" dirty="0">
-                <a:solidFill>
-                  <a:srgbClr val="C00000"/>
-                </a:solidFill>
-              </a:rPr>
-              <a:t>–5/ 3 = – 1;  </a:t>
-            </a:r>
-          </a:p>
-          <a:p>
-            <a:pPr lvl="1">
-              <a:buFont typeface="Wingdings" pitchFamily="2" charset="2"/>
-              <a:buChar char="u"/>
-            </a:pPr>
-            <a:r>
-              <a:rPr lang="en-US" sz="2000" dirty="0">
-                <a:solidFill>
-                  <a:srgbClr val="C00000"/>
-                </a:solidFill>
-              </a:rPr>
-              <a:t>9.33/3.22=2.897516;  </a:t>
-            </a:r>
-          </a:p>
-          <a:p>
-            <a:pPr lvl="1">
-              <a:buFont typeface="Wingdings" pitchFamily="2" charset="2"/>
-              <a:buChar char="u"/>
-            </a:pPr>
-            <a:r>
-              <a:rPr lang="en-US" sz="2000" dirty="0">
-                <a:solidFill>
-                  <a:srgbClr val="C00000"/>
-                </a:solidFill>
-              </a:rPr>
-              <a:t>1/2=0;  </a:t>
-            </a:r>
-          </a:p>
-          <a:p>
-            <a:pPr lvl="1">
-              <a:buFont typeface="Wingdings" pitchFamily="2" charset="2"/>
-              <a:buChar char="u"/>
-            </a:pPr>
-            <a:r>
-              <a:rPr lang="en-US" sz="2000" dirty="0">
-                <a:solidFill>
-                  <a:srgbClr val="C00000"/>
-                </a:solidFill>
-              </a:rPr>
-              <a:t>1.0/2=0.5;</a:t>
-            </a:r>
-          </a:p>
-          <a:p>
-            <a:pPr lvl="1">
-              <a:buFont typeface="Wingdings" pitchFamily="2" charset="2"/>
-              <a:buChar char="u"/>
-            </a:pPr>
-            <a:r>
-              <a:rPr lang="en-US" sz="2000" dirty="0" err="1">
-                <a:solidFill>
-                  <a:srgbClr val="C00000"/>
-                </a:solidFill>
-              </a:rPr>
-              <a:t>int</a:t>
-            </a:r>
-            <a:r>
-              <a:rPr lang="en-US" sz="2000" dirty="0">
-                <a:solidFill>
-                  <a:srgbClr val="C00000"/>
-                </a:solidFill>
-              </a:rPr>
-              <a:t> </a:t>
-            </a:r>
-            <a:r>
-              <a:rPr lang="en-US" sz="2000" dirty="0" err="1">
-                <a:solidFill>
-                  <a:srgbClr val="C00000"/>
-                </a:solidFill>
-              </a:rPr>
-              <a:t>a,b</a:t>
-            </a:r>
-            <a:r>
-              <a:rPr lang="en-US" sz="2000" dirty="0">
-                <a:solidFill>
-                  <a:srgbClr val="C00000"/>
-                </a:solidFill>
-              </a:rPr>
-              <a:t>; float f1,f2,f3;  </a:t>
-            </a:r>
-          </a:p>
-          <a:p>
-            <a:pPr lvl="1"/>
-            <a:r>
-              <a:rPr lang="en-US" sz="2000" dirty="0">
-                <a:solidFill>
-                  <a:srgbClr val="C00000"/>
-                </a:solidFill>
-              </a:rPr>
-              <a:t>     f1=a/b;   </a:t>
-            </a:r>
-            <a:r>
-              <a:rPr lang="en-US" sz="2000" dirty="0">
-                <a:solidFill>
-                  <a:srgbClr val="5CADFF"/>
-                </a:solidFill>
-              </a:rPr>
-              <a:t>// </a:t>
-            </a:r>
-            <a:r>
-              <a:rPr lang="zh-CN" altLang="en-US" sz="2000" dirty="0">
-                <a:solidFill>
-                  <a:srgbClr val="5CADFF"/>
-                </a:solidFill>
-              </a:rPr>
-              <a:t>丢失小数部分</a:t>
-            </a:r>
-            <a:endParaRPr lang="en-US" sz="2000" dirty="0">
-              <a:solidFill>
-                <a:srgbClr val="5CADFF"/>
-              </a:solidFill>
-            </a:endParaRPr>
-          </a:p>
-          <a:p>
-            <a:pPr lvl="1"/>
-            <a:r>
-              <a:rPr lang="en-US" sz="2000" dirty="0">
-                <a:solidFill>
-                  <a:srgbClr val="C00000"/>
-                </a:solidFill>
-              </a:rPr>
-              <a:t>     f2=(float)(a/b); </a:t>
-            </a:r>
-            <a:r>
-              <a:rPr lang="en-US" sz="2000" dirty="0">
-                <a:solidFill>
-                  <a:srgbClr val="5CADFF"/>
-                </a:solidFill>
-              </a:rPr>
-              <a:t>// </a:t>
-            </a:r>
-            <a:r>
-              <a:rPr lang="zh-CN" altLang="en-US" sz="2000" dirty="0">
-                <a:solidFill>
-                  <a:srgbClr val="5CADFF"/>
-                </a:solidFill>
-              </a:rPr>
-              <a:t>丢失小数部分</a:t>
-            </a:r>
-            <a:endParaRPr lang="en-US" sz="2000" dirty="0">
-              <a:solidFill>
-                <a:srgbClr val="5CADFF"/>
-              </a:solidFill>
-            </a:endParaRPr>
-          </a:p>
-          <a:p>
-            <a:pPr lvl="1"/>
-            <a:r>
-              <a:rPr lang="en-US" sz="2000" dirty="0">
-                <a:solidFill>
-                  <a:srgbClr val="C00000"/>
-                </a:solidFill>
-              </a:rPr>
-              <a:t>     f3=(float)a/b;   </a:t>
-            </a:r>
-            <a:endParaRPr lang="en-US" sz="2000" dirty="0" smtClean="0">
-              <a:solidFill>
-                <a:srgbClr val="C00000"/>
-              </a:solidFill>
-            </a:endParaRPr>
-          </a:p>
-          <a:p>
-            <a:pPr lvl="1">
-              <a:buFont typeface="Wingdings" pitchFamily="2" charset="2"/>
-              <a:buChar char="u"/>
-            </a:pPr>
-            <a:r>
-              <a:rPr lang="en-US" altLang="zh-CN" sz="2000" dirty="0" smtClean="0">
-                <a:solidFill>
-                  <a:srgbClr val="C00000"/>
-                </a:solidFill>
-              </a:rPr>
-              <a:t>float s; </a:t>
-            </a:r>
-            <a:r>
-              <a:rPr lang="en-US" altLang="zh-CN" sz="2000" dirty="0" err="1" smtClean="0">
-                <a:solidFill>
-                  <a:srgbClr val="C00000"/>
-                </a:solidFill>
-              </a:rPr>
-              <a:t>int</a:t>
-            </a:r>
-            <a:r>
-              <a:rPr lang="en-US" altLang="zh-CN" sz="2000" dirty="0" smtClean="0">
-                <a:solidFill>
-                  <a:srgbClr val="C00000"/>
-                </a:solidFill>
-              </a:rPr>
-              <a:t> n;</a:t>
-            </a:r>
-          </a:p>
-          <a:p>
-            <a:pPr marL="457200" lvl="1" indent="0"/>
-            <a:r>
-              <a:rPr lang="en-US" altLang="zh-CN" sz="2000" dirty="0">
-                <a:solidFill>
-                  <a:srgbClr val="C00000"/>
-                </a:solidFill>
-              </a:rPr>
-              <a:t> </a:t>
-            </a:r>
-            <a:r>
-              <a:rPr lang="en-US" altLang="zh-CN" sz="2000" dirty="0" smtClean="0">
-                <a:solidFill>
-                  <a:srgbClr val="C00000"/>
-                </a:solidFill>
-              </a:rPr>
-              <a:t>     s *= n/(2n-1);     // </a:t>
-            </a:r>
-            <a:r>
-              <a:rPr lang="en-US" altLang="zh-CN" sz="2000" dirty="0" smtClean="0">
-                <a:solidFill>
-                  <a:srgbClr val="C00000"/>
-                </a:solidFill>
-                <a:sym typeface="Wingdings" pitchFamily="2" charset="2"/>
-              </a:rPr>
-              <a:t> s = s*(n/(2n-1</a:t>
-            </a:r>
-            <a:r>
-              <a:rPr lang="en-US" altLang="zh-CN" sz="2000" dirty="0" smtClean="0">
-                <a:solidFill>
-                  <a:srgbClr val="C00000"/>
-                </a:solidFill>
-                <a:sym typeface="Wingdings" pitchFamily="2" charset="2"/>
-              </a:rPr>
-              <a:t>)</a:t>
-            </a:r>
-            <a:r>
-              <a:rPr lang="en-US" altLang="zh-CN" sz="2000" dirty="0">
-                <a:solidFill>
-                  <a:srgbClr val="C00000"/>
-                </a:solidFill>
-                <a:sym typeface="Wingdings" pitchFamily="2" charset="2"/>
-              </a:rPr>
-              <a:t>)</a:t>
-            </a:r>
-            <a:r>
-              <a:rPr lang="en-US" altLang="zh-CN" sz="2000" dirty="0" smtClean="0">
-                <a:solidFill>
-                  <a:srgbClr val="C00000"/>
-                </a:solidFill>
-                <a:sym typeface="Wingdings" pitchFamily="2" charset="2"/>
-              </a:rPr>
-              <a:t>;   </a:t>
-            </a:r>
-            <a:r>
-              <a:rPr lang="zh-CN" altLang="en-US" sz="2000" dirty="0" smtClean="0">
-                <a:solidFill>
-                  <a:srgbClr val="C00000"/>
-                </a:solidFill>
-                <a:sym typeface="Wingdings" pitchFamily="2" charset="2"/>
-              </a:rPr>
-              <a:t>复合赋值运算符优先级低</a:t>
-            </a:r>
-            <a:endParaRPr lang="en-US" altLang="zh-CN" sz="2000" dirty="0" smtClean="0">
-              <a:solidFill>
-                <a:srgbClr val="C00000"/>
-              </a:solidFill>
-            </a:endParaRPr>
-          </a:p>
-          <a:p>
-            <a:pPr marL="457200" lvl="1" indent="0"/>
-            <a:r>
-              <a:rPr lang="en-US" altLang="zh-CN" sz="2000" dirty="0">
-                <a:solidFill>
-                  <a:srgbClr val="C00000"/>
-                </a:solidFill>
-              </a:rPr>
-              <a:t> </a:t>
-            </a:r>
-            <a:r>
-              <a:rPr lang="en-US" altLang="zh-CN" sz="2000" dirty="0" smtClean="0">
-                <a:solidFill>
-                  <a:srgbClr val="C00000"/>
-                </a:solidFill>
-              </a:rPr>
-              <a:t>     s  = s</a:t>
-            </a:r>
-            <a:r>
-              <a:rPr lang="zh-CN" altLang="en-US" sz="2000" dirty="0" smtClean="0">
-                <a:solidFill>
-                  <a:srgbClr val="C00000"/>
-                </a:solidFill>
-              </a:rPr>
-              <a:t>*</a:t>
-            </a:r>
-            <a:r>
-              <a:rPr lang="en-US" altLang="zh-CN" sz="2000" dirty="0">
-                <a:solidFill>
-                  <a:srgbClr val="C00000"/>
-                </a:solidFill>
-              </a:rPr>
-              <a:t>n</a:t>
-            </a:r>
-            <a:r>
-              <a:rPr lang="en-US" altLang="zh-CN" sz="2000" dirty="0" smtClean="0">
-                <a:solidFill>
-                  <a:srgbClr val="C00000"/>
-                </a:solidFill>
-              </a:rPr>
-              <a:t>/(2n-1);  // </a:t>
-            </a:r>
-            <a:r>
-              <a:rPr lang="zh-CN" altLang="en-US" sz="2000" dirty="0" smtClean="0">
-                <a:solidFill>
-                  <a:srgbClr val="C00000"/>
-                </a:solidFill>
-              </a:rPr>
-              <a:t>本语句不丢失小数，上面语句丢失</a:t>
-            </a:r>
-            <a:endParaRPr lang="en-US" altLang="zh-CN" sz="2000" dirty="0">
-              <a:solidFill>
-                <a:srgbClr val="C00000"/>
-              </a:solidFill>
-            </a:endParaRPr>
-          </a:p>
-        </p:txBody>
-      </p:sp>
-      <p:sp>
-        <p:nvSpPr>
-          <p:cNvPr id="8197" name="TextBox 1"/>
-          <p:cNvSpPr txBox="1">
-            <a:spLocks noChangeArrowheads="1"/>
-          </p:cNvSpPr>
-          <p:nvPr/>
-        </p:nvSpPr>
-        <p:spPr bwMode="auto">
-          <a:xfrm>
-            <a:off x="5651500" y="1981200"/>
-            <a:ext cx="3024188" cy="2246313"/>
-          </a:xfrm>
-          <a:prstGeom prst="rect">
-            <a:avLst/>
-          </a:prstGeom>
-          <a:noFill/>
-          <a:ln w="9525" cmpd="sng">
-            <a:solidFill>
-              <a:schemeClr val="tx1"/>
-            </a:solidFill>
-            <a:miter lim="800000"/>
-            <a:headEnd/>
-            <a:tailEnd/>
-          </a:ln>
-          <a:extLst>
-            <a:ext uri="{909E8E84-426E-40DD-AFC4-6F175D3DCCD1}">
-              <a14:hiddenFill xmlns:a14="http://schemas.microsoft.com/office/drawing/2010/main">
-                <a:solidFill>
-                  <a:srgbClr val="FFFFFF"/>
-                </a:solidFill>
-              </a14:hiddenFill>
-            </a:ext>
-          </a:extLst>
-        </p:spPr>
-        <p:txBody>
-          <a:bodyPr>
-            <a:spAutoFit/>
-          </a:bodyPr>
-          <a:lstStyle>
-            <a:lvl1pPr>
-              <a:defRPr sz="2400" b="1">
-                <a:solidFill>
-                  <a:srgbClr val="000000"/>
-                </a:solidFill>
-                <a:latin typeface="Times New Roman" pitchFamily="18" charset="0"/>
-                <a:ea typeface="宋体" pitchFamily="2" charset="-122"/>
-              </a:defRPr>
-            </a:lvl1pPr>
-            <a:lvl2pPr marL="742950" indent="-285750">
-              <a:defRPr sz="2400" b="1">
-                <a:solidFill>
-                  <a:srgbClr val="000000"/>
-                </a:solidFill>
-                <a:latin typeface="Times New Roman" pitchFamily="18" charset="0"/>
-                <a:ea typeface="宋体" pitchFamily="2" charset="-122"/>
-              </a:defRPr>
-            </a:lvl2pPr>
-            <a:lvl3pPr marL="1143000" indent="-228600">
-              <a:defRPr sz="2400" b="1">
-                <a:solidFill>
-                  <a:srgbClr val="000000"/>
-                </a:solidFill>
-                <a:latin typeface="Times New Roman" pitchFamily="18" charset="0"/>
-                <a:ea typeface="宋体" pitchFamily="2" charset="-122"/>
-              </a:defRPr>
-            </a:lvl3pPr>
-            <a:lvl4pPr marL="1600200" indent="-228600">
-              <a:defRPr sz="2400" b="1">
-                <a:solidFill>
-                  <a:srgbClr val="000000"/>
-                </a:solidFill>
-                <a:latin typeface="Times New Roman" pitchFamily="18" charset="0"/>
-                <a:ea typeface="宋体" pitchFamily="2" charset="-122"/>
-              </a:defRPr>
-            </a:lvl4pPr>
-            <a:lvl5pPr marL="2057400" indent="-228600">
-              <a:defRPr sz="2400" b="1">
-                <a:solidFill>
-                  <a:srgbClr val="000000"/>
-                </a:solidFill>
-                <a:latin typeface="Times New Roman" pitchFamily="18" charset="0"/>
-                <a:ea typeface="宋体" pitchFamily="2" charset="-122"/>
-              </a:defRPr>
-            </a:lvl5pPr>
-            <a:lvl6pPr marL="2514600" indent="-228600" eaLnBrk="0" fontAlgn="base" hangingPunct="0">
-              <a:spcBef>
-                <a:spcPct val="20000"/>
-              </a:spcBef>
-              <a:spcAft>
-                <a:spcPct val="0"/>
-              </a:spcAft>
-              <a:buClr>
-                <a:schemeClr val="tx1"/>
-              </a:buClr>
-              <a:buSzPct val="75000"/>
-              <a:buFont typeface="Wingdings" pitchFamily="2" charset="2"/>
-              <a:defRPr sz="2400" b="1">
-                <a:solidFill>
-                  <a:srgbClr val="000000"/>
-                </a:solidFill>
-                <a:latin typeface="Times New Roman" pitchFamily="18" charset="0"/>
-                <a:ea typeface="宋体" pitchFamily="2" charset="-122"/>
-              </a:defRPr>
-            </a:lvl6pPr>
-            <a:lvl7pPr marL="2971800" indent="-228600" eaLnBrk="0" fontAlgn="base" hangingPunct="0">
-              <a:spcBef>
-                <a:spcPct val="20000"/>
-              </a:spcBef>
-              <a:spcAft>
-                <a:spcPct val="0"/>
-              </a:spcAft>
-              <a:buClr>
-                <a:schemeClr val="tx1"/>
-              </a:buClr>
-              <a:buSzPct val="75000"/>
-              <a:buFont typeface="Wingdings" pitchFamily="2" charset="2"/>
-              <a:defRPr sz="2400" b="1">
-                <a:solidFill>
-                  <a:srgbClr val="000000"/>
-                </a:solidFill>
-                <a:latin typeface="Times New Roman" pitchFamily="18" charset="0"/>
-                <a:ea typeface="宋体" pitchFamily="2" charset="-122"/>
-              </a:defRPr>
-            </a:lvl7pPr>
-            <a:lvl8pPr marL="3429000" indent="-228600" eaLnBrk="0" fontAlgn="base" hangingPunct="0">
-              <a:spcBef>
-                <a:spcPct val="20000"/>
-              </a:spcBef>
-              <a:spcAft>
-                <a:spcPct val="0"/>
-              </a:spcAft>
-              <a:buClr>
-                <a:schemeClr val="tx1"/>
-              </a:buClr>
-              <a:buSzPct val="75000"/>
-              <a:buFont typeface="Wingdings" pitchFamily="2" charset="2"/>
-              <a:defRPr sz="2400" b="1">
-                <a:solidFill>
-                  <a:srgbClr val="000000"/>
-                </a:solidFill>
-                <a:latin typeface="Times New Roman" pitchFamily="18" charset="0"/>
-                <a:ea typeface="宋体" pitchFamily="2" charset="-122"/>
-              </a:defRPr>
-            </a:lvl8pPr>
-            <a:lvl9pPr marL="3886200" indent="-228600" eaLnBrk="0" fontAlgn="base" hangingPunct="0">
-              <a:spcBef>
-                <a:spcPct val="20000"/>
-              </a:spcBef>
-              <a:spcAft>
-                <a:spcPct val="0"/>
-              </a:spcAft>
-              <a:buClr>
-                <a:schemeClr val="tx1"/>
-              </a:buClr>
-              <a:buSzPct val="75000"/>
-              <a:buFont typeface="Wingdings" pitchFamily="2" charset="2"/>
-              <a:defRPr sz="2400" b="1">
-                <a:solidFill>
-                  <a:srgbClr val="000000"/>
-                </a:solidFill>
-                <a:latin typeface="Times New Roman" pitchFamily="18" charset="0"/>
-                <a:ea typeface="宋体" pitchFamily="2" charset="-122"/>
-              </a:defRPr>
-            </a:lvl9pPr>
-          </a:lstStyle>
-          <a:p>
-            <a:r>
-              <a:rPr lang="en-US" sz="2000">
-                <a:solidFill>
-                  <a:srgbClr val="C00000"/>
-                </a:solidFill>
-              </a:rPr>
-              <a:t>s=1+1/2+1/3+…+1/n;  </a:t>
-            </a:r>
-          </a:p>
-          <a:p>
-            <a:r>
-              <a:rPr lang="en-US" sz="2000"/>
-              <a:t>int i,n;</a:t>
-            </a:r>
-          </a:p>
-          <a:p>
-            <a:r>
-              <a:rPr lang="en-US" sz="2000"/>
-              <a:t>double s;</a:t>
-            </a:r>
-          </a:p>
-          <a:p>
-            <a:r>
-              <a:rPr lang="en-US" sz="2000"/>
-              <a:t>for (i=1;i&lt;=n;i++) {  </a:t>
-            </a:r>
-          </a:p>
-          <a:p>
-            <a:r>
-              <a:rPr lang="en-US" sz="2000"/>
-              <a:t>   s+=1.0/i; </a:t>
-            </a:r>
-            <a:r>
-              <a:rPr lang="en-US" sz="2000">
-                <a:solidFill>
-                  <a:srgbClr val="C00000"/>
-                </a:solidFill>
-              </a:rPr>
-              <a:t>// </a:t>
-            </a:r>
-            <a:r>
-              <a:rPr lang="zh-CN" altLang="en-US" sz="2000">
-                <a:solidFill>
-                  <a:srgbClr val="C00000"/>
-                </a:solidFill>
-              </a:rPr>
-              <a:t>不是</a:t>
-            </a:r>
-            <a:r>
-              <a:rPr lang="en-US" sz="2000">
-                <a:solidFill>
-                  <a:srgbClr val="C00000"/>
-                </a:solidFill>
-              </a:rPr>
-              <a:t>1/i</a:t>
-            </a:r>
-          </a:p>
-          <a:p>
-            <a:r>
-              <a:rPr lang="en-US" sz="2000"/>
-              <a:t>}</a:t>
-            </a:r>
-            <a:endParaRPr lang="zh-CN" altLang="en-US" sz="2000"/>
-          </a:p>
-        </p:txBody>
-      </p:sp>
-    </p:spTree>
-  </p:cSld>
-  <p:clrMapOvr>
-    <a:masterClrMapping/>
-  </p:clrMapOvr>
-  <p:timing>
-    <p:tnLst>
-      <p:par>
-        <p:cTn id="1" dur="indefinite" restart="never" nodeType="tmRoot"/>
-      </p:par>
-    </p:tnLst>
-  </p:timing>
-</p:sld>
-</file>
-
-<file path=ppt/slides/slide4.xml><?xml version="1.0" encoding="utf-8"?>
-<p:sld xmlns:a="http://schemas.openxmlformats.org/drawingml/2006/main" xmlns:r="http://schemas.openxmlformats.org/officeDocument/2006/relationships" xmlns:p="http://schemas.openxmlformats.org/presentationml/2006/main">
-  <p:cSld>
-    <p:spTree>
-      <p:nvGrpSpPr>
-        <p:cNvPr id="1" name=""/>
-        <p:cNvGrpSpPr/>
-        <p:nvPr/>
-      </p:nvGrpSpPr>
-      <p:grpSpPr>
-        <a:xfrm>
-          <a:off x="0" y="0"/>
-          <a:ext cx="0" cy="0"/>
-          <a:chOff x="0" y="0"/>
-          <a:chExt cx="0" cy="0"/>
-        </a:xfrm>
-      </p:grpSpPr>
-      <p:sp>
-        <p:nvSpPr>
-          <p:cNvPr id="11266" name="灯片编号占位符 5"/>
-          <p:cNvSpPr txBox="1">
-            <a:spLocks noGrp="1" noChangeArrowheads="1"/>
-          </p:cNvSpPr>
-          <p:nvPr/>
-        </p:nvSpPr>
-        <p:spPr bwMode="auto">
-          <a:xfrm>
-            <a:off x="8556625" y="0"/>
-            <a:ext cx="587375" cy="396875"/>
-          </a:xfrm>
-          <a:prstGeom prst="rect">
-            <a:avLst/>
-          </a:prstGeom>
-          <a:noFill/>
-          <a:ln>
-            <a:noFill/>
-          </a:ln>
-          <a:extLst>
-            <a:ext uri="{909E8E84-426E-40DD-AFC4-6F175D3DCCD1}">
-              <a14:hiddenFill xmlns:a14="http://schemas.microsoft.com/office/drawing/2010/main">
-                <a:solidFill>
-                  <a:srgbClr val="FFFFFF"/>
-                </a:solidFill>
-              </a14:hiddenFill>
-            </a:ext>
-            <a:ext uri="{91240B29-F687-4F45-9708-019B960494DF}">
-              <a14:hiddenLine xmlns:a14="http://schemas.microsoft.com/office/drawing/2010/main" w="9525">
-                <a:solidFill>
-                  <a:srgbClr val="000000"/>
-                </a:solidFill>
-                <a:miter lim="800000"/>
-                <a:headEnd/>
-                <a:tailEnd/>
-              </a14:hiddenLine>
-            </a:ext>
-          </a:extLst>
-        </p:spPr>
-        <p:txBody>
-          <a:bodyPr anchor="b" anchorCtr="1">
-            <a:spAutoFit/>
-          </a:bodyPr>
-          <a:lstStyle>
-            <a:lvl1pPr>
-              <a:defRPr sz="2400" b="1">
-                <a:solidFill>
-                  <a:srgbClr val="000000"/>
-                </a:solidFill>
-                <a:latin typeface="Times New Roman" pitchFamily="18" charset="0"/>
-                <a:ea typeface="宋体" pitchFamily="2" charset="-122"/>
-              </a:defRPr>
-            </a:lvl1pPr>
-            <a:lvl2pPr marL="742950" indent="-285750">
-              <a:defRPr sz="2400" b="1">
-                <a:solidFill>
-                  <a:srgbClr val="000000"/>
-                </a:solidFill>
-                <a:latin typeface="Times New Roman" pitchFamily="18" charset="0"/>
-                <a:ea typeface="宋体" pitchFamily="2" charset="-122"/>
-              </a:defRPr>
-            </a:lvl2pPr>
-            <a:lvl3pPr marL="1143000" indent="-228600">
-              <a:defRPr sz="2400" b="1">
-                <a:solidFill>
-                  <a:srgbClr val="000000"/>
-                </a:solidFill>
-                <a:latin typeface="Times New Roman" pitchFamily="18" charset="0"/>
-                <a:ea typeface="宋体" pitchFamily="2" charset="-122"/>
-              </a:defRPr>
-            </a:lvl3pPr>
-            <a:lvl4pPr marL="1600200" indent="-228600">
-              <a:defRPr sz="2400" b="1">
-                <a:solidFill>
-                  <a:srgbClr val="000000"/>
-                </a:solidFill>
-                <a:latin typeface="Times New Roman" pitchFamily="18" charset="0"/>
-                <a:ea typeface="宋体" pitchFamily="2" charset="-122"/>
-              </a:defRPr>
-            </a:lvl4pPr>
-            <a:lvl5pPr marL="2057400" indent="-228600">
-              <a:defRPr sz="2400" b="1">
-                <a:solidFill>
-                  <a:srgbClr val="000000"/>
-                </a:solidFill>
-                <a:latin typeface="Times New Roman" pitchFamily="18" charset="0"/>
-                <a:ea typeface="宋体" pitchFamily="2" charset="-122"/>
-              </a:defRPr>
-            </a:lvl5pPr>
-            <a:lvl6pPr marL="2514600" indent="-228600" eaLnBrk="0" fontAlgn="base" hangingPunct="0">
-              <a:spcBef>
-                <a:spcPct val="20000"/>
-              </a:spcBef>
-              <a:spcAft>
-                <a:spcPct val="0"/>
-              </a:spcAft>
-              <a:buClr>
-                <a:schemeClr val="tx1"/>
-              </a:buClr>
-              <a:buSzPct val="75000"/>
-              <a:buFont typeface="Wingdings" pitchFamily="2" charset="2"/>
-              <a:defRPr sz="2400" b="1">
-                <a:solidFill>
-                  <a:srgbClr val="000000"/>
-                </a:solidFill>
-                <a:latin typeface="Times New Roman" pitchFamily="18" charset="0"/>
-                <a:ea typeface="宋体" pitchFamily="2" charset="-122"/>
-              </a:defRPr>
-            </a:lvl6pPr>
-            <a:lvl7pPr marL="2971800" indent="-228600" eaLnBrk="0" fontAlgn="base" hangingPunct="0">
-              <a:spcBef>
-                <a:spcPct val="20000"/>
-              </a:spcBef>
-              <a:spcAft>
-                <a:spcPct val="0"/>
-              </a:spcAft>
-              <a:buClr>
-                <a:schemeClr val="tx1"/>
-              </a:buClr>
-              <a:buSzPct val="75000"/>
-              <a:buFont typeface="Wingdings" pitchFamily="2" charset="2"/>
-              <a:defRPr sz="2400" b="1">
-                <a:solidFill>
-                  <a:srgbClr val="000000"/>
-                </a:solidFill>
-                <a:latin typeface="Times New Roman" pitchFamily="18" charset="0"/>
-                <a:ea typeface="宋体" pitchFamily="2" charset="-122"/>
-              </a:defRPr>
-            </a:lvl7pPr>
-            <a:lvl8pPr marL="3429000" indent="-228600" eaLnBrk="0" fontAlgn="base" hangingPunct="0">
-              <a:spcBef>
-                <a:spcPct val="20000"/>
-              </a:spcBef>
-              <a:spcAft>
-                <a:spcPct val="0"/>
-              </a:spcAft>
-              <a:buClr>
-                <a:schemeClr val="tx1"/>
-              </a:buClr>
-              <a:buSzPct val="75000"/>
-              <a:buFont typeface="Wingdings" pitchFamily="2" charset="2"/>
-              <a:defRPr sz="2400" b="1">
-                <a:solidFill>
-                  <a:srgbClr val="000000"/>
-                </a:solidFill>
-                <a:latin typeface="Times New Roman" pitchFamily="18" charset="0"/>
-                <a:ea typeface="宋体" pitchFamily="2" charset="-122"/>
-              </a:defRPr>
-            </a:lvl8pPr>
-            <a:lvl9pPr marL="3886200" indent="-228600" eaLnBrk="0" fontAlgn="base" hangingPunct="0">
-              <a:spcBef>
-                <a:spcPct val="20000"/>
-              </a:spcBef>
-              <a:spcAft>
-                <a:spcPct val="0"/>
-              </a:spcAft>
-              <a:buClr>
-                <a:schemeClr val="tx1"/>
-              </a:buClr>
-              <a:buSzPct val="75000"/>
-              <a:buFont typeface="Wingdings" pitchFamily="2" charset="2"/>
-              <a:defRPr sz="2400" b="1">
-                <a:solidFill>
-                  <a:srgbClr val="000000"/>
-                </a:solidFill>
-                <a:latin typeface="Times New Roman" pitchFamily="18" charset="0"/>
-                <a:ea typeface="宋体" pitchFamily="2" charset="-122"/>
-              </a:defRPr>
-            </a:lvl9pPr>
-          </a:lstStyle>
-          <a:p>
-            <a:pPr>
-              <a:spcBef>
-                <a:spcPct val="0"/>
-              </a:spcBef>
-            </a:pPr>
-            <a:fld id="{1EE4916F-5D7D-4C1D-A308-A36D86942AD8}" type="slidenum">
-              <a:rPr lang="zh-CN" altLang="en-US" sz="2000">
-                <a:solidFill>
-                  <a:schemeClr val="tx2"/>
-                </a:solidFill>
-                <a:latin typeface="Arial" pitchFamily="34" charset="0"/>
-                <a:sym typeface="Arial" pitchFamily="34" charset="0"/>
-              </a:rPr>
-              <a:pPr>
-                <a:spcBef>
-                  <a:spcPct val="0"/>
-                </a:spcBef>
-              </a:pPr>
-              <a:t>4</a:t>
-            </a:fld>
-            <a:endParaRPr lang="en-US" sz="1800">
-              <a:ea typeface="楷体_GB2312" pitchFamily="1" charset="-122"/>
-              <a:sym typeface="Arial" pitchFamily="34" charset="0"/>
-            </a:endParaRPr>
-          </a:p>
-        </p:txBody>
-      </p:sp>
-      <p:sp>
-        <p:nvSpPr>
-          <p:cNvPr id="11267" name="Rectangle 2"/>
-          <p:cNvSpPr>
-            <a:spLocks noGrp="1" noChangeArrowheads="1"/>
-          </p:cNvSpPr>
-          <p:nvPr>
-            <p:ph type="title" idx="4294967295"/>
-          </p:nvPr>
-        </p:nvSpPr>
-        <p:spPr/>
-        <p:txBody>
-          <a:bodyPr/>
-          <a:lstStyle/>
-          <a:p>
-            <a:pPr eaLnBrk="1" hangingPunct="1"/>
-            <a:r>
-              <a:rPr lang="zh-CN" altLang="en-US"/>
-              <a:t>&amp;&amp;、||连接的表达式求值顺序</a:t>
-            </a:r>
-          </a:p>
-        </p:txBody>
-      </p:sp>
-      <p:sp>
-        <p:nvSpPr>
-          <p:cNvPr id="11268" name="Rectangle 3"/>
-          <p:cNvSpPr>
-            <a:spLocks noGrp="1" noChangeArrowheads="1"/>
-          </p:cNvSpPr>
-          <p:nvPr>
-            <p:ph type="body" idx="4294967295"/>
-          </p:nvPr>
-        </p:nvSpPr>
-        <p:spPr>
-          <a:xfrm>
-            <a:off x="762000" y="982663"/>
-            <a:ext cx="7915275" cy="1582737"/>
-          </a:xfrm>
-          <a:ln>
-            <a:solidFill>
-              <a:schemeClr val="tx1"/>
-            </a:solidFill>
-            <a:miter lim="800000"/>
-            <a:headEnd/>
-            <a:tailEnd/>
-          </a:ln>
-        </p:spPr>
-        <p:txBody>
-          <a:bodyPr/>
-          <a:lstStyle/>
-          <a:p>
-            <a:pPr eaLnBrk="1" hangingPunct="1">
-              <a:lnSpc>
-                <a:spcPct val="80000"/>
-              </a:lnSpc>
-            </a:pPr>
-            <a:r>
-              <a:rPr lang="zh-CN" altLang="en-US" sz="2000"/>
-              <a:t>由&amp;&amp;与||连接的表达式按从左到右的顺序进行行求值</a:t>
-            </a:r>
-            <a:r>
-              <a:rPr lang="zh-CN" altLang="en-US" sz="2000">
-                <a:solidFill>
-                  <a:srgbClr val="C00000"/>
-                </a:solidFill>
-              </a:rPr>
-              <a:t>（即使右端的优先级高，也是如此），</a:t>
-            </a:r>
-            <a:r>
-              <a:rPr lang="zh-CN" altLang="en-US" sz="2000"/>
-              <a:t>并且，在知道结果值为真或假后立即停止计算。</a:t>
-            </a:r>
-          </a:p>
-          <a:p>
-            <a:pPr eaLnBrk="1" hangingPunct="1">
-              <a:lnSpc>
-                <a:spcPct val="80000"/>
-              </a:lnSpc>
-            </a:pPr>
-            <a:r>
-              <a:rPr lang="zh-CN" altLang="en-US" sz="2000"/>
-              <a:t>a&amp;&amp;b:   有0为0，a=0，不判别（计算）b</a:t>
-            </a:r>
-          </a:p>
-          <a:p>
-            <a:pPr eaLnBrk="1" hangingPunct="1">
-              <a:lnSpc>
-                <a:spcPct val="80000"/>
-              </a:lnSpc>
-            </a:pPr>
-            <a:r>
-              <a:rPr lang="zh-CN" altLang="en-US" sz="2000"/>
-              <a:t>a||b:  有1为1，a=1，不判别（计算）b</a:t>
-            </a:r>
-          </a:p>
-        </p:txBody>
-      </p:sp>
-      <p:sp>
-        <p:nvSpPr>
-          <p:cNvPr id="11269" name="Text Box 4"/>
-          <p:cNvSpPr txBox="1">
-            <a:spLocks noChangeArrowheads="1"/>
-          </p:cNvSpPr>
-          <p:nvPr/>
-        </p:nvSpPr>
-        <p:spPr bwMode="auto">
-          <a:xfrm>
-            <a:off x="703263" y="2703513"/>
-            <a:ext cx="6607175" cy="771525"/>
-          </a:xfrm>
-          <a:prstGeom prst="rect">
-            <a:avLst/>
-          </a:prstGeom>
-          <a:noFill/>
-          <a:ln w="9525" cmpd="sng">
-            <a:solidFill>
-              <a:schemeClr val="tx1"/>
-            </a:solidFill>
-            <a:miter lim="800000"/>
-            <a:headEnd/>
-            <a:tailEnd/>
-          </a:ln>
-          <a:extLst>
-            <a:ext uri="{909E8E84-426E-40DD-AFC4-6F175D3DCCD1}">
-              <a14:hiddenFill xmlns:a14="http://schemas.microsoft.com/office/drawing/2010/main">
-                <a:solidFill>
-                  <a:srgbClr val="99CC00"/>
-                </a:solidFill>
-              </a14:hiddenFill>
-            </a:ext>
-          </a:extLst>
-        </p:spPr>
-        <p:txBody>
-          <a:bodyPr>
-            <a:spAutoFit/>
-          </a:bodyPr>
-          <a:lstStyle>
-            <a:lvl1pPr>
-              <a:defRPr sz="2400" b="1">
-                <a:solidFill>
-                  <a:srgbClr val="000000"/>
-                </a:solidFill>
-                <a:latin typeface="Times New Roman" pitchFamily="18" charset="0"/>
-                <a:ea typeface="宋体" pitchFamily="2" charset="-122"/>
-              </a:defRPr>
-            </a:lvl1pPr>
-            <a:lvl2pPr marL="742950" indent="-285750">
-              <a:defRPr sz="2400" b="1">
-                <a:solidFill>
-                  <a:srgbClr val="000000"/>
-                </a:solidFill>
-                <a:latin typeface="Times New Roman" pitchFamily="18" charset="0"/>
-                <a:ea typeface="宋体" pitchFamily="2" charset="-122"/>
-              </a:defRPr>
-            </a:lvl2pPr>
-            <a:lvl3pPr marL="1143000" indent="-228600">
-              <a:defRPr sz="2400" b="1">
-                <a:solidFill>
-                  <a:srgbClr val="000000"/>
-                </a:solidFill>
-                <a:latin typeface="Times New Roman" pitchFamily="18" charset="0"/>
-                <a:ea typeface="宋体" pitchFamily="2" charset="-122"/>
-              </a:defRPr>
-            </a:lvl3pPr>
-            <a:lvl4pPr marL="1600200" indent="-228600">
-              <a:defRPr sz="2400" b="1">
-                <a:solidFill>
-                  <a:srgbClr val="000000"/>
-                </a:solidFill>
-                <a:latin typeface="Times New Roman" pitchFamily="18" charset="0"/>
-                <a:ea typeface="宋体" pitchFamily="2" charset="-122"/>
-              </a:defRPr>
-            </a:lvl4pPr>
-            <a:lvl5pPr marL="2057400" indent="-228600">
-              <a:defRPr sz="2400" b="1">
-                <a:solidFill>
-                  <a:srgbClr val="000000"/>
-                </a:solidFill>
-                <a:latin typeface="Times New Roman" pitchFamily="18" charset="0"/>
-                <a:ea typeface="宋体" pitchFamily="2" charset="-122"/>
-              </a:defRPr>
-            </a:lvl5pPr>
-            <a:lvl6pPr marL="2514600" indent="-228600" eaLnBrk="0" fontAlgn="base" hangingPunct="0">
-              <a:spcBef>
-                <a:spcPct val="20000"/>
-              </a:spcBef>
-              <a:spcAft>
-                <a:spcPct val="0"/>
-              </a:spcAft>
-              <a:buClr>
-                <a:schemeClr val="tx1"/>
-              </a:buClr>
-              <a:buSzPct val="75000"/>
-              <a:buFont typeface="Wingdings" pitchFamily="2" charset="2"/>
-              <a:defRPr sz="2400" b="1">
-                <a:solidFill>
-                  <a:srgbClr val="000000"/>
-                </a:solidFill>
-                <a:latin typeface="Times New Roman" pitchFamily="18" charset="0"/>
-                <a:ea typeface="宋体" pitchFamily="2" charset="-122"/>
-              </a:defRPr>
-            </a:lvl6pPr>
-            <a:lvl7pPr marL="2971800" indent="-228600" eaLnBrk="0" fontAlgn="base" hangingPunct="0">
-              <a:spcBef>
-                <a:spcPct val="20000"/>
-              </a:spcBef>
-              <a:spcAft>
-                <a:spcPct val="0"/>
-              </a:spcAft>
-              <a:buClr>
-                <a:schemeClr val="tx1"/>
-              </a:buClr>
-              <a:buSzPct val="75000"/>
-              <a:buFont typeface="Wingdings" pitchFamily="2" charset="2"/>
-              <a:defRPr sz="2400" b="1">
-                <a:solidFill>
-                  <a:srgbClr val="000000"/>
-                </a:solidFill>
-                <a:latin typeface="Times New Roman" pitchFamily="18" charset="0"/>
-                <a:ea typeface="宋体" pitchFamily="2" charset="-122"/>
-              </a:defRPr>
-            </a:lvl7pPr>
-            <a:lvl8pPr marL="3429000" indent="-228600" eaLnBrk="0" fontAlgn="base" hangingPunct="0">
-              <a:spcBef>
-                <a:spcPct val="20000"/>
-              </a:spcBef>
-              <a:spcAft>
-                <a:spcPct val="0"/>
-              </a:spcAft>
-              <a:buClr>
-                <a:schemeClr val="tx1"/>
-              </a:buClr>
-              <a:buSzPct val="75000"/>
-              <a:buFont typeface="Wingdings" pitchFamily="2" charset="2"/>
-              <a:defRPr sz="2400" b="1">
-                <a:solidFill>
-                  <a:srgbClr val="000000"/>
-                </a:solidFill>
-                <a:latin typeface="Times New Roman" pitchFamily="18" charset="0"/>
-                <a:ea typeface="宋体" pitchFamily="2" charset="-122"/>
-              </a:defRPr>
-            </a:lvl8pPr>
-            <a:lvl9pPr marL="3886200" indent="-228600" eaLnBrk="0" fontAlgn="base" hangingPunct="0">
-              <a:spcBef>
-                <a:spcPct val="20000"/>
-              </a:spcBef>
-              <a:spcAft>
-                <a:spcPct val="0"/>
-              </a:spcAft>
-              <a:buClr>
-                <a:schemeClr val="tx1"/>
-              </a:buClr>
-              <a:buSzPct val="75000"/>
-              <a:buFont typeface="Wingdings" pitchFamily="2" charset="2"/>
-              <a:defRPr sz="2400" b="1">
-                <a:solidFill>
-                  <a:srgbClr val="000000"/>
-                </a:solidFill>
-                <a:latin typeface="Times New Roman" pitchFamily="18" charset="0"/>
-                <a:ea typeface="宋体" pitchFamily="2" charset="-122"/>
-              </a:defRPr>
-            </a:lvl9pPr>
-          </a:lstStyle>
-          <a:p>
-            <a:r>
-              <a:rPr lang="zh-CN" altLang="en-US" sz="2000"/>
-              <a:t>例：a&amp;&amp;b&amp;&amp;c  则当a=0(假)时, b,c不再判断。      </a:t>
-            </a:r>
-          </a:p>
-          <a:p>
-            <a:r>
-              <a:rPr lang="zh-CN" altLang="en-US" sz="2000"/>
-              <a:t>                                 当a=1,b=0时, 不再判c.</a:t>
-            </a:r>
-          </a:p>
-        </p:txBody>
-      </p:sp>
-      <p:sp>
-        <p:nvSpPr>
-          <p:cNvPr id="11270" name="Text Box 5"/>
-          <p:cNvSpPr txBox="1">
-            <a:spLocks noChangeArrowheads="1"/>
-          </p:cNvSpPr>
-          <p:nvPr/>
-        </p:nvSpPr>
-        <p:spPr bwMode="auto">
-          <a:xfrm>
-            <a:off x="712788" y="3632200"/>
-            <a:ext cx="4684712" cy="404813"/>
-          </a:xfrm>
-          <a:prstGeom prst="rect">
-            <a:avLst/>
-          </a:prstGeom>
-          <a:noFill/>
-          <a:ln w="9525" cmpd="sng">
-            <a:solidFill>
-              <a:schemeClr val="tx1"/>
-            </a:solidFill>
-            <a:miter lim="800000"/>
-            <a:headEnd/>
-            <a:tailEnd/>
-          </a:ln>
-          <a:extLst>
-            <a:ext uri="{909E8E84-426E-40DD-AFC4-6F175D3DCCD1}">
-              <a14:hiddenFill xmlns:a14="http://schemas.microsoft.com/office/drawing/2010/main">
-                <a:solidFill>
-                  <a:srgbClr val="FFFFFF"/>
-                </a:solidFill>
-              </a14:hiddenFill>
-            </a:ext>
-          </a:extLst>
-        </p:spPr>
-        <p:txBody>
-          <a:bodyPr wrap="none">
-            <a:spAutoFit/>
-          </a:bodyPr>
-          <a:lstStyle>
-            <a:lvl1pPr>
-              <a:defRPr sz="2400" b="1">
-                <a:solidFill>
-                  <a:srgbClr val="000000"/>
-                </a:solidFill>
-                <a:latin typeface="Times New Roman" pitchFamily="18" charset="0"/>
-                <a:ea typeface="宋体" pitchFamily="2" charset="-122"/>
-              </a:defRPr>
-            </a:lvl1pPr>
-            <a:lvl2pPr marL="742950" indent="-285750">
-              <a:defRPr sz="2400" b="1">
-                <a:solidFill>
-                  <a:srgbClr val="000000"/>
-                </a:solidFill>
-                <a:latin typeface="Times New Roman" pitchFamily="18" charset="0"/>
-                <a:ea typeface="宋体" pitchFamily="2" charset="-122"/>
-              </a:defRPr>
-            </a:lvl2pPr>
-            <a:lvl3pPr marL="1143000" indent="-228600">
-              <a:defRPr sz="2400" b="1">
-                <a:solidFill>
-                  <a:srgbClr val="000000"/>
-                </a:solidFill>
-                <a:latin typeface="Times New Roman" pitchFamily="18" charset="0"/>
-                <a:ea typeface="宋体" pitchFamily="2" charset="-122"/>
-              </a:defRPr>
-            </a:lvl3pPr>
-            <a:lvl4pPr marL="1600200" indent="-228600">
-              <a:defRPr sz="2400" b="1">
-                <a:solidFill>
-                  <a:srgbClr val="000000"/>
-                </a:solidFill>
-                <a:latin typeface="Times New Roman" pitchFamily="18" charset="0"/>
-                <a:ea typeface="宋体" pitchFamily="2" charset="-122"/>
-              </a:defRPr>
-            </a:lvl4pPr>
-            <a:lvl5pPr marL="2057400" indent="-228600">
-              <a:defRPr sz="2400" b="1">
-                <a:solidFill>
-                  <a:srgbClr val="000000"/>
-                </a:solidFill>
-                <a:latin typeface="Times New Roman" pitchFamily="18" charset="0"/>
-                <a:ea typeface="宋体" pitchFamily="2" charset="-122"/>
-              </a:defRPr>
-            </a:lvl5pPr>
-            <a:lvl6pPr marL="2514600" indent="-228600" eaLnBrk="0" fontAlgn="base" hangingPunct="0">
-              <a:spcBef>
-                <a:spcPct val="20000"/>
-              </a:spcBef>
-              <a:spcAft>
-                <a:spcPct val="0"/>
-              </a:spcAft>
-              <a:buClr>
-                <a:schemeClr val="tx1"/>
-              </a:buClr>
-              <a:buSzPct val="75000"/>
-              <a:buFont typeface="Wingdings" pitchFamily="2" charset="2"/>
-              <a:defRPr sz="2400" b="1">
-                <a:solidFill>
-                  <a:srgbClr val="000000"/>
-                </a:solidFill>
-                <a:latin typeface="Times New Roman" pitchFamily="18" charset="0"/>
-                <a:ea typeface="宋体" pitchFamily="2" charset="-122"/>
-              </a:defRPr>
-            </a:lvl6pPr>
-            <a:lvl7pPr marL="2971800" indent="-228600" eaLnBrk="0" fontAlgn="base" hangingPunct="0">
-              <a:spcBef>
-                <a:spcPct val="20000"/>
-              </a:spcBef>
-              <a:spcAft>
-                <a:spcPct val="0"/>
-              </a:spcAft>
-              <a:buClr>
-                <a:schemeClr val="tx1"/>
-              </a:buClr>
-              <a:buSzPct val="75000"/>
-              <a:buFont typeface="Wingdings" pitchFamily="2" charset="2"/>
-              <a:defRPr sz="2400" b="1">
-                <a:solidFill>
-                  <a:srgbClr val="000000"/>
-                </a:solidFill>
-                <a:latin typeface="Times New Roman" pitchFamily="18" charset="0"/>
-                <a:ea typeface="宋体" pitchFamily="2" charset="-122"/>
-              </a:defRPr>
-            </a:lvl7pPr>
-            <a:lvl8pPr marL="3429000" indent="-228600" eaLnBrk="0" fontAlgn="base" hangingPunct="0">
-              <a:spcBef>
-                <a:spcPct val="20000"/>
-              </a:spcBef>
-              <a:spcAft>
-                <a:spcPct val="0"/>
-              </a:spcAft>
-              <a:buClr>
-                <a:schemeClr val="tx1"/>
-              </a:buClr>
-              <a:buSzPct val="75000"/>
-              <a:buFont typeface="Wingdings" pitchFamily="2" charset="2"/>
-              <a:defRPr sz="2400" b="1">
-                <a:solidFill>
-                  <a:srgbClr val="000000"/>
-                </a:solidFill>
-                <a:latin typeface="Times New Roman" pitchFamily="18" charset="0"/>
-                <a:ea typeface="宋体" pitchFamily="2" charset="-122"/>
-              </a:defRPr>
-            </a:lvl8pPr>
-            <a:lvl9pPr marL="3886200" indent="-228600" eaLnBrk="0" fontAlgn="base" hangingPunct="0">
-              <a:spcBef>
-                <a:spcPct val="20000"/>
-              </a:spcBef>
-              <a:spcAft>
-                <a:spcPct val="0"/>
-              </a:spcAft>
-              <a:buClr>
-                <a:schemeClr val="tx1"/>
-              </a:buClr>
-              <a:buSzPct val="75000"/>
-              <a:buFont typeface="Wingdings" pitchFamily="2" charset="2"/>
-              <a:defRPr sz="2400" b="1">
-                <a:solidFill>
-                  <a:srgbClr val="000000"/>
-                </a:solidFill>
-                <a:latin typeface="Times New Roman" pitchFamily="18" charset="0"/>
-                <a:ea typeface="宋体" pitchFamily="2" charset="-122"/>
-              </a:defRPr>
-            </a:lvl9pPr>
-          </a:lstStyle>
-          <a:p>
-            <a:r>
-              <a:rPr lang="zh-CN" altLang="en-US" sz="2000"/>
-              <a:t>例：a || b || c.       当a=1时,b, c均不必判别</a:t>
-            </a:r>
-          </a:p>
-        </p:txBody>
-      </p:sp>
-      <p:sp>
-        <p:nvSpPr>
-          <p:cNvPr id="11271" name="Text Box 6"/>
-          <p:cNvSpPr txBox="1">
-            <a:spLocks noChangeArrowheads="1"/>
-          </p:cNvSpPr>
-          <p:nvPr/>
-        </p:nvSpPr>
-        <p:spPr bwMode="auto">
-          <a:xfrm>
-            <a:off x="685800" y="4154488"/>
-            <a:ext cx="7993063" cy="1138237"/>
-          </a:xfrm>
-          <a:prstGeom prst="rect">
-            <a:avLst/>
-          </a:prstGeom>
-          <a:noFill/>
-          <a:ln w="9525" cmpd="sng">
-            <a:solidFill>
-              <a:schemeClr val="tx1"/>
-            </a:solidFill>
-            <a:miter lim="800000"/>
-            <a:headEnd/>
-            <a:tailEnd/>
-          </a:ln>
-          <a:extLst>
-            <a:ext uri="{909E8E84-426E-40DD-AFC4-6F175D3DCCD1}">
-              <a14:hiddenFill xmlns:a14="http://schemas.microsoft.com/office/drawing/2010/main">
-                <a:solidFill>
-                  <a:srgbClr val="FFFFFF"/>
-                </a:solidFill>
-              </a14:hiddenFill>
-            </a:ext>
-          </a:extLst>
-        </p:spPr>
-        <p:txBody>
-          <a:bodyPr>
-            <a:spAutoFit/>
-          </a:bodyPr>
-          <a:lstStyle>
-            <a:lvl1pPr>
-              <a:defRPr sz="2400" b="1">
-                <a:solidFill>
-                  <a:srgbClr val="000000"/>
-                </a:solidFill>
-                <a:latin typeface="Times New Roman" pitchFamily="18" charset="0"/>
-                <a:ea typeface="宋体" pitchFamily="2" charset="-122"/>
-              </a:defRPr>
-            </a:lvl1pPr>
-            <a:lvl2pPr marL="742950" indent="-285750">
-              <a:defRPr sz="2400" b="1">
-                <a:solidFill>
-                  <a:srgbClr val="000000"/>
-                </a:solidFill>
-                <a:latin typeface="Times New Roman" pitchFamily="18" charset="0"/>
-                <a:ea typeface="宋体" pitchFamily="2" charset="-122"/>
-              </a:defRPr>
-            </a:lvl2pPr>
-            <a:lvl3pPr marL="1143000" indent="-228600">
-              <a:defRPr sz="2400" b="1">
-                <a:solidFill>
-                  <a:srgbClr val="000000"/>
-                </a:solidFill>
-                <a:latin typeface="Times New Roman" pitchFamily="18" charset="0"/>
-                <a:ea typeface="宋体" pitchFamily="2" charset="-122"/>
-              </a:defRPr>
-            </a:lvl3pPr>
-            <a:lvl4pPr marL="1600200" indent="-228600">
-              <a:defRPr sz="2400" b="1">
-                <a:solidFill>
-                  <a:srgbClr val="000000"/>
-                </a:solidFill>
-                <a:latin typeface="Times New Roman" pitchFamily="18" charset="0"/>
-                <a:ea typeface="宋体" pitchFamily="2" charset="-122"/>
-              </a:defRPr>
-            </a:lvl4pPr>
-            <a:lvl5pPr marL="2057400" indent="-228600">
-              <a:defRPr sz="2400" b="1">
-                <a:solidFill>
-                  <a:srgbClr val="000000"/>
-                </a:solidFill>
-                <a:latin typeface="Times New Roman" pitchFamily="18" charset="0"/>
-                <a:ea typeface="宋体" pitchFamily="2" charset="-122"/>
-              </a:defRPr>
-            </a:lvl5pPr>
-            <a:lvl6pPr marL="2514600" indent="-228600" eaLnBrk="0" fontAlgn="base" hangingPunct="0">
-              <a:spcBef>
-                <a:spcPct val="20000"/>
-              </a:spcBef>
-              <a:spcAft>
-                <a:spcPct val="0"/>
-              </a:spcAft>
-              <a:buClr>
-                <a:schemeClr val="tx1"/>
-              </a:buClr>
-              <a:buSzPct val="75000"/>
-              <a:buFont typeface="Wingdings" pitchFamily="2" charset="2"/>
-              <a:defRPr sz="2400" b="1">
-                <a:solidFill>
-                  <a:srgbClr val="000000"/>
-                </a:solidFill>
-                <a:latin typeface="Times New Roman" pitchFamily="18" charset="0"/>
-                <a:ea typeface="宋体" pitchFamily="2" charset="-122"/>
-              </a:defRPr>
-            </a:lvl6pPr>
-            <a:lvl7pPr marL="2971800" indent="-228600" eaLnBrk="0" fontAlgn="base" hangingPunct="0">
-              <a:spcBef>
-                <a:spcPct val="20000"/>
-              </a:spcBef>
-              <a:spcAft>
-                <a:spcPct val="0"/>
-              </a:spcAft>
-              <a:buClr>
-                <a:schemeClr val="tx1"/>
-              </a:buClr>
-              <a:buSzPct val="75000"/>
-              <a:buFont typeface="Wingdings" pitchFamily="2" charset="2"/>
-              <a:defRPr sz="2400" b="1">
-                <a:solidFill>
-                  <a:srgbClr val="000000"/>
-                </a:solidFill>
-                <a:latin typeface="Times New Roman" pitchFamily="18" charset="0"/>
-                <a:ea typeface="宋体" pitchFamily="2" charset="-122"/>
-              </a:defRPr>
-            </a:lvl7pPr>
-            <a:lvl8pPr marL="3429000" indent="-228600" eaLnBrk="0" fontAlgn="base" hangingPunct="0">
-              <a:spcBef>
-                <a:spcPct val="20000"/>
-              </a:spcBef>
-              <a:spcAft>
-                <a:spcPct val="0"/>
-              </a:spcAft>
-              <a:buClr>
-                <a:schemeClr val="tx1"/>
-              </a:buClr>
-              <a:buSzPct val="75000"/>
-              <a:buFont typeface="Wingdings" pitchFamily="2" charset="2"/>
-              <a:defRPr sz="2400" b="1">
-                <a:solidFill>
-                  <a:srgbClr val="000000"/>
-                </a:solidFill>
-                <a:latin typeface="Times New Roman" pitchFamily="18" charset="0"/>
-                <a:ea typeface="宋体" pitchFamily="2" charset="-122"/>
-              </a:defRPr>
-            </a:lvl8pPr>
-            <a:lvl9pPr marL="3886200" indent="-228600" eaLnBrk="0" fontAlgn="base" hangingPunct="0">
-              <a:spcBef>
-                <a:spcPct val="20000"/>
-              </a:spcBef>
-              <a:spcAft>
-                <a:spcPct val="0"/>
-              </a:spcAft>
-              <a:buClr>
-                <a:schemeClr val="tx1"/>
-              </a:buClr>
-              <a:buSzPct val="75000"/>
-              <a:buFont typeface="Wingdings" pitchFamily="2" charset="2"/>
-              <a:defRPr sz="2400" b="1">
-                <a:solidFill>
-                  <a:srgbClr val="000000"/>
-                </a:solidFill>
-                <a:latin typeface="Times New Roman" pitchFamily="18" charset="0"/>
-                <a:ea typeface="宋体" pitchFamily="2" charset="-122"/>
-              </a:defRPr>
-            </a:lvl9pPr>
-          </a:lstStyle>
-          <a:p>
-            <a:r>
-              <a:rPr lang="zh-CN" altLang="en-US" sz="2000"/>
-              <a:t>例：int a=1,b=8,c=9,d;</a:t>
-            </a:r>
-          </a:p>
-          <a:p>
-            <a:r>
-              <a:rPr lang="zh-CN" altLang="en-US" sz="2000"/>
-              <a:t>d=(a||(b=10)||(c=2)); </a:t>
-            </a:r>
-            <a:r>
-              <a:rPr lang="zh-CN" altLang="en-US" sz="2000">
-                <a:solidFill>
-                  <a:srgbClr val="99CC00"/>
-                </a:solidFill>
-              </a:rPr>
-              <a:t> </a:t>
-            </a:r>
-            <a:r>
-              <a:rPr lang="zh-CN" altLang="en-US" sz="2000">
-                <a:solidFill>
-                  <a:srgbClr val="0000FF"/>
-                </a:solidFill>
-                <a:latin typeface="Arial" pitchFamily="34" charset="0"/>
-                <a:ea typeface="楷体_GB2312" pitchFamily="1" charset="-122"/>
-                <a:sym typeface="Arial" pitchFamily="34" charset="0"/>
-              </a:rPr>
-              <a:t>// 从左到右求值，即使( )的优先级更高</a:t>
-            </a:r>
-          </a:p>
-          <a:p>
-            <a:r>
-              <a:rPr lang="zh-CN" altLang="en-US" sz="2000"/>
-              <a:t>printf(“a=%d,b=%d,c=%d,d=%d”,a,b,c,d);   </a:t>
-            </a:r>
-            <a:r>
-              <a:rPr lang="zh-CN" altLang="en-US" sz="2000">
-                <a:solidFill>
-                  <a:srgbClr val="C00000"/>
-                </a:solidFill>
-              </a:rPr>
-              <a:t>// a=1,b=8,c=9,d=1</a:t>
-            </a:r>
-          </a:p>
-        </p:txBody>
-      </p:sp>
-      <p:sp>
-        <p:nvSpPr>
-          <p:cNvPr id="11272" name="Text Box 7"/>
-          <p:cNvSpPr txBox="1">
-            <a:spLocks noChangeArrowheads="1"/>
-          </p:cNvSpPr>
-          <p:nvPr/>
-        </p:nvSpPr>
-        <p:spPr bwMode="auto">
-          <a:xfrm>
-            <a:off x="755650" y="5461000"/>
-            <a:ext cx="4321175" cy="1136650"/>
-          </a:xfrm>
-          <a:prstGeom prst="rect">
-            <a:avLst/>
-          </a:prstGeom>
-          <a:noFill/>
-          <a:ln w="9525" cmpd="sng">
-            <a:solidFill>
-              <a:schemeClr val="tx1"/>
-            </a:solidFill>
-            <a:miter lim="800000"/>
-            <a:headEnd/>
-            <a:tailEnd/>
-          </a:ln>
-          <a:effectLst/>
-          <a:extLst>
-            <a:ext uri="{909E8E84-426E-40DD-AFC4-6F175D3DCCD1}">
-              <a14:hiddenFill xmlns:a14="http://schemas.microsoft.com/office/drawing/2010/main">
-                <a:solidFill>
-                  <a:srgbClr val="FFFFFF"/>
-                </a:solidFill>
-              </a14:hiddenFill>
-            </a:ext>
-            <a:ext uri="{AF507438-7753-43E0-B8FC-AC1667EBCBE1}">
-              <a14:hiddenEffects xmlns:a14="http://schemas.microsoft.com/office/drawing/2010/main">
-                <a:effectLst>
-                  <a:outerShdw dist="35921" dir="2700000" algn="ctr" rotWithShape="0">
-                    <a:srgbClr val="808080"/>
-                  </a:outerShdw>
-                </a:effectLst>
-              </a14:hiddenEffects>
-            </a:ext>
-          </a:extLst>
-        </p:spPr>
-        <p:txBody>
-          <a:bodyPr>
-            <a:spAutoFit/>
-          </a:bodyPr>
-          <a:lstStyle>
-            <a:lvl1pPr>
-              <a:defRPr sz="2400" b="1">
-                <a:solidFill>
-                  <a:srgbClr val="000000"/>
-                </a:solidFill>
-                <a:latin typeface="Times New Roman" pitchFamily="18" charset="0"/>
-                <a:ea typeface="宋体" pitchFamily="2" charset="-122"/>
-              </a:defRPr>
-            </a:lvl1pPr>
-            <a:lvl2pPr marL="742950" indent="-285750">
-              <a:defRPr sz="2400" b="1">
-                <a:solidFill>
-                  <a:srgbClr val="000000"/>
-                </a:solidFill>
-                <a:latin typeface="Times New Roman" pitchFamily="18" charset="0"/>
-                <a:ea typeface="宋体" pitchFamily="2" charset="-122"/>
-              </a:defRPr>
-            </a:lvl2pPr>
-            <a:lvl3pPr marL="1143000" indent="-228600">
-              <a:defRPr sz="2400" b="1">
-                <a:solidFill>
-                  <a:srgbClr val="000000"/>
-                </a:solidFill>
-                <a:latin typeface="Times New Roman" pitchFamily="18" charset="0"/>
-                <a:ea typeface="宋体" pitchFamily="2" charset="-122"/>
-              </a:defRPr>
-            </a:lvl3pPr>
-            <a:lvl4pPr marL="1600200" indent="-228600">
-              <a:defRPr sz="2400" b="1">
-                <a:solidFill>
-                  <a:srgbClr val="000000"/>
-                </a:solidFill>
-                <a:latin typeface="Times New Roman" pitchFamily="18" charset="0"/>
-                <a:ea typeface="宋体" pitchFamily="2" charset="-122"/>
-              </a:defRPr>
-            </a:lvl4pPr>
-            <a:lvl5pPr marL="2057400" indent="-228600">
-              <a:defRPr sz="2400" b="1">
-                <a:solidFill>
-                  <a:srgbClr val="000000"/>
-                </a:solidFill>
-                <a:latin typeface="Times New Roman" pitchFamily="18" charset="0"/>
-                <a:ea typeface="宋体" pitchFamily="2" charset="-122"/>
-              </a:defRPr>
-            </a:lvl5pPr>
-            <a:lvl6pPr marL="2514600" indent="-228600" eaLnBrk="0" fontAlgn="base" hangingPunct="0">
-              <a:spcBef>
-                <a:spcPct val="20000"/>
-              </a:spcBef>
-              <a:spcAft>
-                <a:spcPct val="0"/>
-              </a:spcAft>
-              <a:buClr>
-                <a:schemeClr val="tx1"/>
-              </a:buClr>
-              <a:buSzPct val="75000"/>
-              <a:buFont typeface="Wingdings" pitchFamily="2" charset="2"/>
-              <a:defRPr sz="2400" b="1">
-                <a:solidFill>
-                  <a:srgbClr val="000000"/>
-                </a:solidFill>
-                <a:latin typeface="Times New Roman" pitchFamily="18" charset="0"/>
-                <a:ea typeface="宋体" pitchFamily="2" charset="-122"/>
-              </a:defRPr>
-            </a:lvl6pPr>
-            <a:lvl7pPr marL="2971800" indent="-228600" eaLnBrk="0" fontAlgn="base" hangingPunct="0">
-              <a:spcBef>
-                <a:spcPct val="20000"/>
-              </a:spcBef>
-              <a:spcAft>
-                <a:spcPct val="0"/>
-              </a:spcAft>
-              <a:buClr>
-                <a:schemeClr val="tx1"/>
-              </a:buClr>
-              <a:buSzPct val="75000"/>
-              <a:buFont typeface="Wingdings" pitchFamily="2" charset="2"/>
-              <a:defRPr sz="2400" b="1">
-                <a:solidFill>
-                  <a:srgbClr val="000000"/>
-                </a:solidFill>
-                <a:latin typeface="Times New Roman" pitchFamily="18" charset="0"/>
-                <a:ea typeface="宋体" pitchFamily="2" charset="-122"/>
-              </a:defRPr>
-            </a:lvl7pPr>
-            <a:lvl8pPr marL="3429000" indent="-228600" eaLnBrk="0" fontAlgn="base" hangingPunct="0">
-              <a:spcBef>
-                <a:spcPct val="20000"/>
-              </a:spcBef>
-              <a:spcAft>
-                <a:spcPct val="0"/>
-              </a:spcAft>
-              <a:buClr>
-                <a:schemeClr val="tx1"/>
-              </a:buClr>
-              <a:buSzPct val="75000"/>
-              <a:buFont typeface="Wingdings" pitchFamily="2" charset="2"/>
-              <a:defRPr sz="2400" b="1">
-                <a:solidFill>
-                  <a:srgbClr val="000000"/>
-                </a:solidFill>
-                <a:latin typeface="Times New Roman" pitchFamily="18" charset="0"/>
-                <a:ea typeface="宋体" pitchFamily="2" charset="-122"/>
-              </a:defRPr>
-            </a:lvl8pPr>
-            <a:lvl9pPr marL="3886200" indent="-228600" eaLnBrk="0" fontAlgn="base" hangingPunct="0">
-              <a:spcBef>
-                <a:spcPct val="20000"/>
-              </a:spcBef>
-              <a:spcAft>
-                <a:spcPct val="0"/>
-              </a:spcAft>
-              <a:buClr>
-                <a:schemeClr val="tx1"/>
-              </a:buClr>
-              <a:buSzPct val="75000"/>
-              <a:buFont typeface="Wingdings" pitchFamily="2" charset="2"/>
-              <a:defRPr sz="2400" b="1">
-                <a:solidFill>
-                  <a:srgbClr val="000000"/>
-                </a:solidFill>
-                <a:latin typeface="Times New Roman" pitchFamily="18" charset="0"/>
-                <a:ea typeface="宋体" pitchFamily="2" charset="-122"/>
-              </a:defRPr>
-            </a:lvl9pPr>
-          </a:lstStyle>
-          <a:p>
-            <a:r>
-              <a:rPr lang="zh-CN" altLang="en-US" sz="2000">
-                <a:sym typeface="Arial" pitchFamily="34" charset="0"/>
-              </a:rPr>
-              <a:t>例：int i1=0,i2=5;</a:t>
-            </a:r>
-          </a:p>
-          <a:p>
-            <a:r>
-              <a:rPr lang="zh-CN" altLang="en-US" sz="2000">
-                <a:sym typeface="Arial" pitchFamily="34" charset="0"/>
-              </a:rPr>
-              <a:t>printf("%d\n",!i1&amp;&amp;i2--);  </a:t>
-            </a:r>
-            <a:r>
-              <a:rPr lang="zh-CN" altLang="en-US" sz="2000">
-                <a:solidFill>
-                  <a:srgbClr val="C00000"/>
-                </a:solidFill>
-                <a:sym typeface="Arial" pitchFamily="34" charset="0"/>
-              </a:rPr>
-              <a:t>// 1    </a:t>
-            </a:r>
-          </a:p>
-          <a:p>
-            <a:r>
-              <a:rPr lang="zh-CN" altLang="en-US" sz="2000">
-                <a:sym typeface="Arial" pitchFamily="34" charset="0"/>
-              </a:rPr>
-              <a:t>printf("%d\n",i2); </a:t>
-            </a:r>
-            <a:r>
-              <a:rPr lang="zh-CN" altLang="en-US" sz="2000">
-                <a:solidFill>
-                  <a:srgbClr val="C00000"/>
-                </a:solidFill>
-                <a:sym typeface="Arial" pitchFamily="34" charset="0"/>
-              </a:rPr>
-              <a:t>// 4</a:t>
-            </a:r>
-          </a:p>
-        </p:txBody>
-      </p:sp>
-    </p:spTree>
-  </p:cSld>
-  <p:clrMapOvr>
-    <a:masterClrMapping/>
-  </p:clrMapOvr>
-  <p:timing>
-    <p:tnLst>
-      <p:par>
-        <p:cTn id="1" dur="indefinite" restart="never" nodeType="tmRoot"/>
-      </p:par>
-    </p:tnLst>
-  </p:timing>
-</p:sld>
-</file>
-
-<file path=ppt/slides/slide5.xml><?xml version="1.0" encoding="utf-8"?>
-<p:sld xmlns:a="http://schemas.openxmlformats.org/drawingml/2006/main" xmlns:r="http://schemas.openxmlformats.org/officeDocument/2006/relationships" xmlns:p="http://schemas.openxmlformats.org/presentationml/2006/main">
-  <p:cSld>
-    <p:spTree>
-      <p:nvGrpSpPr>
-        <p:cNvPr id="1" name=""/>
-        <p:cNvGrpSpPr/>
-        <p:nvPr/>
-      </p:nvGrpSpPr>
-      <p:grpSpPr>
-        <a:xfrm>
-          <a:off x="0" y="0"/>
-          <a:ext cx="0" cy="0"/>
-          <a:chOff x="0" y="0"/>
-          <a:chExt cx="0" cy="0"/>
-        </a:xfrm>
-      </p:grpSpPr>
-      <p:sp>
-        <p:nvSpPr>
-          <p:cNvPr id="13314" name="标题 1"/>
-          <p:cNvSpPr>
-            <a:spLocks noGrp="1"/>
-          </p:cNvSpPr>
-          <p:nvPr>
-            <p:ph type="title" idx="4294967295"/>
-          </p:nvPr>
-        </p:nvSpPr>
-        <p:spPr/>
-        <p:txBody>
-          <a:bodyPr/>
-          <a:lstStyle/>
-          <a:p>
-            <a:r>
-              <a:rPr lang="zh-CN" altLang="en-US"/>
-              <a:t>逗号运算符</a:t>
-            </a:r>
-          </a:p>
-        </p:txBody>
-      </p:sp>
-      <p:sp>
-        <p:nvSpPr>
-          <p:cNvPr id="13315" name="内容占位符 2"/>
-          <p:cNvSpPr>
-            <a:spLocks noGrp="1"/>
-          </p:cNvSpPr>
-          <p:nvPr>
-            <p:ph idx="4294967295"/>
-          </p:nvPr>
-        </p:nvSpPr>
-        <p:spPr>
-          <a:xfrm>
-            <a:off x="539750" y="838200"/>
-            <a:ext cx="8382000" cy="3311525"/>
-          </a:xfrm>
-        </p:spPr>
-        <p:txBody>
-          <a:bodyPr/>
-          <a:lstStyle/>
-          <a:p>
-            <a:pPr>
-              <a:buFont typeface="Wingdings" pitchFamily="2" charset="2"/>
-              <a:buChar char="Ø"/>
-            </a:pPr>
-            <a:r>
-              <a:rPr lang="zh-CN" altLang="en-US" sz="2400"/>
-              <a:t>表达式</a:t>
-            </a:r>
-            <a:r>
-              <a:rPr lang="en-US" sz="2400"/>
-              <a:t>1, </a:t>
-            </a:r>
-            <a:r>
-              <a:rPr lang="zh-CN" altLang="en-US" sz="2400"/>
-              <a:t>表达式</a:t>
-            </a:r>
-            <a:r>
-              <a:rPr lang="en-US" sz="2400"/>
-              <a:t>2,…,</a:t>
-            </a:r>
-            <a:r>
-              <a:rPr lang="zh-CN" altLang="en-US" sz="2400"/>
-              <a:t>表达式</a:t>
-            </a:r>
-            <a:r>
-              <a:rPr lang="en-US" sz="2400"/>
-              <a:t>n</a:t>
-            </a:r>
-          </a:p>
-          <a:p>
-            <a:pPr marL="457200" lvl="1" indent="0">
-              <a:buFont typeface="Wingdings" pitchFamily="2" charset="2"/>
-              <a:buNone/>
-            </a:pPr>
-            <a:r>
-              <a:rPr lang="zh-CN" altLang="en-US" sz="2400"/>
-              <a:t>先计算表达式</a:t>
-            </a:r>
-            <a:r>
-              <a:rPr lang="en-US" sz="2400"/>
-              <a:t>1,</a:t>
-            </a:r>
-            <a:r>
-              <a:rPr lang="zh-CN" altLang="en-US" sz="2400"/>
-              <a:t>再计算表达式</a:t>
-            </a:r>
-            <a:r>
-              <a:rPr lang="en-US" sz="2400"/>
-              <a:t>2,…,</a:t>
-            </a:r>
-            <a:r>
-              <a:rPr lang="zh-CN" altLang="en-US" sz="2400"/>
-              <a:t>最后值为表达式</a:t>
-            </a:r>
-            <a:r>
-              <a:rPr lang="en-US" sz="2400"/>
-              <a:t>n</a:t>
-            </a:r>
-            <a:r>
-              <a:rPr lang="zh-CN" altLang="en-US" sz="2400"/>
-              <a:t>的值</a:t>
-            </a:r>
-            <a:endParaRPr lang="en-US" sz="2400"/>
-          </a:p>
-          <a:p>
-            <a:pPr>
-              <a:buFont typeface="Wingdings" pitchFamily="2" charset="2"/>
-              <a:buChar char="Ø"/>
-            </a:pPr>
-            <a:r>
-              <a:rPr lang="zh-CN" altLang="en-US" sz="2400"/>
-              <a:t>逗号运算符优先级最低（</a:t>
-            </a:r>
-            <a:r>
-              <a:rPr lang="en-US" sz="2400"/>
-              <a:t>15</a:t>
-            </a:r>
-            <a:r>
-              <a:rPr lang="zh-CN" altLang="en-US" sz="2400"/>
-              <a:t>）</a:t>
-            </a:r>
-            <a:endParaRPr lang="en-US" sz="2400"/>
-          </a:p>
-          <a:p>
-            <a:pPr marL="457200" lvl="1" indent="0">
-              <a:buFont typeface="Wingdings" pitchFamily="2" charset="2"/>
-              <a:buNone/>
-            </a:pPr>
-            <a:r>
-              <a:rPr lang="en-US" sz="2400"/>
-              <a:t>int a,b;</a:t>
-            </a:r>
-          </a:p>
-          <a:p>
-            <a:pPr marL="457200" lvl="1" indent="0">
-              <a:buFont typeface="Wingdings" pitchFamily="2" charset="2"/>
-              <a:buNone/>
-            </a:pPr>
-            <a:r>
-              <a:rPr lang="en-US" sz="2400"/>
-              <a:t>a=3*5,a*4;    </a:t>
-            </a:r>
-            <a:r>
-              <a:rPr lang="en-US" sz="2400">
-                <a:solidFill>
-                  <a:srgbClr val="FF0000"/>
-                </a:solidFill>
-              </a:rPr>
-              <a:t>// (a=3*5),a*4</a:t>
-            </a:r>
-          </a:p>
-          <a:p>
-            <a:pPr marL="457200" lvl="1" indent="0">
-              <a:buFont typeface="Wingdings" pitchFamily="2" charset="2"/>
-              <a:buNone/>
-            </a:pPr>
-            <a:r>
-              <a:rPr lang="en-US" sz="2400"/>
-              <a:t>b=(3*5,a*4);</a:t>
-            </a:r>
-          </a:p>
-          <a:p>
-            <a:pPr marL="457200" lvl="1" indent="0">
-              <a:buFont typeface="Wingdings" pitchFamily="2" charset="2"/>
-              <a:buNone/>
-            </a:pPr>
-            <a:r>
-              <a:rPr lang="zh-CN" altLang="en-US" sz="2400">
-                <a:solidFill>
-                  <a:srgbClr val="C00000"/>
-                </a:solidFill>
-              </a:rPr>
-              <a:t>结果</a:t>
-            </a:r>
-            <a:r>
-              <a:rPr lang="en-US" sz="2400">
-                <a:solidFill>
-                  <a:srgbClr val="C00000"/>
-                </a:solidFill>
-              </a:rPr>
-              <a:t>: a=15, b=60</a:t>
-            </a:r>
-            <a:endParaRPr lang="zh-CN" altLang="en-US" sz="2400">
-              <a:solidFill>
-                <a:srgbClr val="C00000"/>
-              </a:solidFill>
-            </a:endParaRPr>
-          </a:p>
-        </p:txBody>
-      </p:sp>
-      <p:sp>
-        <p:nvSpPr>
-          <p:cNvPr id="13316" name="灯片编号占位符 3"/>
-          <p:cNvSpPr txBox="1">
-            <a:spLocks noGrp="1" noChangeArrowheads="1"/>
-          </p:cNvSpPr>
-          <p:nvPr/>
-        </p:nvSpPr>
-        <p:spPr bwMode="auto">
-          <a:xfrm>
-            <a:off x="8556625" y="0"/>
-            <a:ext cx="587375" cy="396875"/>
-          </a:xfrm>
-          <a:prstGeom prst="rect">
-            <a:avLst/>
-          </a:prstGeom>
-          <a:noFill/>
-          <a:ln>
-            <a:noFill/>
-          </a:ln>
-          <a:extLst>
-            <a:ext uri="{909E8E84-426E-40DD-AFC4-6F175D3DCCD1}">
-              <a14:hiddenFill xmlns:a14="http://schemas.microsoft.com/office/drawing/2010/main">
-                <a:solidFill>
-                  <a:srgbClr val="FFFFFF"/>
-                </a:solidFill>
-              </a14:hiddenFill>
-            </a:ext>
-            <a:ext uri="{91240B29-F687-4F45-9708-019B960494DF}">
-              <a14:hiddenLine xmlns:a14="http://schemas.microsoft.com/office/drawing/2010/main" w="9525">
-                <a:solidFill>
-                  <a:srgbClr val="000000"/>
-                </a:solidFill>
-                <a:miter lim="800000"/>
-                <a:headEnd/>
-                <a:tailEnd/>
-              </a14:hiddenLine>
-            </a:ext>
-          </a:extLst>
-        </p:spPr>
-        <p:txBody>
-          <a:bodyPr anchor="b" anchorCtr="1">
-            <a:spAutoFit/>
-          </a:bodyPr>
-          <a:lstStyle>
-            <a:lvl1pPr>
-              <a:defRPr sz="2400" b="1">
-                <a:solidFill>
-                  <a:srgbClr val="000000"/>
-                </a:solidFill>
-                <a:latin typeface="Times New Roman" pitchFamily="18" charset="0"/>
-                <a:ea typeface="宋体" pitchFamily="2" charset="-122"/>
-              </a:defRPr>
-            </a:lvl1pPr>
-            <a:lvl2pPr marL="742950" indent="-285750">
-              <a:defRPr sz="2400" b="1">
-                <a:solidFill>
-                  <a:srgbClr val="000000"/>
-                </a:solidFill>
-                <a:latin typeface="Times New Roman" pitchFamily="18" charset="0"/>
-                <a:ea typeface="宋体" pitchFamily="2" charset="-122"/>
-              </a:defRPr>
-            </a:lvl2pPr>
-            <a:lvl3pPr marL="1143000" indent="-228600">
-              <a:defRPr sz="2400" b="1">
-                <a:solidFill>
-                  <a:srgbClr val="000000"/>
-                </a:solidFill>
-                <a:latin typeface="Times New Roman" pitchFamily="18" charset="0"/>
-                <a:ea typeface="宋体" pitchFamily="2" charset="-122"/>
-              </a:defRPr>
-            </a:lvl3pPr>
-            <a:lvl4pPr marL="1600200" indent="-228600">
-              <a:defRPr sz="2400" b="1">
-                <a:solidFill>
-                  <a:srgbClr val="000000"/>
-                </a:solidFill>
-                <a:latin typeface="Times New Roman" pitchFamily="18" charset="0"/>
-                <a:ea typeface="宋体" pitchFamily="2" charset="-122"/>
-              </a:defRPr>
-            </a:lvl4pPr>
-            <a:lvl5pPr marL="2057400" indent="-228600">
-              <a:defRPr sz="2400" b="1">
-                <a:solidFill>
-                  <a:srgbClr val="000000"/>
-                </a:solidFill>
-                <a:latin typeface="Times New Roman" pitchFamily="18" charset="0"/>
-                <a:ea typeface="宋体" pitchFamily="2" charset="-122"/>
-              </a:defRPr>
-            </a:lvl5pPr>
-            <a:lvl6pPr marL="2514600" indent="-228600" eaLnBrk="0" fontAlgn="base" hangingPunct="0">
-              <a:spcBef>
-                <a:spcPct val="20000"/>
-              </a:spcBef>
-              <a:spcAft>
-                <a:spcPct val="0"/>
-              </a:spcAft>
-              <a:buClr>
-                <a:schemeClr val="tx1"/>
-              </a:buClr>
-              <a:buSzPct val="75000"/>
-              <a:buFont typeface="Wingdings" pitchFamily="2" charset="2"/>
-              <a:defRPr sz="2400" b="1">
-                <a:solidFill>
-                  <a:srgbClr val="000000"/>
-                </a:solidFill>
-                <a:latin typeface="Times New Roman" pitchFamily="18" charset="0"/>
-                <a:ea typeface="宋体" pitchFamily="2" charset="-122"/>
-              </a:defRPr>
-            </a:lvl6pPr>
-            <a:lvl7pPr marL="2971800" indent="-228600" eaLnBrk="0" fontAlgn="base" hangingPunct="0">
-              <a:spcBef>
-                <a:spcPct val="20000"/>
-              </a:spcBef>
-              <a:spcAft>
-                <a:spcPct val="0"/>
-              </a:spcAft>
-              <a:buClr>
-                <a:schemeClr val="tx1"/>
-              </a:buClr>
-              <a:buSzPct val="75000"/>
-              <a:buFont typeface="Wingdings" pitchFamily="2" charset="2"/>
-              <a:defRPr sz="2400" b="1">
-                <a:solidFill>
-                  <a:srgbClr val="000000"/>
-                </a:solidFill>
-                <a:latin typeface="Times New Roman" pitchFamily="18" charset="0"/>
-                <a:ea typeface="宋体" pitchFamily="2" charset="-122"/>
-              </a:defRPr>
-            </a:lvl7pPr>
-            <a:lvl8pPr marL="3429000" indent="-228600" eaLnBrk="0" fontAlgn="base" hangingPunct="0">
-              <a:spcBef>
-                <a:spcPct val="20000"/>
-              </a:spcBef>
-              <a:spcAft>
-                <a:spcPct val="0"/>
-              </a:spcAft>
-              <a:buClr>
-                <a:schemeClr val="tx1"/>
-              </a:buClr>
-              <a:buSzPct val="75000"/>
-              <a:buFont typeface="Wingdings" pitchFamily="2" charset="2"/>
-              <a:defRPr sz="2400" b="1">
-                <a:solidFill>
-                  <a:srgbClr val="000000"/>
-                </a:solidFill>
-                <a:latin typeface="Times New Roman" pitchFamily="18" charset="0"/>
-                <a:ea typeface="宋体" pitchFamily="2" charset="-122"/>
-              </a:defRPr>
-            </a:lvl8pPr>
-            <a:lvl9pPr marL="3886200" indent="-228600" eaLnBrk="0" fontAlgn="base" hangingPunct="0">
-              <a:spcBef>
-                <a:spcPct val="20000"/>
-              </a:spcBef>
-              <a:spcAft>
-                <a:spcPct val="0"/>
-              </a:spcAft>
-              <a:buClr>
-                <a:schemeClr val="tx1"/>
-              </a:buClr>
-              <a:buSzPct val="75000"/>
-              <a:buFont typeface="Wingdings" pitchFamily="2" charset="2"/>
-              <a:defRPr sz="2400" b="1">
-                <a:solidFill>
-                  <a:srgbClr val="000000"/>
-                </a:solidFill>
-                <a:latin typeface="Times New Roman" pitchFamily="18" charset="0"/>
-                <a:ea typeface="宋体" pitchFamily="2" charset="-122"/>
-              </a:defRPr>
-            </a:lvl9pPr>
-          </a:lstStyle>
-          <a:p>
-            <a:pPr>
-              <a:spcBef>
-                <a:spcPct val="0"/>
-              </a:spcBef>
-            </a:pPr>
-            <a:fld id="{C2C0C041-EFB4-4CCB-BF82-BFE24BA307E3}" type="slidenum">
-              <a:rPr lang="zh-CN" altLang="en-US" sz="2000">
-                <a:solidFill>
-                  <a:schemeClr val="tx2"/>
-                </a:solidFill>
-                <a:latin typeface="Arial" pitchFamily="34" charset="0"/>
-                <a:sym typeface="Arial" pitchFamily="34" charset="0"/>
-              </a:rPr>
-              <a:pPr>
-                <a:spcBef>
-                  <a:spcPct val="0"/>
-                </a:spcBef>
-              </a:pPr>
-              <a:t>5</a:t>
-            </a:fld>
-            <a:endParaRPr lang="en-US" sz="1800">
-              <a:ea typeface="楷体_GB2312" pitchFamily="1" charset="-122"/>
-              <a:sym typeface="Arial" pitchFamily="34" charset="0"/>
-            </a:endParaRPr>
-          </a:p>
-        </p:txBody>
-      </p:sp>
-    </p:spTree>
-  </p:cSld>
-  <p:clrMapOvr>
-    <a:masterClrMapping/>
-  </p:clrMapOvr>
-  <p:timing>
-    <p:tnLst>
-      <p:par>
-        <p:cTn id="1" dur="indefinite" restart="never" nodeType="tmRoot"/>
-      </p:par>
-    </p:tnLst>
-  </p:timing>
-</p:sld>
-</file>
-
-<file path=ppt/slides/slide6.xml><?xml version="1.0" encoding="utf-8"?>
 <p:sld xmlns:a="http://schemas.openxmlformats.org/drawingml/2006/main" xmlns:r="http://schemas.openxmlformats.org/officeDocument/2006/relationships" xmlns:p="http://schemas.openxmlformats.org/presentationml/2006/main">
   <p:cSld>
     <p:spTree>
@@ -20019,6 +17727,2535 @@
 </p:sld>
 </file>
 
+<file path=ppt/slides/slide4.xml><?xml version="1.0" encoding="utf-8"?>
+<p:sld xmlns:a="http://schemas.openxmlformats.org/drawingml/2006/main" xmlns:r="http://schemas.openxmlformats.org/officeDocument/2006/relationships" xmlns:p="http://schemas.openxmlformats.org/presentationml/2006/main">
+  <p:cSld>
+    <p:spTree>
+      <p:nvGrpSpPr>
+        <p:cNvPr id="1" name=""/>
+        <p:cNvGrpSpPr/>
+        <p:nvPr/>
+      </p:nvGrpSpPr>
+      <p:grpSpPr>
+        <a:xfrm>
+          <a:off x="0" y="0"/>
+          <a:ext cx="0" cy="0"/>
+          <a:chOff x="0" y="0"/>
+          <a:chExt cx="0" cy="0"/>
+        </a:xfrm>
+      </p:grpSpPr>
+      <p:sp>
+        <p:nvSpPr>
+          <p:cNvPr id="8194" name="标题 1"/>
+          <p:cNvSpPr>
+            <a:spLocks noGrp="1"/>
+          </p:cNvSpPr>
+          <p:nvPr>
+            <p:ph type="title" idx="4294967295"/>
+          </p:nvPr>
+        </p:nvSpPr>
+        <p:spPr/>
+        <p:txBody>
+          <a:bodyPr/>
+          <a:lstStyle/>
+          <a:p>
+            <a:pPr eaLnBrk="1" hangingPunct="1"/>
+            <a:r>
+              <a:rPr lang="zh-CN" altLang="en-US"/>
+              <a:t>两个整数相除的值</a:t>
+            </a:r>
+          </a:p>
+        </p:txBody>
+      </p:sp>
+      <p:sp>
+        <p:nvSpPr>
+          <p:cNvPr id="8195" name="灯片编号占位符 2"/>
+          <p:cNvSpPr txBox="1">
+            <a:spLocks noGrp="1" noChangeArrowheads="1"/>
+          </p:cNvSpPr>
+          <p:nvPr/>
+        </p:nvSpPr>
+        <p:spPr bwMode="auto">
+          <a:xfrm>
+            <a:off x="8556625" y="0"/>
+            <a:ext cx="587375" cy="396875"/>
+          </a:xfrm>
+          <a:prstGeom prst="rect">
+            <a:avLst/>
+          </a:prstGeom>
+          <a:noFill/>
+          <a:ln>
+            <a:noFill/>
+          </a:ln>
+          <a:extLst>
+            <a:ext uri="{909E8E84-426E-40DD-AFC4-6F175D3DCCD1}">
+              <a14:hiddenFill xmlns:a14="http://schemas.microsoft.com/office/drawing/2010/main">
+                <a:solidFill>
+                  <a:srgbClr val="FFFFFF"/>
+                </a:solidFill>
+              </a14:hiddenFill>
+            </a:ext>
+            <a:ext uri="{91240B29-F687-4F45-9708-019B960494DF}">
+              <a14:hiddenLine xmlns:a14="http://schemas.microsoft.com/office/drawing/2010/main" w="9525">
+                <a:solidFill>
+                  <a:srgbClr val="000000"/>
+                </a:solidFill>
+                <a:miter lim="800000"/>
+                <a:headEnd/>
+                <a:tailEnd/>
+              </a14:hiddenLine>
+            </a:ext>
+          </a:extLst>
+        </p:spPr>
+        <p:txBody>
+          <a:bodyPr anchor="b" anchorCtr="1">
+            <a:spAutoFit/>
+          </a:bodyPr>
+          <a:lstStyle>
+            <a:lvl1pPr>
+              <a:defRPr sz="2400" b="1">
+                <a:solidFill>
+                  <a:srgbClr val="000000"/>
+                </a:solidFill>
+                <a:latin typeface="Times New Roman" pitchFamily="18" charset="0"/>
+                <a:ea typeface="宋体" pitchFamily="2" charset="-122"/>
+              </a:defRPr>
+            </a:lvl1pPr>
+            <a:lvl2pPr marL="742950" indent="-285750">
+              <a:defRPr sz="2400" b="1">
+                <a:solidFill>
+                  <a:srgbClr val="000000"/>
+                </a:solidFill>
+                <a:latin typeface="Times New Roman" pitchFamily="18" charset="0"/>
+                <a:ea typeface="宋体" pitchFamily="2" charset="-122"/>
+              </a:defRPr>
+            </a:lvl2pPr>
+            <a:lvl3pPr marL="1143000" indent="-228600">
+              <a:defRPr sz="2400" b="1">
+                <a:solidFill>
+                  <a:srgbClr val="000000"/>
+                </a:solidFill>
+                <a:latin typeface="Times New Roman" pitchFamily="18" charset="0"/>
+                <a:ea typeface="宋体" pitchFamily="2" charset="-122"/>
+              </a:defRPr>
+            </a:lvl3pPr>
+            <a:lvl4pPr marL="1600200" indent="-228600">
+              <a:defRPr sz="2400" b="1">
+                <a:solidFill>
+                  <a:srgbClr val="000000"/>
+                </a:solidFill>
+                <a:latin typeface="Times New Roman" pitchFamily="18" charset="0"/>
+                <a:ea typeface="宋体" pitchFamily="2" charset="-122"/>
+              </a:defRPr>
+            </a:lvl4pPr>
+            <a:lvl5pPr marL="2057400" indent="-228600">
+              <a:defRPr sz="2400" b="1">
+                <a:solidFill>
+                  <a:srgbClr val="000000"/>
+                </a:solidFill>
+                <a:latin typeface="Times New Roman" pitchFamily="18" charset="0"/>
+                <a:ea typeface="宋体" pitchFamily="2" charset="-122"/>
+              </a:defRPr>
+            </a:lvl5pPr>
+            <a:lvl6pPr marL="2514600" indent="-228600" eaLnBrk="0" fontAlgn="base" hangingPunct="0">
+              <a:spcBef>
+                <a:spcPct val="20000"/>
+              </a:spcBef>
+              <a:spcAft>
+                <a:spcPct val="0"/>
+              </a:spcAft>
+              <a:buClr>
+                <a:schemeClr val="tx1"/>
+              </a:buClr>
+              <a:buSzPct val="75000"/>
+              <a:buFont typeface="Wingdings" pitchFamily="2" charset="2"/>
+              <a:defRPr sz="2400" b="1">
+                <a:solidFill>
+                  <a:srgbClr val="000000"/>
+                </a:solidFill>
+                <a:latin typeface="Times New Roman" pitchFamily="18" charset="0"/>
+                <a:ea typeface="宋体" pitchFamily="2" charset="-122"/>
+              </a:defRPr>
+            </a:lvl6pPr>
+            <a:lvl7pPr marL="2971800" indent="-228600" eaLnBrk="0" fontAlgn="base" hangingPunct="0">
+              <a:spcBef>
+                <a:spcPct val="20000"/>
+              </a:spcBef>
+              <a:spcAft>
+                <a:spcPct val="0"/>
+              </a:spcAft>
+              <a:buClr>
+                <a:schemeClr val="tx1"/>
+              </a:buClr>
+              <a:buSzPct val="75000"/>
+              <a:buFont typeface="Wingdings" pitchFamily="2" charset="2"/>
+              <a:defRPr sz="2400" b="1">
+                <a:solidFill>
+                  <a:srgbClr val="000000"/>
+                </a:solidFill>
+                <a:latin typeface="Times New Roman" pitchFamily="18" charset="0"/>
+                <a:ea typeface="宋体" pitchFamily="2" charset="-122"/>
+              </a:defRPr>
+            </a:lvl7pPr>
+            <a:lvl8pPr marL="3429000" indent="-228600" eaLnBrk="0" fontAlgn="base" hangingPunct="0">
+              <a:spcBef>
+                <a:spcPct val="20000"/>
+              </a:spcBef>
+              <a:spcAft>
+                <a:spcPct val="0"/>
+              </a:spcAft>
+              <a:buClr>
+                <a:schemeClr val="tx1"/>
+              </a:buClr>
+              <a:buSzPct val="75000"/>
+              <a:buFont typeface="Wingdings" pitchFamily="2" charset="2"/>
+              <a:defRPr sz="2400" b="1">
+                <a:solidFill>
+                  <a:srgbClr val="000000"/>
+                </a:solidFill>
+                <a:latin typeface="Times New Roman" pitchFamily="18" charset="0"/>
+                <a:ea typeface="宋体" pitchFamily="2" charset="-122"/>
+              </a:defRPr>
+            </a:lvl8pPr>
+            <a:lvl9pPr marL="3886200" indent="-228600" eaLnBrk="0" fontAlgn="base" hangingPunct="0">
+              <a:spcBef>
+                <a:spcPct val="20000"/>
+              </a:spcBef>
+              <a:spcAft>
+                <a:spcPct val="0"/>
+              </a:spcAft>
+              <a:buClr>
+                <a:schemeClr val="tx1"/>
+              </a:buClr>
+              <a:buSzPct val="75000"/>
+              <a:buFont typeface="Wingdings" pitchFamily="2" charset="2"/>
+              <a:defRPr sz="2400" b="1">
+                <a:solidFill>
+                  <a:srgbClr val="000000"/>
+                </a:solidFill>
+                <a:latin typeface="Times New Roman" pitchFamily="18" charset="0"/>
+                <a:ea typeface="宋体" pitchFamily="2" charset="-122"/>
+              </a:defRPr>
+            </a:lvl9pPr>
+          </a:lstStyle>
+          <a:p>
+            <a:pPr>
+              <a:spcBef>
+                <a:spcPct val="0"/>
+              </a:spcBef>
+            </a:pPr>
+            <a:fld id="{5C74AAA9-3EC4-48B0-970B-278112556D62}" type="slidenum">
+              <a:rPr lang="zh-CN" altLang="en-US" sz="2000">
+                <a:solidFill>
+                  <a:schemeClr val="tx2"/>
+                </a:solidFill>
+                <a:latin typeface="Arial" pitchFamily="34" charset="0"/>
+                <a:sym typeface="Arial" pitchFamily="34" charset="0"/>
+              </a:rPr>
+              <a:pPr>
+                <a:spcBef>
+                  <a:spcPct val="0"/>
+                </a:spcBef>
+              </a:pPr>
+              <a:t>4</a:t>
+            </a:fld>
+            <a:endParaRPr lang="en-US" sz="1800">
+              <a:ea typeface="楷体_GB2312" pitchFamily="1" charset="-122"/>
+              <a:sym typeface="Arial" pitchFamily="34" charset="0"/>
+            </a:endParaRPr>
+          </a:p>
+        </p:txBody>
+      </p:sp>
+      <p:sp>
+        <p:nvSpPr>
+          <p:cNvPr id="8196" name="TextBox 3"/>
+          <p:cNvSpPr txBox="1">
+            <a:spLocks noChangeArrowheads="1"/>
+          </p:cNvSpPr>
+          <p:nvPr/>
+        </p:nvSpPr>
+        <p:spPr bwMode="auto">
+          <a:xfrm>
+            <a:off x="611725" y="1125538"/>
+            <a:ext cx="8208425" cy="4770537"/>
+          </a:xfrm>
+          <a:prstGeom prst="rect">
+            <a:avLst/>
+          </a:prstGeom>
+          <a:noFill/>
+          <a:ln>
+            <a:noFill/>
+          </a:ln>
+          <a:extLst>
+            <a:ext uri="{909E8E84-426E-40DD-AFC4-6F175D3DCCD1}">
+              <a14:hiddenFill xmlns:a14="http://schemas.microsoft.com/office/drawing/2010/main">
+                <a:solidFill>
+                  <a:srgbClr val="FFFFFF"/>
+                </a:solidFill>
+              </a14:hiddenFill>
+            </a:ext>
+            <a:ext uri="{91240B29-F687-4F45-9708-019B960494DF}">
+              <a14:hiddenLine xmlns:a14="http://schemas.microsoft.com/office/drawing/2010/main" w="9525">
+                <a:solidFill>
+                  <a:srgbClr val="000000"/>
+                </a:solidFill>
+                <a:miter lim="800000"/>
+                <a:headEnd/>
+                <a:tailEnd/>
+              </a14:hiddenLine>
+            </a:ext>
+          </a:extLst>
+        </p:spPr>
+        <p:txBody>
+          <a:bodyPr wrap="square">
+            <a:spAutoFit/>
+          </a:bodyPr>
+          <a:lstStyle>
+            <a:lvl1pPr marL="342900" indent="-342900">
+              <a:defRPr sz="2400" b="1">
+                <a:solidFill>
+                  <a:srgbClr val="000000"/>
+                </a:solidFill>
+                <a:latin typeface="Times New Roman" pitchFamily="18" charset="0"/>
+                <a:ea typeface="宋体" pitchFamily="2" charset="-122"/>
+              </a:defRPr>
+            </a:lvl1pPr>
+            <a:lvl2pPr marL="800100" indent="-342900">
+              <a:defRPr sz="2400" b="1">
+                <a:solidFill>
+                  <a:srgbClr val="000000"/>
+                </a:solidFill>
+                <a:latin typeface="Times New Roman" pitchFamily="18" charset="0"/>
+                <a:ea typeface="宋体" pitchFamily="2" charset="-122"/>
+              </a:defRPr>
+            </a:lvl2pPr>
+            <a:lvl3pPr marL="1143000" indent="-228600">
+              <a:defRPr sz="2400" b="1">
+                <a:solidFill>
+                  <a:srgbClr val="000000"/>
+                </a:solidFill>
+                <a:latin typeface="Times New Roman" pitchFamily="18" charset="0"/>
+                <a:ea typeface="宋体" pitchFamily="2" charset="-122"/>
+              </a:defRPr>
+            </a:lvl3pPr>
+            <a:lvl4pPr marL="1600200" indent="-228600">
+              <a:defRPr sz="2400" b="1">
+                <a:solidFill>
+                  <a:srgbClr val="000000"/>
+                </a:solidFill>
+                <a:latin typeface="Times New Roman" pitchFamily="18" charset="0"/>
+                <a:ea typeface="宋体" pitchFamily="2" charset="-122"/>
+              </a:defRPr>
+            </a:lvl4pPr>
+            <a:lvl5pPr marL="2057400" indent="-228600">
+              <a:defRPr sz="2400" b="1">
+                <a:solidFill>
+                  <a:srgbClr val="000000"/>
+                </a:solidFill>
+                <a:latin typeface="Times New Roman" pitchFamily="18" charset="0"/>
+                <a:ea typeface="宋体" pitchFamily="2" charset="-122"/>
+              </a:defRPr>
+            </a:lvl5pPr>
+            <a:lvl6pPr marL="2514600" indent="-228600" eaLnBrk="0" fontAlgn="base" hangingPunct="0">
+              <a:spcBef>
+                <a:spcPct val="20000"/>
+              </a:spcBef>
+              <a:spcAft>
+                <a:spcPct val="0"/>
+              </a:spcAft>
+              <a:buClr>
+                <a:schemeClr val="tx1"/>
+              </a:buClr>
+              <a:buSzPct val="75000"/>
+              <a:buFont typeface="Wingdings" pitchFamily="2" charset="2"/>
+              <a:defRPr sz="2400" b="1">
+                <a:solidFill>
+                  <a:srgbClr val="000000"/>
+                </a:solidFill>
+                <a:latin typeface="Times New Roman" pitchFamily="18" charset="0"/>
+                <a:ea typeface="宋体" pitchFamily="2" charset="-122"/>
+              </a:defRPr>
+            </a:lvl6pPr>
+            <a:lvl7pPr marL="2971800" indent="-228600" eaLnBrk="0" fontAlgn="base" hangingPunct="0">
+              <a:spcBef>
+                <a:spcPct val="20000"/>
+              </a:spcBef>
+              <a:spcAft>
+                <a:spcPct val="0"/>
+              </a:spcAft>
+              <a:buClr>
+                <a:schemeClr val="tx1"/>
+              </a:buClr>
+              <a:buSzPct val="75000"/>
+              <a:buFont typeface="Wingdings" pitchFamily="2" charset="2"/>
+              <a:defRPr sz="2400" b="1">
+                <a:solidFill>
+                  <a:srgbClr val="000000"/>
+                </a:solidFill>
+                <a:latin typeface="Times New Roman" pitchFamily="18" charset="0"/>
+                <a:ea typeface="宋体" pitchFamily="2" charset="-122"/>
+              </a:defRPr>
+            </a:lvl7pPr>
+            <a:lvl8pPr marL="3429000" indent="-228600" eaLnBrk="0" fontAlgn="base" hangingPunct="0">
+              <a:spcBef>
+                <a:spcPct val="20000"/>
+              </a:spcBef>
+              <a:spcAft>
+                <a:spcPct val="0"/>
+              </a:spcAft>
+              <a:buClr>
+                <a:schemeClr val="tx1"/>
+              </a:buClr>
+              <a:buSzPct val="75000"/>
+              <a:buFont typeface="Wingdings" pitchFamily="2" charset="2"/>
+              <a:defRPr sz="2400" b="1">
+                <a:solidFill>
+                  <a:srgbClr val="000000"/>
+                </a:solidFill>
+                <a:latin typeface="Times New Roman" pitchFamily="18" charset="0"/>
+                <a:ea typeface="宋体" pitchFamily="2" charset="-122"/>
+              </a:defRPr>
+            </a:lvl8pPr>
+            <a:lvl9pPr marL="3886200" indent="-228600" eaLnBrk="0" fontAlgn="base" hangingPunct="0">
+              <a:spcBef>
+                <a:spcPct val="20000"/>
+              </a:spcBef>
+              <a:spcAft>
+                <a:spcPct val="0"/>
+              </a:spcAft>
+              <a:buClr>
+                <a:schemeClr val="tx1"/>
+              </a:buClr>
+              <a:buSzPct val="75000"/>
+              <a:buFont typeface="Wingdings" pitchFamily="2" charset="2"/>
+              <a:defRPr sz="2400" b="1">
+                <a:solidFill>
+                  <a:srgbClr val="000000"/>
+                </a:solidFill>
+                <a:latin typeface="Times New Roman" pitchFamily="18" charset="0"/>
+                <a:ea typeface="宋体" pitchFamily="2" charset="-122"/>
+              </a:defRPr>
+            </a:lvl9pPr>
+          </a:lstStyle>
+          <a:p>
+            <a:pPr>
+              <a:buFont typeface="Wingdings" pitchFamily="2" charset="2"/>
+              <a:buChar char="Ø"/>
+            </a:pPr>
+            <a:r>
+              <a:rPr lang="zh-CN" altLang="en-US" sz="2000" dirty="0"/>
+              <a:t>两个整型数据相除 ，结果取整，舍弃小数部分，两个实型数据相除结果为实型。</a:t>
+            </a:r>
+            <a:endParaRPr lang="en-US" sz="2000" dirty="0"/>
+          </a:p>
+          <a:p>
+            <a:pPr lvl="1">
+              <a:buFont typeface="Wingdings" pitchFamily="2" charset="2"/>
+              <a:buChar char="u"/>
+            </a:pPr>
+            <a:r>
+              <a:rPr lang="en-US" sz="2000" dirty="0">
+                <a:solidFill>
+                  <a:srgbClr val="C00000"/>
+                </a:solidFill>
+              </a:rPr>
+              <a:t>–5/ 3 = – 1;  </a:t>
+            </a:r>
+          </a:p>
+          <a:p>
+            <a:pPr lvl="1">
+              <a:buFont typeface="Wingdings" pitchFamily="2" charset="2"/>
+              <a:buChar char="u"/>
+            </a:pPr>
+            <a:r>
+              <a:rPr lang="en-US" sz="2000" dirty="0">
+                <a:solidFill>
+                  <a:srgbClr val="C00000"/>
+                </a:solidFill>
+              </a:rPr>
+              <a:t>9.33/3.22=2.897516;  </a:t>
+            </a:r>
+          </a:p>
+          <a:p>
+            <a:pPr lvl="1">
+              <a:buFont typeface="Wingdings" pitchFamily="2" charset="2"/>
+              <a:buChar char="u"/>
+            </a:pPr>
+            <a:r>
+              <a:rPr lang="en-US" sz="2000" dirty="0">
+                <a:solidFill>
+                  <a:srgbClr val="C00000"/>
+                </a:solidFill>
+              </a:rPr>
+              <a:t>1/2=0;  </a:t>
+            </a:r>
+          </a:p>
+          <a:p>
+            <a:pPr lvl="1">
+              <a:buFont typeface="Wingdings" pitchFamily="2" charset="2"/>
+              <a:buChar char="u"/>
+            </a:pPr>
+            <a:r>
+              <a:rPr lang="en-US" sz="2000" dirty="0">
+                <a:solidFill>
+                  <a:srgbClr val="C00000"/>
+                </a:solidFill>
+              </a:rPr>
+              <a:t>1.0/2=0.5;</a:t>
+            </a:r>
+          </a:p>
+          <a:p>
+            <a:pPr lvl="1">
+              <a:buFont typeface="Wingdings" pitchFamily="2" charset="2"/>
+              <a:buChar char="u"/>
+            </a:pPr>
+            <a:r>
+              <a:rPr lang="en-US" sz="2000" dirty="0" err="1">
+                <a:solidFill>
+                  <a:srgbClr val="C00000"/>
+                </a:solidFill>
+              </a:rPr>
+              <a:t>int</a:t>
+            </a:r>
+            <a:r>
+              <a:rPr lang="en-US" sz="2000" dirty="0">
+                <a:solidFill>
+                  <a:srgbClr val="C00000"/>
+                </a:solidFill>
+              </a:rPr>
+              <a:t> </a:t>
+            </a:r>
+            <a:r>
+              <a:rPr lang="en-US" sz="2000" dirty="0" err="1">
+                <a:solidFill>
+                  <a:srgbClr val="C00000"/>
+                </a:solidFill>
+              </a:rPr>
+              <a:t>a,b</a:t>
+            </a:r>
+            <a:r>
+              <a:rPr lang="en-US" sz="2000" dirty="0">
+                <a:solidFill>
+                  <a:srgbClr val="C00000"/>
+                </a:solidFill>
+              </a:rPr>
+              <a:t>; float f1,f2,f3;  </a:t>
+            </a:r>
+          </a:p>
+          <a:p>
+            <a:pPr lvl="1"/>
+            <a:r>
+              <a:rPr lang="en-US" sz="2000" dirty="0">
+                <a:solidFill>
+                  <a:srgbClr val="C00000"/>
+                </a:solidFill>
+              </a:rPr>
+              <a:t>     f1=a/b;   </a:t>
+            </a:r>
+            <a:r>
+              <a:rPr lang="en-US" sz="2000" dirty="0">
+                <a:solidFill>
+                  <a:srgbClr val="5CADFF"/>
+                </a:solidFill>
+              </a:rPr>
+              <a:t>// </a:t>
+            </a:r>
+            <a:r>
+              <a:rPr lang="zh-CN" altLang="en-US" sz="2000" dirty="0">
+                <a:solidFill>
+                  <a:srgbClr val="5CADFF"/>
+                </a:solidFill>
+              </a:rPr>
+              <a:t>丢失小数部分</a:t>
+            </a:r>
+            <a:endParaRPr lang="en-US" sz="2000" dirty="0">
+              <a:solidFill>
+                <a:srgbClr val="5CADFF"/>
+              </a:solidFill>
+            </a:endParaRPr>
+          </a:p>
+          <a:p>
+            <a:pPr lvl="1"/>
+            <a:r>
+              <a:rPr lang="en-US" sz="2000" dirty="0">
+                <a:solidFill>
+                  <a:srgbClr val="C00000"/>
+                </a:solidFill>
+              </a:rPr>
+              <a:t>     f2=(float)(a/b); </a:t>
+            </a:r>
+            <a:r>
+              <a:rPr lang="en-US" sz="2000" dirty="0">
+                <a:solidFill>
+                  <a:srgbClr val="5CADFF"/>
+                </a:solidFill>
+              </a:rPr>
+              <a:t>// </a:t>
+            </a:r>
+            <a:r>
+              <a:rPr lang="zh-CN" altLang="en-US" sz="2000" dirty="0">
+                <a:solidFill>
+                  <a:srgbClr val="5CADFF"/>
+                </a:solidFill>
+              </a:rPr>
+              <a:t>丢失小数部分</a:t>
+            </a:r>
+            <a:endParaRPr lang="en-US" sz="2000" dirty="0">
+              <a:solidFill>
+                <a:srgbClr val="5CADFF"/>
+              </a:solidFill>
+            </a:endParaRPr>
+          </a:p>
+          <a:p>
+            <a:pPr lvl="1"/>
+            <a:r>
+              <a:rPr lang="en-US" sz="2000" dirty="0">
+                <a:solidFill>
+                  <a:srgbClr val="C00000"/>
+                </a:solidFill>
+              </a:rPr>
+              <a:t>     f3=(float)a/b;   </a:t>
+            </a:r>
+            <a:endParaRPr lang="en-US" sz="2000" dirty="0" smtClean="0">
+              <a:solidFill>
+                <a:srgbClr val="C00000"/>
+              </a:solidFill>
+            </a:endParaRPr>
+          </a:p>
+          <a:p>
+            <a:pPr lvl="1">
+              <a:buFont typeface="Wingdings" pitchFamily="2" charset="2"/>
+              <a:buChar char="u"/>
+            </a:pPr>
+            <a:r>
+              <a:rPr lang="en-US" altLang="zh-CN" sz="2000" dirty="0" smtClean="0">
+                <a:solidFill>
+                  <a:srgbClr val="C00000"/>
+                </a:solidFill>
+              </a:rPr>
+              <a:t>float s; </a:t>
+            </a:r>
+            <a:r>
+              <a:rPr lang="en-US" altLang="zh-CN" sz="2000" dirty="0" err="1" smtClean="0">
+                <a:solidFill>
+                  <a:srgbClr val="C00000"/>
+                </a:solidFill>
+              </a:rPr>
+              <a:t>int</a:t>
+            </a:r>
+            <a:r>
+              <a:rPr lang="en-US" altLang="zh-CN" sz="2000" dirty="0" smtClean="0">
+                <a:solidFill>
+                  <a:srgbClr val="C00000"/>
+                </a:solidFill>
+              </a:rPr>
+              <a:t> n;</a:t>
+            </a:r>
+          </a:p>
+          <a:p>
+            <a:pPr marL="457200" lvl="1" indent="0"/>
+            <a:r>
+              <a:rPr lang="en-US" altLang="zh-CN" sz="2000" dirty="0">
+                <a:solidFill>
+                  <a:srgbClr val="C00000"/>
+                </a:solidFill>
+              </a:rPr>
+              <a:t> </a:t>
+            </a:r>
+            <a:r>
+              <a:rPr lang="en-US" altLang="zh-CN" sz="2000" dirty="0" smtClean="0">
+                <a:solidFill>
+                  <a:srgbClr val="C00000"/>
+                </a:solidFill>
+              </a:rPr>
+              <a:t>     s *= n/(2n-1);     // </a:t>
+            </a:r>
+            <a:r>
+              <a:rPr lang="en-US" altLang="zh-CN" sz="2000" dirty="0" smtClean="0">
+                <a:solidFill>
+                  <a:srgbClr val="C00000"/>
+                </a:solidFill>
+                <a:sym typeface="Wingdings" pitchFamily="2" charset="2"/>
+              </a:rPr>
+              <a:t> s = s*(n/(2n-1)</a:t>
+            </a:r>
+            <a:r>
+              <a:rPr lang="en-US" altLang="zh-CN" sz="2000" dirty="0">
+                <a:solidFill>
+                  <a:srgbClr val="C00000"/>
+                </a:solidFill>
+                <a:sym typeface="Wingdings" pitchFamily="2" charset="2"/>
+              </a:rPr>
+              <a:t>)</a:t>
+            </a:r>
+            <a:r>
+              <a:rPr lang="en-US" altLang="zh-CN" sz="2000" dirty="0" smtClean="0">
+                <a:solidFill>
+                  <a:srgbClr val="C00000"/>
+                </a:solidFill>
+                <a:sym typeface="Wingdings" pitchFamily="2" charset="2"/>
+              </a:rPr>
+              <a:t>;   </a:t>
+            </a:r>
+            <a:r>
+              <a:rPr lang="zh-CN" altLang="en-US" sz="2000" dirty="0" smtClean="0">
+                <a:solidFill>
+                  <a:srgbClr val="C00000"/>
+                </a:solidFill>
+                <a:sym typeface="Wingdings" pitchFamily="2" charset="2"/>
+              </a:rPr>
+              <a:t>复合赋值运算符优先级低</a:t>
+            </a:r>
+            <a:endParaRPr lang="en-US" altLang="zh-CN" sz="2000" dirty="0" smtClean="0">
+              <a:solidFill>
+                <a:srgbClr val="C00000"/>
+              </a:solidFill>
+            </a:endParaRPr>
+          </a:p>
+          <a:p>
+            <a:pPr marL="457200" lvl="1" indent="0"/>
+            <a:r>
+              <a:rPr lang="en-US" altLang="zh-CN" sz="2000" dirty="0">
+                <a:solidFill>
+                  <a:srgbClr val="C00000"/>
+                </a:solidFill>
+              </a:rPr>
+              <a:t> </a:t>
+            </a:r>
+            <a:r>
+              <a:rPr lang="en-US" altLang="zh-CN" sz="2000" dirty="0" smtClean="0">
+                <a:solidFill>
+                  <a:srgbClr val="C00000"/>
+                </a:solidFill>
+              </a:rPr>
+              <a:t>     s  = s</a:t>
+            </a:r>
+            <a:r>
+              <a:rPr lang="zh-CN" altLang="en-US" sz="2000" dirty="0" smtClean="0">
+                <a:solidFill>
+                  <a:srgbClr val="C00000"/>
+                </a:solidFill>
+              </a:rPr>
+              <a:t>*</a:t>
+            </a:r>
+            <a:r>
+              <a:rPr lang="en-US" altLang="zh-CN" sz="2000" dirty="0">
+                <a:solidFill>
+                  <a:srgbClr val="C00000"/>
+                </a:solidFill>
+              </a:rPr>
+              <a:t>n</a:t>
+            </a:r>
+            <a:r>
+              <a:rPr lang="en-US" altLang="zh-CN" sz="2000" dirty="0" smtClean="0">
+                <a:solidFill>
+                  <a:srgbClr val="C00000"/>
+                </a:solidFill>
+              </a:rPr>
+              <a:t>/(2n-1);  // </a:t>
+            </a:r>
+            <a:r>
+              <a:rPr lang="zh-CN" altLang="en-US" sz="2000" dirty="0" smtClean="0">
+                <a:solidFill>
+                  <a:srgbClr val="C00000"/>
+                </a:solidFill>
+              </a:rPr>
+              <a:t>本语句不丢失小数，上面语句丢失</a:t>
+            </a:r>
+            <a:endParaRPr lang="en-US" altLang="zh-CN" sz="2000" dirty="0">
+              <a:solidFill>
+                <a:srgbClr val="C00000"/>
+              </a:solidFill>
+            </a:endParaRPr>
+          </a:p>
+        </p:txBody>
+      </p:sp>
+      <p:sp>
+        <p:nvSpPr>
+          <p:cNvPr id="8197" name="TextBox 1"/>
+          <p:cNvSpPr txBox="1">
+            <a:spLocks noChangeArrowheads="1"/>
+          </p:cNvSpPr>
+          <p:nvPr/>
+        </p:nvSpPr>
+        <p:spPr bwMode="auto">
+          <a:xfrm>
+            <a:off x="5651500" y="1981200"/>
+            <a:ext cx="3024188" cy="2246313"/>
+          </a:xfrm>
+          <a:prstGeom prst="rect">
+            <a:avLst/>
+          </a:prstGeom>
+          <a:noFill/>
+          <a:ln w="9525" cmpd="sng">
+            <a:solidFill>
+              <a:schemeClr val="tx1"/>
+            </a:solidFill>
+            <a:miter lim="800000"/>
+            <a:headEnd/>
+            <a:tailEnd/>
+          </a:ln>
+          <a:extLst>
+            <a:ext uri="{909E8E84-426E-40DD-AFC4-6F175D3DCCD1}">
+              <a14:hiddenFill xmlns:a14="http://schemas.microsoft.com/office/drawing/2010/main">
+                <a:solidFill>
+                  <a:srgbClr val="FFFFFF"/>
+                </a:solidFill>
+              </a14:hiddenFill>
+            </a:ext>
+          </a:extLst>
+        </p:spPr>
+        <p:txBody>
+          <a:bodyPr>
+            <a:spAutoFit/>
+          </a:bodyPr>
+          <a:lstStyle>
+            <a:lvl1pPr>
+              <a:defRPr sz="2400" b="1">
+                <a:solidFill>
+                  <a:srgbClr val="000000"/>
+                </a:solidFill>
+                <a:latin typeface="Times New Roman" pitchFamily="18" charset="0"/>
+                <a:ea typeface="宋体" pitchFamily="2" charset="-122"/>
+              </a:defRPr>
+            </a:lvl1pPr>
+            <a:lvl2pPr marL="742950" indent="-285750">
+              <a:defRPr sz="2400" b="1">
+                <a:solidFill>
+                  <a:srgbClr val="000000"/>
+                </a:solidFill>
+                <a:latin typeface="Times New Roman" pitchFamily="18" charset="0"/>
+                <a:ea typeface="宋体" pitchFamily="2" charset="-122"/>
+              </a:defRPr>
+            </a:lvl2pPr>
+            <a:lvl3pPr marL="1143000" indent="-228600">
+              <a:defRPr sz="2400" b="1">
+                <a:solidFill>
+                  <a:srgbClr val="000000"/>
+                </a:solidFill>
+                <a:latin typeface="Times New Roman" pitchFamily="18" charset="0"/>
+                <a:ea typeface="宋体" pitchFamily="2" charset="-122"/>
+              </a:defRPr>
+            </a:lvl3pPr>
+            <a:lvl4pPr marL="1600200" indent="-228600">
+              <a:defRPr sz="2400" b="1">
+                <a:solidFill>
+                  <a:srgbClr val="000000"/>
+                </a:solidFill>
+                <a:latin typeface="Times New Roman" pitchFamily="18" charset="0"/>
+                <a:ea typeface="宋体" pitchFamily="2" charset="-122"/>
+              </a:defRPr>
+            </a:lvl4pPr>
+            <a:lvl5pPr marL="2057400" indent="-228600">
+              <a:defRPr sz="2400" b="1">
+                <a:solidFill>
+                  <a:srgbClr val="000000"/>
+                </a:solidFill>
+                <a:latin typeface="Times New Roman" pitchFamily="18" charset="0"/>
+                <a:ea typeface="宋体" pitchFamily="2" charset="-122"/>
+              </a:defRPr>
+            </a:lvl5pPr>
+            <a:lvl6pPr marL="2514600" indent="-228600" eaLnBrk="0" fontAlgn="base" hangingPunct="0">
+              <a:spcBef>
+                <a:spcPct val="20000"/>
+              </a:spcBef>
+              <a:spcAft>
+                <a:spcPct val="0"/>
+              </a:spcAft>
+              <a:buClr>
+                <a:schemeClr val="tx1"/>
+              </a:buClr>
+              <a:buSzPct val="75000"/>
+              <a:buFont typeface="Wingdings" pitchFamily="2" charset="2"/>
+              <a:defRPr sz="2400" b="1">
+                <a:solidFill>
+                  <a:srgbClr val="000000"/>
+                </a:solidFill>
+                <a:latin typeface="Times New Roman" pitchFamily="18" charset="0"/>
+                <a:ea typeface="宋体" pitchFamily="2" charset="-122"/>
+              </a:defRPr>
+            </a:lvl6pPr>
+            <a:lvl7pPr marL="2971800" indent="-228600" eaLnBrk="0" fontAlgn="base" hangingPunct="0">
+              <a:spcBef>
+                <a:spcPct val="20000"/>
+              </a:spcBef>
+              <a:spcAft>
+                <a:spcPct val="0"/>
+              </a:spcAft>
+              <a:buClr>
+                <a:schemeClr val="tx1"/>
+              </a:buClr>
+              <a:buSzPct val="75000"/>
+              <a:buFont typeface="Wingdings" pitchFamily="2" charset="2"/>
+              <a:defRPr sz="2400" b="1">
+                <a:solidFill>
+                  <a:srgbClr val="000000"/>
+                </a:solidFill>
+                <a:latin typeface="Times New Roman" pitchFamily="18" charset="0"/>
+                <a:ea typeface="宋体" pitchFamily="2" charset="-122"/>
+              </a:defRPr>
+            </a:lvl7pPr>
+            <a:lvl8pPr marL="3429000" indent="-228600" eaLnBrk="0" fontAlgn="base" hangingPunct="0">
+              <a:spcBef>
+                <a:spcPct val="20000"/>
+              </a:spcBef>
+              <a:spcAft>
+                <a:spcPct val="0"/>
+              </a:spcAft>
+              <a:buClr>
+                <a:schemeClr val="tx1"/>
+              </a:buClr>
+              <a:buSzPct val="75000"/>
+              <a:buFont typeface="Wingdings" pitchFamily="2" charset="2"/>
+              <a:defRPr sz="2400" b="1">
+                <a:solidFill>
+                  <a:srgbClr val="000000"/>
+                </a:solidFill>
+                <a:latin typeface="Times New Roman" pitchFamily="18" charset="0"/>
+                <a:ea typeface="宋体" pitchFamily="2" charset="-122"/>
+              </a:defRPr>
+            </a:lvl8pPr>
+            <a:lvl9pPr marL="3886200" indent="-228600" eaLnBrk="0" fontAlgn="base" hangingPunct="0">
+              <a:spcBef>
+                <a:spcPct val="20000"/>
+              </a:spcBef>
+              <a:spcAft>
+                <a:spcPct val="0"/>
+              </a:spcAft>
+              <a:buClr>
+                <a:schemeClr val="tx1"/>
+              </a:buClr>
+              <a:buSzPct val="75000"/>
+              <a:buFont typeface="Wingdings" pitchFamily="2" charset="2"/>
+              <a:defRPr sz="2400" b="1">
+                <a:solidFill>
+                  <a:srgbClr val="000000"/>
+                </a:solidFill>
+                <a:latin typeface="Times New Roman" pitchFamily="18" charset="0"/>
+                <a:ea typeface="宋体" pitchFamily="2" charset="-122"/>
+              </a:defRPr>
+            </a:lvl9pPr>
+          </a:lstStyle>
+          <a:p>
+            <a:r>
+              <a:rPr lang="en-US" sz="2000">
+                <a:solidFill>
+                  <a:srgbClr val="C00000"/>
+                </a:solidFill>
+              </a:rPr>
+              <a:t>s=1+1/2+1/3+…+1/n;  </a:t>
+            </a:r>
+          </a:p>
+          <a:p>
+            <a:r>
+              <a:rPr lang="en-US" sz="2000"/>
+              <a:t>int i,n;</a:t>
+            </a:r>
+          </a:p>
+          <a:p>
+            <a:r>
+              <a:rPr lang="en-US" sz="2000"/>
+              <a:t>double s;</a:t>
+            </a:r>
+          </a:p>
+          <a:p>
+            <a:r>
+              <a:rPr lang="en-US" sz="2000"/>
+              <a:t>for (i=1;i&lt;=n;i++) {  </a:t>
+            </a:r>
+          </a:p>
+          <a:p>
+            <a:r>
+              <a:rPr lang="en-US" sz="2000"/>
+              <a:t>   s+=1.0/i; </a:t>
+            </a:r>
+            <a:r>
+              <a:rPr lang="en-US" sz="2000">
+                <a:solidFill>
+                  <a:srgbClr val="C00000"/>
+                </a:solidFill>
+              </a:rPr>
+              <a:t>// </a:t>
+            </a:r>
+            <a:r>
+              <a:rPr lang="zh-CN" altLang="en-US" sz="2000">
+                <a:solidFill>
+                  <a:srgbClr val="C00000"/>
+                </a:solidFill>
+              </a:rPr>
+              <a:t>不是</a:t>
+            </a:r>
+            <a:r>
+              <a:rPr lang="en-US" sz="2000">
+                <a:solidFill>
+                  <a:srgbClr val="C00000"/>
+                </a:solidFill>
+              </a:rPr>
+              <a:t>1/i</a:t>
+            </a:r>
+          </a:p>
+          <a:p>
+            <a:r>
+              <a:rPr lang="en-US" sz="2000"/>
+              <a:t>}</a:t>
+            </a:r>
+            <a:endParaRPr lang="zh-CN" altLang="en-US" sz="2000"/>
+          </a:p>
+        </p:txBody>
+      </p:sp>
+    </p:spTree>
+  </p:cSld>
+  <p:clrMapOvr>
+    <a:masterClrMapping/>
+  </p:clrMapOvr>
+  <p:timing>
+    <p:tnLst>
+      <p:par>
+        <p:cTn id="1" dur="indefinite" restart="never" nodeType="tmRoot"/>
+      </p:par>
+    </p:tnLst>
+  </p:timing>
+</p:sld>
+</file>
+
+<file path=ppt/slides/slide5.xml><?xml version="1.0" encoding="utf-8"?>
+<p:sld xmlns:a="http://schemas.openxmlformats.org/drawingml/2006/main" xmlns:r="http://schemas.openxmlformats.org/officeDocument/2006/relationships" xmlns:p="http://schemas.openxmlformats.org/presentationml/2006/main">
+  <p:cSld>
+    <p:spTree>
+      <p:nvGrpSpPr>
+        <p:cNvPr id="1" name=""/>
+        <p:cNvGrpSpPr/>
+        <p:nvPr/>
+      </p:nvGrpSpPr>
+      <p:grpSpPr>
+        <a:xfrm>
+          <a:off x="0" y="0"/>
+          <a:ext cx="0" cy="0"/>
+          <a:chOff x="0" y="0"/>
+          <a:chExt cx="0" cy="0"/>
+        </a:xfrm>
+      </p:grpSpPr>
+      <p:sp>
+        <p:nvSpPr>
+          <p:cNvPr id="11266" name="灯片编号占位符 5"/>
+          <p:cNvSpPr txBox="1">
+            <a:spLocks noGrp="1" noChangeArrowheads="1"/>
+          </p:cNvSpPr>
+          <p:nvPr/>
+        </p:nvSpPr>
+        <p:spPr bwMode="auto">
+          <a:xfrm>
+            <a:off x="8556625" y="0"/>
+            <a:ext cx="587375" cy="396875"/>
+          </a:xfrm>
+          <a:prstGeom prst="rect">
+            <a:avLst/>
+          </a:prstGeom>
+          <a:noFill/>
+          <a:ln>
+            <a:noFill/>
+          </a:ln>
+          <a:extLst>
+            <a:ext uri="{909E8E84-426E-40DD-AFC4-6F175D3DCCD1}">
+              <a14:hiddenFill xmlns:a14="http://schemas.microsoft.com/office/drawing/2010/main">
+                <a:solidFill>
+                  <a:srgbClr val="FFFFFF"/>
+                </a:solidFill>
+              </a14:hiddenFill>
+            </a:ext>
+            <a:ext uri="{91240B29-F687-4F45-9708-019B960494DF}">
+              <a14:hiddenLine xmlns:a14="http://schemas.microsoft.com/office/drawing/2010/main" w="9525">
+                <a:solidFill>
+                  <a:srgbClr val="000000"/>
+                </a:solidFill>
+                <a:miter lim="800000"/>
+                <a:headEnd/>
+                <a:tailEnd/>
+              </a14:hiddenLine>
+            </a:ext>
+          </a:extLst>
+        </p:spPr>
+        <p:txBody>
+          <a:bodyPr anchor="b" anchorCtr="1">
+            <a:spAutoFit/>
+          </a:bodyPr>
+          <a:lstStyle>
+            <a:lvl1pPr>
+              <a:defRPr sz="2400" b="1">
+                <a:solidFill>
+                  <a:srgbClr val="000000"/>
+                </a:solidFill>
+                <a:latin typeface="Times New Roman" pitchFamily="18" charset="0"/>
+                <a:ea typeface="宋体" pitchFamily="2" charset="-122"/>
+              </a:defRPr>
+            </a:lvl1pPr>
+            <a:lvl2pPr marL="742950" indent="-285750">
+              <a:defRPr sz="2400" b="1">
+                <a:solidFill>
+                  <a:srgbClr val="000000"/>
+                </a:solidFill>
+                <a:latin typeface="Times New Roman" pitchFamily="18" charset="0"/>
+                <a:ea typeface="宋体" pitchFamily="2" charset="-122"/>
+              </a:defRPr>
+            </a:lvl2pPr>
+            <a:lvl3pPr marL="1143000" indent="-228600">
+              <a:defRPr sz="2400" b="1">
+                <a:solidFill>
+                  <a:srgbClr val="000000"/>
+                </a:solidFill>
+                <a:latin typeface="Times New Roman" pitchFamily="18" charset="0"/>
+                <a:ea typeface="宋体" pitchFamily="2" charset="-122"/>
+              </a:defRPr>
+            </a:lvl3pPr>
+            <a:lvl4pPr marL="1600200" indent="-228600">
+              <a:defRPr sz="2400" b="1">
+                <a:solidFill>
+                  <a:srgbClr val="000000"/>
+                </a:solidFill>
+                <a:latin typeface="Times New Roman" pitchFamily="18" charset="0"/>
+                <a:ea typeface="宋体" pitchFamily="2" charset="-122"/>
+              </a:defRPr>
+            </a:lvl4pPr>
+            <a:lvl5pPr marL="2057400" indent="-228600">
+              <a:defRPr sz="2400" b="1">
+                <a:solidFill>
+                  <a:srgbClr val="000000"/>
+                </a:solidFill>
+                <a:latin typeface="Times New Roman" pitchFamily="18" charset="0"/>
+                <a:ea typeface="宋体" pitchFamily="2" charset="-122"/>
+              </a:defRPr>
+            </a:lvl5pPr>
+            <a:lvl6pPr marL="2514600" indent="-228600" eaLnBrk="0" fontAlgn="base" hangingPunct="0">
+              <a:spcBef>
+                <a:spcPct val="20000"/>
+              </a:spcBef>
+              <a:spcAft>
+                <a:spcPct val="0"/>
+              </a:spcAft>
+              <a:buClr>
+                <a:schemeClr val="tx1"/>
+              </a:buClr>
+              <a:buSzPct val="75000"/>
+              <a:buFont typeface="Wingdings" pitchFamily="2" charset="2"/>
+              <a:defRPr sz="2400" b="1">
+                <a:solidFill>
+                  <a:srgbClr val="000000"/>
+                </a:solidFill>
+                <a:latin typeface="Times New Roman" pitchFamily="18" charset="0"/>
+                <a:ea typeface="宋体" pitchFamily="2" charset="-122"/>
+              </a:defRPr>
+            </a:lvl6pPr>
+            <a:lvl7pPr marL="2971800" indent="-228600" eaLnBrk="0" fontAlgn="base" hangingPunct="0">
+              <a:spcBef>
+                <a:spcPct val="20000"/>
+              </a:spcBef>
+              <a:spcAft>
+                <a:spcPct val="0"/>
+              </a:spcAft>
+              <a:buClr>
+                <a:schemeClr val="tx1"/>
+              </a:buClr>
+              <a:buSzPct val="75000"/>
+              <a:buFont typeface="Wingdings" pitchFamily="2" charset="2"/>
+              <a:defRPr sz="2400" b="1">
+                <a:solidFill>
+                  <a:srgbClr val="000000"/>
+                </a:solidFill>
+                <a:latin typeface="Times New Roman" pitchFamily="18" charset="0"/>
+                <a:ea typeface="宋体" pitchFamily="2" charset="-122"/>
+              </a:defRPr>
+            </a:lvl7pPr>
+            <a:lvl8pPr marL="3429000" indent="-228600" eaLnBrk="0" fontAlgn="base" hangingPunct="0">
+              <a:spcBef>
+                <a:spcPct val="20000"/>
+              </a:spcBef>
+              <a:spcAft>
+                <a:spcPct val="0"/>
+              </a:spcAft>
+              <a:buClr>
+                <a:schemeClr val="tx1"/>
+              </a:buClr>
+              <a:buSzPct val="75000"/>
+              <a:buFont typeface="Wingdings" pitchFamily="2" charset="2"/>
+              <a:defRPr sz="2400" b="1">
+                <a:solidFill>
+                  <a:srgbClr val="000000"/>
+                </a:solidFill>
+                <a:latin typeface="Times New Roman" pitchFamily="18" charset="0"/>
+                <a:ea typeface="宋体" pitchFamily="2" charset="-122"/>
+              </a:defRPr>
+            </a:lvl8pPr>
+            <a:lvl9pPr marL="3886200" indent="-228600" eaLnBrk="0" fontAlgn="base" hangingPunct="0">
+              <a:spcBef>
+                <a:spcPct val="20000"/>
+              </a:spcBef>
+              <a:spcAft>
+                <a:spcPct val="0"/>
+              </a:spcAft>
+              <a:buClr>
+                <a:schemeClr val="tx1"/>
+              </a:buClr>
+              <a:buSzPct val="75000"/>
+              <a:buFont typeface="Wingdings" pitchFamily="2" charset="2"/>
+              <a:defRPr sz="2400" b="1">
+                <a:solidFill>
+                  <a:srgbClr val="000000"/>
+                </a:solidFill>
+                <a:latin typeface="Times New Roman" pitchFamily="18" charset="0"/>
+                <a:ea typeface="宋体" pitchFamily="2" charset="-122"/>
+              </a:defRPr>
+            </a:lvl9pPr>
+          </a:lstStyle>
+          <a:p>
+            <a:pPr>
+              <a:spcBef>
+                <a:spcPct val="0"/>
+              </a:spcBef>
+            </a:pPr>
+            <a:fld id="{1EE4916F-5D7D-4C1D-A308-A36D86942AD8}" type="slidenum">
+              <a:rPr lang="zh-CN" altLang="en-US" sz="2000">
+                <a:solidFill>
+                  <a:schemeClr val="tx2"/>
+                </a:solidFill>
+                <a:latin typeface="Arial" pitchFamily="34" charset="0"/>
+                <a:sym typeface="Arial" pitchFamily="34" charset="0"/>
+              </a:rPr>
+              <a:pPr>
+                <a:spcBef>
+                  <a:spcPct val="0"/>
+                </a:spcBef>
+              </a:pPr>
+              <a:t>5</a:t>
+            </a:fld>
+            <a:endParaRPr lang="en-US" sz="1800">
+              <a:ea typeface="楷体_GB2312" pitchFamily="1" charset="-122"/>
+              <a:sym typeface="Arial" pitchFamily="34" charset="0"/>
+            </a:endParaRPr>
+          </a:p>
+        </p:txBody>
+      </p:sp>
+      <p:sp>
+        <p:nvSpPr>
+          <p:cNvPr id="11267" name="Rectangle 2"/>
+          <p:cNvSpPr>
+            <a:spLocks noGrp="1" noChangeArrowheads="1"/>
+          </p:cNvSpPr>
+          <p:nvPr>
+            <p:ph type="title" idx="4294967295"/>
+          </p:nvPr>
+        </p:nvSpPr>
+        <p:spPr/>
+        <p:txBody>
+          <a:bodyPr/>
+          <a:lstStyle/>
+          <a:p>
+            <a:pPr eaLnBrk="1" hangingPunct="1"/>
+            <a:r>
+              <a:rPr lang="zh-CN" altLang="en-US"/>
+              <a:t>&amp;&amp;、||连接的表达式求值顺序</a:t>
+            </a:r>
+          </a:p>
+        </p:txBody>
+      </p:sp>
+      <p:sp>
+        <p:nvSpPr>
+          <p:cNvPr id="11268" name="Rectangle 3"/>
+          <p:cNvSpPr>
+            <a:spLocks noGrp="1" noChangeArrowheads="1"/>
+          </p:cNvSpPr>
+          <p:nvPr>
+            <p:ph type="body" idx="4294967295"/>
+          </p:nvPr>
+        </p:nvSpPr>
+        <p:spPr>
+          <a:xfrm>
+            <a:off x="762000" y="982663"/>
+            <a:ext cx="7915275" cy="1582737"/>
+          </a:xfrm>
+          <a:ln>
+            <a:solidFill>
+              <a:schemeClr val="tx1"/>
+            </a:solidFill>
+            <a:miter lim="800000"/>
+            <a:headEnd/>
+            <a:tailEnd/>
+          </a:ln>
+        </p:spPr>
+        <p:txBody>
+          <a:bodyPr/>
+          <a:lstStyle/>
+          <a:p>
+            <a:pPr eaLnBrk="1" hangingPunct="1">
+              <a:lnSpc>
+                <a:spcPct val="80000"/>
+              </a:lnSpc>
+            </a:pPr>
+            <a:r>
+              <a:rPr lang="zh-CN" altLang="en-US" sz="2000"/>
+              <a:t>由&amp;&amp;与||连接的表达式按从左到右的顺序进行行求值</a:t>
+            </a:r>
+            <a:r>
+              <a:rPr lang="zh-CN" altLang="en-US" sz="2000">
+                <a:solidFill>
+                  <a:srgbClr val="C00000"/>
+                </a:solidFill>
+              </a:rPr>
+              <a:t>（即使右端的优先级高，也是如此），</a:t>
+            </a:r>
+            <a:r>
+              <a:rPr lang="zh-CN" altLang="en-US" sz="2000"/>
+              <a:t>并且，在知道结果值为真或假后立即停止计算。</a:t>
+            </a:r>
+          </a:p>
+          <a:p>
+            <a:pPr eaLnBrk="1" hangingPunct="1">
+              <a:lnSpc>
+                <a:spcPct val="80000"/>
+              </a:lnSpc>
+            </a:pPr>
+            <a:r>
+              <a:rPr lang="zh-CN" altLang="en-US" sz="2000"/>
+              <a:t>a&amp;&amp;b:   有0为0，a=0，不判别（计算）b</a:t>
+            </a:r>
+          </a:p>
+          <a:p>
+            <a:pPr eaLnBrk="1" hangingPunct="1">
+              <a:lnSpc>
+                <a:spcPct val="80000"/>
+              </a:lnSpc>
+            </a:pPr>
+            <a:r>
+              <a:rPr lang="zh-CN" altLang="en-US" sz="2000"/>
+              <a:t>a||b:  有1为1，a=1，不判别（计算）b</a:t>
+            </a:r>
+          </a:p>
+        </p:txBody>
+      </p:sp>
+      <p:sp>
+        <p:nvSpPr>
+          <p:cNvPr id="11269" name="Text Box 4"/>
+          <p:cNvSpPr txBox="1">
+            <a:spLocks noChangeArrowheads="1"/>
+          </p:cNvSpPr>
+          <p:nvPr/>
+        </p:nvSpPr>
+        <p:spPr bwMode="auto">
+          <a:xfrm>
+            <a:off x="703263" y="2703513"/>
+            <a:ext cx="6607175" cy="771525"/>
+          </a:xfrm>
+          <a:prstGeom prst="rect">
+            <a:avLst/>
+          </a:prstGeom>
+          <a:noFill/>
+          <a:ln w="9525" cmpd="sng">
+            <a:solidFill>
+              <a:schemeClr val="tx1"/>
+            </a:solidFill>
+            <a:miter lim="800000"/>
+            <a:headEnd/>
+            <a:tailEnd/>
+          </a:ln>
+          <a:extLst>
+            <a:ext uri="{909E8E84-426E-40DD-AFC4-6F175D3DCCD1}">
+              <a14:hiddenFill xmlns:a14="http://schemas.microsoft.com/office/drawing/2010/main">
+                <a:solidFill>
+                  <a:srgbClr val="99CC00"/>
+                </a:solidFill>
+              </a14:hiddenFill>
+            </a:ext>
+          </a:extLst>
+        </p:spPr>
+        <p:txBody>
+          <a:bodyPr>
+            <a:spAutoFit/>
+          </a:bodyPr>
+          <a:lstStyle>
+            <a:lvl1pPr>
+              <a:defRPr sz="2400" b="1">
+                <a:solidFill>
+                  <a:srgbClr val="000000"/>
+                </a:solidFill>
+                <a:latin typeface="Times New Roman" pitchFamily="18" charset="0"/>
+                <a:ea typeface="宋体" pitchFamily="2" charset="-122"/>
+              </a:defRPr>
+            </a:lvl1pPr>
+            <a:lvl2pPr marL="742950" indent="-285750">
+              <a:defRPr sz="2400" b="1">
+                <a:solidFill>
+                  <a:srgbClr val="000000"/>
+                </a:solidFill>
+                <a:latin typeface="Times New Roman" pitchFamily="18" charset="0"/>
+                <a:ea typeface="宋体" pitchFamily="2" charset="-122"/>
+              </a:defRPr>
+            </a:lvl2pPr>
+            <a:lvl3pPr marL="1143000" indent="-228600">
+              <a:defRPr sz="2400" b="1">
+                <a:solidFill>
+                  <a:srgbClr val="000000"/>
+                </a:solidFill>
+                <a:latin typeface="Times New Roman" pitchFamily="18" charset="0"/>
+                <a:ea typeface="宋体" pitchFamily="2" charset="-122"/>
+              </a:defRPr>
+            </a:lvl3pPr>
+            <a:lvl4pPr marL="1600200" indent="-228600">
+              <a:defRPr sz="2400" b="1">
+                <a:solidFill>
+                  <a:srgbClr val="000000"/>
+                </a:solidFill>
+                <a:latin typeface="Times New Roman" pitchFamily="18" charset="0"/>
+                <a:ea typeface="宋体" pitchFamily="2" charset="-122"/>
+              </a:defRPr>
+            </a:lvl4pPr>
+            <a:lvl5pPr marL="2057400" indent="-228600">
+              <a:defRPr sz="2400" b="1">
+                <a:solidFill>
+                  <a:srgbClr val="000000"/>
+                </a:solidFill>
+                <a:latin typeface="Times New Roman" pitchFamily="18" charset="0"/>
+                <a:ea typeface="宋体" pitchFamily="2" charset="-122"/>
+              </a:defRPr>
+            </a:lvl5pPr>
+            <a:lvl6pPr marL="2514600" indent="-228600" eaLnBrk="0" fontAlgn="base" hangingPunct="0">
+              <a:spcBef>
+                <a:spcPct val="20000"/>
+              </a:spcBef>
+              <a:spcAft>
+                <a:spcPct val="0"/>
+              </a:spcAft>
+              <a:buClr>
+                <a:schemeClr val="tx1"/>
+              </a:buClr>
+              <a:buSzPct val="75000"/>
+              <a:buFont typeface="Wingdings" pitchFamily="2" charset="2"/>
+              <a:defRPr sz="2400" b="1">
+                <a:solidFill>
+                  <a:srgbClr val="000000"/>
+                </a:solidFill>
+                <a:latin typeface="Times New Roman" pitchFamily="18" charset="0"/>
+                <a:ea typeface="宋体" pitchFamily="2" charset="-122"/>
+              </a:defRPr>
+            </a:lvl6pPr>
+            <a:lvl7pPr marL="2971800" indent="-228600" eaLnBrk="0" fontAlgn="base" hangingPunct="0">
+              <a:spcBef>
+                <a:spcPct val="20000"/>
+              </a:spcBef>
+              <a:spcAft>
+                <a:spcPct val="0"/>
+              </a:spcAft>
+              <a:buClr>
+                <a:schemeClr val="tx1"/>
+              </a:buClr>
+              <a:buSzPct val="75000"/>
+              <a:buFont typeface="Wingdings" pitchFamily="2" charset="2"/>
+              <a:defRPr sz="2400" b="1">
+                <a:solidFill>
+                  <a:srgbClr val="000000"/>
+                </a:solidFill>
+                <a:latin typeface="Times New Roman" pitchFamily="18" charset="0"/>
+                <a:ea typeface="宋体" pitchFamily="2" charset="-122"/>
+              </a:defRPr>
+            </a:lvl7pPr>
+            <a:lvl8pPr marL="3429000" indent="-228600" eaLnBrk="0" fontAlgn="base" hangingPunct="0">
+              <a:spcBef>
+                <a:spcPct val="20000"/>
+              </a:spcBef>
+              <a:spcAft>
+                <a:spcPct val="0"/>
+              </a:spcAft>
+              <a:buClr>
+                <a:schemeClr val="tx1"/>
+              </a:buClr>
+              <a:buSzPct val="75000"/>
+              <a:buFont typeface="Wingdings" pitchFamily="2" charset="2"/>
+              <a:defRPr sz="2400" b="1">
+                <a:solidFill>
+                  <a:srgbClr val="000000"/>
+                </a:solidFill>
+                <a:latin typeface="Times New Roman" pitchFamily="18" charset="0"/>
+                <a:ea typeface="宋体" pitchFamily="2" charset="-122"/>
+              </a:defRPr>
+            </a:lvl8pPr>
+            <a:lvl9pPr marL="3886200" indent="-228600" eaLnBrk="0" fontAlgn="base" hangingPunct="0">
+              <a:spcBef>
+                <a:spcPct val="20000"/>
+              </a:spcBef>
+              <a:spcAft>
+                <a:spcPct val="0"/>
+              </a:spcAft>
+              <a:buClr>
+                <a:schemeClr val="tx1"/>
+              </a:buClr>
+              <a:buSzPct val="75000"/>
+              <a:buFont typeface="Wingdings" pitchFamily="2" charset="2"/>
+              <a:defRPr sz="2400" b="1">
+                <a:solidFill>
+                  <a:srgbClr val="000000"/>
+                </a:solidFill>
+                <a:latin typeface="Times New Roman" pitchFamily="18" charset="0"/>
+                <a:ea typeface="宋体" pitchFamily="2" charset="-122"/>
+              </a:defRPr>
+            </a:lvl9pPr>
+          </a:lstStyle>
+          <a:p>
+            <a:r>
+              <a:rPr lang="zh-CN" altLang="en-US" sz="2000"/>
+              <a:t>例：a&amp;&amp;b&amp;&amp;c  则当a=0(假)时, b,c不再判断。      </a:t>
+            </a:r>
+          </a:p>
+          <a:p>
+            <a:r>
+              <a:rPr lang="zh-CN" altLang="en-US" sz="2000"/>
+              <a:t>                                 当a=1,b=0时, 不再判c.</a:t>
+            </a:r>
+          </a:p>
+        </p:txBody>
+      </p:sp>
+      <p:sp>
+        <p:nvSpPr>
+          <p:cNvPr id="11270" name="Text Box 5"/>
+          <p:cNvSpPr txBox="1">
+            <a:spLocks noChangeArrowheads="1"/>
+          </p:cNvSpPr>
+          <p:nvPr/>
+        </p:nvSpPr>
+        <p:spPr bwMode="auto">
+          <a:xfrm>
+            <a:off x="712788" y="3632200"/>
+            <a:ext cx="4684712" cy="404813"/>
+          </a:xfrm>
+          <a:prstGeom prst="rect">
+            <a:avLst/>
+          </a:prstGeom>
+          <a:noFill/>
+          <a:ln w="9525" cmpd="sng">
+            <a:solidFill>
+              <a:schemeClr val="tx1"/>
+            </a:solidFill>
+            <a:miter lim="800000"/>
+            <a:headEnd/>
+            <a:tailEnd/>
+          </a:ln>
+          <a:extLst>
+            <a:ext uri="{909E8E84-426E-40DD-AFC4-6F175D3DCCD1}">
+              <a14:hiddenFill xmlns:a14="http://schemas.microsoft.com/office/drawing/2010/main">
+                <a:solidFill>
+                  <a:srgbClr val="FFFFFF"/>
+                </a:solidFill>
+              </a14:hiddenFill>
+            </a:ext>
+          </a:extLst>
+        </p:spPr>
+        <p:txBody>
+          <a:bodyPr wrap="none">
+            <a:spAutoFit/>
+          </a:bodyPr>
+          <a:lstStyle>
+            <a:lvl1pPr>
+              <a:defRPr sz="2400" b="1">
+                <a:solidFill>
+                  <a:srgbClr val="000000"/>
+                </a:solidFill>
+                <a:latin typeface="Times New Roman" pitchFamily="18" charset="0"/>
+                <a:ea typeface="宋体" pitchFamily="2" charset="-122"/>
+              </a:defRPr>
+            </a:lvl1pPr>
+            <a:lvl2pPr marL="742950" indent="-285750">
+              <a:defRPr sz="2400" b="1">
+                <a:solidFill>
+                  <a:srgbClr val="000000"/>
+                </a:solidFill>
+                <a:latin typeface="Times New Roman" pitchFamily="18" charset="0"/>
+                <a:ea typeface="宋体" pitchFamily="2" charset="-122"/>
+              </a:defRPr>
+            </a:lvl2pPr>
+            <a:lvl3pPr marL="1143000" indent="-228600">
+              <a:defRPr sz="2400" b="1">
+                <a:solidFill>
+                  <a:srgbClr val="000000"/>
+                </a:solidFill>
+                <a:latin typeface="Times New Roman" pitchFamily="18" charset="0"/>
+                <a:ea typeface="宋体" pitchFamily="2" charset="-122"/>
+              </a:defRPr>
+            </a:lvl3pPr>
+            <a:lvl4pPr marL="1600200" indent="-228600">
+              <a:defRPr sz="2400" b="1">
+                <a:solidFill>
+                  <a:srgbClr val="000000"/>
+                </a:solidFill>
+                <a:latin typeface="Times New Roman" pitchFamily="18" charset="0"/>
+                <a:ea typeface="宋体" pitchFamily="2" charset="-122"/>
+              </a:defRPr>
+            </a:lvl4pPr>
+            <a:lvl5pPr marL="2057400" indent="-228600">
+              <a:defRPr sz="2400" b="1">
+                <a:solidFill>
+                  <a:srgbClr val="000000"/>
+                </a:solidFill>
+                <a:latin typeface="Times New Roman" pitchFamily="18" charset="0"/>
+                <a:ea typeface="宋体" pitchFamily="2" charset="-122"/>
+              </a:defRPr>
+            </a:lvl5pPr>
+            <a:lvl6pPr marL="2514600" indent="-228600" eaLnBrk="0" fontAlgn="base" hangingPunct="0">
+              <a:spcBef>
+                <a:spcPct val="20000"/>
+              </a:spcBef>
+              <a:spcAft>
+                <a:spcPct val="0"/>
+              </a:spcAft>
+              <a:buClr>
+                <a:schemeClr val="tx1"/>
+              </a:buClr>
+              <a:buSzPct val="75000"/>
+              <a:buFont typeface="Wingdings" pitchFamily="2" charset="2"/>
+              <a:defRPr sz="2400" b="1">
+                <a:solidFill>
+                  <a:srgbClr val="000000"/>
+                </a:solidFill>
+                <a:latin typeface="Times New Roman" pitchFamily="18" charset="0"/>
+                <a:ea typeface="宋体" pitchFamily="2" charset="-122"/>
+              </a:defRPr>
+            </a:lvl6pPr>
+            <a:lvl7pPr marL="2971800" indent="-228600" eaLnBrk="0" fontAlgn="base" hangingPunct="0">
+              <a:spcBef>
+                <a:spcPct val="20000"/>
+              </a:spcBef>
+              <a:spcAft>
+                <a:spcPct val="0"/>
+              </a:spcAft>
+              <a:buClr>
+                <a:schemeClr val="tx1"/>
+              </a:buClr>
+              <a:buSzPct val="75000"/>
+              <a:buFont typeface="Wingdings" pitchFamily="2" charset="2"/>
+              <a:defRPr sz="2400" b="1">
+                <a:solidFill>
+                  <a:srgbClr val="000000"/>
+                </a:solidFill>
+                <a:latin typeface="Times New Roman" pitchFamily="18" charset="0"/>
+                <a:ea typeface="宋体" pitchFamily="2" charset="-122"/>
+              </a:defRPr>
+            </a:lvl7pPr>
+            <a:lvl8pPr marL="3429000" indent="-228600" eaLnBrk="0" fontAlgn="base" hangingPunct="0">
+              <a:spcBef>
+                <a:spcPct val="20000"/>
+              </a:spcBef>
+              <a:spcAft>
+                <a:spcPct val="0"/>
+              </a:spcAft>
+              <a:buClr>
+                <a:schemeClr val="tx1"/>
+              </a:buClr>
+              <a:buSzPct val="75000"/>
+              <a:buFont typeface="Wingdings" pitchFamily="2" charset="2"/>
+              <a:defRPr sz="2400" b="1">
+                <a:solidFill>
+                  <a:srgbClr val="000000"/>
+                </a:solidFill>
+                <a:latin typeface="Times New Roman" pitchFamily="18" charset="0"/>
+                <a:ea typeface="宋体" pitchFamily="2" charset="-122"/>
+              </a:defRPr>
+            </a:lvl8pPr>
+            <a:lvl9pPr marL="3886200" indent="-228600" eaLnBrk="0" fontAlgn="base" hangingPunct="0">
+              <a:spcBef>
+                <a:spcPct val="20000"/>
+              </a:spcBef>
+              <a:spcAft>
+                <a:spcPct val="0"/>
+              </a:spcAft>
+              <a:buClr>
+                <a:schemeClr val="tx1"/>
+              </a:buClr>
+              <a:buSzPct val="75000"/>
+              <a:buFont typeface="Wingdings" pitchFamily="2" charset="2"/>
+              <a:defRPr sz="2400" b="1">
+                <a:solidFill>
+                  <a:srgbClr val="000000"/>
+                </a:solidFill>
+                <a:latin typeface="Times New Roman" pitchFamily="18" charset="0"/>
+                <a:ea typeface="宋体" pitchFamily="2" charset="-122"/>
+              </a:defRPr>
+            </a:lvl9pPr>
+          </a:lstStyle>
+          <a:p>
+            <a:r>
+              <a:rPr lang="zh-CN" altLang="en-US" sz="2000"/>
+              <a:t>例：a || b || c.       当a=1时,b, c均不必判别</a:t>
+            </a:r>
+          </a:p>
+        </p:txBody>
+      </p:sp>
+      <p:sp>
+        <p:nvSpPr>
+          <p:cNvPr id="11271" name="Text Box 6"/>
+          <p:cNvSpPr txBox="1">
+            <a:spLocks noChangeArrowheads="1"/>
+          </p:cNvSpPr>
+          <p:nvPr/>
+        </p:nvSpPr>
+        <p:spPr bwMode="auto">
+          <a:xfrm>
+            <a:off x="685800" y="4154488"/>
+            <a:ext cx="7993063" cy="1138237"/>
+          </a:xfrm>
+          <a:prstGeom prst="rect">
+            <a:avLst/>
+          </a:prstGeom>
+          <a:noFill/>
+          <a:ln w="9525" cmpd="sng">
+            <a:solidFill>
+              <a:schemeClr val="tx1"/>
+            </a:solidFill>
+            <a:miter lim="800000"/>
+            <a:headEnd/>
+            <a:tailEnd/>
+          </a:ln>
+          <a:extLst>
+            <a:ext uri="{909E8E84-426E-40DD-AFC4-6F175D3DCCD1}">
+              <a14:hiddenFill xmlns:a14="http://schemas.microsoft.com/office/drawing/2010/main">
+                <a:solidFill>
+                  <a:srgbClr val="FFFFFF"/>
+                </a:solidFill>
+              </a14:hiddenFill>
+            </a:ext>
+          </a:extLst>
+        </p:spPr>
+        <p:txBody>
+          <a:bodyPr>
+            <a:spAutoFit/>
+          </a:bodyPr>
+          <a:lstStyle>
+            <a:lvl1pPr>
+              <a:defRPr sz="2400" b="1">
+                <a:solidFill>
+                  <a:srgbClr val="000000"/>
+                </a:solidFill>
+                <a:latin typeface="Times New Roman" pitchFamily="18" charset="0"/>
+                <a:ea typeface="宋体" pitchFamily="2" charset="-122"/>
+              </a:defRPr>
+            </a:lvl1pPr>
+            <a:lvl2pPr marL="742950" indent="-285750">
+              <a:defRPr sz="2400" b="1">
+                <a:solidFill>
+                  <a:srgbClr val="000000"/>
+                </a:solidFill>
+                <a:latin typeface="Times New Roman" pitchFamily="18" charset="0"/>
+                <a:ea typeface="宋体" pitchFamily="2" charset="-122"/>
+              </a:defRPr>
+            </a:lvl2pPr>
+            <a:lvl3pPr marL="1143000" indent="-228600">
+              <a:defRPr sz="2400" b="1">
+                <a:solidFill>
+                  <a:srgbClr val="000000"/>
+                </a:solidFill>
+                <a:latin typeface="Times New Roman" pitchFamily="18" charset="0"/>
+                <a:ea typeface="宋体" pitchFamily="2" charset="-122"/>
+              </a:defRPr>
+            </a:lvl3pPr>
+            <a:lvl4pPr marL="1600200" indent="-228600">
+              <a:defRPr sz="2400" b="1">
+                <a:solidFill>
+                  <a:srgbClr val="000000"/>
+                </a:solidFill>
+                <a:latin typeface="Times New Roman" pitchFamily="18" charset="0"/>
+                <a:ea typeface="宋体" pitchFamily="2" charset="-122"/>
+              </a:defRPr>
+            </a:lvl4pPr>
+            <a:lvl5pPr marL="2057400" indent="-228600">
+              <a:defRPr sz="2400" b="1">
+                <a:solidFill>
+                  <a:srgbClr val="000000"/>
+                </a:solidFill>
+                <a:latin typeface="Times New Roman" pitchFamily="18" charset="0"/>
+                <a:ea typeface="宋体" pitchFamily="2" charset="-122"/>
+              </a:defRPr>
+            </a:lvl5pPr>
+            <a:lvl6pPr marL="2514600" indent="-228600" eaLnBrk="0" fontAlgn="base" hangingPunct="0">
+              <a:spcBef>
+                <a:spcPct val="20000"/>
+              </a:spcBef>
+              <a:spcAft>
+                <a:spcPct val="0"/>
+              </a:spcAft>
+              <a:buClr>
+                <a:schemeClr val="tx1"/>
+              </a:buClr>
+              <a:buSzPct val="75000"/>
+              <a:buFont typeface="Wingdings" pitchFamily="2" charset="2"/>
+              <a:defRPr sz="2400" b="1">
+                <a:solidFill>
+                  <a:srgbClr val="000000"/>
+                </a:solidFill>
+                <a:latin typeface="Times New Roman" pitchFamily="18" charset="0"/>
+                <a:ea typeface="宋体" pitchFamily="2" charset="-122"/>
+              </a:defRPr>
+            </a:lvl6pPr>
+            <a:lvl7pPr marL="2971800" indent="-228600" eaLnBrk="0" fontAlgn="base" hangingPunct="0">
+              <a:spcBef>
+                <a:spcPct val="20000"/>
+              </a:spcBef>
+              <a:spcAft>
+                <a:spcPct val="0"/>
+              </a:spcAft>
+              <a:buClr>
+                <a:schemeClr val="tx1"/>
+              </a:buClr>
+              <a:buSzPct val="75000"/>
+              <a:buFont typeface="Wingdings" pitchFamily="2" charset="2"/>
+              <a:defRPr sz="2400" b="1">
+                <a:solidFill>
+                  <a:srgbClr val="000000"/>
+                </a:solidFill>
+                <a:latin typeface="Times New Roman" pitchFamily="18" charset="0"/>
+                <a:ea typeface="宋体" pitchFamily="2" charset="-122"/>
+              </a:defRPr>
+            </a:lvl7pPr>
+            <a:lvl8pPr marL="3429000" indent="-228600" eaLnBrk="0" fontAlgn="base" hangingPunct="0">
+              <a:spcBef>
+                <a:spcPct val="20000"/>
+              </a:spcBef>
+              <a:spcAft>
+                <a:spcPct val="0"/>
+              </a:spcAft>
+              <a:buClr>
+                <a:schemeClr val="tx1"/>
+              </a:buClr>
+              <a:buSzPct val="75000"/>
+              <a:buFont typeface="Wingdings" pitchFamily="2" charset="2"/>
+              <a:defRPr sz="2400" b="1">
+                <a:solidFill>
+                  <a:srgbClr val="000000"/>
+                </a:solidFill>
+                <a:latin typeface="Times New Roman" pitchFamily="18" charset="0"/>
+                <a:ea typeface="宋体" pitchFamily="2" charset="-122"/>
+              </a:defRPr>
+            </a:lvl8pPr>
+            <a:lvl9pPr marL="3886200" indent="-228600" eaLnBrk="0" fontAlgn="base" hangingPunct="0">
+              <a:spcBef>
+                <a:spcPct val="20000"/>
+              </a:spcBef>
+              <a:spcAft>
+                <a:spcPct val="0"/>
+              </a:spcAft>
+              <a:buClr>
+                <a:schemeClr val="tx1"/>
+              </a:buClr>
+              <a:buSzPct val="75000"/>
+              <a:buFont typeface="Wingdings" pitchFamily="2" charset="2"/>
+              <a:defRPr sz="2400" b="1">
+                <a:solidFill>
+                  <a:srgbClr val="000000"/>
+                </a:solidFill>
+                <a:latin typeface="Times New Roman" pitchFamily="18" charset="0"/>
+                <a:ea typeface="宋体" pitchFamily="2" charset="-122"/>
+              </a:defRPr>
+            </a:lvl9pPr>
+          </a:lstStyle>
+          <a:p>
+            <a:r>
+              <a:rPr lang="zh-CN" altLang="en-US" sz="2000"/>
+              <a:t>例：int a=1,b=8,c=9,d;</a:t>
+            </a:r>
+          </a:p>
+          <a:p>
+            <a:r>
+              <a:rPr lang="zh-CN" altLang="en-US" sz="2000"/>
+              <a:t>d=(a||(b=10)||(c=2)); </a:t>
+            </a:r>
+            <a:r>
+              <a:rPr lang="zh-CN" altLang="en-US" sz="2000">
+                <a:solidFill>
+                  <a:srgbClr val="99CC00"/>
+                </a:solidFill>
+              </a:rPr>
+              <a:t> </a:t>
+            </a:r>
+            <a:r>
+              <a:rPr lang="zh-CN" altLang="en-US" sz="2000">
+                <a:solidFill>
+                  <a:srgbClr val="0000FF"/>
+                </a:solidFill>
+                <a:latin typeface="Arial" pitchFamily="34" charset="0"/>
+                <a:ea typeface="楷体_GB2312" pitchFamily="1" charset="-122"/>
+                <a:sym typeface="Arial" pitchFamily="34" charset="0"/>
+              </a:rPr>
+              <a:t>// 从左到右求值，即使( )的优先级更高</a:t>
+            </a:r>
+          </a:p>
+          <a:p>
+            <a:r>
+              <a:rPr lang="zh-CN" altLang="en-US" sz="2000"/>
+              <a:t>printf(“a=%d,b=%d,c=%d,d=%d”,a,b,c,d);   </a:t>
+            </a:r>
+            <a:r>
+              <a:rPr lang="zh-CN" altLang="en-US" sz="2000">
+                <a:solidFill>
+                  <a:srgbClr val="C00000"/>
+                </a:solidFill>
+              </a:rPr>
+              <a:t>// a=1,b=8,c=9,d=1</a:t>
+            </a:r>
+          </a:p>
+        </p:txBody>
+      </p:sp>
+      <p:sp>
+        <p:nvSpPr>
+          <p:cNvPr id="11272" name="Text Box 7"/>
+          <p:cNvSpPr txBox="1">
+            <a:spLocks noChangeArrowheads="1"/>
+          </p:cNvSpPr>
+          <p:nvPr/>
+        </p:nvSpPr>
+        <p:spPr bwMode="auto">
+          <a:xfrm>
+            <a:off x="755650" y="5461000"/>
+            <a:ext cx="4321175" cy="1136650"/>
+          </a:xfrm>
+          <a:prstGeom prst="rect">
+            <a:avLst/>
+          </a:prstGeom>
+          <a:noFill/>
+          <a:ln w="9525" cmpd="sng">
+            <a:solidFill>
+              <a:schemeClr val="tx1"/>
+            </a:solidFill>
+            <a:miter lim="800000"/>
+            <a:headEnd/>
+            <a:tailEnd/>
+          </a:ln>
+          <a:effectLst/>
+          <a:extLst>
+            <a:ext uri="{909E8E84-426E-40DD-AFC4-6F175D3DCCD1}">
+              <a14:hiddenFill xmlns:a14="http://schemas.microsoft.com/office/drawing/2010/main">
+                <a:solidFill>
+                  <a:srgbClr val="FFFFFF"/>
+                </a:solidFill>
+              </a14:hiddenFill>
+            </a:ext>
+            <a:ext uri="{AF507438-7753-43E0-B8FC-AC1667EBCBE1}">
+              <a14:hiddenEffects xmlns:a14="http://schemas.microsoft.com/office/drawing/2010/main">
+                <a:effectLst>
+                  <a:outerShdw dist="35921" dir="2700000" algn="ctr" rotWithShape="0">
+                    <a:srgbClr val="808080"/>
+                  </a:outerShdw>
+                </a:effectLst>
+              </a14:hiddenEffects>
+            </a:ext>
+          </a:extLst>
+        </p:spPr>
+        <p:txBody>
+          <a:bodyPr>
+            <a:spAutoFit/>
+          </a:bodyPr>
+          <a:lstStyle>
+            <a:lvl1pPr>
+              <a:defRPr sz="2400" b="1">
+                <a:solidFill>
+                  <a:srgbClr val="000000"/>
+                </a:solidFill>
+                <a:latin typeface="Times New Roman" pitchFamily="18" charset="0"/>
+                <a:ea typeface="宋体" pitchFamily="2" charset="-122"/>
+              </a:defRPr>
+            </a:lvl1pPr>
+            <a:lvl2pPr marL="742950" indent="-285750">
+              <a:defRPr sz="2400" b="1">
+                <a:solidFill>
+                  <a:srgbClr val="000000"/>
+                </a:solidFill>
+                <a:latin typeface="Times New Roman" pitchFamily="18" charset="0"/>
+                <a:ea typeface="宋体" pitchFamily="2" charset="-122"/>
+              </a:defRPr>
+            </a:lvl2pPr>
+            <a:lvl3pPr marL="1143000" indent="-228600">
+              <a:defRPr sz="2400" b="1">
+                <a:solidFill>
+                  <a:srgbClr val="000000"/>
+                </a:solidFill>
+                <a:latin typeface="Times New Roman" pitchFamily="18" charset="0"/>
+                <a:ea typeface="宋体" pitchFamily="2" charset="-122"/>
+              </a:defRPr>
+            </a:lvl3pPr>
+            <a:lvl4pPr marL="1600200" indent="-228600">
+              <a:defRPr sz="2400" b="1">
+                <a:solidFill>
+                  <a:srgbClr val="000000"/>
+                </a:solidFill>
+                <a:latin typeface="Times New Roman" pitchFamily="18" charset="0"/>
+                <a:ea typeface="宋体" pitchFamily="2" charset="-122"/>
+              </a:defRPr>
+            </a:lvl4pPr>
+            <a:lvl5pPr marL="2057400" indent="-228600">
+              <a:defRPr sz="2400" b="1">
+                <a:solidFill>
+                  <a:srgbClr val="000000"/>
+                </a:solidFill>
+                <a:latin typeface="Times New Roman" pitchFamily="18" charset="0"/>
+                <a:ea typeface="宋体" pitchFamily="2" charset="-122"/>
+              </a:defRPr>
+            </a:lvl5pPr>
+            <a:lvl6pPr marL="2514600" indent="-228600" eaLnBrk="0" fontAlgn="base" hangingPunct="0">
+              <a:spcBef>
+                <a:spcPct val="20000"/>
+              </a:spcBef>
+              <a:spcAft>
+                <a:spcPct val="0"/>
+              </a:spcAft>
+              <a:buClr>
+                <a:schemeClr val="tx1"/>
+              </a:buClr>
+              <a:buSzPct val="75000"/>
+              <a:buFont typeface="Wingdings" pitchFamily="2" charset="2"/>
+              <a:defRPr sz="2400" b="1">
+                <a:solidFill>
+                  <a:srgbClr val="000000"/>
+                </a:solidFill>
+                <a:latin typeface="Times New Roman" pitchFamily="18" charset="0"/>
+                <a:ea typeface="宋体" pitchFamily="2" charset="-122"/>
+              </a:defRPr>
+            </a:lvl6pPr>
+            <a:lvl7pPr marL="2971800" indent="-228600" eaLnBrk="0" fontAlgn="base" hangingPunct="0">
+              <a:spcBef>
+                <a:spcPct val="20000"/>
+              </a:spcBef>
+              <a:spcAft>
+                <a:spcPct val="0"/>
+              </a:spcAft>
+              <a:buClr>
+                <a:schemeClr val="tx1"/>
+              </a:buClr>
+              <a:buSzPct val="75000"/>
+              <a:buFont typeface="Wingdings" pitchFamily="2" charset="2"/>
+              <a:defRPr sz="2400" b="1">
+                <a:solidFill>
+                  <a:srgbClr val="000000"/>
+                </a:solidFill>
+                <a:latin typeface="Times New Roman" pitchFamily="18" charset="0"/>
+                <a:ea typeface="宋体" pitchFamily="2" charset="-122"/>
+              </a:defRPr>
+            </a:lvl7pPr>
+            <a:lvl8pPr marL="3429000" indent="-228600" eaLnBrk="0" fontAlgn="base" hangingPunct="0">
+              <a:spcBef>
+                <a:spcPct val="20000"/>
+              </a:spcBef>
+              <a:spcAft>
+                <a:spcPct val="0"/>
+              </a:spcAft>
+              <a:buClr>
+                <a:schemeClr val="tx1"/>
+              </a:buClr>
+              <a:buSzPct val="75000"/>
+              <a:buFont typeface="Wingdings" pitchFamily="2" charset="2"/>
+              <a:defRPr sz="2400" b="1">
+                <a:solidFill>
+                  <a:srgbClr val="000000"/>
+                </a:solidFill>
+                <a:latin typeface="Times New Roman" pitchFamily="18" charset="0"/>
+                <a:ea typeface="宋体" pitchFamily="2" charset="-122"/>
+              </a:defRPr>
+            </a:lvl8pPr>
+            <a:lvl9pPr marL="3886200" indent="-228600" eaLnBrk="0" fontAlgn="base" hangingPunct="0">
+              <a:spcBef>
+                <a:spcPct val="20000"/>
+              </a:spcBef>
+              <a:spcAft>
+                <a:spcPct val="0"/>
+              </a:spcAft>
+              <a:buClr>
+                <a:schemeClr val="tx1"/>
+              </a:buClr>
+              <a:buSzPct val="75000"/>
+              <a:buFont typeface="Wingdings" pitchFamily="2" charset="2"/>
+              <a:defRPr sz="2400" b="1">
+                <a:solidFill>
+                  <a:srgbClr val="000000"/>
+                </a:solidFill>
+                <a:latin typeface="Times New Roman" pitchFamily="18" charset="0"/>
+                <a:ea typeface="宋体" pitchFamily="2" charset="-122"/>
+              </a:defRPr>
+            </a:lvl9pPr>
+          </a:lstStyle>
+          <a:p>
+            <a:r>
+              <a:rPr lang="zh-CN" altLang="en-US" sz="2000">
+                <a:sym typeface="Arial" pitchFamily="34" charset="0"/>
+              </a:rPr>
+              <a:t>例：int i1=0,i2=5;</a:t>
+            </a:r>
+          </a:p>
+          <a:p>
+            <a:r>
+              <a:rPr lang="zh-CN" altLang="en-US" sz="2000">
+                <a:sym typeface="Arial" pitchFamily="34" charset="0"/>
+              </a:rPr>
+              <a:t>printf("%d\n",!i1&amp;&amp;i2--);  </a:t>
+            </a:r>
+            <a:r>
+              <a:rPr lang="zh-CN" altLang="en-US" sz="2000">
+                <a:solidFill>
+                  <a:srgbClr val="C00000"/>
+                </a:solidFill>
+                <a:sym typeface="Arial" pitchFamily="34" charset="0"/>
+              </a:rPr>
+              <a:t>// 1    </a:t>
+            </a:r>
+          </a:p>
+          <a:p>
+            <a:r>
+              <a:rPr lang="zh-CN" altLang="en-US" sz="2000">
+                <a:sym typeface="Arial" pitchFamily="34" charset="0"/>
+              </a:rPr>
+              <a:t>printf("%d\n",i2); </a:t>
+            </a:r>
+            <a:r>
+              <a:rPr lang="zh-CN" altLang="en-US" sz="2000">
+                <a:solidFill>
+                  <a:srgbClr val="C00000"/>
+                </a:solidFill>
+                <a:sym typeface="Arial" pitchFamily="34" charset="0"/>
+              </a:rPr>
+              <a:t>// 4</a:t>
+            </a:r>
+          </a:p>
+        </p:txBody>
+      </p:sp>
+    </p:spTree>
+  </p:cSld>
+  <p:clrMapOvr>
+    <a:masterClrMapping/>
+  </p:clrMapOvr>
+  <p:timing>
+    <p:tnLst>
+      <p:par>
+        <p:cTn id="1" dur="indefinite" restart="never" nodeType="tmRoot"/>
+      </p:par>
+    </p:tnLst>
+  </p:timing>
+</p:sld>
+</file>
+
+<file path=ppt/slides/slide6.xml><?xml version="1.0" encoding="utf-8"?>
+<p:sld xmlns:a="http://schemas.openxmlformats.org/drawingml/2006/main" xmlns:r="http://schemas.openxmlformats.org/officeDocument/2006/relationships" xmlns:p="http://schemas.openxmlformats.org/presentationml/2006/main">
+  <p:cSld>
+    <p:spTree>
+      <p:nvGrpSpPr>
+        <p:cNvPr id="1" name=""/>
+        <p:cNvGrpSpPr/>
+        <p:nvPr/>
+      </p:nvGrpSpPr>
+      <p:grpSpPr>
+        <a:xfrm>
+          <a:off x="0" y="0"/>
+          <a:ext cx="0" cy="0"/>
+          <a:chOff x="0" y="0"/>
+          <a:chExt cx="0" cy="0"/>
+        </a:xfrm>
+      </p:grpSpPr>
+      <p:sp>
+        <p:nvSpPr>
+          <p:cNvPr id="13314" name="标题 1"/>
+          <p:cNvSpPr>
+            <a:spLocks noGrp="1"/>
+          </p:cNvSpPr>
+          <p:nvPr>
+            <p:ph type="title" idx="4294967295"/>
+          </p:nvPr>
+        </p:nvSpPr>
+        <p:spPr/>
+        <p:txBody>
+          <a:bodyPr/>
+          <a:lstStyle/>
+          <a:p>
+            <a:r>
+              <a:rPr lang="zh-CN" altLang="en-US"/>
+              <a:t>逗号运算符</a:t>
+            </a:r>
+          </a:p>
+        </p:txBody>
+      </p:sp>
+      <p:sp>
+        <p:nvSpPr>
+          <p:cNvPr id="13315" name="内容占位符 2"/>
+          <p:cNvSpPr>
+            <a:spLocks noGrp="1"/>
+          </p:cNvSpPr>
+          <p:nvPr>
+            <p:ph idx="4294967295"/>
+          </p:nvPr>
+        </p:nvSpPr>
+        <p:spPr>
+          <a:xfrm>
+            <a:off x="539750" y="838200"/>
+            <a:ext cx="8382000" cy="3311525"/>
+          </a:xfrm>
+        </p:spPr>
+        <p:txBody>
+          <a:bodyPr/>
+          <a:lstStyle/>
+          <a:p>
+            <a:pPr>
+              <a:buFont typeface="Wingdings" pitchFamily="2" charset="2"/>
+              <a:buChar char="Ø"/>
+            </a:pPr>
+            <a:r>
+              <a:rPr lang="zh-CN" altLang="en-US" sz="2400"/>
+              <a:t>表达式</a:t>
+            </a:r>
+            <a:r>
+              <a:rPr lang="en-US" sz="2400"/>
+              <a:t>1, </a:t>
+            </a:r>
+            <a:r>
+              <a:rPr lang="zh-CN" altLang="en-US" sz="2400"/>
+              <a:t>表达式</a:t>
+            </a:r>
+            <a:r>
+              <a:rPr lang="en-US" sz="2400"/>
+              <a:t>2,…,</a:t>
+            </a:r>
+            <a:r>
+              <a:rPr lang="zh-CN" altLang="en-US" sz="2400"/>
+              <a:t>表达式</a:t>
+            </a:r>
+            <a:r>
+              <a:rPr lang="en-US" sz="2400"/>
+              <a:t>n</a:t>
+            </a:r>
+          </a:p>
+          <a:p>
+            <a:pPr marL="457200" lvl="1" indent="0">
+              <a:buFont typeface="Wingdings" pitchFamily="2" charset="2"/>
+              <a:buNone/>
+            </a:pPr>
+            <a:r>
+              <a:rPr lang="zh-CN" altLang="en-US" sz="2400"/>
+              <a:t>先计算表达式</a:t>
+            </a:r>
+            <a:r>
+              <a:rPr lang="en-US" sz="2400"/>
+              <a:t>1,</a:t>
+            </a:r>
+            <a:r>
+              <a:rPr lang="zh-CN" altLang="en-US" sz="2400"/>
+              <a:t>再计算表达式</a:t>
+            </a:r>
+            <a:r>
+              <a:rPr lang="en-US" sz="2400"/>
+              <a:t>2,…,</a:t>
+            </a:r>
+            <a:r>
+              <a:rPr lang="zh-CN" altLang="en-US" sz="2400"/>
+              <a:t>最后值为表达式</a:t>
+            </a:r>
+            <a:r>
+              <a:rPr lang="en-US" sz="2400"/>
+              <a:t>n</a:t>
+            </a:r>
+            <a:r>
+              <a:rPr lang="zh-CN" altLang="en-US" sz="2400"/>
+              <a:t>的值</a:t>
+            </a:r>
+            <a:endParaRPr lang="en-US" sz="2400"/>
+          </a:p>
+          <a:p>
+            <a:pPr>
+              <a:buFont typeface="Wingdings" pitchFamily="2" charset="2"/>
+              <a:buChar char="Ø"/>
+            </a:pPr>
+            <a:r>
+              <a:rPr lang="zh-CN" altLang="en-US" sz="2400"/>
+              <a:t>逗号运算符优先级最低（</a:t>
+            </a:r>
+            <a:r>
+              <a:rPr lang="en-US" sz="2400"/>
+              <a:t>15</a:t>
+            </a:r>
+            <a:r>
+              <a:rPr lang="zh-CN" altLang="en-US" sz="2400"/>
+              <a:t>）</a:t>
+            </a:r>
+            <a:endParaRPr lang="en-US" sz="2400"/>
+          </a:p>
+          <a:p>
+            <a:pPr marL="457200" lvl="1" indent="0">
+              <a:buFont typeface="Wingdings" pitchFamily="2" charset="2"/>
+              <a:buNone/>
+            </a:pPr>
+            <a:r>
+              <a:rPr lang="en-US" sz="2400"/>
+              <a:t>int a,b;</a:t>
+            </a:r>
+          </a:p>
+          <a:p>
+            <a:pPr marL="457200" lvl="1" indent="0">
+              <a:buFont typeface="Wingdings" pitchFamily="2" charset="2"/>
+              <a:buNone/>
+            </a:pPr>
+            <a:r>
+              <a:rPr lang="en-US" sz="2400"/>
+              <a:t>a=3*5,a*4;    </a:t>
+            </a:r>
+            <a:r>
+              <a:rPr lang="en-US" sz="2400">
+                <a:solidFill>
+                  <a:srgbClr val="FF0000"/>
+                </a:solidFill>
+              </a:rPr>
+              <a:t>// (a=3*5),a*4</a:t>
+            </a:r>
+          </a:p>
+          <a:p>
+            <a:pPr marL="457200" lvl="1" indent="0">
+              <a:buFont typeface="Wingdings" pitchFamily="2" charset="2"/>
+              <a:buNone/>
+            </a:pPr>
+            <a:r>
+              <a:rPr lang="en-US" sz="2400"/>
+              <a:t>b=(3*5,a*4);</a:t>
+            </a:r>
+          </a:p>
+          <a:p>
+            <a:pPr marL="457200" lvl="1" indent="0">
+              <a:buFont typeface="Wingdings" pitchFamily="2" charset="2"/>
+              <a:buNone/>
+            </a:pPr>
+            <a:r>
+              <a:rPr lang="zh-CN" altLang="en-US" sz="2400">
+                <a:solidFill>
+                  <a:srgbClr val="C00000"/>
+                </a:solidFill>
+              </a:rPr>
+              <a:t>结果</a:t>
+            </a:r>
+            <a:r>
+              <a:rPr lang="en-US" sz="2400">
+                <a:solidFill>
+                  <a:srgbClr val="C00000"/>
+                </a:solidFill>
+              </a:rPr>
+              <a:t>: a=15, b=60</a:t>
+            </a:r>
+            <a:endParaRPr lang="zh-CN" altLang="en-US" sz="2400">
+              <a:solidFill>
+                <a:srgbClr val="C00000"/>
+              </a:solidFill>
+            </a:endParaRPr>
+          </a:p>
+        </p:txBody>
+      </p:sp>
+      <p:sp>
+        <p:nvSpPr>
+          <p:cNvPr id="13316" name="灯片编号占位符 3"/>
+          <p:cNvSpPr txBox="1">
+            <a:spLocks noGrp="1" noChangeArrowheads="1"/>
+          </p:cNvSpPr>
+          <p:nvPr/>
+        </p:nvSpPr>
+        <p:spPr bwMode="auto">
+          <a:xfrm>
+            <a:off x="8556625" y="0"/>
+            <a:ext cx="587375" cy="396875"/>
+          </a:xfrm>
+          <a:prstGeom prst="rect">
+            <a:avLst/>
+          </a:prstGeom>
+          <a:noFill/>
+          <a:ln>
+            <a:noFill/>
+          </a:ln>
+          <a:extLst>
+            <a:ext uri="{909E8E84-426E-40DD-AFC4-6F175D3DCCD1}">
+              <a14:hiddenFill xmlns:a14="http://schemas.microsoft.com/office/drawing/2010/main">
+                <a:solidFill>
+                  <a:srgbClr val="FFFFFF"/>
+                </a:solidFill>
+              </a14:hiddenFill>
+            </a:ext>
+            <a:ext uri="{91240B29-F687-4F45-9708-019B960494DF}">
+              <a14:hiddenLine xmlns:a14="http://schemas.microsoft.com/office/drawing/2010/main" w="9525">
+                <a:solidFill>
+                  <a:srgbClr val="000000"/>
+                </a:solidFill>
+                <a:miter lim="800000"/>
+                <a:headEnd/>
+                <a:tailEnd/>
+              </a14:hiddenLine>
+            </a:ext>
+          </a:extLst>
+        </p:spPr>
+        <p:txBody>
+          <a:bodyPr anchor="b" anchorCtr="1">
+            <a:spAutoFit/>
+          </a:bodyPr>
+          <a:lstStyle>
+            <a:lvl1pPr>
+              <a:defRPr sz="2400" b="1">
+                <a:solidFill>
+                  <a:srgbClr val="000000"/>
+                </a:solidFill>
+                <a:latin typeface="Times New Roman" pitchFamily="18" charset="0"/>
+                <a:ea typeface="宋体" pitchFamily="2" charset="-122"/>
+              </a:defRPr>
+            </a:lvl1pPr>
+            <a:lvl2pPr marL="742950" indent="-285750">
+              <a:defRPr sz="2400" b="1">
+                <a:solidFill>
+                  <a:srgbClr val="000000"/>
+                </a:solidFill>
+                <a:latin typeface="Times New Roman" pitchFamily="18" charset="0"/>
+                <a:ea typeface="宋体" pitchFamily="2" charset="-122"/>
+              </a:defRPr>
+            </a:lvl2pPr>
+            <a:lvl3pPr marL="1143000" indent="-228600">
+              <a:defRPr sz="2400" b="1">
+                <a:solidFill>
+                  <a:srgbClr val="000000"/>
+                </a:solidFill>
+                <a:latin typeface="Times New Roman" pitchFamily="18" charset="0"/>
+                <a:ea typeface="宋体" pitchFamily="2" charset="-122"/>
+              </a:defRPr>
+            </a:lvl3pPr>
+            <a:lvl4pPr marL="1600200" indent="-228600">
+              <a:defRPr sz="2400" b="1">
+                <a:solidFill>
+                  <a:srgbClr val="000000"/>
+                </a:solidFill>
+                <a:latin typeface="Times New Roman" pitchFamily="18" charset="0"/>
+                <a:ea typeface="宋体" pitchFamily="2" charset="-122"/>
+              </a:defRPr>
+            </a:lvl4pPr>
+            <a:lvl5pPr marL="2057400" indent="-228600">
+              <a:defRPr sz="2400" b="1">
+                <a:solidFill>
+                  <a:srgbClr val="000000"/>
+                </a:solidFill>
+                <a:latin typeface="Times New Roman" pitchFamily="18" charset="0"/>
+                <a:ea typeface="宋体" pitchFamily="2" charset="-122"/>
+              </a:defRPr>
+            </a:lvl5pPr>
+            <a:lvl6pPr marL="2514600" indent="-228600" eaLnBrk="0" fontAlgn="base" hangingPunct="0">
+              <a:spcBef>
+                <a:spcPct val="20000"/>
+              </a:spcBef>
+              <a:spcAft>
+                <a:spcPct val="0"/>
+              </a:spcAft>
+              <a:buClr>
+                <a:schemeClr val="tx1"/>
+              </a:buClr>
+              <a:buSzPct val="75000"/>
+              <a:buFont typeface="Wingdings" pitchFamily="2" charset="2"/>
+              <a:defRPr sz="2400" b="1">
+                <a:solidFill>
+                  <a:srgbClr val="000000"/>
+                </a:solidFill>
+                <a:latin typeface="Times New Roman" pitchFamily="18" charset="0"/>
+                <a:ea typeface="宋体" pitchFamily="2" charset="-122"/>
+              </a:defRPr>
+            </a:lvl6pPr>
+            <a:lvl7pPr marL="2971800" indent="-228600" eaLnBrk="0" fontAlgn="base" hangingPunct="0">
+              <a:spcBef>
+                <a:spcPct val="20000"/>
+              </a:spcBef>
+              <a:spcAft>
+                <a:spcPct val="0"/>
+              </a:spcAft>
+              <a:buClr>
+                <a:schemeClr val="tx1"/>
+              </a:buClr>
+              <a:buSzPct val="75000"/>
+              <a:buFont typeface="Wingdings" pitchFamily="2" charset="2"/>
+              <a:defRPr sz="2400" b="1">
+                <a:solidFill>
+                  <a:srgbClr val="000000"/>
+                </a:solidFill>
+                <a:latin typeface="Times New Roman" pitchFamily="18" charset="0"/>
+                <a:ea typeface="宋体" pitchFamily="2" charset="-122"/>
+              </a:defRPr>
+            </a:lvl7pPr>
+            <a:lvl8pPr marL="3429000" indent="-228600" eaLnBrk="0" fontAlgn="base" hangingPunct="0">
+              <a:spcBef>
+                <a:spcPct val="20000"/>
+              </a:spcBef>
+              <a:spcAft>
+                <a:spcPct val="0"/>
+              </a:spcAft>
+              <a:buClr>
+                <a:schemeClr val="tx1"/>
+              </a:buClr>
+              <a:buSzPct val="75000"/>
+              <a:buFont typeface="Wingdings" pitchFamily="2" charset="2"/>
+              <a:defRPr sz="2400" b="1">
+                <a:solidFill>
+                  <a:srgbClr val="000000"/>
+                </a:solidFill>
+                <a:latin typeface="Times New Roman" pitchFamily="18" charset="0"/>
+                <a:ea typeface="宋体" pitchFamily="2" charset="-122"/>
+              </a:defRPr>
+            </a:lvl8pPr>
+            <a:lvl9pPr marL="3886200" indent="-228600" eaLnBrk="0" fontAlgn="base" hangingPunct="0">
+              <a:spcBef>
+                <a:spcPct val="20000"/>
+              </a:spcBef>
+              <a:spcAft>
+                <a:spcPct val="0"/>
+              </a:spcAft>
+              <a:buClr>
+                <a:schemeClr val="tx1"/>
+              </a:buClr>
+              <a:buSzPct val="75000"/>
+              <a:buFont typeface="Wingdings" pitchFamily="2" charset="2"/>
+              <a:defRPr sz="2400" b="1">
+                <a:solidFill>
+                  <a:srgbClr val="000000"/>
+                </a:solidFill>
+                <a:latin typeface="Times New Roman" pitchFamily="18" charset="0"/>
+                <a:ea typeface="宋体" pitchFamily="2" charset="-122"/>
+              </a:defRPr>
+            </a:lvl9pPr>
+          </a:lstStyle>
+          <a:p>
+            <a:pPr>
+              <a:spcBef>
+                <a:spcPct val="0"/>
+              </a:spcBef>
+            </a:pPr>
+            <a:fld id="{C2C0C041-EFB4-4CCB-BF82-BFE24BA307E3}" type="slidenum">
+              <a:rPr lang="zh-CN" altLang="en-US" sz="2000">
+                <a:solidFill>
+                  <a:schemeClr val="tx2"/>
+                </a:solidFill>
+                <a:latin typeface="Arial" pitchFamily="34" charset="0"/>
+                <a:sym typeface="Arial" pitchFamily="34" charset="0"/>
+              </a:rPr>
+              <a:pPr>
+                <a:spcBef>
+                  <a:spcPct val="0"/>
+                </a:spcBef>
+              </a:pPr>
+              <a:t>6</a:t>
+            </a:fld>
+            <a:endParaRPr lang="en-US" sz="1800">
+              <a:ea typeface="楷体_GB2312" pitchFamily="1" charset="-122"/>
+              <a:sym typeface="Arial" pitchFamily="34" charset="0"/>
+            </a:endParaRPr>
+          </a:p>
+        </p:txBody>
+      </p:sp>
+    </p:spTree>
+  </p:cSld>
+  <p:clrMapOvr>
+    <a:masterClrMapping/>
+  </p:clrMapOvr>
+  <p:timing>
+    <p:tnLst>
+      <p:par>
+        <p:cTn id="1" dur="indefinite" restart="never" nodeType="tmRoot"/>
+      </p:par>
+    </p:tnLst>
+  </p:timing>
+</p:sld>
+</file>
+
 <file path=ppt/slides/slide7.xml><?xml version="1.0" encoding="utf-8"?>
 <p:sld xmlns:a="http://schemas.openxmlformats.org/drawingml/2006/main" xmlns:r="http://schemas.openxmlformats.org/officeDocument/2006/relationships" xmlns:p="http://schemas.openxmlformats.org/presentationml/2006/main">
   <p:cSld>
@@ -20147,11 +20384,7 @@
             </a:r>
             <a:r>
               <a:rPr lang="en-US" sz="2400" dirty="0" smtClean="0"/>
-              <a:t>(‘0’+1); // </a:t>
-            </a:r>
-            <a:r>
-              <a:rPr lang="en-US" sz="2400" dirty="0" smtClean="0"/>
-              <a:t>1,</a:t>
+              <a:t>(‘0’+1); // 1,</a:t>
             </a:r>
             <a:r>
               <a:rPr lang="zh-CN" altLang="en-US" sz="2400" dirty="0" smtClean="0">
@@ -21584,7 +21817,7 @@
               </a:lnSpc>
             </a:pPr>
             <a:r>
-              <a:rPr lang="en-US"/>
+              <a:rPr lang="en-US" dirty="0"/>
               <a:t>float a;</a:t>
             </a:r>
           </a:p>
@@ -21595,7 +21828,7 @@
               </a:lnSpc>
             </a:pPr>
             <a:r>
-              <a:rPr lang="en-US"/>
+              <a:rPr lang="en-US" dirty="0"/>
               <a:t>double b;</a:t>
             </a:r>
           </a:p>
@@ -21606,8 +21839,28 @@
               </a:lnSpc>
             </a:pPr>
             <a:r>
-              <a:rPr lang="en-US"/>
-              <a:t>scanf("%f%f",&amp;a,&amp;b);</a:t>
+              <a:rPr lang="en-US" dirty="0" err="1"/>
+              <a:t>scanf</a:t>
+            </a:r>
+            <a:r>
+              <a:rPr lang="en-US" dirty="0"/>
+              <a:t>("%</a:t>
+            </a:r>
+            <a:r>
+              <a:rPr lang="en-US" dirty="0" err="1"/>
+              <a:t>f%f</a:t>
+            </a:r>
+            <a:r>
+              <a:rPr lang="en-US" dirty="0"/>
+              <a:t>",&amp;</a:t>
+            </a:r>
+            <a:r>
+              <a:rPr lang="en-US" dirty="0" err="1"/>
+              <a:t>a,&amp;b</a:t>
+            </a:r>
+            <a:r>
+              <a:rPr lang="en-US" dirty="0"/>
+              <a:t>);</a:t>
             </a:r>
           </a:p>
           <a:p>
@@ -21617,7 +21870,7 @@
               </a:lnSpc>
             </a:pPr>
             <a:r>
-              <a:rPr lang="pt-BR" altLang="en-US"/>
+              <a:rPr lang="pt-BR" altLang="en-US" dirty="0"/>
               <a:t>printf("a=%f,b=%lf\n",a,b);</a:t>
             </a:r>
           </a:p>
@@ -21628,8 +21881,28 @@
               </a:lnSpc>
             </a:pPr>
             <a:r>
-              <a:rPr lang="en-US"/>
-              <a:t>scanf("%f%lf",&amp;a,&amp;b);</a:t>
+              <a:rPr lang="en-US" dirty="0" err="1"/>
+              <a:t>scanf</a:t>
+            </a:r>
+            <a:r>
+              <a:rPr lang="en-US" dirty="0"/>
+              <a:t>("%</a:t>
+            </a:r>
+            <a:r>
+              <a:rPr lang="en-US" dirty="0" err="1"/>
+              <a:t>f%lf</a:t>
+            </a:r>
+            <a:r>
+              <a:rPr lang="en-US" dirty="0"/>
+              <a:t>",&amp;</a:t>
+            </a:r>
+            <a:r>
+              <a:rPr lang="en-US" dirty="0" err="1"/>
+              <a:t>a,&amp;b</a:t>
+            </a:r>
+            <a:r>
+              <a:rPr lang="en-US" dirty="0"/>
+              <a:t>);</a:t>
             </a:r>
           </a:p>
           <a:p>
@@ -21639,7 +21912,7 @@
               </a:lnSpc>
             </a:pPr>
             <a:r>
-              <a:rPr lang="pt-BR" altLang="en-US"/>
+              <a:rPr lang="pt-BR" altLang="en-US" dirty="0"/>
               <a:t>printf("a=%f,b=%lf\n",a,b);</a:t>
             </a:r>
           </a:p>
